--- a/Presentation.pptx
+++ b/Presentation.pptx
@@ -12932,7 +12932,7 @@
                     </m:r>
                   </m:oMath>
                 </a14:m>
-                <a:endParaRPr lang="en-US" dirty="0">
+                <a:endParaRPr lang="en-US" dirty="0" smtClean="0">
                   <a:latin typeface="Times New Roman" charset="0"/>
                   <a:ea typeface="Times New Roman" charset="0"/>
                   <a:cs typeface="Times New Roman" charset="0"/>
@@ -12953,10 +12953,467 @@
                         </m:ctrlPr>
                       </m:sSubPr>
                       <m:e>
+                        <m:r>
+                          <a:rPr lang="en-US" i="1">
+                            <a:latin typeface="Cambria Math" charset="0"/>
+                            <a:ea typeface="Times New Roman" charset="0"/>
+                            <a:cs typeface="Times New Roman" charset="0"/>
+                          </a:rPr>
+                          <m:t>𝜇</m:t>
+                        </m:r>
+                      </m:e>
+                      <m:sub>
+                        <m:r>
+                          <a:rPr lang="en-US" i="1">
+                            <a:latin typeface="Cambria Math" charset="0"/>
+                            <a:ea typeface="Times New Roman" charset="0"/>
+                            <a:cs typeface="Times New Roman" charset="0"/>
+                          </a:rPr>
+                          <m:t>∗</m:t>
+                        </m:r>
+                      </m:sub>
+                    </m:sSub>
+                    <m:r>
+                      <a:rPr lang="en-US" i="1">
+                        <a:latin typeface="Cambria Math" charset="0"/>
+                        <a:ea typeface="Times New Roman" charset="0"/>
+                        <a:cs typeface="Times New Roman" charset="0"/>
+                      </a:rPr>
+                      <m:t> =</m:t>
+                    </m:r>
+                    <m:sSubSup>
+                      <m:sSubSupPr>
+                        <m:ctrlPr>
+                          <a:rPr lang="en-US" b="1" i="1">
+                            <a:latin typeface="Cambria Math" charset="0"/>
+                            <a:ea typeface="Times New Roman" charset="0"/>
+                            <a:cs typeface="Times New Roman" charset="0"/>
+                          </a:rPr>
+                        </m:ctrlPr>
+                      </m:sSubSupPr>
+                      <m:e>
+                        <m:r>
+                          <a:rPr lang="en-US" b="1" i="1">
+                            <a:latin typeface="Cambria Math" charset="0"/>
+                            <a:ea typeface="Times New Roman" charset="0"/>
+                            <a:cs typeface="Times New Roman" charset="0"/>
+                          </a:rPr>
+                          <m:t>𝒌</m:t>
+                        </m:r>
+                      </m:e>
+                      <m:sub>
+                        <m:r>
+                          <a:rPr lang="en-US" b="1" i="1">
+                            <a:latin typeface="Cambria Math" charset="0"/>
+                            <a:ea typeface="Times New Roman" charset="0"/>
+                            <a:cs typeface="Times New Roman" charset="0"/>
+                          </a:rPr>
+                          <m:t>∗</m:t>
+                        </m:r>
+                      </m:sub>
+                      <m:sup>
+                        <m:r>
+                          <a:rPr lang="en-US" b="1" i="1">
+                            <a:latin typeface="Cambria Math" charset="0"/>
+                            <a:ea typeface="Times New Roman" charset="0"/>
+                            <a:cs typeface="Times New Roman" charset="0"/>
+                          </a:rPr>
+                          <m:t>𝑻</m:t>
+                        </m:r>
+                      </m:sup>
+                    </m:sSubSup>
+                    <m:sSubSup>
+                      <m:sSubSupPr>
+                        <m:ctrlPr>
+                          <a:rPr lang="en-US" b="1" i="1" smtClean="0">
+                            <a:solidFill>
+                              <a:srgbClr val="FF0000"/>
+                            </a:solidFill>
+                            <a:latin typeface="Cambria Math" charset="0"/>
+                            <a:ea typeface="Times New Roman" charset="0"/>
+                            <a:cs typeface="Times New Roman" charset="0"/>
+                          </a:rPr>
+                        </m:ctrlPr>
+                      </m:sSubSupPr>
+                      <m:e>
+                        <m:r>
+                          <a:rPr lang="en-US" b="1" i="1">
+                            <a:solidFill>
+                              <a:srgbClr val="FF0000"/>
+                            </a:solidFill>
+                            <a:latin typeface="Cambria Math" charset="0"/>
+                            <a:ea typeface="Times New Roman" charset="0"/>
+                            <a:cs typeface="Times New Roman" charset="0"/>
+                          </a:rPr>
+                          <m:t> </m:t>
+                        </m:r>
+                        <m:r>
+                          <a:rPr lang="en-US" b="1" i="1">
+                            <a:solidFill>
+                              <a:srgbClr val="FF0000"/>
+                            </a:solidFill>
+                            <a:latin typeface="Cambria Math" charset="0"/>
+                            <a:ea typeface="Times New Roman" charset="0"/>
+                            <a:cs typeface="Times New Roman" charset="0"/>
+                          </a:rPr>
+                          <m:t>𝑪</m:t>
+                        </m:r>
+                      </m:e>
+                      <m:sub>
+                        <m:r>
+                          <a:rPr lang="en-US" b="1" i="1">
+                            <a:solidFill>
+                              <a:srgbClr val="FF0000"/>
+                            </a:solidFill>
+                            <a:latin typeface="Cambria Math" charset="0"/>
+                            <a:ea typeface="Times New Roman" charset="0"/>
+                            <a:cs typeface="Times New Roman" charset="0"/>
+                          </a:rPr>
+                          <m:t>𝑵</m:t>
+                        </m:r>
+                      </m:sub>
+                      <m:sup>
+                        <m:r>
+                          <a:rPr lang="en-US" b="1" i="1">
+                            <a:solidFill>
+                              <a:srgbClr val="FF0000"/>
+                            </a:solidFill>
+                            <a:latin typeface="Cambria Math" charset="0"/>
+                            <a:ea typeface="Times New Roman" charset="0"/>
+                            <a:cs typeface="Times New Roman" charset="0"/>
+                          </a:rPr>
+                          <m:t>−</m:t>
+                        </m:r>
+                        <m:r>
+                          <a:rPr lang="en-US" b="1" i="1">
+                            <a:solidFill>
+                              <a:srgbClr val="FF0000"/>
+                            </a:solidFill>
+                            <a:latin typeface="Cambria Math" charset="0"/>
+                            <a:ea typeface="Times New Roman" charset="0"/>
+                            <a:cs typeface="Times New Roman" charset="0"/>
+                          </a:rPr>
+                          <m:t>𝟏</m:t>
+                        </m:r>
+                      </m:sup>
+                    </m:sSubSup>
+                    <m:r>
+                      <a:rPr lang="en-US" b="1" i="1">
+                        <a:solidFill>
+                          <a:srgbClr val="FF0000"/>
+                        </a:solidFill>
+                        <a:latin typeface="Cambria Math" charset="0"/>
+                        <a:ea typeface="Times New Roman" charset="0"/>
+                        <a:cs typeface="Times New Roman" charset="0"/>
+                      </a:rPr>
+                      <m:t> </m:t>
+                    </m:r>
+                    <m:r>
+                      <a:rPr lang="en-US" b="1" i="1">
+                        <a:solidFill>
+                          <a:srgbClr val="FF0000"/>
+                        </a:solidFill>
+                        <a:latin typeface="Cambria Math" charset="0"/>
+                        <a:ea typeface="Times New Roman" charset="0"/>
+                        <a:cs typeface="Times New Roman" charset="0"/>
+                      </a:rPr>
+                      <m:t>𝒚</m:t>
+                    </m:r>
+                  </m:oMath>
+                </a14:m>
+                <a:r>
+                  <a:rPr lang="en-US" dirty="0" smtClean="0">
+                    <a:solidFill>
+                      <a:srgbClr val="FF0000"/>
+                    </a:solidFill>
+                    <a:latin typeface="Times New Roman" charset="0"/>
+                    <a:ea typeface="Times New Roman" charset="0"/>
+                    <a:cs typeface="Times New Roman" charset="0"/>
+                  </a:rPr>
+                  <a:t>   </a:t>
+                </a:r>
+                <a:r>
+                  <a:rPr lang="en-US" dirty="0" smtClean="0">
+                    <a:solidFill>
+                      <a:schemeClr val="tx1"/>
+                    </a:solidFill>
+                    <a:latin typeface="Times New Roman" charset="0"/>
+                    <a:ea typeface="Times New Roman" charset="0"/>
+                    <a:cs typeface="Times New Roman" charset="0"/>
+                  </a:rPr>
+                  <a:t>=</a:t>
+                </a:r>
+                <a:r>
+                  <a:rPr lang="en-US" dirty="0" smtClean="0">
+                    <a:solidFill>
+                      <a:srgbClr val="FF0000"/>
+                    </a:solidFill>
+                    <a:latin typeface="Times New Roman" charset="0"/>
+                    <a:ea typeface="Times New Roman" charset="0"/>
+                    <a:cs typeface="Times New Roman" charset="0"/>
+                  </a:rPr>
+                  <a:t> </a:t>
+                </a:r>
+                <a14:m>
+                  <m:oMath xmlns:m="http://schemas.openxmlformats.org/officeDocument/2006/math">
+                    <m:sSubSup>
+                      <m:sSubSupPr>
+                        <m:ctrlPr>
+                          <a:rPr lang="en-US" b="1" i="1">
+                            <a:latin typeface="Cambria Math" charset="0"/>
+                            <a:ea typeface="Times New Roman" charset="0"/>
+                            <a:cs typeface="Times New Roman" charset="0"/>
+                          </a:rPr>
+                        </m:ctrlPr>
+                      </m:sSubSupPr>
+                      <m:e>
+                        <m:r>
+                          <a:rPr lang="en-US" b="1" i="1">
+                            <a:latin typeface="Cambria Math" charset="0"/>
+                            <a:ea typeface="Times New Roman" charset="0"/>
+                            <a:cs typeface="Times New Roman" charset="0"/>
+                          </a:rPr>
+                          <m:t>𝒌</m:t>
+                        </m:r>
+                      </m:e>
+                      <m:sub>
+                        <m:r>
+                          <a:rPr lang="en-US" b="1" i="1">
+                            <a:latin typeface="Cambria Math" charset="0"/>
+                            <a:ea typeface="Times New Roman" charset="0"/>
+                            <a:cs typeface="Times New Roman" charset="0"/>
+                          </a:rPr>
+                          <m:t>∗</m:t>
+                        </m:r>
+                      </m:sub>
+                      <m:sup>
+                        <m:r>
+                          <a:rPr lang="en-US" b="1" i="1">
+                            <a:latin typeface="Cambria Math" charset="0"/>
+                            <a:ea typeface="Times New Roman" charset="0"/>
+                            <a:cs typeface="Times New Roman" charset="0"/>
+                          </a:rPr>
+                          <m:t>𝑻</m:t>
+                        </m:r>
+                      </m:sup>
+                    </m:sSubSup>
+                    <m:r>
+                      <a:rPr lang="en-US" b="0" i="1" dirty="0" smtClean="0">
+                        <a:solidFill>
+                          <a:srgbClr val="FF0000"/>
+                        </a:solidFill>
+                        <a:latin typeface="Cambria Math" charset="0"/>
+                        <a:ea typeface="Times New Roman" charset="0"/>
+                        <a:cs typeface="Times New Roman" charset="0"/>
+                      </a:rPr>
+                      <m:t>𝛼</m:t>
+                    </m:r>
+                    <m:r>
+                      <a:rPr lang="en-US" b="0" i="1" dirty="0" smtClean="0">
+                        <a:solidFill>
+                          <a:srgbClr val="FF0000"/>
+                        </a:solidFill>
+                        <a:latin typeface="Cambria Math" charset="0"/>
+                        <a:ea typeface="Times New Roman" charset="0"/>
+                        <a:cs typeface="Times New Roman" charset="0"/>
+                      </a:rPr>
+                      <m:t>  </m:t>
+                    </m:r>
+                  </m:oMath>
+                </a14:m>
+                <a:r>
+                  <a:rPr lang="en-US" dirty="0" smtClean="0">
+                    <a:solidFill>
+                      <a:schemeClr val="tx1"/>
+                    </a:solidFill>
+                    <a:latin typeface="Times New Roman" charset="0"/>
+                    <a:ea typeface="Times New Roman" charset="0"/>
+                    <a:cs typeface="Times New Roman" charset="0"/>
+                  </a:rPr>
+                  <a:t>= </a:t>
+                </a:r>
+                <a14:m>
+                  <m:oMath xmlns:m="http://schemas.openxmlformats.org/officeDocument/2006/math">
+                    <m:nary>
+                      <m:naryPr>
+                        <m:chr m:val="∑"/>
+                        <m:ctrlPr>
+                          <a:rPr lang="is-IS" i="1" smtClean="0">
+                            <a:solidFill>
+                              <a:schemeClr val="tx1"/>
+                            </a:solidFill>
+                            <a:latin typeface="Cambria Math" charset="0"/>
+                            <a:ea typeface="Times New Roman" charset="0"/>
+                            <a:cs typeface="Times New Roman" charset="0"/>
+                          </a:rPr>
+                        </m:ctrlPr>
+                      </m:naryPr>
+                      <m:sub>
+                        <m:r>
+                          <m:rPr>
+                            <m:brk m:alnAt="23"/>
+                          </m:rPr>
+                          <a:rPr lang="en-US" b="0" i="1" smtClean="0">
+                            <a:solidFill>
+                              <a:schemeClr val="tx1"/>
+                            </a:solidFill>
+                            <a:latin typeface="Cambria Math" charset="0"/>
+                            <a:ea typeface="Times New Roman" charset="0"/>
+                            <a:cs typeface="Times New Roman" charset="0"/>
+                          </a:rPr>
+                          <m:t>𝑖</m:t>
+                        </m:r>
+                        <m:r>
+                          <a:rPr lang="en-US" b="0" i="1" smtClean="0">
+                            <a:solidFill>
+                              <a:schemeClr val="tx1"/>
+                            </a:solidFill>
+                            <a:latin typeface="Cambria Math" charset="0"/>
+                            <a:ea typeface="Times New Roman" charset="0"/>
+                            <a:cs typeface="Times New Roman" charset="0"/>
+                          </a:rPr>
+                          <m:t>=1</m:t>
+                        </m:r>
+                      </m:sub>
+                      <m:sup>
+                        <m:r>
+                          <a:rPr lang="en-US" b="0" i="1" smtClean="0">
+                            <a:solidFill>
+                              <a:schemeClr val="tx1"/>
+                            </a:solidFill>
+                            <a:latin typeface="Cambria Math" charset="0"/>
+                            <a:ea typeface="Times New Roman" charset="0"/>
+                            <a:cs typeface="Times New Roman" charset="0"/>
+                          </a:rPr>
+                          <m:t>𝑛</m:t>
+                        </m:r>
+                      </m:sup>
+                      <m:e>
+                        <m:r>
+                          <a:rPr lang="en-US" b="0" i="1" smtClean="0">
+                            <a:solidFill>
+                              <a:schemeClr val="tx1"/>
+                            </a:solidFill>
+                            <a:latin typeface="Cambria Math" charset="0"/>
+                            <a:ea typeface="Times New Roman" charset="0"/>
+                            <a:cs typeface="Times New Roman" charset="0"/>
+                          </a:rPr>
+                          <m:t>𝑘</m:t>
+                        </m:r>
+                        <m:d>
+                          <m:dPr>
+                            <m:ctrlPr>
+                              <a:rPr lang="en-US" b="0" i="1" smtClean="0">
+                                <a:solidFill>
+                                  <a:schemeClr val="tx1"/>
+                                </a:solidFill>
+                                <a:latin typeface="Cambria Math" charset="0"/>
+                                <a:ea typeface="Times New Roman" charset="0"/>
+                                <a:cs typeface="Times New Roman" charset="0"/>
+                              </a:rPr>
+                            </m:ctrlPr>
+                          </m:dPr>
+                          <m:e>
+                            <m:sSub>
+                              <m:sSubPr>
+                                <m:ctrlPr>
+                                  <a:rPr lang="en-US" b="0" i="1" smtClean="0">
+                                    <a:solidFill>
+                                      <a:schemeClr val="tx1"/>
+                                    </a:solidFill>
+                                    <a:latin typeface="Cambria Math" charset="0"/>
+                                    <a:ea typeface="Times New Roman" charset="0"/>
+                                    <a:cs typeface="Times New Roman" charset="0"/>
+                                  </a:rPr>
+                                </m:ctrlPr>
+                              </m:sSubPr>
+                              <m:e>
+                                <m:r>
+                                  <a:rPr lang="en-US" b="0" i="1" smtClean="0">
+                                    <a:solidFill>
+                                      <a:schemeClr val="tx1"/>
+                                    </a:solidFill>
+                                    <a:latin typeface="Cambria Math" charset="0"/>
+                                    <a:ea typeface="Times New Roman" charset="0"/>
+                                    <a:cs typeface="Times New Roman" charset="0"/>
+                                  </a:rPr>
+                                  <m:t>𝑥</m:t>
+                                </m:r>
+                              </m:e>
+                              <m:sub>
+                                <m:r>
+                                  <a:rPr lang="en-US" b="0" i="1" smtClean="0">
+                                    <a:solidFill>
+                                      <a:schemeClr val="tx1"/>
+                                    </a:solidFill>
+                                    <a:latin typeface="Cambria Math" charset="0"/>
+                                    <a:ea typeface="Times New Roman" charset="0"/>
+                                    <a:cs typeface="Times New Roman" charset="0"/>
+                                  </a:rPr>
+                                  <m:t>∗</m:t>
+                                </m:r>
+                              </m:sub>
+                            </m:sSub>
+                            <m:r>
+                              <a:rPr lang="en-US" b="0" i="1" smtClean="0">
+                                <a:solidFill>
+                                  <a:schemeClr val="tx1"/>
+                                </a:solidFill>
+                                <a:latin typeface="Cambria Math" charset="0"/>
+                                <a:ea typeface="Times New Roman" charset="0"/>
+                                <a:cs typeface="Times New Roman" charset="0"/>
+                              </a:rPr>
+                              <m:t> , </m:t>
+                            </m:r>
+                            <m:sSub>
+                              <m:sSubPr>
+                                <m:ctrlPr>
+                                  <a:rPr lang="en-US" b="0" i="1" smtClean="0">
+                                    <a:solidFill>
+                                      <a:schemeClr val="tx1"/>
+                                    </a:solidFill>
+                                    <a:latin typeface="Cambria Math" charset="0"/>
+                                    <a:ea typeface="Times New Roman" charset="0"/>
+                                    <a:cs typeface="Times New Roman" charset="0"/>
+                                  </a:rPr>
+                                </m:ctrlPr>
+                              </m:sSubPr>
+                              <m:e>
+                                <m:r>
+                                  <a:rPr lang="en-US" b="0" i="1" smtClean="0">
+                                    <a:solidFill>
+                                      <a:schemeClr val="tx1"/>
+                                    </a:solidFill>
+                                    <a:latin typeface="Cambria Math" charset="0"/>
+                                    <a:ea typeface="Times New Roman" charset="0"/>
+                                    <a:cs typeface="Times New Roman" charset="0"/>
+                                  </a:rPr>
+                                  <m:t>𝑥</m:t>
+                                </m:r>
+                              </m:e>
+                              <m:sub>
+                                <m:r>
+                                  <a:rPr lang="en-US" b="0" i="1" smtClean="0">
+                                    <a:solidFill>
+                                      <a:schemeClr val="tx1"/>
+                                    </a:solidFill>
+                                    <a:latin typeface="Cambria Math" charset="0"/>
+                                    <a:ea typeface="Times New Roman" charset="0"/>
+                                    <a:cs typeface="Times New Roman" charset="0"/>
+                                  </a:rPr>
+                                  <m:t>𝑛</m:t>
+                                </m:r>
+                              </m:sub>
+                            </m:sSub>
+                          </m:e>
+                        </m:d>
                         <m:sSub>
                           <m:sSubPr>
                             <m:ctrlPr>
-                              <a:rPr lang="en-US" i="1">
+                              <a:rPr lang="en-US" b="0" i="1" smtClean="0">
+                                <a:solidFill>
+                                  <a:schemeClr val="tx1"/>
+                                </a:solidFill>
                                 <a:latin typeface="Cambria Math" charset="0"/>
                                 <a:ea typeface="Times New Roman" charset="0"/>
                                 <a:cs typeface="Times New Roman" charset="0"/>
@@ -12965,342 +13422,54 @@
                           </m:sSubPr>
                           <m:e>
                             <m:r>
-                              <a:rPr lang="en-US" i="1">
+                              <a:rPr lang="en-US" b="0" i="1" smtClean="0">
+                                <a:solidFill>
+                                  <a:schemeClr val="tx1"/>
+                                </a:solidFill>
                                 <a:latin typeface="Cambria Math" charset="0"/>
                                 <a:ea typeface="Times New Roman" charset="0"/>
                                 <a:cs typeface="Times New Roman" charset="0"/>
                               </a:rPr>
-                              <m:t>𝐶</m:t>
+                              <m:t>𝛼</m:t>
                             </m:r>
                           </m:e>
                           <m:sub>
                             <m:r>
-                              <a:rPr lang="en-US" i="1">
+                              <a:rPr lang="en-US" b="0" i="1" smtClean="0">
+                                <a:solidFill>
+                                  <a:schemeClr val="tx1"/>
+                                </a:solidFill>
                                 <a:latin typeface="Cambria Math" charset="0"/>
                                 <a:ea typeface="Times New Roman" charset="0"/>
                                 <a:cs typeface="Times New Roman" charset="0"/>
                               </a:rPr>
-                              <m:t>𝑁</m:t>
-                            </m:r>
-                          </m:sub>
-                        </m:sSub>
-                        <m:r>
-                          <a:rPr lang="en-US" i="1">
-                            <a:latin typeface="Cambria Math" charset="0"/>
-                            <a:ea typeface="Times New Roman" charset="0"/>
-                            <a:cs typeface="Times New Roman" charset="0"/>
-                          </a:rPr>
-                          <m:t> ∈</m:t>
-                        </m:r>
-                        <m:sSup>
-                          <m:sSupPr>
-                            <m:ctrlPr>
-                              <a:rPr lang="en-US" i="1">
-                                <a:latin typeface="Cambria Math" charset="0"/>
-                                <a:ea typeface="Times New Roman" charset="0"/>
-                                <a:cs typeface="Times New Roman" charset="0"/>
-                              </a:rPr>
-                            </m:ctrlPr>
-                          </m:sSupPr>
-                          <m:e>
-                            <m:r>
-                              <a:rPr lang="en-US" i="1">
-                                <a:latin typeface="Cambria Math" charset="0"/>
-                                <a:ea typeface="Times New Roman" charset="0"/>
-                                <a:cs typeface="Times New Roman" charset="0"/>
-                              </a:rPr>
-                              <m:t>𝑅</m:t>
-                            </m:r>
-                          </m:e>
-                          <m:sup>
-                            <m:r>
-                              <a:rPr lang="en-US" i="1">
-                                <a:latin typeface="Cambria Math" charset="0"/>
-                                <a:ea typeface="Times New Roman" charset="0"/>
-                                <a:cs typeface="Times New Roman" charset="0"/>
-                              </a:rPr>
-                              <m:t>𝑁𝑋𝑁</m:t>
-                            </m:r>
-                          </m:sup>
-                        </m:sSup>
-                        <m:r>
-                          <a:rPr lang="en-US" i="1">
-                            <a:latin typeface="Cambria Math" charset="0"/>
-                            <a:ea typeface="Times New Roman" charset="0"/>
-                            <a:cs typeface="Times New Roman" charset="0"/>
-                          </a:rPr>
-                          <m:t>   </m:t>
-                        </m:r>
-                        <m:r>
-                          <a:rPr lang="en-US" i="1">
-                            <a:latin typeface="Cambria Math" charset="0"/>
-                            <a:ea typeface="Times New Roman" charset="0"/>
-                            <a:cs typeface="Times New Roman" charset="0"/>
-                          </a:rPr>
-                          <m:t>𝑤h𝑒𝑟𝑒</m:t>
-                        </m:r>
-                        <m:r>
-                          <a:rPr lang="en-US" i="1">
-                            <a:latin typeface="Cambria Math" charset="0"/>
-                            <a:ea typeface="Times New Roman" charset="0"/>
-                            <a:cs typeface="Times New Roman" charset="0"/>
-                          </a:rPr>
-                          <m:t> </m:t>
-                        </m:r>
-                        <m:r>
-                          <a:rPr lang="en-US" i="1">
-                            <a:latin typeface="Cambria Math" charset="0"/>
-                            <a:ea typeface="Times New Roman" charset="0"/>
-                            <a:cs typeface="Times New Roman" charset="0"/>
-                          </a:rPr>
-                          <m:t>𝐶</m:t>
-                        </m:r>
-                      </m:e>
-                      <m:sub>
-                        <m:r>
-                          <a:rPr lang="en-US" i="1">
-                            <a:latin typeface="Cambria Math" charset="0"/>
-                            <a:ea typeface="Times New Roman" charset="0"/>
-                            <a:cs typeface="Times New Roman" charset="0"/>
-                          </a:rPr>
-                          <m:t>𝑁</m:t>
-                        </m:r>
-                      </m:sub>
-                    </m:sSub>
-                    <m:d>
-                      <m:dPr>
-                        <m:begChr m:val="["/>
-                        <m:endChr m:val="]"/>
-                        <m:ctrlPr>
-                          <a:rPr lang="en-US" i="1">
-                            <a:latin typeface="Cambria Math" charset="0"/>
-                            <a:ea typeface="Times New Roman" charset="0"/>
-                            <a:cs typeface="Times New Roman" charset="0"/>
-                          </a:rPr>
-                        </m:ctrlPr>
-                      </m:dPr>
-                      <m:e>
-                        <m:r>
-                          <a:rPr lang="en-US" i="1">
-                            <a:latin typeface="Cambria Math" charset="0"/>
-                            <a:ea typeface="Times New Roman" charset="0"/>
-                            <a:cs typeface="Times New Roman" charset="0"/>
-                          </a:rPr>
-                          <m:t>𝑖</m:t>
-                        </m:r>
-                        <m:r>
-                          <a:rPr lang="en-US" i="1">
-                            <a:latin typeface="Cambria Math" charset="0"/>
-                            <a:ea typeface="Times New Roman" charset="0"/>
-                            <a:cs typeface="Times New Roman" charset="0"/>
-                          </a:rPr>
-                          <m:t>, </m:t>
-                        </m:r>
-                        <m:r>
-                          <a:rPr lang="en-US" i="1">
-                            <a:latin typeface="Cambria Math" charset="0"/>
-                            <a:ea typeface="Times New Roman" charset="0"/>
-                            <a:cs typeface="Times New Roman" charset="0"/>
-                          </a:rPr>
-                          <m:t>𝑗</m:t>
-                        </m:r>
-                      </m:e>
-                    </m:d>
-                    <m:r>
-                      <a:rPr lang="en-US" i="1">
-                        <a:latin typeface="Cambria Math" charset="0"/>
-                        <a:ea typeface="Times New Roman" charset="0"/>
-                        <a:cs typeface="Times New Roman" charset="0"/>
-                      </a:rPr>
-                      <m:t>=</m:t>
-                    </m:r>
-                    <m:r>
-                      <a:rPr lang="en-US" i="1">
-                        <a:latin typeface="Cambria Math" charset="0"/>
-                        <a:ea typeface="Times New Roman" charset="0"/>
-                        <a:cs typeface="Times New Roman" charset="0"/>
-                      </a:rPr>
-                      <m:t>𝑘</m:t>
-                    </m:r>
-                    <m:d>
-                      <m:dPr>
-                        <m:ctrlPr>
-                          <a:rPr lang="en-US" i="1">
-                            <a:latin typeface="Cambria Math" charset="0"/>
-                            <a:ea typeface="Times New Roman" charset="0"/>
-                            <a:cs typeface="Times New Roman" charset="0"/>
-                          </a:rPr>
-                        </m:ctrlPr>
-                      </m:dPr>
-                      <m:e>
-                        <m:sSub>
-                          <m:sSubPr>
-                            <m:ctrlPr>
-                              <a:rPr lang="en-US" i="1">
-                                <a:latin typeface="Cambria Math" charset="0"/>
-                                <a:ea typeface="Times New Roman" charset="0"/>
-                                <a:cs typeface="Times New Roman" charset="0"/>
-                              </a:rPr>
-                            </m:ctrlPr>
-                          </m:sSubPr>
-                          <m:e>
-                            <m:r>
-                              <a:rPr lang="en-US" i="1">
-                                <a:latin typeface="Cambria Math" charset="0"/>
-                                <a:ea typeface="Times New Roman" charset="0"/>
-                                <a:cs typeface="Times New Roman" charset="0"/>
-                              </a:rPr>
-                              <m:t>𝑥</m:t>
-                            </m:r>
-                          </m:e>
-                          <m:sub>
-                            <m:r>
-                              <a:rPr lang="en-US" i="1">
-                                <a:latin typeface="Cambria Math" charset="0"/>
-                                <a:ea typeface="Times New Roman" charset="0"/>
-                                <a:cs typeface="Times New Roman" charset="0"/>
-                              </a:rPr>
-                              <m:t>𝑖</m:t>
-                            </m:r>
-                          </m:sub>
-                        </m:sSub>
-                        <m:r>
-                          <a:rPr lang="en-US" i="1">
-                            <a:latin typeface="Cambria Math" charset="0"/>
-                            <a:ea typeface="Times New Roman" charset="0"/>
-                            <a:cs typeface="Times New Roman" charset="0"/>
-                          </a:rPr>
-                          <m:t>, </m:t>
-                        </m:r>
-                        <m:sSub>
-                          <m:sSubPr>
-                            <m:ctrlPr>
-                              <a:rPr lang="en-US" i="1">
-                                <a:latin typeface="Cambria Math" charset="0"/>
-                                <a:ea typeface="Times New Roman" charset="0"/>
-                                <a:cs typeface="Times New Roman" charset="0"/>
-                              </a:rPr>
-                            </m:ctrlPr>
-                          </m:sSubPr>
-                          <m:e>
-                            <m:r>
-                              <a:rPr lang="en-US" i="1">
-                                <a:latin typeface="Cambria Math" charset="0"/>
-                                <a:ea typeface="Times New Roman" charset="0"/>
-                                <a:cs typeface="Times New Roman" charset="0"/>
-                              </a:rPr>
-                              <m:t>𝑥</m:t>
-                            </m:r>
-                          </m:e>
-                          <m:sub>
-                            <m:r>
-                              <a:rPr lang="en-US" i="1">
-                                <a:latin typeface="Cambria Math" charset="0"/>
-                                <a:ea typeface="Times New Roman" charset="0"/>
-                                <a:cs typeface="Times New Roman" charset="0"/>
-                              </a:rPr>
-                              <m:t>𝑗</m:t>
+                              <m:t>𝑛</m:t>
                             </m:r>
                           </m:sub>
                         </m:sSub>
                       </m:e>
-                    </m:d>
-                    <m:r>
-                      <a:rPr lang="en-US" i="1">
-                        <a:latin typeface="Cambria Math" charset="0"/>
-                        <a:ea typeface="Times New Roman" charset="0"/>
-                        <a:cs typeface="Times New Roman" charset="0"/>
-                      </a:rPr>
-                      <m:t>+</m:t>
-                    </m:r>
-                    <m:r>
-                      <a:rPr lang="en-US" i="1">
-                        <a:latin typeface="Cambria Math" charset="0"/>
-                        <a:ea typeface="Times New Roman" charset="0"/>
-                        <a:cs typeface="Times New Roman" charset="0"/>
-                      </a:rPr>
-                      <m:t>𝐼</m:t>
-                    </m:r>
-                    <m:d>
-                      <m:dPr>
-                        <m:begChr m:val="["/>
-                        <m:endChr m:val="]"/>
-                        <m:ctrlPr>
-                          <a:rPr lang="en-US" i="1">
-                            <a:latin typeface="Cambria Math" charset="0"/>
-                            <a:ea typeface="Times New Roman" charset="0"/>
-                            <a:cs typeface="Times New Roman" charset="0"/>
-                          </a:rPr>
-                        </m:ctrlPr>
-                      </m:dPr>
-                      <m:e>
-                        <m:r>
-                          <a:rPr lang="en-US" i="1">
-                            <a:latin typeface="Cambria Math" charset="0"/>
-                            <a:ea typeface="Times New Roman" charset="0"/>
-                            <a:cs typeface="Times New Roman" charset="0"/>
-                          </a:rPr>
-                          <m:t>𝑖</m:t>
-                        </m:r>
-                        <m:r>
-                          <a:rPr lang="en-US" i="1">
-                            <a:latin typeface="Cambria Math" charset="0"/>
-                            <a:ea typeface="Times New Roman" charset="0"/>
-                            <a:cs typeface="Times New Roman" charset="0"/>
-                          </a:rPr>
-                          <m:t>=</m:t>
-                        </m:r>
-                        <m:r>
-                          <a:rPr lang="en-US" i="1">
-                            <a:latin typeface="Cambria Math" charset="0"/>
-                            <a:ea typeface="Times New Roman" charset="0"/>
-                            <a:cs typeface="Times New Roman" charset="0"/>
-                          </a:rPr>
-                          <m:t>𝑗</m:t>
-                        </m:r>
-                      </m:e>
-                    </m:d>
-                    <m:r>
-                      <a:rPr lang="en-US" i="1">
-                        <a:latin typeface="Cambria Math" charset="0"/>
-                        <a:ea typeface="Times New Roman" charset="0"/>
-                        <a:cs typeface="Times New Roman" charset="0"/>
-                      </a:rPr>
-                      <m:t> </m:t>
-                    </m:r>
-                    <m:sSup>
-                      <m:sSupPr>
-                        <m:ctrlPr>
-                          <a:rPr lang="en-US" i="1">
-                            <a:latin typeface="Cambria Math" charset="0"/>
-                            <a:ea typeface="Times New Roman" charset="0"/>
-                            <a:cs typeface="Times New Roman" charset="0"/>
-                          </a:rPr>
-                        </m:ctrlPr>
-                      </m:sSupPr>
-                      <m:e>
-                        <m:r>
-                          <a:rPr lang="en-US" i="1">
-                            <a:latin typeface="Cambria Math" charset="0"/>
-                            <a:ea typeface="Times New Roman" charset="0"/>
-                            <a:cs typeface="Times New Roman" charset="0"/>
-                          </a:rPr>
-                          <m:t>𝜎</m:t>
-                        </m:r>
-                      </m:e>
-                      <m:sup>
-                        <m:r>
-                          <a:rPr lang="en-US" i="1">
-                            <a:latin typeface="Cambria Math" charset="0"/>
-                            <a:ea typeface="Times New Roman" charset="0"/>
-                            <a:cs typeface="Times New Roman" charset="0"/>
-                          </a:rPr>
-                          <m:t>2</m:t>
-                        </m:r>
-                      </m:sup>
-                    </m:sSup>
+                    </m:nary>
                   </m:oMath>
                 </a14:m>
+                <a:endParaRPr lang="en-US" dirty="0">
+                  <a:solidFill>
+                    <a:schemeClr val="tx1"/>
+                  </a:solidFill>
+                  <a:latin typeface="Times New Roman" charset="0"/>
+                  <a:ea typeface="Times New Roman" charset="0"/>
+                  <a:cs typeface="Times New Roman" charset="0"/>
+                </a:endParaRPr>
+              </a:p>
+              <a:p>
+                <a:pPr lvl="1"/>
+                <a:endParaRPr lang="en-US" dirty="0" smtClean="0">
+                  <a:latin typeface="Times New Roman" charset="0"/>
+                  <a:ea typeface="Times New Roman" charset="0"/>
+                  <a:cs typeface="Times New Roman" charset="0"/>
+                </a:endParaRPr>
+              </a:p>
+              <a:p>
+                <a:pPr lvl="1"/>
                 <a:endParaRPr lang="en-US" dirty="0" smtClean="0"/>
               </a:p>
               <a:p>

--- a/Presentation.pptx
+++ b/Presentation.pptx
@@ -5,7 +5,7 @@
     <p:sldMasterId id="2147483648" r:id="rId1"/>
   </p:sldMasterIdLst>
   <p:notesMasterIdLst>
-    <p:notesMasterId r:id="rId20"/>
+    <p:notesMasterId r:id="rId24"/>
   </p:notesMasterIdLst>
   <p:sldIdLst>
     <p:sldId id="256" r:id="rId2"/>
@@ -26,6 +26,10 @@
     <p:sldId id="271" r:id="rId17"/>
     <p:sldId id="272" r:id="rId18"/>
     <p:sldId id="273" r:id="rId19"/>
+    <p:sldId id="274" r:id="rId20"/>
+    <p:sldId id="275" r:id="rId21"/>
+    <p:sldId id="276" r:id="rId22"/>
+    <p:sldId id="277" r:id="rId23"/>
   </p:sldIdLst>
   <p:sldSz cx="12192000" cy="6858000"/>
   <p:notesSz cx="6858000" cy="9144000"/>
@@ -124,6 +128,11 @@
       </a:defRPr>
     </a:lvl9pPr>
   </p:defaultTextStyle>
+  <p:extLst>
+    <p:ext uri="{EFAFB233-063F-42B5-8137-9DF3F51BA10A}">
+      <p15:sldGuideLst xmlns:p15="http://schemas.microsoft.com/office/powerpoint/2012/main"/>
+    </p:ext>
+  </p:extLst>
 </p:presentation>
 </file>
 
@@ -209,7 +218,7 @@
           <a:p>
             <a:fld id="{0F9504F7-19DA-E943-B2A1-BF441C8C61C6}" type="datetimeFigureOut">
               <a:rPr lang="en-US" smtClean="0"/>
-              <a:t>4/24/18</a:t>
+              <a:t>4/25/18</a:t>
             </a:fld>
             <a:endParaRPr lang="en-US"/>
           </a:p>
@@ -1704,7 +1713,7 @@
             <a:fld id="{B61BEF0D-F0BB-DE4B-95CE-6DB70DBA9567}" type="datetimeFigureOut">
               <a:rPr lang="en-US" dirty="0"/>
               <a:pPr/>
-              <a:t>4/24/18</a:t>
+              <a:t>4/25/18</a:t>
             </a:fld>
             <a:endParaRPr lang="en-US" dirty="0"/>
           </a:p>
@@ -1952,7 +1961,7 @@
             <a:fld id="{B61BEF0D-F0BB-DE4B-95CE-6DB70DBA9567}" type="datetimeFigureOut">
               <a:rPr lang="en-US" dirty="0"/>
               <a:pPr/>
-              <a:t>4/24/18</a:t>
+              <a:t>4/25/18</a:t>
             </a:fld>
             <a:endParaRPr lang="en-US" dirty="0"/>
           </a:p>
@@ -2263,7 +2272,7 @@
             <a:fld id="{B61BEF0D-F0BB-DE4B-95CE-6DB70DBA9567}" type="datetimeFigureOut">
               <a:rPr lang="en-US" dirty="0"/>
               <a:pPr/>
-              <a:t>4/24/18</a:t>
+              <a:t>4/25/18</a:t>
             </a:fld>
             <a:endParaRPr lang="en-US" dirty="0"/>
           </a:p>
@@ -2601,7 +2610,7 @@
             <a:fld id="{B61BEF0D-F0BB-DE4B-95CE-6DB70DBA9567}" type="datetimeFigureOut">
               <a:rPr lang="en-US" dirty="0"/>
               <a:pPr/>
-              <a:t>4/24/18</a:t>
+              <a:t>4/25/18</a:t>
             </a:fld>
             <a:endParaRPr lang="en-US" dirty="0"/>
           </a:p>
@@ -2912,7 +2921,7 @@
             <a:fld id="{B61BEF0D-F0BB-DE4B-95CE-6DB70DBA9567}" type="datetimeFigureOut">
               <a:rPr lang="en-US" dirty="0"/>
               <a:pPr/>
-              <a:t>4/24/18</a:t>
+              <a:t>4/25/18</a:t>
             </a:fld>
             <a:endParaRPr lang="en-US" dirty="0"/>
           </a:p>
@@ -3302,7 +3311,7 @@
             <a:fld id="{B61BEF0D-F0BB-DE4B-95CE-6DB70DBA9567}" type="datetimeFigureOut">
               <a:rPr lang="en-US" dirty="0"/>
               <a:pPr/>
-              <a:t>4/24/18</a:t>
+              <a:t>4/25/18</a:t>
             </a:fld>
             <a:endParaRPr lang="en-US" dirty="0"/>
           </a:p>
@@ -3468,7 +3477,7 @@
           <a:p>
             <a:fld id="{55C6B4A9-1611-4792-9094-5F34BCA07E0B}" type="datetimeFigureOut">
               <a:rPr lang="en-US" dirty="0"/>
-              <a:t>4/24/18</a:t>
+              <a:t>4/25/18</a:t>
             </a:fld>
             <a:endParaRPr lang="en-US" dirty="0"/>
           </a:p>
@@ -3644,7 +3653,7 @@
             <a:fld id="{B61BEF0D-F0BB-DE4B-95CE-6DB70DBA9567}" type="datetimeFigureOut">
               <a:rPr lang="en-US" dirty="0"/>
               <a:pPr/>
-              <a:t>4/24/18</a:t>
+              <a:t>4/25/18</a:t>
             </a:fld>
             <a:endParaRPr lang="en-US" dirty="0"/>
           </a:p>
@@ -3817,7 +3826,7 @@
             <a:fld id="{B61BEF0D-F0BB-DE4B-95CE-6DB70DBA9567}" type="datetimeFigureOut">
               <a:rPr lang="en-US" dirty="0"/>
               <a:pPr/>
-              <a:t>4/24/18</a:t>
+              <a:t>4/25/18</a:t>
             </a:fld>
             <a:endParaRPr lang="en-US" dirty="0"/>
           </a:p>
@@ -4061,7 +4070,7 @@
             <a:fld id="{B61BEF0D-F0BB-DE4B-95CE-6DB70DBA9567}" type="datetimeFigureOut">
               <a:rPr lang="en-US" dirty="0"/>
               <a:pPr/>
-              <a:t>4/24/18</a:t>
+              <a:t>4/25/18</a:t>
             </a:fld>
             <a:endParaRPr lang="en-US" dirty="0"/>
           </a:p>
@@ -4289,7 +4298,7 @@
           <a:p>
             <a:fld id="{EB712588-04B1-427B-82EE-E8DB90309F08}" type="datetimeFigureOut">
               <a:rPr lang="en-US" dirty="0"/>
-              <a:t>4/24/18</a:t>
+              <a:t>4/25/18</a:t>
             </a:fld>
             <a:endParaRPr lang="en-US" dirty="0"/>
           </a:p>
@@ -4659,7 +4668,7 @@
             <a:fld id="{B61BEF0D-F0BB-DE4B-95CE-6DB70DBA9567}" type="datetimeFigureOut">
               <a:rPr lang="en-US" dirty="0"/>
               <a:pPr/>
-              <a:t>4/24/18</a:t>
+              <a:t>4/25/18</a:t>
             </a:fld>
             <a:endParaRPr lang="en-US" dirty="0"/>
           </a:p>
@@ -4779,7 +4788,7 @@
             <a:fld id="{B61BEF0D-F0BB-DE4B-95CE-6DB70DBA9567}" type="datetimeFigureOut">
               <a:rPr lang="en-US" dirty="0"/>
               <a:pPr/>
-              <a:t>4/24/18</a:t>
+              <a:t>4/25/18</a:t>
             </a:fld>
             <a:endParaRPr lang="en-US" dirty="0"/>
           </a:p>
@@ -4871,7 +4880,7 @@
             <a:fld id="{B61BEF0D-F0BB-DE4B-95CE-6DB70DBA9567}" type="datetimeFigureOut">
               <a:rPr lang="en-US" dirty="0"/>
               <a:pPr/>
-              <a:t>4/24/18</a:t>
+              <a:t>4/25/18</a:t>
             </a:fld>
             <a:endParaRPr lang="en-US" dirty="0"/>
           </a:p>
@@ -5122,7 +5131,7 @@
           <a:p>
             <a:fld id="{42A54C80-263E-416B-A8E0-580EDEADCBDC}" type="datetimeFigureOut">
               <a:rPr lang="en-US" dirty="0"/>
-              <a:t>4/24/18</a:t>
+              <a:t>4/25/18</a:t>
             </a:fld>
             <a:endParaRPr lang="en-US" dirty="0"/>
           </a:p>
@@ -5381,7 +5390,7 @@
             <a:fld id="{B61BEF0D-F0BB-DE4B-95CE-6DB70DBA9567}" type="datetimeFigureOut">
               <a:rPr lang="en-US" dirty="0"/>
               <a:pPr/>
-              <a:t>4/24/18</a:t>
+              <a:t>4/25/18</a:t>
             </a:fld>
             <a:endParaRPr lang="en-US" dirty="0"/>
           </a:p>
@@ -6121,7 +6130,7 @@
             <a:fld id="{B61BEF0D-F0BB-DE4B-95CE-6DB70DBA9567}" type="datetimeFigureOut">
               <a:rPr lang="en-US" dirty="0"/>
               <a:pPr/>
-              <a:t>4/24/18</a:t>
+              <a:t>4/25/18</a:t>
             </a:fld>
             <a:endParaRPr lang="en-US" dirty="0"/>
           </a:p>
@@ -6929,8 +6938,8 @@
           </a:p>
         </p:txBody>
       </p:sp>
-      <mc:AlternateContent xmlns:mc="http://schemas.openxmlformats.org/markup-compatibility/2006">
-        <mc:Choice xmlns:a14="http://schemas.microsoft.com/office/drawing/2010/main" Requires="a14">
+      <mc:AlternateContent xmlns:mc="http://schemas.openxmlformats.org/markup-compatibility/2006" xmlns:a14="http://schemas.microsoft.com/office/drawing/2010/main">
+        <mc:Choice Requires="a14">
           <p:sp>
             <p:nvSpPr>
               <p:cNvPr id="3" name="Content Placeholder 2"/>
@@ -7212,7 +7221,7 @@
             </p:txBody>
           </p:sp>
         </mc:Choice>
-        <mc:Fallback>
+        <mc:Fallback xmlns="">
           <p:sp>
             <p:nvSpPr>
               <p:cNvPr id="3" name="Content Placeholder 2"/>
@@ -7711,7 +7720,6 @@
               <a:rPr lang="en-US"/>
               <a:t>Bayesian Optimization with Robust Bayesian Neural Networks </a:t>
             </a:r>
-            <a:endParaRPr lang="en-US"/>
           </a:p>
           <a:p>
             <a:endParaRPr lang="en-US" dirty="0"/>
@@ -7771,8 +7779,8 @@
           </a:p>
         </p:txBody>
       </p:sp>
-      <mc:AlternateContent xmlns:mc="http://schemas.openxmlformats.org/markup-compatibility/2006">
-        <mc:Choice xmlns:a14="http://schemas.microsoft.com/office/drawing/2010/main" Requires="a14">
+      <mc:AlternateContent xmlns:mc="http://schemas.openxmlformats.org/markup-compatibility/2006" xmlns:a14="http://schemas.microsoft.com/office/drawing/2010/main">
+        <mc:Choice Requires="a14">
           <p:sp>
             <p:nvSpPr>
               <p:cNvPr id="3" name="Content Placeholder 2"/>
@@ -9069,7 +9077,7 @@
             </p:txBody>
           </p:sp>
         </mc:Choice>
-        <mc:Fallback>
+        <mc:Fallback xmlns="">
           <p:sp>
             <p:nvSpPr>
               <p:cNvPr id="3" name="Content Placeholder 2"/>
@@ -9160,8 +9168,8 @@
           </a:p>
         </p:txBody>
       </p:sp>
-      <mc:AlternateContent xmlns:mc="http://schemas.openxmlformats.org/markup-compatibility/2006">
-        <mc:Choice xmlns:a14="http://schemas.microsoft.com/office/drawing/2010/main" Requires="a14">
+      <mc:AlternateContent xmlns:mc="http://schemas.openxmlformats.org/markup-compatibility/2006" xmlns:a14="http://schemas.microsoft.com/office/drawing/2010/main">
+        <mc:Choice Requires="a14">
           <p:sp>
             <p:nvSpPr>
               <p:cNvPr id="3" name="Content Placeholder 2"/>
@@ -9892,7 +9900,7 @@
             </p:txBody>
           </p:sp>
         </mc:Choice>
-        <mc:Fallback>
+        <mc:Fallback xmlns="">
           <p:sp>
             <p:nvSpPr>
               <p:cNvPr id="3" name="Content Placeholder 2"/>
@@ -10009,8 +10017,8 @@
           </a:p>
         </p:txBody>
       </p:sp>
-      <mc:AlternateContent xmlns:mc="http://schemas.openxmlformats.org/markup-compatibility/2006">
-        <mc:Choice xmlns:a14="http://schemas.microsoft.com/office/drawing/2010/main" Requires="a14">
+      <mc:AlternateContent xmlns:mc="http://schemas.openxmlformats.org/markup-compatibility/2006" xmlns:a14="http://schemas.microsoft.com/office/drawing/2010/main">
+        <mc:Choice Requires="a14">
           <p:sp>
             <p:nvSpPr>
               <p:cNvPr id="3" name="Content Placeholder 2"/>
@@ -12068,7 +12076,7 @@
             </p:txBody>
           </p:sp>
         </mc:Choice>
-        <mc:Fallback>
+        <mc:Fallback xmlns="">
           <p:sp>
             <p:nvSpPr>
               <p:cNvPr id="3" name="Content Placeholder 2"/>
@@ -12159,8 +12167,8 @@
           </a:p>
         </p:txBody>
       </p:sp>
-      <mc:AlternateContent xmlns:mc="http://schemas.openxmlformats.org/markup-compatibility/2006">
-        <mc:Choice xmlns:a14="http://schemas.microsoft.com/office/drawing/2010/main" Requires="a14">
+      <mc:AlternateContent xmlns:mc="http://schemas.openxmlformats.org/markup-compatibility/2006" xmlns:a14="http://schemas.microsoft.com/office/drawing/2010/main">
+        <mc:Choice Requires="a14">
           <p:sp>
             <p:nvSpPr>
               <p:cNvPr id="3" name="Content Placeholder 2"/>
@@ -13198,7 +13206,7 @@
                       </m:sup>
                     </m:sSubSup>
                     <m:r>
-                      <a:rPr lang="en-US" b="0" i="1" dirty="0" smtClean="0">
+                      <a:rPr lang="en-US" b="1" i="1" dirty="0" smtClean="0">
                         <a:solidFill>
                           <a:srgbClr val="FF0000"/>
                         </a:solidFill>
@@ -13206,7 +13214,7 @@
                         <a:ea typeface="Times New Roman" charset="0"/>
                         <a:cs typeface="Times New Roman" charset="0"/>
                       </a:rPr>
-                      <m:t>𝛼</m:t>
+                      <m:t>𝜶</m:t>
                     </m:r>
                     <m:r>
                       <a:rPr lang="en-US" b="0" i="1" dirty="0" smtClean="0">
@@ -13461,16 +13469,20 @@
                 </a:endParaRPr>
               </a:p>
               <a:p>
-                <a:pPr lvl="1"/>
-                <a:endParaRPr lang="en-US" dirty="0" smtClean="0">
-                  <a:latin typeface="Times New Roman" charset="0"/>
-                  <a:ea typeface="Times New Roman" charset="0"/>
-                  <a:cs typeface="Times New Roman" charset="0"/>
-                </a:endParaRPr>
+                <a:r>
+                  <a:rPr lang="en-US" dirty="0" smtClean="0">
+                    <a:latin typeface="Times New Roman" charset="0"/>
+                    <a:ea typeface="Times New Roman" charset="0"/>
+                    <a:cs typeface="Times New Roman" charset="0"/>
+                  </a:rPr>
+                  <a:t>The above interpretation of GP is useful as we can use the optimization techniques of kernel SVM for GP also. </a:t>
+                </a:r>
               </a:p>
               <a:p>
-                <a:pPr lvl="1"/>
-                <a:endParaRPr lang="en-US" dirty="0" smtClean="0"/>
+                <a:r>
+                  <a:rPr lang="en-US" dirty="0" smtClean="0"/>
+                  <a:t>Our method is inspired from the above idea.</a:t>
+                </a:r>
               </a:p>
               <a:p>
                 <a:pPr lvl="1"/>
@@ -13479,7 +13491,7 @@
             </p:txBody>
           </p:sp>
         </mc:Choice>
-        <mc:Fallback>
+        <mc:Fallback xmlns="">
           <p:sp>
             <p:nvSpPr>
               <p:cNvPr id="3" name="Content Placeholder 2"/>
@@ -13530,6 +13542,1579 @@
 </p:sld>
 </file>
 
+<file path=ppt/slides/slide19.xml><?xml version="1.0" encoding="utf-8"?>
+<p:sld xmlns:a="http://schemas.openxmlformats.org/drawingml/2006/main" xmlns:r="http://schemas.openxmlformats.org/officeDocument/2006/relationships" xmlns:p="http://schemas.openxmlformats.org/presentationml/2006/main">
+  <p:cSld>
+    <p:spTree>
+      <p:nvGrpSpPr>
+        <p:cNvPr id="1" name=""/>
+        <p:cNvGrpSpPr/>
+        <p:nvPr/>
+      </p:nvGrpSpPr>
+      <p:grpSpPr>
+        <a:xfrm>
+          <a:off x="0" y="0"/>
+          <a:ext cx="0" cy="0"/>
+          <a:chOff x="0" y="0"/>
+          <a:chExt cx="0" cy="0"/>
+        </a:xfrm>
+      </p:grpSpPr>
+      <p:sp>
+        <p:nvSpPr>
+          <p:cNvPr id="2" name="Title 1"/>
+          <p:cNvSpPr>
+            <a:spLocks noGrp="1"/>
+          </p:cNvSpPr>
+          <p:nvPr>
+            <p:ph type="title"/>
+          </p:nvPr>
+        </p:nvSpPr>
+        <p:spPr/>
+        <p:txBody>
+          <a:bodyPr/>
+          <a:lstStyle/>
+          <a:p>
+            <a:r>
+              <a:rPr lang="en-US" dirty="0" smtClean="0"/>
+              <a:t>Our Method</a:t>
+            </a:r>
+            <a:endParaRPr lang="en-US" dirty="0"/>
+          </a:p>
+        </p:txBody>
+      </p:sp>
+      <mc:AlternateContent xmlns:mc="http://schemas.openxmlformats.org/markup-compatibility/2006" xmlns:a14="http://schemas.microsoft.com/office/drawing/2010/main">
+        <mc:Choice Requires="a14">
+          <p:sp>
+            <p:nvSpPr>
+              <p:cNvPr id="3" name="Content Placeholder 2"/>
+              <p:cNvSpPr>
+                <a:spLocks noGrp="1"/>
+              </p:cNvSpPr>
+              <p:nvPr>
+                <p:ph idx="1"/>
+              </p:nvPr>
+            </p:nvSpPr>
+            <p:spPr>
+              <a:xfrm>
+                <a:off x="677334" y="1779373"/>
+                <a:ext cx="8596668" cy="4261989"/>
+              </a:xfrm>
+            </p:spPr>
+            <p:txBody>
+              <a:bodyPr/>
+              <a:lstStyle/>
+              <a:p>
+                <a:r>
+                  <a:rPr lang="en-US" dirty="0" smtClean="0"/>
+                  <a:t>Lets try to write MTGP mean in a SVM form, without using task dependent kernels. </a:t>
+                </a:r>
+              </a:p>
+              <a:p>
+                <a:pPr lvl="1"/>
+                <a14:m>
+                  <m:oMath xmlns:m="http://schemas.openxmlformats.org/officeDocument/2006/math">
+                    <m:sSubSup>
+                      <m:sSubSupPr>
+                        <m:ctrlPr>
+                          <a:rPr lang="en-US" i="1">
+                            <a:latin typeface="Cambria Math" charset="0"/>
+                            <a:ea typeface="Times New Roman" charset="0"/>
+                            <a:cs typeface="Times New Roman" charset="0"/>
+                          </a:rPr>
+                        </m:ctrlPr>
+                      </m:sSubSupPr>
+                      <m:e>
+                        <m:r>
+                          <a:rPr lang="en-US" i="1">
+                            <a:latin typeface="Cambria Math" charset="0"/>
+                            <a:ea typeface="Times New Roman" charset="0"/>
+                            <a:cs typeface="Times New Roman" charset="0"/>
+                          </a:rPr>
+                          <m:t>𝜇</m:t>
+                        </m:r>
+                      </m:e>
+                      <m:sub>
+                        <m:r>
+                          <a:rPr lang="en-US" i="1">
+                            <a:latin typeface="Cambria Math" charset="0"/>
+                            <a:ea typeface="Times New Roman" charset="0"/>
+                            <a:cs typeface="Times New Roman" charset="0"/>
+                          </a:rPr>
+                          <m:t>∗</m:t>
+                        </m:r>
+                      </m:sub>
+                      <m:sup>
+                        <m:r>
+                          <a:rPr lang="en-US" i="1">
+                            <a:latin typeface="Cambria Math" charset="0"/>
+                            <a:ea typeface="Times New Roman" charset="0"/>
+                            <a:cs typeface="Times New Roman" charset="0"/>
+                          </a:rPr>
+                          <m:t>𝑡</m:t>
+                        </m:r>
+                      </m:sup>
+                    </m:sSubSup>
+                    <m:r>
+                      <a:rPr lang="en-US" i="1">
+                        <a:latin typeface="Cambria Math" charset="0"/>
+                        <a:ea typeface="Times New Roman" charset="0"/>
+                        <a:cs typeface="Times New Roman" charset="0"/>
+                      </a:rPr>
+                      <m:t> =</m:t>
+                    </m:r>
+                    <m:sSubSup>
+                      <m:sSubSupPr>
+                        <m:ctrlPr>
+                          <a:rPr lang="en-US" b="1" i="1">
+                            <a:latin typeface="Cambria Math" charset="0"/>
+                            <a:ea typeface="Times New Roman" charset="0"/>
+                            <a:cs typeface="Times New Roman" charset="0"/>
+                          </a:rPr>
+                        </m:ctrlPr>
+                      </m:sSubSupPr>
+                      <m:e>
+                        <m:r>
+                          <a:rPr lang="en-US" b="1" i="1">
+                            <a:latin typeface="Cambria Math" charset="0"/>
+                            <a:ea typeface="Times New Roman" charset="0"/>
+                            <a:cs typeface="Times New Roman" charset="0"/>
+                          </a:rPr>
+                          <m:t>𝒌</m:t>
+                        </m:r>
+                      </m:e>
+                      <m:sub>
+                        <m:r>
+                          <a:rPr lang="en-US" b="1" i="1">
+                            <a:latin typeface="Cambria Math" charset="0"/>
+                            <a:ea typeface="Times New Roman" charset="0"/>
+                            <a:cs typeface="Times New Roman" charset="0"/>
+                          </a:rPr>
+                          <m:t>∗</m:t>
+                        </m:r>
+                      </m:sub>
+                      <m:sup>
+                        <m:r>
+                          <a:rPr lang="en-US" b="1" i="1">
+                            <a:latin typeface="Cambria Math" charset="0"/>
+                            <a:ea typeface="Times New Roman" charset="0"/>
+                            <a:cs typeface="Times New Roman" charset="0"/>
+                          </a:rPr>
+                          <m:t>(</m:t>
+                        </m:r>
+                        <m:r>
+                          <a:rPr lang="en-US" b="1" i="1">
+                            <a:latin typeface="Cambria Math" charset="0"/>
+                            <a:ea typeface="Times New Roman" charset="0"/>
+                            <a:cs typeface="Times New Roman" charset="0"/>
+                          </a:rPr>
+                          <m:t>𝒕</m:t>
+                        </m:r>
+                        <m:r>
+                          <a:rPr lang="en-US" b="1" i="1">
+                            <a:latin typeface="Cambria Math" charset="0"/>
+                            <a:ea typeface="Times New Roman" charset="0"/>
+                            <a:cs typeface="Times New Roman" charset="0"/>
+                          </a:rPr>
+                          <m:t>)</m:t>
+                        </m:r>
+                        <m:r>
+                          <a:rPr lang="en-US" b="1" i="1">
+                            <a:latin typeface="Cambria Math" charset="0"/>
+                            <a:ea typeface="Times New Roman" charset="0"/>
+                            <a:cs typeface="Times New Roman" charset="0"/>
+                          </a:rPr>
+                          <m:t>𝑻</m:t>
+                        </m:r>
+                      </m:sup>
+                    </m:sSubSup>
+                    <m:sSubSup>
+                      <m:sSubSupPr>
+                        <m:ctrlPr>
+                          <a:rPr lang="en-US" b="1" i="1">
+                            <a:latin typeface="Cambria Math" charset="0"/>
+                            <a:ea typeface="Times New Roman" charset="0"/>
+                            <a:cs typeface="Times New Roman" charset="0"/>
+                          </a:rPr>
+                        </m:ctrlPr>
+                      </m:sSubSupPr>
+                      <m:e>
+                        <m:r>
+                          <a:rPr lang="en-US" b="1" i="1">
+                            <a:latin typeface="Cambria Math" charset="0"/>
+                            <a:ea typeface="Times New Roman" charset="0"/>
+                            <a:cs typeface="Times New Roman" charset="0"/>
+                          </a:rPr>
+                          <m:t> </m:t>
+                        </m:r>
+                        <m:r>
+                          <a:rPr lang="en-US" b="1" i="1">
+                            <a:latin typeface="Cambria Math" charset="0"/>
+                            <a:ea typeface="Times New Roman" charset="0"/>
+                            <a:cs typeface="Times New Roman" charset="0"/>
+                          </a:rPr>
+                          <m:t>𝑪</m:t>
+                        </m:r>
+                      </m:e>
+                      <m:sub>
+                        <m:r>
+                          <a:rPr lang="en-US" b="1" i="1">
+                            <a:latin typeface="Cambria Math" charset="0"/>
+                            <a:ea typeface="Times New Roman" charset="0"/>
+                            <a:cs typeface="Times New Roman" charset="0"/>
+                          </a:rPr>
+                          <m:t>𝑵</m:t>
+                        </m:r>
+                      </m:sub>
+                      <m:sup>
+                        <m:r>
+                          <a:rPr lang="en-US" b="1" i="1">
+                            <a:latin typeface="Cambria Math" charset="0"/>
+                            <a:ea typeface="Times New Roman" charset="0"/>
+                            <a:cs typeface="Times New Roman" charset="0"/>
+                          </a:rPr>
+                          <m:t>−</m:t>
+                        </m:r>
+                        <m:r>
+                          <a:rPr lang="en-US" b="1" i="1">
+                            <a:latin typeface="Cambria Math" charset="0"/>
+                            <a:ea typeface="Times New Roman" charset="0"/>
+                            <a:cs typeface="Times New Roman" charset="0"/>
+                          </a:rPr>
+                          <m:t>𝟏</m:t>
+                        </m:r>
+                      </m:sup>
+                    </m:sSubSup>
+                    <m:r>
+                      <a:rPr lang="en-US" b="1" i="1">
+                        <a:latin typeface="Cambria Math" charset="0"/>
+                        <a:ea typeface="Times New Roman" charset="0"/>
+                        <a:cs typeface="Times New Roman" charset="0"/>
+                      </a:rPr>
+                      <m:t> </m:t>
+                    </m:r>
+                    <m:r>
+                      <a:rPr lang="en-US" b="1" i="1">
+                        <a:latin typeface="Cambria Math" charset="0"/>
+                        <a:ea typeface="Times New Roman" charset="0"/>
+                        <a:cs typeface="Times New Roman" charset="0"/>
+                      </a:rPr>
+                      <m:t>𝒚</m:t>
+                    </m:r>
+                  </m:oMath>
+                </a14:m>
+                <a:endParaRPr lang="en-US" b="1" dirty="0" smtClean="0">
+                  <a:latin typeface="Times New Roman" charset="0"/>
+                  <a:ea typeface="Times New Roman" charset="0"/>
+                  <a:cs typeface="Times New Roman" charset="0"/>
+                </a:endParaRPr>
+              </a:p>
+              <a:p>
+                <a:pPr lvl="1"/>
+                <a14:m>
+                  <m:oMath xmlns:m="http://schemas.openxmlformats.org/officeDocument/2006/math">
+                    <m:sSubSup>
+                      <m:sSubSupPr>
+                        <m:ctrlPr>
+                          <a:rPr lang="en-US" i="1">
+                            <a:latin typeface="Cambria Math" charset="0"/>
+                            <a:ea typeface="Times New Roman" charset="0"/>
+                            <a:cs typeface="Times New Roman" charset="0"/>
+                          </a:rPr>
+                        </m:ctrlPr>
+                      </m:sSubSupPr>
+                      <m:e>
+                        <m:r>
+                          <a:rPr lang="en-US" i="1">
+                            <a:latin typeface="Cambria Math" charset="0"/>
+                            <a:ea typeface="Times New Roman" charset="0"/>
+                            <a:cs typeface="Times New Roman" charset="0"/>
+                          </a:rPr>
+                          <m:t>𝜇</m:t>
+                        </m:r>
+                      </m:e>
+                      <m:sub>
+                        <m:r>
+                          <a:rPr lang="en-US" i="1">
+                            <a:latin typeface="Cambria Math" charset="0"/>
+                            <a:ea typeface="Times New Roman" charset="0"/>
+                            <a:cs typeface="Times New Roman" charset="0"/>
+                          </a:rPr>
+                          <m:t>∗</m:t>
+                        </m:r>
+                      </m:sub>
+                      <m:sup>
+                        <m:r>
+                          <a:rPr lang="en-US" i="1">
+                            <a:latin typeface="Cambria Math" charset="0"/>
+                            <a:ea typeface="Times New Roman" charset="0"/>
+                            <a:cs typeface="Times New Roman" charset="0"/>
+                          </a:rPr>
+                          <m:t>𝑡</m:t>
+                        </m:r>
+                      </m:sup>
+                    </m:sSubSup>
+                    <m:r>
+                      <a:rPr lang="en-US" i="1">
+                        <a:latin typeface="Cambria Math" charset="0"/>
+                        <a:ea typeface="Times New Roman" charset="0"/>
+                        <a:cs typeface="Times New Roman" charset="0"/>
+                      </a:rPr>
+                      <m:t> =</m:t>
+                    </m:r>
+                    <m:sSubSup>
+                      <m:sSubSupPr>
+                        <m:ctrlPr>
+                          <a:rPr lang="en-US" b="1" i="1">
+                            <a:latin typeface="Cambria Math" charset="0"/>
+                            <a:ea typeface="Times New Roman" charset="0"/>
+                            <a:cs typeface="Times New Roman" charset="0"/>
+                          </a:rPr>
+                        </m:ctrlPr>
+                      </m:sSubSupPr>
+                      <m:e>
+                        <m:r>
+                          <a:rPr lang="en-US" b="1" i="1">
+                            <a:latin typeface="Cambria Math" charset="0"/>
+                            <a:ea typeface="Times New Roman" charset="0"/>
+                            <a:cs typeface="Times New Roman" charset="0"/>
+                          </a:rPr>
+                          <m:t>𝒌</m:t>
+                        </m:r>
+                      </m:e>
+                      <m:sub>
+                        <m:r>
+                          <a:rPr lang="en-US" b="1" i="1">
+                            <a:latin typeface="Cambria Math" charset="0"/>
+                            <a:ea typeface="Times New Roman" charset="0"/>
+                            <a:cs typeface="Times New Roman" charset="0"/>
+                          </a:rPr>
+                          <m:t>∗</m:t>
+                        </m:r>
+                      </m:sub>
+                      <m:sup>
+                        <m:r>
+                          <a:rPr lang="en-US" b="1" i="1">
+                            <a:latin typeface="Cambria Math" charset="0"/>
+                            <a:ea typeface="Times New Roman" charset="0"/>
+                            <a:cs typeface="Times New Roman" charset="0"/>
+                          </a:rPr>
+                          <m:t>𝑻</m:t>
+                        </m:r>
+                      </m:sup>
+                    </m:sSubSup>
+                    <m:sSup>
+                      <m:sSupPr>
+                        <m:ctrlPr>
+                          <a:rPr lang="en-US" b="1" i="1" dirty="0" smtClean="0">
+                            <a:solidFill>
+                              <a:srgbClr val="FF0000"/>
+                            </a:solidFill>
+                            <a:latin typeface="Cambria Math" charset="0"/>
+                            <a:ea typeface="Times New Roman" charset="0"/>
+                            <a:cs typeface="Times New Roman" charset="0"/>
+                          </a:rPr>
+                        </m:ctrlPr>
+                      </m:sSupPr>
+                      <m:e>
+                        <m:r>
+                          <a:rPr lang="en-US" b="1" i="1" dirty="0">
+                            <a:solidFill>
+                              <a:srgbClr val="FF0000"/>
+                            </a:solidFill>
+                            <a:latin typeface="Cambria Math" charset="0"/>
+                            <a:ea typeface="Times New Roman" charset="0"/>
+                            <a:cs typeface="Times New Roman" charset="0"/>
+                          </a:rPr>
+                          <m:t>𝜶</m:t>
+                        </m:r>
+                      </m:e>
+                      <m:sup>
+                        <m:r>
+                          <a:rPr lang="en-US" b="1" i="1" dirty="0" smtClean="0">
+                            <a:solidFill>
+                              <a:srgbClr val="FF0000"/>
+                            </a:solidFill>
+                            <a:latin typeface="Cambria Math" charset="0"/>
+                            <a:ea typeface="Times New Roman" charset="0"/>
+                            <a:cs typeface="Times New Roman" charset="0"/>
+                          </a:rPr>
+                          <m:t>𝒕</m:t>
+                        </m:r>
+                      </m:sup>
+                    </m:sSup>
+                    <m:r>
+                      <a:rPr lang="en-US" i="1" dirty="0">
+                        <a:solidFill>
+                          <a:srgbClr val="FF0000"/>
+                        </a:solidFill>
+                        <a:latin typeface="Cambria Math" charset="0"/>
+                        <a:ea typeface="Times New Roman" charset="0"/>
+                        <a:cs typeface="Times New Roman" charset="0"/>
+                      </a:rPr>
+                      <m:t>  </m:t>
+                    </m:r>
+                    <m:r>
+                      <m:rPr>
+                        <m:nor/>
+                      </m:rPr>
+                      <a:rPr lang="en-US" dirty="0">
+                        <a:solidFill>
+                          <a:schemeClr val="tx1"/>
+                        </a:solidFill>
+                        <a:latin typeface="Times New Roman" charset="0"/>
+                        <a:ea typeface="Times New Roman" charset="0"/>
+                        <a:cs typeface="Times New Roman" charset="0"/>
+                      </a:rPr>
+                      <m:t>= </m:t>
+                    </m:r>
+                    <m:nary>
+                      <m:naryPr>
+                        <m:chr m:val="∑"/>
+                        <m:ctrlPr>
+                          <a:rPr lang="is-IS" i="1">
+                            <a:solidFill>
+                              <a:schemeClr val="tx1"/>
+                            </a:solidFill>
+                            <a:latin typeface="Cambria Math" charset="0"/>
+                            <a:ea typeface="Times New Roman" charset="0"/>
+                            <a:cs typeface="Times New Roman" charset="0"/>
+                          </a:rPr>
+                        </m:ctrlPr>
+                      </m:naryPr>
+                      <m:sub>
+                        <m:r>
+                          <m:rPr>
+                            <m:brk m:alnAt="23"/>
+                          </m:rPr>
+                          <a:rPr lang="en-US" i="1">
+                            <a:solidFill>
+                              <a:schemeClr val="tx1"/>
+                            </a:solidFill>
+                            <a:latin typeface="Cambria Math" charset="0"/>
+                            <a:ea typeface="Times New Roman" charset="0"/>
+                            <a:cs typeface="Times New Roman" charset="0"/>
+                          </a:rPr>
+                          <m:t>𝑖</m:t>
+                        </m:r>
+                        <m:r>
+                          <a:rPr lang="en-US" i="1">
+                            <a:solidFill>
+                              <a:schemeClr val="tx1"/>
+                            </a:solidFill>
+                            <a:latin typeface="Cambria Math" charset="0"/>
+                            <a:ea typeface="Times New Roman" charset="0"/>
+                            <a:cs typeface="Times New Roman" charset="0"/>
+                          </a:rPr>
+                          <m:t>=1</m:t>
+                        </m:r>
+                      </m:sub>
+                      <m:sup>
+                        <m:r>
+                          <a:rPr lang="en-US" i="1">
+                            <a:solidFill>
+                              <a:schemeClr val="tx1"/>
+                            </a:solidFill>
+                            <a:latin typeface="Cambria Math" charset="0"/>
+                            <a:ea typeface="Times New Roman" charset="0"/>
+                            <a:cs typeface="Times New Roman" charset="0"/>
+                          </a:rPr>
+                          <m:t>𝑛</m:t>
+                        </m:r>
+                      </m:sup>
+                      <m:e>
+                        <m:r>
+                          <a:rPr lang="en-US" i="1">
+                            <a:solidFill>
+                              <a:schemeClr val="tx1"/>
+                            </a:solidFill>
+                            <a:latin typeface="Cambria Math" charset="0"/>
+                            <a:ea typeface="Times New Roman" charset="0"/>
+                            <a:cs typeface="Times New Roman" charset="0"/>
+                          </a:rPr>
+                          <m:t>𝑘</m:t>
+                        </m:r>
+                        <m:d>
+                          <m:dPr>
+                            <m:ctrlPr>
+                              <a:rPr lang="en-US" i="1">
+                                <a:solidFill>
+                                  <a:schemeClr val="tx1"/>
+                                </a:solidFill>
+                                <a:latin typeface="Cambria Math" charset="0"/>
+                                <a:ea typeface="Times New Roman" charset="0"/>
+                                <a:cs typeface="Times New Roman" charset="0"/>
+                              </a:rPr>
+                            </m:ctrlPr>
+                          </m:dPr>
+                          <m:e>
+                            <m:sSub>
+                              <m:sSubPr>
+                                <m:ctrlPr>
+                                  <a:rPr lang="en-US" i="1">
+                                    <a:solidFill>
+                                      <a:schemeClr val="tx1"/>
+                                    </a:solidFill>
+                                    <a:latin typeface="Cambria Math" charset="0"/>
+                                    <a:ea typeface="Times New Roman" charset="0"/>
+                                    <a:cs typeface="Times New Roman" charset="0"/>
+                                  </a:rPr>
+                                </m:ctrlPr>
+                              </m:sSubPr>
+                              <m:e>
+                                <m:r>
+                                  <a:rPr lang="en-US" i="1">
+                                    <a:solidFill>
+                                      <a:schemeClr val="tx1"/>
+                                    </a:solidFill>
+                                    <a:latin typeface="Cambria Math" charset="0"/>
+                                    <a:ea typeface="Times New Roman" charset="0"/>
+                                    <a:cs typeface="Times New Roman" charset="0"/>
+                                  </a:rPr>
+                                  <m:t>𝑥</m:t>
+                                </m:r>
+                              </m:e>
+                              <m:sub>
+                                <m:r>
+                                  <a:rPr lang="en-US" i="1">
+                                    <a:solidFill>
+                                      <a:schemeClr val="tx1"/>
+                                    </a:solidFill>
+                                    <a:latin typeface="Cambria Math" charset="0"/>
+                                    <a:ea typeface="Times New Roman" charset="0"/>
+                                    <a:cs typeface="Times New Roman" charset="0"/>
+                                  </a:rPr>
+                                  <m:t>∗</m:t>
+                                </m:r>
+                              </m:sub>
+                            </m:sSub>
+                            <m:r>
+                              <a:rPr lang="en-US" i="1">
+                                <a:solidFill>
+                                  <a:schemeClr val="tx1"/>
+                                </a:solidFill>
+                                <a:latin typeface="Cambria Math" charset="0"/>
+                                <a:ea typeface="Times New Roman" charset="0"/>
+                                <a:cs typeface="Times New Roman" charset="0"/>
+                              </a:rPr>
+                              <m:t> , </m:t>
+                            </m:r>
+                            <m:sSub>
+                              <m:sSubPr>
+                                <m:ctrlPr>
+                                  <a:rPr lang="en-US" i="1">
+                                    <a:solidFill>
+                                      <a:schemeClr val="tx1"/>
+                                    </a:solidFill>
+                                    <a:latin typeface="Cambria Math" charset="0"/>
+                                    <a:ea typeface="Times New Roman" charset="0"/>
+                                    <a:cs typeface="Times New Roman" charset="0"/>
+                                  </a:rPr>
+                                </m:ctrlPr>
+                              </m:sSubPr>
+                              <m:e>
+                                <m:r>
+                                  <a:rPr lang="en-US" i="1">
+                                    <a:solidFill>
+                                      <a:schemeClr val="tx1"/>
+                                    </a:solidFill>
+                                    <a:latin typeface="Cambria Math" charset="0"/>
+                                    <a:ea typeface="Times New Roman" charset="0"/>
+                                    <a:cs typeface="Times New Roman" charset="0"/>
+                                  </a:rPr>
+                                  <m:t>𝑥</m:t>
+                                </m:r>
+                              </m:e>
+                              <m:sub>
+                                <m:r>
+                                  <a:rPr lang="en-US" i="1">
+                                    <a:solidFill>
+                                      <a:schemeClr val="tx1"/>
+                                    </a:solidFill>
+                                    <a:latin typeface="Cambria Math" charset="0"/>
+                                    <a:ea typeface="Times New Roman" charset="0"/>
+                                    <a:cs typeface="Times New Roman" charset="0"/>
+                                  </a:rPr>
+                                  <m:t>𝑛</m:t>
+                                </m:r>
+                              </m:sub>
+                            </m:sSub>
+                          </m:e>
+                        </m:d>
+                        <m:sSubSup>
+                          <m:sSubSupPr>
+                            <m:ctrlPr>
+                              <a:rPr lang="en-US" b="0" i="1" smtClean="0">
+                                <a:solidFill>
+                                  <a:schemeClr val="tx1"/>
+                                </a:solidFill>
+                                <a:latin typeface="Cambria Math" charset="0"/>
+                                <a:ea typeface="Times New Roman" charset="0"/>
+                                <a:cs typeface="Times New Roman" charset="0"/>
+                              </a:rPr>
+                            </m:ctrlPr>
+                          </m:sSubSupPr>
+                          <m:e>
+                            <m:r>
+                              <a:rPr lang="en-US" i="1">
+                                <a:solidFill>
+                                  <a:schemeClr val="tx1"/>
+                                </a:solidFill>
+                                <a:latin typeface="Cambria Math" charset="0"/>
+                                <a:ea typeface="Times New Roman" charset="0"/>
+                                <a:cs typeface="Times New Roman" charset="0"/>
+                              </a:rPr>
+                              <m:t>𝛼</m:t>
+                            </m:r>
+                          </m:e>
+                          <m:sub>
+                            <m:r>
+                              <a:rPr lang="en-US" i="1">
+                                <a:solidFill>
+                                  <a:schemeClr val="tx1"/>
+                                </a:solidFill>
+                                <a:latin typeface="Cambria Math" charset="0"/>
+                                <a:ea typeface="Times New Roman" charset="0"/>
+                                <a:cs typeface="Times New Roman" charset="0"/>
+                              </a:rPr>
+                              <m:t>𝑛</m:t>
+                            </m:r>
+                          </m:sub>
+                          <m:sup>
+                            <m:r>
+                              <a:rPr lang="en-US" b="0" i="1" smtClean="0">
+                                <a:solidFill>
+                                  <a:schemeClr val="tx1"/>
+                                </a:solidFill>
+                                <a:latin typeface="Cambria Math" charset="0"/>
+                                <a:ea typeface="Times New Roman" charset="0"/>
+                                <a:cs typeface="Times New Roman" charset="0"/>
+                              </a:rPr>
+                              <m:t>𝑡</m:t>
+                            </m:r>
+                          </m:sup>
+                        </m:sSubSup>
+                      </m:e>
+                    </m:nary>
+                  </m:oMath>
+                </a14:m>
+                <a:endParaRPr lang="en-US" b="1" dirty="0" smtClean="0">
+                  <a:latin typeface="Times New Roman" charset="0"/>
+                  <a:ea typeface="Times New Roman" charset="0"/>
+                  <a:cs typeface="Times New Roman" charset="0"/>
+                </a:endParaRPr>
+              </a:p>
+              <a:p>
+                <a:pPr lvl="1"/>
+                <a14:m>
+                  <m:oMath xmlns:m="http://schemas.openxmlformats.org/officeDocument/2006/math">
+                    <m:sSup>
+                      <m:sSupPr>
+                        <m:ctrlPr>
+                          <a:rPr lang="en-US" b="1" i="1" smtClean="0">
+                            <a:latin typeface="Cambria Math" charset="0"/>
+                            <a:ea typeface="Times New Roman" charset="0"/>
+                            <a:cs typeface="Times New Roman" charset="0"/>
+                          </a:rPr>
+                        </m:ctrlPr>
+                      </m:sSupPr>
+                      <m:e>
+                        <m:r>
+                          <a:rPr lang="en-US" b="1" i="1" smtClean="0">
+                            <a:latin typeface="Cambria Math" charset="0"/>
+                            <a:ea typeface="Times New Roman" charset="0"/>
+                            <a:cs typeface="Times New Roman" charset="0"/>
+                          </a:rPr>
+                          <m:t>𝜶</m:t>
+                        </m:r>
+                      </m:e>
+                      <m:sup>
+                        <m:r>
+                          <a:rPr lang="en-US" b="1" i="1" smtClean="0">
+                            <a:latin typeface="Cambria Math" charset="0"/>
+                            <a:ea typeface="Times New Roman" charset="0"/>
+                            <a:cs typeface="Times New Roman" charset="0"/>
+                          </a:rPr>
+                          <m:t>𝒕</m:t>
+                        </m:r>
+                      </m:sup>
+                    </m:sSup>
+                  </m:oMath>
+                </a14:m>
+                <a:r>
+                  <a:rPr lang="en-US" b="1" dirty="0" smtClean="0">
+                    <a:latin typeface="Times New Roman" charset="0"/>
+                    <a:ea typeface="Times New Roman" charset="0"/>
+                    <a:cs typeface="Times New Roman" charset="0"/>
+                  </a:rPr>
+                  <a:t> = </a:t>
+                </a:r>
+                <a14:m>
+                  <m:oMath xmlns:m="http://schemas.openxmlformats.org/officeDocument/2006/math">
+                    <m:nary>
+                      <m:naryPr>
+                        <m:chr m:val="∑"/>
+                        <m:ctrlPr>
+                          <a:rPr lang="is-IS" i="1" smtClean="0">
+                            <a:latin typeface="Cambria Math" charset="0"/>
+                            <a:ea typeface="Times New Roman" charset="0"/>
+                            <a:cs typeface="Times New Roman" charset="0"/>
+                          </a:rPr>
+                        </m:ctrlPr>
+                      </m:naryPr>
+                      <m:sub>
+                        <m:r>
+                          <m:rPr>
+                            <m:brk m:alnAt="23"/>
+                          </m:rPr>
+                          <a:rPr lang="en-US" b="0" i="1" smtClean="0">
+                            <a:latin typeface="Cambria Math" charset="0"/>
+                            <a:ea typeface="Times New Roman" charset="0"/>
+                            <a:cs typeface="Times New Roman" charset="0"/>
+                          </a:rPr>
+                          <m:t>𝑖</m:t>
+                        </m:r>
+                        <m:r>
+                          <a:rPr lang="en-US" b="0" i="1" smtClean="0">
+                            <a:latin typeface="Cambria Math" charset="0"/>
+                            <a:ea typeface="Times New Roman" charset="0"/>
+                            <a:cs typeface="Times New Roman" charset="0"/>
+                          </a:rPr>
+                          <m:t>=1</m:t>
+                        </m:r>
+                      </m:sub>
+                      <m:sup>
+                        <m:r>
+                          <a:rPr lang="en-US" b="0" i="1" smtClean="0">
+                            <a:latin typeface="Cambria Math" charset="0"/>
+                            <a:ea typeface="Times New Roman" charset="0"/>
+                            <a:cs typeface="Times New Roman" charset="0"/>
+                          </a:rPr>
+                          <m:t>𝐾</m:t>
+                        </m:r>
+                      </m:sup>
+                      <m:e>
+                        <m:sSub>
+                          <m:sSubPr>
+                            <m:ctrlPr>
+                              <a:rPr lang="en-US" i="1" smtClean="0">
+                                <a:latin typeface="Cambria Math" charset="0"/>
+                                <a:ea typeface="Times New Roman" charset="0"/>
+                                <a:cs typeface="Times New Roman" charset="0"/>
+                              </a:rPr>
+                            </m:ctrlPr>
+                          </m:sSubPr>
+                          <m:e>
+                            <m:r>
+                              <a:rPr lang="en-US" b="0" i="1" smtClean="0">
+                                <a:latin typeface="Cambria Math" charset="0"/>
+                                <a:ea typeface="Times New Roman" charset="0"/>
+                                <a:cs typeface="Times New Roman" charset="0"/>
+                              </a:rPr>
+                              <m:t>𝑧</m:t>
+                            </m:r>
+                          </m:e>
+                          <m:sub>
+                            <m:r>
+                              <a:rPr lang="en-US" b="0" i="1" smtClean="0">
+                                <a:latin typeface="Cambria Math" charset="0"/>
+                                <a:ea typeface="Times New Roman" charset="0"/>
+                                <a:cs typeface="Times New Roman" charset="0"/>
+                              </a:rPr>
+                              <m:t>𝑡</m:t>
+                            </m:r>
+                            <m:r>
+                              <a:rPr lang="en-US" b="0" i="1" smtClean="0">
+                                <a:latin typeface="Cambria Math" charset="0"/>
+                                <a:ea typeface="Times New Roman" charset="0"/>
+                                <a:cs typeface="Times New Roman" charset="0"/>
+                              </a:rPr>
+                              <m:t>, </m:t>
+                            </m:r>
+                            <m:r>
+                              <a:rPr lang="en-US" b="0" i="1" smtClean="0">
+                                <a:latin typeface="Cambria Math" charset="0"/>
+                                <a:ea typeface="Times New Roman" charset="0"/>
+                                <a:cs typeface="Times New Roman" charset="0"/>
+                              </a:rPr>
+                              <m:t>𝑖</m:t>
+                            </m:r>
+                          </m:sub>
+                        </m:sSub>
+                        <m:sSub>
+                          <m:sSubPr>
+                            <m:ctrlPr>
+                              <a:rPr lang="en-US" b="1" i="1" smtClean="0">
+                                <a:latin typeface="Cambria Math" charset="0"/>
+                                <a:ea typeface="Times New Roman" charset="0"/>
+                                <a:cs typeface="Times New Roman" charset="0"/>
+                              </a:rPr>
+                            </m:ctrlPr>
+                          </m:sSubPr>
+                          <m:e>
+                            <m:r>
+                              <a:rPr lang="en-US" b="1" i="1" smtClean="0">
+                                <a:latin typeface="Cambria Math" charset="0"/>
+                                <a:ea typeface="Times New Roman" charset="0"/>
+                                <a:cs typeface="Times New Roman" charset="0"/>
+                              </a:rPr>
+                              <m:t>𝑩</m:t>
+                            </m:r>
+                            <m:r>
+                              <a:rPr lang="en-US" b="1" i="1" smtClean="0">
+                                <a:latin typeface="Cambria Math" charset="0"/>
+                                <a:ea typeface="Times New Roman" charset="0"/>
+                                <a:cs typeface="Times New Roman" charset="0"/>
+                              </a:rPr>
+                              <m:t>[:, </m:t>
+                            </m:r>
+                            <m:r>
+                              <a:rPr lang="en-US" b="1" i="1" smtClean="0">
+                                <a:latin typeface="Cambria Math" charset="0"/>
+                                <a:ea typeface="Times New Roman" charset="0"/>
+                                <a:cs typeface="Times New Roman" charset="0"/>
+                              </a:rPr>
+                              <m:t>𝒊</m:t>
+                            </m:r>
+                            <m:r>
+                              <a:rPr lang="en-US" b="1" i="1" smtClean="0">
+                                <a:latin typeface="Cambria Math" charset="0"/>
+                                <a:ea typeface="Times New Roman" charset="0"/>
+                                <a:cs typeface="Times New Roman" charset="0"/>
+                              </a:rPr>
+                              <m:t>]</m:t>
+                            </m:r>
+                          </m:e>
+                          <m:sub/>
+                        </m:sSub>
+                      </m:e>
+                    </m:nary>
+                  </m:oMath>
+                </a14:m>
+                <a:r>
+                  <a:rPr lang="en-US" b="1" dirty="0" smtClean="0">
+                    <a:latin typeface="Times New Roman" charset="0"/>
+                    <a:ea typeface="Times New Roman" charset="0"/>
+                    <a:cs typeface="Times New Roman" charset="0"/>
+                  </a:rPr>
+                  <a:t>   </a:t>
+                </a:r>
+                <a14:m>
+                  <m:oMath xmlns:m="http://schemas.openxmlformats.org/officeDocument/2006/math">
+                    <m:sSup>
+                      <m:sSupPr>
+                        <m:ctrlPr>
+                          <a:rPr lang="en-US" b="1" i="1" dirty="0" smtClean="0">
+                            <a:latin typeface="Cambria Math" charset="0"/>
+                            <a:ea typeface="Times New Roman" charset="0"/>
+                            <a:cs typeface="Times New Roman" charset="0"/>
+                          </a:rPr>
+                        </m:ctrlPr>
+                      </m:sSupPr>
+                      <m:e>
+                        <m:r>
+                          <a:rPr lang="en-US" b="1" i="1" dirty="0" smtClean="0">
+                            <a:latin typeface="Cambria Math" charset="0"/>
+                            <a:ea typeface="Times New Roman" charset="0"/>
+                            <a:cs typeface="Times New Roman" charset="0"/>
+                          </a:rPr>
+                          <m:t>𝜶</m:t>
+                        </m:r>
+                      </m:e>
+                      <m:sup>
+                        <m:r>
+                          <a:rPr lang="en-US" b="1" i="1" dirty="0" smtClean="0">
+                            <a:latin typeface="Cambria Math" charset="0"/>
+                            <a:ea typeface="Times New Roman" charset="0"/>
+                            <a:cs typeface="Times New Roman" charset="0"/>
+                          </a:rPr>
+                          <m:t>𝒕</m:t>
+                        </m:r>
+                      </m:sup>
+                    </m:sSup>
+                  </m:oMath>
+                </a14:m>
+                <a:r>
+                  <a:rPr lang="en-US" b="1" dirty="0" smtClean="0">
+                    <a:latin typeface="Times New Roman" charset="0"/>
+                    <a:ea typeface="Times New Roman" charset="0"/>
+                    <a:cs typeface="Times New Roman" charset="0"/>
+                  </a:rPr>
+                  <a:t> </a:t>
+                </a:r>
+                <a:r>
+                  <a:rPr lang="en-US" dirty="0" smtClean="0">
+                    <a:latin typeface="Times New Roman" charset="0"/>
+                    <a:ea typeface="Times New Roman" charset="0"/>
+                    <a:cs typeface="Times New Roman" charset="0"/>
+                  </a:rPr>
+                  <a:t>is a task dependent linear combination of some basis vectors, and </a:t>
+                </a:r>
+                <a14:m>
+                  <m:oMath xmlns:m="http://schemas.openxmlformats.org/officeDocument/2006/math">
+                    <m:r>
+                      <a:rPr lang="en-US" b="0" i="1" smtClean="0">
+                        <a:latin typeface="Cambria Math" charset="0"/>
+                        <a:ea typeface="Times New Roman" charset="0"/>
+                        <a:cs typeface="Times New Roman" charset="0"/>
+                      </a:rPr>
+                      <m:t>𝐵</m:t>
+                    </m:r>
+                    <m:r>
+                      <a:rPr lang="en-US" b="0" i="1" smtClean="0">
+                        <a:latin typeface="Cambria Math" charset="0"/>
+                        <a:ea typeface="Times New Roman" charset="0"/>
+                        <a:cs typeface="Times New Roman" charset="0"/>
+                      </a:rPr>
+                      <m:t>∈</m:t>
+                    </m:r>
+                    <m:sSup>
+                      <m:sSupPr>
+                        <m:ctrlPr>
+                          <a:rPr lang="en-US" b="0" i="1" smtClean="0">
+                            <a:latin typeface="Cambria Math" charset="0"/>
+                            <a:ea typeface="Times New Roman" charset="0"/>
+                            <a:cs typeface="Times New Roman" charset="0"/>
+                          </a:rPr>
+                        </m:ctrlPr>
+                      </m:sSupPr>
+                      <m:e>
+                        <m:r>
+                          <a:rPr lang="en-US" b="0" i="1" smtClean="0">
+                            <a:latin typeface="Cambria Math" charset="0"/>
+                            <a:ea typeface="Times New Roman" charset="0"/>
+                            <a:cs typeface="Times New Roman" charset="0"/>
+                          </a:rPr>
+                          <m:t>𝑅</m:t>
+                        </m:r>
+                      </m:e>
+                      <m:sup>
+                        <m:r>
+                          <a:rPr lang="en-US" b="0" i="1" smtClean="0">
+                            <a:latin typeface="Cambria Math" charset="0"/>
+                            <a:ea typeface="Times New Roman" charset="0"/>
+                            <a:cs typeface="Times New Roman" charset="0"/>
+                          </a:rPr>
+                          <m:t>𝑁𝑋𝐾</m:t>
+                        </m:r>
+                      </m:sup>
+                    </m:sSup>
+                    <m:r>
+                      <a:rPr lang="en-US" b="0" i="1" smtClean="0">
+                        <a:latin typeface="Cambria Math" charset="0"/>
+                        <a:ea typeface="Times New Roman" charset="0"/>
+                        <a:cs typeface="Times New Roman" charset="0"/>
+                      </a:rPr>
+                      <m:t> </m:t>
+                    </m:r>
+                    <m:r>
+                      <m:rPr>
+                        <m:sty m:val="p"/>
+                      </m:rPr>
+                      <a:rPr lang="en-US" b="0" i="0" smtClean="0">
+                        <a:latin typeface="Cambria Math" charset="0"/>
+                        <a:ea typeface="Times New Roman" charset="0"/>
+                        <a:cs typeface="Times New Roman" charset="0"/>
+                      </a:rPr>
+                      <m:t>matrix</m:t>
+                    </m:r>
+                    <m:r>
+                      <a:rPr lang="en-US" b="1" i="0" smtClean="0">
+                        <a:latin typeface="Cambria Math" charset="0"/>
+                        <a:ea typeface="Times New Roman" charset="0"/>
+                        <a:cs typeface="Times New Roman" charset="0"/>
+                      </a:rPr>
+                      <m:t> </m:t>
+                    </m:r>
+                    <m:r>
+                      <a:rPr lang="en-US" b="1" i="0" smtClean="0">
+                        <a:latin typeface="Cambria Math" charset="0"/>
+                        <a:ea typeface="Times New Roman" charset="0"/>
+                        <a:cs typeface="Times New Roman" charset="0"/>
+                      </a:rPr>
+                      <m:t>𝐁</m:t>
+                    </m:r>
+                    <m:d>
+                      <m:dPr>
+                        <m:begChr m:val="["/>
+                        <m:endChr m:val="]"/>
+                        <m:ctrlPr>
+                          <a:rPr lang="en-US" b="1" i="1" smtClean="0">
+                            <a:latin typeface="Cambria Math" charset="0"/>
+                            <a:ea typeface="Times New Roman" charset="0"/>
+                            <a:cs typeface="Times New Roman" charset="0"/>
+                          </a:rPr>
+                        </m:ctrlPr>
+                      </m:dPr>
+                      <m:e>
+                        <m:r>
+                          <a:rPr lang="en-US" b="1" i="0" smtClean="0">
+                            <a:latin typeface="Cambria Math" charset="0"/>
+                            <a:ea typeface="Times New Roman" charset="0"/>
+                            <a:cs typeface="Times New Roman" charset="0"/>
+                          </a:rPr>
+                          <m:t>:, </m:t>
+                        </m:r>
+                        <m:r>
+                          <a:rPr lang="en-US" b="1" i="0" smtClean="0">
+                            <a:latin typeface="Cambria Math" charset="0"/>
+                            <a:ea typeface="Times New Roman" charset="0"/>
+                            <a:cs typeface="Times New Roman" charset="0"/>
+                          </a:rPr>
+                          <m:t>𝐢</m:t>
+                        </m:r>
+                      </m:e>
+                    </m:d>
+                  </m:oMath>
+                </a14:m>
+                <a:r>
+                  <a:rPr lang="en-US" b="1" dirty="0" smtClean="0">
+                    <a:latin typeface="Times New Roman" charset="0"/>
+                    <a:ea typeface="Times New Roman" charset="0"/>
+                    <a:cs typeface="Times New Roman" charset="0"/>
+                  </a:rPr>
+                  <a:t> </a:t>
+                </a:r>
+                <a:r>
+                  <a:rPr lang="en-US" dirty="0" smtClean="0">
+                    <a:latin typeface="Times New Roman" charset="0"/>
+                    <a:ea typeface="Times New Roman" charset="0"/>
+                    <a:cs typeface="Times New Roman" charset="0"/>
+                  </a:rPr>
+                  <a:t>is the </a:t>
+                </a:r>
+                <a14:m>
+                  <m:oMath xmlns:m="http://schemas.openxmlformats.org/officeDocument/2006/math">
+                    <m:sSup>
+                      <m:sSupPr>
+                        <m:ctrlPr>
+                          <a:rPr lang="en-US" b="0" i="1" smtClean="0">
+                            <a:latin typeface="Cambria Math" charset="0"/>
+                            <a:ea typeface="Times New Roman" charset="0"/>
+                            <a:cs typeface="Times New Roman" charset="0"/>
+                          </a:rPr>
+                        </m:ctrlPr>
+                      </m:sSupPr>
+                      <m:e>
+                        <m:r>
+                          <a:rPr lang="en-US" b="0" i="1" smtClean="0">
+                            <a:latin typeface="Cambria Math" charset="0"/>
+                            <a:ea typeface="Times New Roman" charset="0"/>
+                            <a:cs typeface="Times New Roman" charset="0"/>
+                          </a:rPr>
+                          <m:t>𝑖</m:t>
+                        </m:r>
+                      </m:e>
+                      <m:sup>
+                        <m:r>
+                          <a:rPr lang="en-US" b="0" i="1" smtClean="0">
+                            <a:latin typeface="Cambria Math" charset="0"/>
+                            <a:ea typeface="Times New Roman" charset="0"/>
+                            <a:cs typeface="Times New Roman" charset="0"/>
+                          </a:rPr>
+                          <m:t>𝑡h</m:t>
+                        </m:r>
+                      </m:sup>
+                    </m:sSup>
+                  </m:oMath>
+                </a14:m>
+                <a:r>
+                  <a:rPr lang="en-US" b="1" dirty="0" smtClean="0">
+                    <a:latin typeface="Times New Roman" charset="0"/>
+                    <a:ea typeface="Times New Roman" charset="0"/>
+                    <a:cs typeface="Times New Roman" charset="0"/>
+                  </a:rPr>
+                  <a:t> </a:t>
+                </a:r>
+                <a:r>
+                  <a:rPr lang="en-US" dirty="0" smtClean="0">
+                    <a:latin typeface="Times New Roman" charset="0"/>
+                    <a:ea typeface="Times New Roman" charset="0"/>
+                    <a:cs typeface="Times New Roman" charset="0"/>
+                  </a:rPr>
+                  <a:t>column of the matrix, and </a:t>
+                </a:r>
+                <a14:m>
+                  <m:oMath xmlns:m="http://schemas.openxmlformats.org/officeDocument/2006/math">
+                    <m:r>
+                      <a:rPr lang="en-US" b="0" i="1" smtClean="0">
+                        <a:latin typeface="Cambria Math" charset="0"/>
+                        <a:ea typeface="Times New Roman" charset="0"/>
+                        <a:cs typeface="Times New Roman" charset="0"/>
+                      </a:rPr>
+                      <m:t>𝑧</m:t>
+                    </m:r>
+                    <m:r>
+                      <a:rPr lang="en-US" b="0" i="1" smtClean="0">
+                        <a:latin typeface="Cambria Math" charset="0"/>
+                        <a:ea typeface="Times New Roman" charset="0"/>
+                        <a:cs typeface="Times New Roman" charset="0"/>
+                      </a:rPr>
+                      <m:t>∈</m:t>
+                    </m:r>
+                    <m:sSup>
+                      <m:sSupPr>
+                        <m:ctrlPr>
+                          <a:rPr lang="en-US" b="0" i="1" smtClean="0">
+                            <a:latin typeface="Cambria Math" charset="0"/>
+                            <a:ea typeface="Times New Roman" charset="0"/>
+                            <a:cs typeface="Times New Roman" charset="0"/>
+                          </a:rPr>
+                        </m:ctrlPr>
+                      </m:sSupPr>
+                      <m:e>
+                        <m:r>
+                          <a:rPr lang="en-US" b="0" i="1" smtClean="0">
+                            <a:latin typeface="Cambria Math" charset="0"/>
+                            <a:ea typeface="Times New Roman" charset="0"/>
+                            <a:cs typeface="Times New Roman" charset="0"/>
+                          </a:rPr>
+                          <m:t>𝑅</m:t>
+                        </m:r>
+                      </m:e>
+                      <m:sup>
+                        <m:r>
+                          <a:rPr lang="en-US" b="0" i="1" smtClean="0">
+                            <a:latin typeface="Cambria Math" charset="0"/>
+                            <a:ea typeface="Times New Roman" charset="0"/>
+                            <a:cs typeface="Times New Roman" charset="0"/>
+                          </a:rPr>
+                          <m:t>𝑇𝑋𝐾</m:t>
+                        </m:r>
+                      </m:sup>
+                    </m:sSup>
+                    <m:r>
+                      <a:rPr lang="en-US" b="0" i="1" smtClean="0">
+                        <a:latin typeface="Cambria Math" charset="0"/>
+                        <a:ea typeface="Times New Roman" charset="0"/>
+                        <a:cs typeface="Times New Roman" charset="0"/>
+                      </a:rPr>
+                      <m:t>, </m:t>
+                    </m:r>
+                    <m:sSub>
+                      <m:sSubPr>
+                        <m:ctrlPr>
+                          <a:rPr lang="en-US" b="0" i="1" smtClean="0">
+                            <a:latin typeface="Cambria Math" charset="0"/>
+                            <a:ea typeface="Times New Roman" charset="0"/>
+                            <a:cs typeface="Times New Roman" charset="0"/>
+                          </a:rPr>
+                        </m:ctrlPr>
+                      </m:sSubPr>
+                      <m:e>
+                        <m:r>
+                          <a:rPr lang="en-US" b="0" i="1" smtClean="0">
+                            <a:latin typeface="Cambria Math" charset="0"/>
+                            <a:ea typeface="Times New Roman" charset="0"/>
+                            <a:cs typeface="Times New Roman" charset="0"/>
+                          </a:rPr>
+                          <m:t>𝑧</m:t>
+                        </m:r>
+                      </m:e>
+                      <m:sub>
+                        <m:r>
+                          <a:rPr lang="en-US" b="0" i="1" smtClean="0">
+                            <a:latin typeface="Cambria Math" charset="0"/>
+                            <a:ea typeface="Times New Roman" charset="0"/>
+                            <a:cs typeface="Times New Roman" charset="0"/>
+                          </a:rPr>
+                          <m:t>𝑡</m:t>
+                        </m:r>
+                        <m:r>
+                          <a:rPr lang="en-US" b="0" i="1" smtClean="0">
+                            <a:latin typeface="Cambria Math" charset="0"/>
+                            <a:ea typeface="Times New Roman" charset="0"/>
+                            <a:cs typeface="Times New Roman" charset="0"/>
+                          </a:rPr>
+                          <m:t>, </m:t>
+                        </m:r>
+                        <m:r>
+                          <a:rPr lang="en-US" b="0" i="1" smtClean="0">
+                            <a:latin typeface="Cambria Math" charset="0"/>
+                            <a:ea typeface="Times New Roman" charset="0"/>
+                            <a:cs typeface="Times New Roman" charset="0"/>
+                          </a:rPr>
+                          <m:t>𝑖</m:t>
+                        </m:r>
+                      </m:sub>
+                    </m:sSub>
+                    <m:r>
+                      <a:rPr lang="en-US" b="0" i="1" smtClean="0">
+                        <a:latin typeface="Cambria Math" charset="0"/>
+                        <a:ea typeface="Times New Roman" charset="0"/>
+                        <a:cs typeface="Times New Roman" charset="0"/>
+                      </a:rPr>
+                      <m:t> </m:t>
+                    </m:r>
+                  </m:oMath>
+                </a14:m>
+                <a:r>
+                  <a:rPr lang="en-US" b="1" dirty="0" smtClean="0">
+                    <a:latin typeface="Times New Roman" charset="0"/>
+                    <a:ea typeface="Times New Roman" charset="0"/>
+                    <a:cs typeface="Times New Roman" charset="0"/>
+                  </a:rPr>
+                  <a:t> </a:t>
+                </a:r>
+                <a:r>
+                  <a:rPr lang="en-US" dirty="0" smtClean="0">
+                    <a:latin typeface="Times New Roman" charset="0"/>
+                    <a:ea typeface="Times New Roman" charset="0"/>
+                    <a:cs typeface="Times New Roman" charset="0"/>
+                  </a:rPr>
+                  <a:t>is the </a:t>
+                </a:r>
+                <a14:m>
+                  <m:oMath xmlns:m="http://schemas.openxmlformats.org/officeDocument/2006/math">
+                    <m:r>
+                      <a:rPr lang="en-US" b="0" i="1" smtClean="0">
+                        <a:latin typeface="Cambria Math" charset="0"/>
+                        <a:ea typeface="Times New Roman" charset="0"/>
+                        <a:cs typeface="Times New Roman" charset="0"/>
+                      </a:rPr>
+                      <m:t> </m:t>
+                    </m:r>
+                    <m:sSup>
+                      <m:sSupPr>
+                        <m:ctrlPr>
+                          <a:rPr lang="en-US" b="0" i="1" smtClean="0">
+                            <a:latin typeface="Cambria Math" charset="0"/>
+                            <a:ea typeface="Times New Roman" charset="0"/>
+                            <a:cs typeface="Times New Roman" charset="0"/>
+                          </a:rPr>
+                        </m:ctrlPr>
+                      </m:sSupPr>
+                      <m:e>
+                        <m:r>
+                          <a:rPr lang="en-US" b="0" i="1" smtClean="0">
+                            <a:latin typeface="Cambria Math" charset="0"/>
+                            <a:ea typeface="Times New Roman" charset="0"/>
+                            <a:cs typeface="Times New Roman" charset="0"/>
+                          </a:rPr>
+                          <m:t>𝑡</m:t>
+                        </m:r>
+                      </m:e>
+                      <m:sup>
+                        <m:r>
+                          <a:rPr lang="en-US" b="0" i="1" smtClean="0">
+                            <a:latin typeface="Cambria Math" charset="0"/>
+                            <a:ea typeface="Times New Roman" charset="0"/>
+                            <a:cs typeface="Times New Roman" charset="0"/>
+                          </a:rPr>
+                          <m:t>𝑡h</m:t>
+                        </m:r>
+                      </m:sup>
+                    </m:sSup>
+                    <m:r>
+                      <a:rPr lang="en-US" b="0" i="1" smtClean="0">
+                        <a:latin typeface="Cambria Math" charset="0"/>
+                        <a:ea typeface="Times New Roman" charset="0"/>
+                        <a:cs typeface="Times New Roman" charset="0"/>
+                      </a:rPr>
+                      <m:t>  </m:t>
+                    </m:r>
+                    <m:r>
+                      <a:rPr lang="en-US" b="0" i="1" smtClean="0">
+                        <a:latin typeface="Cambria Math" charset="0"/>
+                        <a:ea typeface="Times New Roman" charset="0"/>
+                        <a:cs typeface="Times New Roman" charset="0"/>
+                      </a:rPr>
+                      <m:t>𝑟𝑜𝑤</m:t>
+                    </m:r>
+                    <m:r>
+                      <a:rPr lang="en-US" b="0" i="1" smtClean="0">
+                        <a:latin typeface="Cambria Math" charset="0"/>
+                        <a:ea typeface="Times New Roman" charset="0"/>
+                        <a:cs typeface="Times New Roman" charset="0"/>
+                      </a:rPr>
+                      <m:t> </m:t>
+                    </m:r>
+                    <m:r>
+                      <a:rPr lang="en-US" b="0" i="1" smtClean="0">
+                        <a:latin typeface="Cambria Math" charset="0"/>
+                        <a:ea typeface="Times New Roman" charset="0"/>
+                        <a:cs typeface="Times New Roman" charset="0"/>
+                      </a:rPr>
+                      <m:t>𝑎𝑛𝑑</m:t>
+                    </m:r>
+                    <m:r>
+                      <a:rPr lang="en-US" b="0" i="1" smtClean="0">
+                        <a:latin typeface="Cambria Math" charset="0"/>
+                        <a:ea typeface="Times New Roman" charset="0"/>
+                        <a:cs typeface="Times New Roman" charset="0"/>
+                      </a:rPr>
+                      <m:t> </m:t>
+                    </m:r>
+                    <m:sSup>
+                      <m:sSupPr>
+                        <m:ctrlPr>
+                          <a:rPr lang="en-US" b="0" i="1" smtClean="0">
+                            <a:latin typeface="Cambria Math" charset="0"/>
+                            <a:ea typeface="Times New Roman" charset="0"/>
+                            <a:cs typeface="Times New Roman" charset="0"/>
+                          </a:rPr>
+                        </m:ctrlPr>
+                      </m:sSupPr>
+                      <m:e>
+                        <m:r>
+                          <a:rPr lang="en-US" b="0" i="1" smtClean="0">
+                            <a:latin typeface="Cambria Math" charset="0"/>
+                            <a:ea typeface="Times New Roman" charset="0"/>
+                            <a:cs typeface="Times New Roman" charset="0"/>
+                          </a:rPr>
+                          <m:t>𝑖</m:t>
+                        </m:r>
+                      </m:e>
+                      <m:sup>
+                        <m:r>
+                          <a:rPr lang="en-US" b="0" i="1" smtClean="0">
+                            <a:latin typeface="Cambria Math" charset="0"/>
+                            <a:ea typeface="Times New Roman" charset="0"/>
+                            <a:cs typeface="Times New Roman" charset="0"/>
+                          </a:rPr>
+                          <m:t>𝑡h</m:t>
+                        </m:r>
+                      </m:sup>
+                    </m:sSup>
+                    <m:r>
+                      <a:rPr lang="en-US" b="0" i="1" smtClean="0">
+                        <a:latin typeface="Cambria Math" charset="0"/>
+                        <a:ea typeface="Times New Roman" charset="0"/>
+                        <a:cs typeface="Times New Roman" charset="0"/>
+                      </a:rPr>
+                      <m:t> </m:t>
+                    </m:r>
+                    <m:r>
+                      <a:rPr lang="en-US" b="0" i="1" smtClean="0">
+                        <a:latin typeface="Cambria Math" charset="0"/>
+                        <a:ea typeface="Times New Roman" charset="0"/>
+                        <a:cs typeface="Times New Roman" charset="0"/>
+                      </a:rPr>
+                      <m:t>𝑐𝑜𝑙𝑢𝑚𝑛</m:t>
+                    </m:r>
+                    <m:r>
+                      <a:rPr lang="en-US" b="0" i="1" smtClean="0">
+                        <a:latin typeface="Cambria Math" charset="0"/>
+                        <a:ea typeface="Times New Roman" charset="0"/>
+                        <a:cs typeface="Times New Roman" charset="0"/>
+                      </a:rPr>
+                      <m:t> </m:t>
+                    </m:r>
+                    <m:r>
+                      <a:rPr lang="en-US" b="0" i="1" smtClean="0">
+                        <a:latin typeface="Cambria Math" charset="0"/>
+                        <a:ea typeface="Times New Roman" charset="0"/>
+                        <a:cs typeface="Times New Roman" charset="0"/>
+                      </a:rPr>
+                      <m:t>𝑜𝑓</m:t>
+                    </m:r>
+                    <m:r>
+                      <a:rPr lang="en-US" b="0" i="1" smtClean="0">
+                        <a:latin typeface="Cambria Math" charset="0"/>
+                        <a:ea typeface="Times New Roman" charset="0"/>
+                        <a:cs typeface="Times New Roman" charset="0"/>
+                      </a:rPr>
+                      <m:t> </m:t>
+                    </m:r>
+                    <m:r>
+                      <a:rPr lang="en-US" b="0" i="1" smtClean="0">
+                        <a:latin typeface="Cambria Math" charset="0"/>
+                        <a:ea typeface="Times New Roman" charset="0"/>
+                        <a:cs typeface="Times New Roman" charset="0"/>
+                      </a:rPr>
+                      <m:t>𝑧</m:t>
+                    </m:r>
+                  </m:oMath>
+                </a14:m>
+                <a:r>
+                  <a:rPr lang="en-US" b="1" dirty="0" smtClean="0">
+                    <a:latin typeface="Times New Roman" charset="0"/>
+                    <a:ea typeface="Times New Roman" charset="0"/>
+                    <a:cs typeface="Times New Roman" charset="0"/>
+                  </a:rPr>
+                  <a:t>   </a:t>
+                </a:r>
+              </a:p>
+              <a:p>
+                <a:pPr lvl="1"/>
+                <a:r>
+                  <a:rPr lang="en-US" dirty="0" smtClean="0">
+                    <a:latin typeface="Times New Roman" charset="0"/>
+                    <a:ea typeface="Times New Roman" charset="0"/>
+                    <a:cs typeface="Times New Roman" charset="0"/>
+                  </a:rPr>
+                  <a:t>We will see the proof of above equations in the next slide.</a:t>
+                </a:r>
+              </a:p>
+              <a:p>
+                <a:r>
+                  <a:rPr lang="en-US" dirty="0" smtClean="0">
+                    <a:latin typeface="Times New Roman" charset="0"/>
+                    <a:ea typeface="Times New Roman" charset="0"/>
+                    <a:cs typeface="Times New Roman" charset="0"/>
+                  </a:rPr>
+                  <a:t>Note that the above mean does not use task dependent kernels, instead task dependency part is taken care by </a:t>
+                </a:r>
+                <a14:m>
+                  <m:oMath xmlns:m="http://schemas.openxmlformats.org/officeDocument/2006/math">
+                    <m:sSup>
+                      <m:sSupPr>
+                        <m:ctrlPr>
+                          <a:rPr lang="en-US" b="0" i="1" smtClean="0">
+                            <a:latin typeface="Cambria Math" charset="0"/>
+                            <a:ea typeface="Times New Roman" charset="0"/>
+                            <a:cs typeface="Times New Roman" charset="0"/>
+                          </a:rPr>
+                        </m:ctrlPr>
+                      </m:sSupPr>
+                      <m:e>
+                        <m:r>
+                          <a:rPr lang="en-US" b="0" i="1" smtClean="0">
+                            <a:latin typeface="Cambria Math" charset="0"/>
+                            <a:ea typeface="Times New Roman" charset="0"/>
+                            <a:cs typeface="Times New Roman" charset="0"/>
+                          </a:rPr>
+                          <m:t>𝛼</m:t>
+                        </m:r>
+                      </m:e>
+                      <m:sup>
+                        <m:r>
+                          <a:rPr lang="en-US" b="0" i="1" smtClean="0">
+                            <a:latin typeface="Cambria Math" charset="0"/>
+                            <a:ea typeface="Times New Roman" charset="0"/>
+                            <a:cs typeface="Times New Roman" charset="0"/>
+                          </a:rPr>
+                          <m:t>𝑡</m:t>
+                        </m:r>
+                      </m:sup>
+                    </m:sSup>
+                    <m:r>
+                      <a:rPr lang="en-US" b="0" i="0" smtClean="0">
+                        <a:latin typeface="Cambria Math" charset="0"/>
+                        <a:ea typeface="Times New Roman" charset="0"/>
+                        <a:cs typeface="Times New Roman" charset="0"/>
+                      </a:rPr>
+                      <m:t>,</m:t>
+                    </m:r>
+                  </m:oMath>
+                </a14:m>
+                <a:r>
+                  <a:rPr lang="en-US" dirty="0" smtClean="0">
+                    <a:latin typeface="Times New Roman" charset="0"/>
+                    <a:ea typeface="Times New Roman" charset="0"/>
+                    <a:cs typeface="Times New Roman" charset="0"/>
+                  </a:rPr>
+                  <a:t> which again taken by </a:t>
+                </a:r>
+                <a14:m>
+                  <m:oMath xmlns:m="http://schemas.openxmlformats.org/officeDocument/2006/math">
+                    <m:sSub>
+                      <m:sSubPr>
+                        <m:ctrlPr>
+                          <a:rPr lang="en-US" b="0" i="1" smtClean="0">
+                            <a:latin typeface="Cambria Math" charset="0"/>
+                            <a:ea typeface="Times New Roman" charset="0"/>
+                            <a:cs typeface="Times New Roman" charset="0"/>
+                          </a:rPr>
+                        </m:ctrlPr>
+                      </m:sSubPr>
+                      <m:e>
+                        <m:r>
+                          <a:rPr lang="en-US" b="0" i="1" smtClean="0">
+                            <a:latin typeface="Cambria Math" charset="0"/>
+                            <a:ea typeface="Times New Roman" charset="0"/>
+                            <a:cs typeface="Times New Roman" charset="0"/>
+                          </a:rPr>
+                          <m:t>𝑧</m:t>
+                        </m:r>
+                      </m:e>
+                      <m:sub>
+                        <m:r>
+                          <a:rPr lang="en-US" b="0" i="1" smtClean="0">
+                            <a:latin typeface="Cambria Math" charset="0"/>
+                            <a:ea typeface="Times New Roman" charset="0"/>
+                            <a:cs typeface="Times New Roman" charset="0"/>
+                          </a:rPr>
+                          <m:t>𝑡</m:t>
+                        </m:r>
+                      </m:sub>
+                    </m:sSub>
+                  </m:oMath>
+                </a14:m>
+                <a:endParaRPr lang="en-US" dirty="0" smtClean="0">
+                  <a:latin typeface="Times New Roman" charset="0"/>
+                  <a:ea typeface="Times New Roman" charset="0"/>
+                  <a:cs typeface="Times New Roman" charset="0"/>
+                </a:endParaRPr>
+              </a:p>
+              <a:p>
+                <a:pPr lvl="1"/>
+                <a:r>
+                  <a:rPr lang="en-US" dirty="0" smtClean="0"/>
+                  <a:t>From above equations we know how to find mean what about variance.</a:t>
+                </a:r>
+              </a:p>
+              <a:p>
+                <a:pPr lvl="2"/>
+                <a:r>
+                  <a:rPr lang="en-US" dirty="0" smtClean="0"/>
+                  <a:t>It follows from the proof/equivalence of above equations. Lets see it. </a:t>
+                </a:r>
+                <a:endParaRPr lang="en-US" dirty="0"/>
+              </a:p>
+            </p:txBody>
+          </p:sp>
+        </mc:Choice>
+        <mc:Fallback xmlns="">
+          <p:sp>
+            <p:nvSpPr>
+              <p:cNvPr id="3" name="Content Placeholder 2"/>
+              <p:cNvSpPr>
+                <a:spLocks noGrp="1" noRot="1" noChangeAspect="1" noMove="1" noResize="1" noEditPoints="1" noAdjustHandles="1" noChangeArrowheads="1" noChangeShapeType="1" noTextEdit="1"/>
+              </p:cNvSpPr>
+              <p:nvPr>
+                <p:ph idx="1"/>
+              </p:nvPr>
+            </p:nvSpPr>
+            <p:spPr>
+              <a:xfrm>
+                <a:off x="677334" y="1779373"/>
+                <a:ext cx="8596668" cy="4261989"/>
+              </a:xfrm>
+              <a:blipFill rotWithShape="0">
+                <a:blip r:embed="rId2"/>
+                <a:stretch>
+                  <a:fillRect l="-142" t="-1001" r="-496"/>
+                </a:stretch>
+              </a:blipFill>
+            </p:spPr>
+            <p:txBody>
+              <a:bodyPr/>
+              <a:lstStyle/>
+              <a:p>
+                <a:r>
+                  <a:rPr lang="en-US">
+                    <a:noFill/>
+                  </a:rPr>
+                  <a:t> </a:t>
+                </a:r>
+              </a:p>
+            </p:txBody>
+          </p:sp>
+        </mc:Fallback>
+      </mc:AlternateContent>
+    </p:spTree>
+    <p:extLst>
+      <p:ext uri="{BB962C8B-B14F-4D97-AF65-F5344CB8AC3E}">
+        <p14:creationId xmlns:p14="http://schemas.microsoft.com/office/powerpoint/2010/main" val="514666237"/>
+      </p:ext>
+    </p:extLst>
+  </p:cSld>
+  <p:clrMapOvr>
+    <a:masterClrMapping/>
+  </p:clrMapOvr>
+</p:sld>
+</file>
+
 <file path=ppt/slides/slide2.xml><?xml version="1.0" encoding="utf-8"?>
 <p:sld xmlns:a="http://schemas.openxmlformats.org/drawingml/2006/main" xmlns:r="http://schemas.openxmlformats.org/officeDocument/2006/relationships" xmlns:p="http://schemas.openxmlformats.org/presentationml/2006/main">
   <p:cSld>
@@ -13677,6 +15262,4386 @@
     <p:extLst>
       <p:ext uri="{BB962C8B-B14F-4D97-AF65-F5344CB8AC3E}">
         <p14:creationId xmlns:p14="http://schemas.microsoft.com/office/powerpoint/2010/main" val="960286418"/>
+      </p:ext>
+    </p:extLst>
+  </p:cSld>
+  <p:clrMapOvr>
+    <a:masterClrMapping/>
+  </p:clrMapOvr>
+</p:sld>
+</file>
+
+<file path=ppt/slides/slide20.xml><?xml version="1.0" encoding="utf-8"?>
+<p:sld xmlns:a="http://schemas.openxmlformats.org/drawingml/2006/main" xmlns:r="http://schemas.openxmlformats.org/officeDocument/2006/relationships" xmlns:p="http://schemas.openxmlformats.org/presentationml/2006/main">
+  <p:cSld>
+    <p:spTree>
+      <p:nvGrpSpPr>
+        <p:cNvPr id="1" name=""/>
+        <p:cNvGrpSpPr/>
+        <p:nvPr/>
+      </p:nvGrpSpPr>
+      <p:grpSpPr>
+        <a:xfrm>
+          <a:off x="0" y="0"/>
+          <a:ext cx="0" cy="0"/>
+          <a:chOff x="0" y="0"/>
+          <a:chExt cx="0" cy="0"/>
+        </a:xfrm>
+      </p:grpSpPr>
+      <p:sp>
+        <p:nvSpPr>
+          <p:cNvPr id="2" name="Title 1"/>
+          <p:cNvSpPr>
+            <a:spLocks noGrp="1"/>
+          </p:cNvSpPr>
+          <p:nvPr>
+            <p:ph type="title"/>
+          </p:nvPr>
+        </p:nvSpPr>
+        <p:spPr/>
+        <p:txBody>
+          <a:bodyPr/>
+          <a:lstStyle/>
+          <a:p>
+            <a:r>
+              <a:rPr lang="en-US" dirty="0"/>
+              <a:t>Our Method</a:t>
+            </a:r>
+          </a:p>
+        </p:txBody>
+      </p:sp>
+      <mc:AlternateContent xmlns:mc="http://schemas.openxmlformats.org/markup-compatibility/2006" xmlns:a14="http://schemas.microsoft.com/office/drawing/2010/main">
+        <mc:Choice Requires="a14">
+          <p:sp>
+            <p:nvSpPr>
+              <p:cNvPr id="3" name="Content Placeholder 2"/>
+              <p:cNvSpPr>
+                <a:spLocks noGrp="1"/>
+              </p:cNvSpPr>
+              <p:nvPr>
+                <p:ph idx="1"/>
+              </p:nvPr>
+            </p:nvSpPr>
+            <p:spPr>
+              <a:xfrm>
+                <a:off x="677334" y="1581665"/>
+                <a:ext cx="8596668" cy="4459697"/>
+              </a:xfrm>
+            </p:spPr>
+            <p:txBody>
+              <a:bodyPr/>
+              <a:lstStyle/>
+              <a:p>
+                <a:r>
+                  <a:rPr lang="en-US" dirty="0" smtClean="0"/>
+                  <a:t>Proof of equivalence of previous equations to Multi-task GP’s</a:t>
+                </a:r>
+              </a:p>
+              <a:p>
+                <a:pPr lvl="1"/>
+                <a:r>
+                  <a:rPr lang="en-US" dirty="0" smtClean="0"/>
+                  <a:t> </a:t>
+                </a:r>
+                <a14:m>
+                  <m:oMath xmlns:m="http://schemas.openxmlformats.org/officeDocument/2006/math">
+                    <m:sSup>
+                      <m:sSupPr>
+                        <m:ctrlPr>
+                          <a:rPr lang="en-US" b="0" i="1" smtClean="0">
+                            <a:latin typeface="Cambria Math" charset="0"/>
+                          </a:rPr>
+                        </m:ctrlPr>
+                      </m:sSupPr>
+                      <m:e>
+                        <m:r>
+                          <a:rPr lang="en-US" b="0" i="1" smtClean="0">
+                            <a:latin typeface="Cambria Math" charset="0"/>
+                          </a:rPr>
+                          <m:t>𝑘</m:t>
+                        </m:r>
+                      </m:e>
+                      <m:sup>
+                        <m:sSub>
+                          <m:sSubPr>
+                            <m:ctrlPr>
+                              <a:rPr lang="en-US" b="0" i="1" smtClean="0">
+                                <a:latin typeface="Cambria Math" charset="0"/>
+                              </a:rPr>
+                            </m:ctrlPr>
+                          </m:sSubPr>
+                          <m:e>
+                            <m:r>
+                              <a:rPr lang="en-US" b="0" i="1" smtClean="0">
+                                <a:latin typeface="Cambria Math" charset="0"/>
+                              </a:rPr>
+                              <m:t>𝑡</m:t>
+                            </m:r>
+                          </m:e>
+                          <m:sub>
+                            <m:r>
+                              <a:rPr lang="en-US" b="0" i="1" smtClean="0">
+                                <a:latin typeface="Cambria Math" charset="0"/>
+                              </a:rPr>
+                              <m:t>𝑖</m:t>
+                            </m:r>
+                          </m:sub>
+                        </m:sSub>
+                        <m:sSub>
+                          <m:sSubPr>
+                            <m:ctrlPr>
+                              <a:rPr lang="en-US" b="0" i="1" smtClean="0">
+                                <a:latin typeface="Cambria Math" charset="0"/>
+                              </a:rPr>
+                            </m:ctrlPr>
+                          </m:sSubPr>
+                          <m:e>
+                            <m:r>
+                              <a:rPr lang="en-US" b="0" i="1" smtClean="0">
+                                <a:latin typeface="Cambria Math" charset="0"/>
+                              </a:rPr>
+                              <m:t>𝑡</m:t>
+                            </m:r>
+                          </m:e>
+                          <m:sub>
+                            <m:r>
+                              <a:rPr lang="en-US" b="0" i="1" smtClean="0">
+                                <a:latin typeface="Cambria Math" charset="0"/>
+                              </a:rPr>
+                              <m:t>𝑗</m:t>
+                            </m:r>
+                          </m:sub>
+                        </m:sSub>
+                      </m:sup>
+                    </m:sSup>
+                    <m:d>
+                      <m:dPr>
+                        <m:ctrlPr>
+                          <a:rPr lang="en-US" b="0" i="1" smtClean="0">
+                            <a:latin typeface="Cambria Math" charset="0"/>
+                          </a:rPr>
+                        </m:ctrlPr>
+                      </m:dPr>
+                      <m:e>
+                        <m:sSub>
+                          <m:sSubPr>
+                            <m:ctrlPr>
+                              <a:rPr lang="en-US" b="0" i="1" smtClean="0">
+                                <a:latin typeface="Cambria Math" charset="0"/>
+                              </a:rPr>
+                            </m:ctrlPr>
+                          </m:sSubPr>
+                          <m:e>
+                            <m:r>
+                              <a:rPr lang="en-US" b="0" i="1" smtClean="0">
+                                <a:latin typeface="Cambria Math" charset="0"/>
+                              </a:rPr>
+                              <m:t>𝑥</m:t>
+                            </m:r>
+                          </m:e>
+                          <m:sub>
+                            <m:r>
+                              <a:rPr lang="en-US" b="0" i="1" smtClean="0">
+                                <a:latin typeface="Cambria Math" charset="0"/>
+                              </a:rPr>
+                              <m:t>𝑖</m:t>
+                            </m:r>
+                          </m:sub>
+                        </m:sSub>
+                        <m:r>
+                          <a:rPr lang="en-US" b="0" i="1" smtClean="0">
+                            <a:latin typeface="Cambria Math" charset="0"/>
+                          </a:rPr>
+                          <m:t>, </m:t>
+                        </m:r>
+                        <m:sSub>
+                          <m:sSubPr>
+                            <m:ctrlPr>
+                              <a:rPr lang="en-US" b="0" i="1" smtClean="0">
+                                <a:latin typeface="Cambria Math" charset="0"/>
+                              </a:rPr>
+                            </m:ctrlPr>
+                          </m:sSubPr>
+                          <m:e>
+                            <m:r>
+                              <a:rPr lang="en-US" b="0" i="1" smtClean="0">
+                                <a:latin typeface="Cambria Math" charset="0"/>
+                              </a:rPr>
+                              <m:t>𝑥</m:t>
+                            </m:r>
+                          </m:e>
+                          <m:sub>
+                            <m:r>
+                              <a:rPr lang="en-US" b="0" i="1" smtClean="0">
+                                <a:latin typeface="Cambria Math" charset="0"/>
+                              </a:rPr>
+                              <m:t>𝑗</m:t>
+                            </m:r>
+                          </m:sub>
+                        </m:sSub>
+                      </m:e>
+                    </m:d>
+                    <m:r>
+                      <a:rPr lang="en-US" b="0" i="1" smtClean="0">
+                        <a:latin typeface="Cambria Math" charset="0"/>
+                      </a:rPr>
+                      <m:t>=</m:t>
+                    </m:r>
+                    <m:sSup>
+                      <m:sSupPr>
+                        <m:ctrlPr>
+                          <a:rPr lang="en-US" b="0" i="1" smtClean="0">
+                            <a:latin typeface="Cambria Math" charset="0"/>
+                          </a:rPr>
+                        </m:ctrlPr>
+                      </m:sSupPr>
+                      <m:e>
+                        <m:r>
+                          <a:rPr lang="en-US" b="0" i="1" smtClean="0">
+                            <a:latin typeface="Cambria Math" charset="0"/>
+                          </a:rPr>
+                          <m:t>𝑘</m:t>
+                        </m:r>
+                      </m:e>
+                      <m:sup>
+                        <m:r>
+                          <a:rPr lang="en-US" b="0" i="1" smtClean="0">
+                            <a:latin typeface="Cambria Math" charset="0"/>
+                          </a:rPr>
+                          <m:t>𝑎</m:t>
+                        </m:r>
+                      </m:sup>
+                    </m:sSup>
+                    <m:d>
+                      <m:dPr>
+                        <m:ctrlPr>
+                          <a:rPr lang="en-US" b="0" i="1" smtClean="0">
+                            <a:latin typeface="Cambria Math" charset="0"/>
+                          </a:rPr>
+                        </m:ctrlPr>
+                      </m:dPr>
+                      <m:e>
+                        <m:sSub>
+                          <m:sSubPr>
+                            <m:ctrlPr>
+                              <a:rPr lang="en-US" b="0" i="1" smtClean="0">
+                                <a:latin typeface="Cambria Math" charset="0"/>
+                              </a:rPr>
+                            </m:ctrlPr>
+                          </m:sSubPr>
+                          <m:e>
+                            <m:r>
+                              <a:rPr lang="en-US" b="0" i="1" smtClean="0">
+                                <a:latin typeface="Cambria Math" charset="0"/>
+                              </a:rPr>
+                              <m:t>𝑥</m:t>
+                            </m:r>
+                          </m:e>
+                          <m:sub>
+                            <m:r>
+                              <a:rPr lang="en-US" b="0" i="1" smtClean="0">
+                                <a:latin typeface="Cambria Math" charset="0"/>
+                              </a:rPr>
+                              <m:t>𝑖</m:t>
+                            </m:r>
+                          </m:sub>
+                        </m:sSub>
+                        <m:r>
+                          <a:rPr lang="en-US" b="0" i="1" smtClean="0">
+                            <a:latin typeface="Cambria Math" charset="0"/>
+                          </a:rPr>
+                          <m:t> </m:t>
+                        </m:r>
+                        <m:sSub>
+                          <m:sSubPr>
+                            <m:ctrlPr>
+                              <a:rPr lang="en-US" b="0" i="1" smtClean="0">
+                                <a:latin typeface="Cambria Math" charset="0"/>
+                              </a:rPr>
+                            </m:ctrlPr>
+                          </m:sSubPr>
+                          <m:e>
+                            <m:r>
+                              <a:rPr lang="en-US" b="0" i="1" smtClean="0">
+                                <a:latin typeface="Cambria Math" charset="0"/>
+                              </a:rPr>
+                              <m:t>𝑥</m:t>
+                            </m:r>
+                          </m:e>
+                          <m:sub>
+                            <m:r>
+                              <a:rPr lang="en-US" b="0" i="1" smtClean="0">
+                                <a:latin typeface="Cambria Math" charset="0"/>
+                              </a:rPr>
+                              <m:t>𝑗</m:t>
+                            </m:r>
+                          </m:sub>
+                        </m:sSub>
+                      </m:e>
+                    </m:d>
+                    <m:sSup>
+                      <m:sSupPr>
+                        <m:ctrlPr>
+                          <a:rPr lang="en-US" b="0" i="1" smtClean="0">
+                            <a:latin typeface="Cambria Math" charset="0"/>
+                          </a:rPr>
+                        </m:ctrlPr>
+                      </m:sSupPr>
+                      <m:e>
+                        <m:r>
+                          <a:rPr lang="en-US" b="0" i="1" smtClean="0">
+                            <a:latin typeface="Cambria Math" charset="0"/>
+                          </a:rPr>
+                          <m:t>𝑘</m:t>
+                        </m:r>
+                      </m:e>
+                      <m:sup>
+                        <m:r>
+                          <a:rPr lang="en-US" b="0" i="1" smtClean="0">
+                            <a:latin typeface="Cambria Math" charset="0"/>
+                          </a:rPr>
+                          <m:t>𝑏</m:t>
+                        </m:r>
+                      </m:sup>
+                    </m:sSup>
+                    <m:d>
+                      <m:dPr>
+                        <m:ctrlPr>
+                          <a:rPr lang="en-US" b="0" i="1" smtClean="0">
+                            <a:latin typeface="Cambria Math" charset="0"/>
+                          </a:rPr>
+                        </m:ctrlPr>
+                      </m:dPr>
+                      <m:e>
+                        <m:sSub>
+                          <m:sSubPr>
+                            <m:ctrlPr>
+                              <a:rPr lang="en-US" b="0" i="1" smtClean="0">
+                                <a:latin typeface="Cambria Math" charset="0"/>
+                              </a:rPr>
+                            </m:ctrlPr>
+                          </m:sSubPr>
+                          <m:e>
+                            <m:r>
+                              <a:rPr lang="en-US" b="0" i="1" smtClean="0">
+                                <a:latin typeface="Cambria Math" charset="0"/>
+                              </a:rPr>
+                              <m:t>𝑡</m:t>
+                            </m:r>
+                          </m:e>
+                          <m:sub>
+                            <m:r>
+                              <a:rPr lang="en-US" b="0" i="1" smtClean="0">
+                                <a:latin typeface="Cambria Math" charset="0"/>
+                              </a:rPr>
+                              <m:t>𝑖</m:t>
+                            </m:r>
+                          </m:sub>
+                        </m:sSub>
+                        <m:r>
+                          <a:rPr lang="en-US" b="0" i="1" smtClean="0">
+                            <a:latin typeface="Cambria Math" charset="0"/>
+                          </a:rPr>
+                          <m:t> </m:t>
+                        </m:r>
+                        <m:sSub>
+                          <m:sSubPr>
+                            <m:ctrlPr>
+                              <a:rPr lang="en-US" b="0" i="1" smtClean="0">
+                                <a:latin typeface="Cambria Math" charset="0"/>
+                              </a:rPr>
+                            </m:ctrlPr>
+                          </m:sSubPr>
+                          <m:e>
+                            <m:r>
+                              <a:rPr lang="en-US" b="0" i="1" smtClean="0">
+                                <a:latin typeface="Cambria Math" charset="0"/>
+                              </a:rPr>
+                              <m:t>𝑡</m:t>
+                            </m:r>
+                          </m:e>
+                          <m:sub>
+                            <m:r>
+                              <a:rPr lang="en-US" b="0" i="1" smtClean="0">
+                                <a:latin typeface="Cambria Math" charset="0"/>
+                              </a:rPr>
+                              <m:t>𝑗</m:t>
+                            </m:r>
+                          </m:sub>
+                        </m:sSub>
+                      </m:e>
+                    </m:d>
+                  </m:oMath>
+                </a14:m>
+                <a:endParaRPr lang="en-US" b="0" dirty="0" smtClean="0"/>
+              </a:p>
+              <a:p>
+                <a:pPr lvl="1"/>
+                <a:r>
+                  <a:rPr lang="en-US" dirty="0"/>
+                  <a:t>Let us make the following </a:t>
+                </a:r>
+                <a:r>
+                  <a:rPr lang="en-US" dirty="0" smtClean="0"/>
+                  <a:t>assumption on </a:t>
+                </a:r>
+                <a14:m>
+                  <m:oMath xmlns:m="http://schemas.openxmlformats.org/officeDocument/2006/math">
+                    <m:sSup>
+                      <m:sSupPr>
+                        <m:ctrlPr>
+                          <a:rPr lang="en-US" b="0" i="1" smtClean="0">
+                            <a:latin typeface="Cambria Math" charset="0"/>
+                          </a:rPr>
+                        </m:ctrlPr>
+                      </m:sSupPr>
+                      <m:e>
+                        <m:r>
+                          <a:rPr lang="en-US" b="0" i="1" smtClean="0">
+                            <a:latin typeface="Cambria Math" charset="0"/>
+                          </a:rPr>
+                          <m:t>𝑘</m:t>
+                        </m:r>
+                      </m:e>
+                      <m:sup>
+                        <m:r>
+                          <a:rPr lang="en-US" b="0" i="1" smtClean="0">
+                            <a:latin typeface="Cambria Math" charset="0"/>
+                          </a:rPr>
+                          <m:t>𝑏</m:t>
+                        </m:r>
+                      </m:sup>
+                    </m:sSup>
+                  </m:oMath>
+                </a14:m>
+                <a:r>
+                  <a:rPr lang="en-US" dirty="0" smtClean="0"/>
+                  <a:t>, </a:t>
+                </a:r>
+                <a:r>
+                  <a:rPr lang="en-US" dirty="0"/>
+                  <a:t>which is a slightly stronger </a:t>
+                </a:r>
+                <a:r>
+                  <a:rPr lang="en-US" dirty="0" smtClean="0"/>
+                  <a:t>assumption </a:t>
+                </a:r>
+                <a:r>
+                  <a:rPr lang="en-US" dirty="0"/>
+                  <a:t>than mercer kernels</a:t>
+                </a:r>
+                <a:r>
+                  <a:rPr lang="en-US" dirty="0" smtClean="0"/>
+                  <a:t>.</a:t>
+                </a:r>
+              </a:p>
+              <a:p>
+                <a:pPr lvl="2"/>
+                <a14:m>
+                  <m:oMath xmlns:m="http://schemas.openxmlformats.org/officeDocument/2006/math">
+                    <m:sSup>
+                      <m:sSupPr>
+                        <m:ctrlPr>
+                          <a:rPr lang="en-US" b="0" i="1" smtClean="0">
+                            <a:latin typeface="Cambria Math" charset="0"/>
+                          </a:rPr>
+                        </m:ctrlPr>
+                      </m:sSupPr>
+                      <m:e>
+                        <m:r>
+                          <a:rPr lang="en-US" b="0" i="1" smtClean="0">
+                            <a:latin typeface="Cambria Math" charset="0"/>
+                          </a:rPr>
+                          <m:t>𝑘</m:t>
+                        </m:r>
+                      </m:e>
+                      <m:sup>
+                        <m:r>
+                          <a:rPr lang="en-US" b="0" i="1" smtClean="0">
+                            <a:latin typeface="Cambria Math" charset="0"/>
+                          </a:rPr>
+                          <m:t>𝑏</m:t>
+                        </m:r>
+                      </m:sup>
+                    </m:sSup>
+                    <m:d>
+                      <m:dPr>
+                        <m:ctrlPr>
+                          <a:rPr lang="en-US" b="0" i="1" smtClean="0">
+                            <a:latin typeface="Cambria Math" charset="0"/>
+                          </a:rPr>
+                        </m:ctrlPr>
+                      </m:dPr>
+                      <m:e>
+                        <m:sSub>
+                          <m:sSubPr>
+                            <m:ctrlPr>
+                              <a:rPr lang="en-US" b="0" i="1" smtClean="0">
+                                <a:latin typeface="Cambria Math" charset="0"/>
+                              </a:rPr>
+                            </m:ctrlPr>
+                          </m:sSubPr>
+                          <m:e>
+                            <m:r>
+                              <a:rPr lang="en-US" b="0" i="1" smtClean="0">
+                                <a:latin typeface="Cambria Math" charset="0"/>
+                              </a:rPr>
+                              <m:t>𝑡</m:t>
+                            </m:r>
+                          </m:e>
+                          <m:sub>
+                            <m:r>
+                              <a:rPr lang="en-US" b="0" i="1" smtClean="0">
+                                <a:latin typeface="Cambria Math" charset="0"/>
+                              </a:rPr>
+                              <m:t>𝑖</m:t>
+                            </m:r>
+                          </m:sub>
+                        </m:sSub>
+                        <m:r>
+                          <a:rPr lang="en-US" b="0" i="1" smtClean="0">
+                            <a:latin typeface="Cambria Math" charset="0"/>
+                          </a:rPr>
+                          <m:t> </m:t>
+                        </m:r>
+                        <m:sSub>
+                          <m:sSubPr>
+                            <m:ctrlPr>
+                              <a:rPr lang="en-US" b="0" i="1" smtClean="0">
+                                <a:latin typeface="Cambria Math" charset="0"/>
+                              </a:rPr>
+                            </m:ctrlPr>
+                          </m:sSubPr>
+                          <m:e>
+                            <m:r>
+                              <a:rPr lang="en-US" b="0" i="1" smtClean="0">
+                                <a:latin typeface="Cambria Math" charset="0"/>
+                              </a:rPr>
+                              <m:t>𝑡</m:t>
+                            </m:r>
+                          </m:e>
+                          <m:sub>
+                            <m:r>
+                              <a:rPr lang="en-US" b="0" i="1" smtClean="0">
+                                <a:latin typeface="Cambria Math" charset="0"/>
+                              </a:rPr>
+                              <m:t>𝑗</m:t>
+                            </m:r>
+                          </m:sub>
+                        </m:sSub>
+                      </m:e>
+                    </m:d>
+                    <m:r>
+                      <a:rPr lang="en-US" b="0" i="1" smtClean="0">
+                        <a:latin typeface="Cambria Math" charset="0"/>
+                      </a:rPr>
+                      <m:t>=</m:t>
+                    </m:r>
+                    <m:r>
+                      <a:rPr lang="en-US" b="0" i="1" smtClean="0">
+                        <a:latin typeface="Cambria Math" charset="0"/>
+                      </a:rPr>
+                      <m:t>𝑧</m:t>
+                    </m:r>
+                    <m:sSup>
+                      <m:sSupPr>
+                        <m:ctrlPr>
+                          <a:rPr lang="en-US" b="0" i="1" smtClean="0">
+                            <a:latin typeface="Cambria Math" charset="0"/>
+                          </a:rPr>
+                        </m:ctrlPr>
+                      </m:sSupPr>
+                      <m:e>
+                        <m:d>
+                          <m:dPr>
+                            <m:ctrlPr>
+                              <a:rPr lang="en-US" b="0" i="1" smtClean="0">
+                                <a:latin typeface="Cambria Math" charset="0"/>
+                              </a:rPr>
+                            </m:ctrlPr>
+                          </m:dPr>
+                          <m:e>
+                            <m:sSub>
+                              <m:sSubPr>
+                                <m:ctrlPr>
+                                  <a:rPr lang="en-US" b="0" i="1" smtClean="0">
+                                    <a:latin typeface="Cambria Math" charset="0"/>
+                                  </a:rPr>
+                                </m:ctrlPr>
+                              </m:sSubPr>
+                              <m:e>
+                                <m:r>
+                                  <a:rPr lang="en-US" b="0" i="1" smtClean="0">
+                                    <a:latin typeface="Cambria Math" charset="0"/>
+                                  </a:rPr>
+                                  <m:t>𝑡</m:t>
+                                </m:r>
+                              </m:e>
+                              <m:sub>
+                                <m:r>
+                                  <a:rPr lang="en-US" b="0" i="1" smtClean="0">
+                                    <a:latin typeface="Cambria Math" charset="0"/>
+                                  </a:rPr>
+                                  <m:t>𝑖</m:t>
+                                </m:r>
+                              </m:sub>
+                            </m:sSub>
+                          </m:e>
+                        </m:d>
+                      </m:e>
+                      <m:sup>
+                        <m:r>
+                          <a:rPr lang="en-US" b="0" i="1" smtClean="0">
+                            <a:latin typeface="Cambria Math" charset="0"/>
+                          </a:rPr>
+                          <m:t>𝑇</m:t>
+                        </m:r>
+                      </m:sup>
+                    </m:sSup>
+                    <m:r>
+                      <a:rPr lang="en-US" b="0" i="1" smtClean="0">
+                        <a:latin typeface="Cambria Math" charset="0"/>
+                      </a:rPr>
+                      <m:t>𝑧</m:t>
+                    </m:r>
+                    <m:d>
+                      <m:dPr>
+                        <m:ctrlPr>
+                          <a:rPr lang="en-US" b="0" i="1" smtClean="0">
+                            <a:latin typeface="Cambria Math" charset="0"/>
+                          </a:rPr>
+                        </m:ctrlPr>
+                      </m:dPr>
+                      <m:e>
+                        <m:sSub>
+                          <m:sSubPr>
+                            <m:ctrlPr>
+                              <a:rPr lang="en-US" b="0" i="1" smtClean="0">
+                                <a:latin typeface="Cambria Math" charset="0"/>
+                              </a:rPr>
+                            </m:ctrlPr>
+                          </m:sSubPr>
+                          <m:e>
+                            <m:r>
+                              <a:rPr lang="en-US" b="0" i="1" smtClean="0">
+                                <a:latin typeface="Cambria Math" charset="0"/>
+                              </a:rPr>
+                              <m:t>𝑡</m:t>
+                            </m:r>
+                          </m:e>
+                          <m:sub>
+                            <m:r>
+                              <a:rPr lang="en-US" b="0" i="1" smtClean="0">
+                                <a:latin typeface="Cambria Math" charset="0"/>
+                              </a:rPr>
+                              <m:t>𝑗</m:t>
+                            </m:r>
+                          </m:sub>
+                        </m:sSub>
+                      </m:e>
+                    </m:d>
+                    <m:r>
+                      <a:rPr lang="en-US" b="0" i="0" smtClean="0">
+                        <a:latin typeface="Cambria Math" charset="0"/>
+                      </a:rPr>
+                      <m:t>,  </m:t>
+                    </m:r>
+                    <m:r>
+                      <m:rPr>
+                        <m:sty m:val="p"/>
+                      </m:rPr>
+                      <a:rPr lang="en-US" b="0" i="0" smtClean="0">
+                        <a:latin typeface="Cambria Math" charset="0"/>
+                      </a:rPr>
+                      <m:t>where</m:t>
+                    </m:r>
+                    <m:r>
+                      <a:rPr lang="en-US" b="0" i="0" smtClean="0">
+                        <a:latin typeface="Cambria Math" charset="0"/>
+                      </a:rPr>
+                      <m:t>  </m:t>
+                    </m:r>
+                    <m:r>
+                      <m:rPr>
+                        <m:sty m:val="p"/>
+                      </m:rPr>
+                      <a:rPr lang="en-US" b="0" i="0" smtClean="0">
+                        <a:latin typeface="Cambria Math" charset="0"/>
+                      </a:rPr>
+                      <m:t>z</m:t>
+                    </m:r>
+                    <m:d>
+                      <m:dPr>
+                        <m:ctrlPr>
+                          <a:rPr lang="en-US" b="0" i="1" smtClean="0">
+                            <a:latin typeface="Cambria Math" charset="0"/>
+                          </a:rPr>
+                        </m:ctrlPr>
+                      </m:dPr>
+                      <m:e>
+                        <m:r>
+                          <m:rPr>
+                            <m:sty m:val="p"/>
+                          </m:rPr>
+                          <a:rPr lang="en-US" b="0" i="0" smtClean="0">
+                            <a:latin typeface="Cambria Math" charset="0"/>
+                          </a:rPr>
+                          <m:t>t</m:t>
+                        </m:r>
+                      </m:e>
+                    </m:d>
+                    <m:r>
+                      <a:rPr lang="en-US" b="0" i="1" smtClean="0">
+                        <a:latin typeface="Cambria Math" charset="0"/>
+                      </a:rPr>
+                      <m:t>∈</m:t>
+                    </m:r>
+                    <m:sSup>
+                      <m:sSupPr>
+                        <m:ctrlPr>
+                          <a:rPr lang="en-US" b="0" i="1" smtClean="0">
+                            <a:latin typeface="Cambria Math" charset="0"/>
+                          </a:rPr>
+                        </m:ctrlPr>
+                      </m:sSupPr>
+                      <m:e>
+                        <m:r>
+                          <a:rPr lang="en-US" b="0" i="1" smtClean="0">
+                            <a:latin typeface="Cambria Math" charset="0"/>
+                          </a:rPr>
+                          <m:t>𝑅</m:t>
+                        </m:r>
+                      </m:e>
+                      <m:sup>
+                        <m:r>
+                          <a:rPr lang="en-US" b="0" i="1" smtClean="0">
+                            <a:latin typeface="Cambria Math" charset="0"/>
+                          </a:rPr>
+                          <m:t>𝐾</m:t>
+                        </m:r>
+                      </m:sup>
+                    </m:sSup>
+                  </m:oMath>
+                </a14:m>
+                <a:endParaRPr lang="en-US" dirty="0" smtClean="0"/>
+              </a:p>
+              <a:p>
+                <a:pPr lvl="2"/>
+                <a:r>
+                  <a:rPr lang="en-US" dirty="0" smtClean="0"/>
+                  <a:t>Where </a:t>
+                </a:r>
+                <a14:m>
+                  <m:oMath xmlns:m="http://schemas.openxmlformats.org/officeDocument/2006/math">
+                    <m:r>
+                      <a:rPr lang="en-US" b="0" i="1" smtClean="0">
+                        <a:latin typeface="Cambria Math" charset="0"/>
+                      </a:rPr>
+                      <m:t>𝑧</m:t>
+                    </m:r>
+                    <m:d>
+                      <m:dPr>
+                        <m:ctrlPr>
+                          <a:rPr lang="en-US" b="0" i="1" smtClean="0">
+                            <a:latin typeface="Cambria Math" charset="0"/>
+                          </a:rPr>
+                        </m:ctrlPr>
+                      </m:dPr>
+                      <m:e>
+                        <m:r>
+                          <a:rPr lang="en-US" b="0" i="1" smtClean="0">
+                            <a:latin typeface="Cambria Math" charset="0"/>
+                          </a:rPr>
+                          <m:t>𝑡</m:t>
+                        </m:r>
+                      </m:e>
+                    </m:d>
+                  </m:oMath>
+                </a14:m>
+                <a:r>
+                  <a:rPr lang="en-US" dirty="0" smtClean="0"/>
+                  <a:t> is some feature vector (embedding/representation) of task </a:t>
+                </a:r>
+                <a14:m>
+                  <m:oMath xmlns:m="http://schemas.openxmlformats.org/officeDocument/2006/math">
+                    <m:r>
+                      <a:rPr lang="en-US" b="0" i="1" smtClean="0">
+                        <a:latin typeface="Cambria Math" charset="0"/>
+                      </a:rPr>
+                      <m:t>𝑡</m:t>
+                    </m:r>
+                  </m:oMath>
+                </a14:m>
+                <a:r>
+                  <a:rPr lang="en-US" dirty="0" smtClean="0"/>
+                  <a:t> (we don’t need to specify this our model can learn it)</a:t>
+                </a:r>
+              </a:p>
+              <a:p>
+                <a:pPr lvl="1"/>
+                <a14:m>
+                  <m:oMath xmlns:m="http://schemas.openxmlformats.org/officeDocument/2006/math">
+                    <m:sSub>
+                      <m:sSubPr>
+                        <m:ctrlPr>
+                          <a:rPr lang="en-US" b="0" i="1" smtClean="0">
+                            <a:latin typeface="Cambria Math" charset="0"/>
+                          </a:rPr>
+                        </m:ctrlPr>
+                      </m:sSubPr>
+                      <m:e>
+                        <m:r>
+                          <a:rPr lang="en-US" b="0" i="1" smtClean="0">
+                            <a:latin typeface="Cambria Math" charset="0"/>
+                          </a:rPr>
+                          <m:t>𝐶</m:t>
+                        </m:r>
+                      </m:e>
+                      <m:sub>
+                        <m:r>
+                          <a:rPr lang="en-US" b="0" i="1" smtClean="0">
+                            <a:latin typeface="Cambria Math" charset="0"/>
+                          </a:rPr>
+                          <m:t>𝑁</m:t>
+                        </m:r>
+                      </m:sub>
+                    </m:sSub>
+                    <m:d>
+                      <m:dPr>
+                        <m:begChr m:val="["/>
+                        <m:endChr m:val="]"/>
+                        <m:ctrlPr>
+                          <a:rPr lang="en-US" b="0" i="1" smtClean="0">
+                            <a:latin typeface="Cambria Math" charset="0"/>
+                          </a:rPr>
+                        </m:ctrlPr>
+                      </m:dPr>
+                      <m:e>
+                        <m:r>
+                          <a:rPr lang="en-US" b="0" i="1" smtClean="0">
+                            <a:latin typeface="Cambria Math" charset="0"/>
+                          </a:rPr>
+                          <m:t>𝑖</m:t>
+                        </m:r>
+                        <m:r>
+                          <a:rPr lang="en-US" b="0" i="1" smtClean="0">
+                            <a:latin typeface="Cambria Math" charset="0"/>
+                          </a:rPr>
+                          <m:t>, </m:t>
+                        </m:r>
+                        <m:r>
+                          <a:rPr lang="en-US" b="0" i="1" smtClean="0">
+                            <a:latin typeface="Cambria Math" charset="0"/>
+                          </a:rPr>
+                          <m:t>𝑗</m:t>
+                        </m:r>
+                      </m:e>
+                    </m:d>
+                    <m:r>
+                      <a:rPr lang="en-US" b="0" i="1" smtClean="0">
+                        <a:latin typeface="Cambria Math" charset="0"/>
+                      </a:rPr>
+                      <m:t>=</m:t>
+                    </m:r>
+                    <m:sSup>
+                      <m:sSupPr>
+                        <m:ctrlPr>
+                          <a:rPr lang="en-US" b="0" i="1" smtClean="0">
+                            <a:latin typeface="Cambria Math" charset="0"/>
+                          </a:rPr>
+                        </m:ctrlPr>
+                      </m:sSupPr>
+                      <m:e>
+                        <m:r>
+                          <a:rPr lang="en-US" b="0" i="1" smtClean="0">
+                            <a:latin typeface="Cambria Math" charset="0"/>
+                          </a:rPr>
+                          <m:t>𝑘</m:t>
+                        </m:r>
+                      </m:e>
+                      <m:sup>
+                        <m:sSub>
+                          <m:sSubPr>
+                            <m:ctrlPr>
+                              <a:rPr lang="en-US" b="0" i="1" smtClean="0">
+                                <a:latin typeface="Cambria Math" charset="0"/>
+                              </a:rPr>
+                            </m:ctrlPr>
+                          </m:sSubPr>
+                          <m:e>
+                            <m:r>
+                              <a:rPr lang="en-US" b="0" i="1" smtClean="0">
+                                <a:latin typeface="Cambria Math" charset="0"/>
+                              </a:rPr>
+                              <m:t>𝑡</m:t>
+                            </m:r>
+                          </m:e>
+                          <m:sub>
+                            <m:r>
+                              <a:rPr lang="en-US" b="0" i="1" smtClean="0">
+                                <a:latin typeface="Cambria Math" charset="0"/>
+                              </a:rPr>
+                              <m:t>𝑖</m:t>
+                            </m:r>
+                          </m:sub>
+                        </m:sSub>
+                        <m:r>
+                          <a:rPr lang="en-US" b="0" i="1" smtClean="0">
+                            <a:latin typeface="Cambria Math" charset="0"/>
+                          </a:rPr>
+                          <m:t>, </m:t>
+                        </m:r>
+                        <m:sSub>
+                          <m:sSubPr>
+                            <m:ctrlPr>
+                              <a:rPr lang="en-US" b="0" i="1" smtClean="0">
+                                <a:latin typeface="Cambria Math" charset="0"/>
+                              </a:rPr>
+                            </m:ctrlPr>
+                          </m:sSubPr>
+                          <m:e>
+                            <m:r>
+                              <a:rPr lang="en-US" b="0" i="1" smtClean="0">
+                                <a:latin typeface="Cambria Math" charset="0"/>
+                              </a:rPr>
+                              <m:t>𝑡</m:t>
+                            </m:r>
+                          </m:e>
+                          <m:sub>
+                            <m:r>
+                              <a:rPr lang="en-US" b="0" i="1" smtClean="0">
+                                <a:latin typeface="Cambria Math" charset="0"/>
+                              </a:rPr>
+                              <m:t>𝑗</m:t>
+                            </m:r>
+                          </m:sub>
+                        </m:sSub>
+                      </m:sup>
+                    </m:sSup>
+                    <m:d>
+                      <m:dPr>
+                        <m:ctrlPr>
+                          <a:rPr lang="en-US" b="0" i="1" smtClean="0">
+                            <a:latin typeface="Cambria Math" charset="0"/>
+                          </a:rPr>
+                        </m:ctrlPr>
+                      </m:dPr>
+                      <m:e>
+                        <m:sSub>
+                          <m:sSubPr>
+                            <m:ctrlPr>
+                              <a:rPr lang="en-US" b="0" i="1" smtClean="0">
+                                <a:latin typeface="Cambria Math" charset="0"/>
+                              </a:rPr>
+                            </m:ctrlPr>
+                          </m:sSubPr>
+                          <m:e>
+                            <m:r>
+                              <a:rPr lang="en-US" b="0" i="1" smtClean="0">
+                                <a:latin typeface="Cambria Math" charset="0"/>
+                              </a:rPr>
+                              <m:t>𝑥</m:t>
+                            </m:r>
+                          </m:e>
+                          <m:sub>
+                            <m:r>
+                              <a:rPr lang="en-US" b="0" i="1" smtClean="0">
+                                <a:latin typeface="Cambria Math" charset="0"/>
+                              </a:rPr>
+                              <m:t>𝑖</m:t>
+                            </m:r>
+                          </m:sub>
+                        </m:sSub>
+                        <m:r>
+                          <a:rPr lang="en-US" b="0" i="1" smtClean="0">
+                            <a:latin typeface="Cambria Math" charset="0"/>
+                          </a:rPr>
+                          <m:t>, </m:t>
+                        </m:r>
+                        <m:sSub>
+                          <m:sSubPr>
+                            <m:ctrlPr>
+                              <a:rPr lang="en-US" b="0" i="1" smtClean="0">
+                                <a:latin typeface="Cambria Math" charset="0"/>
+                              </a:rPr>
+                            </m:ctrlPr>
+                          </m:sSubPr>
+                          <m:e>
+                            <m:r>
+                              <a:rPr lang="en-US" b="0" i="1" smtClean="0">
+                                <a:latin typeface="Cambria Math" charset="0"/>
+                              </a:rPr>
+                              <m:t>𝑥</m:t>
+                            </m:r>
+                          </m:e>
+                          <m:sub>
+                            <m:r>
+                              <a:rPr lang="en-US" b="0" i="1" smtClean="0">
+                                <a:latin typeface="Cambria Math" charset="0"/>
+                              </a:rPr>
+                              <m:t>𝑗</m:t>
+                            </m:r>
+                          </m:sub>
+                        </m:sSub>
+                      </m:e>
+                    </m:d>
+                    <m:r>
+                      <a:rPr lang="en-US" b="0" i="1" smtClean="0">
+                        <a:latin typeface="Cambria Math" charset="0"/>
+                      </a:rPr>
+                      <m:t>+</m:t>
+                    </m:r>
+                    <m:r>
+                      <a:rPr lang="en-US" b="0" i="1" smtClean="0">
+                        <a:latin typeface="Cambria Math" charset="0"/>
+                      </a:rPr>
+                      <m:t>𝐼</m:t>
+                    </m:r>
+                    <m:d>
+                      <m:dPr>
+                        <m:begChr m:val="["/>
+                        <m:endChr m:val="]"/>
+                        <m:ctrlPr>
+                          <a:rPr lang="en-US" b="0" i="1" smtClean="0">
+                            <a:latin typeface="Cambria Math" charset="0"/>
+                          </a:rPr>
+                        </m:ctrlPr>
+                      </m:dPr>
+                      <m:e>
+                        <m:r>
+                          <a:rPr lang="en-US" b="0" i="1" smtClean="0">
+                            <a:latin typeface="Cambria Math" charset="0"/>
+                          </a:rPr>
+                          <m:t>𝑖</m:t>
+                        </m:r>
+                        <m:r>
+                          <a:rPr lang="en-US" b="0" i="1" smtClean="0">
+                            <a:latin typeface="Cambria Math" charset="0"/>
+                          </a:rPr>
+                          <m:t>=</m:t>
+                        </m:r>
+                        <m:r>
+                          <a:rPr lang="en-US" b="0" i="1" smtClean="0">
+                            <a:latin typeface="Cambria Math" charset="0"/>
+                          </a:rPr>
+                          <m:t>𝑗</m:t>
+                        </m:r>
+                      </m:e>
+                    </m:d>
+                    <m:sSup>
+                      <m:sSupPr>
+                        <m:ctrlPr>
+                          <a:rPr lang="en-US" b="0" i="1" smtClean="0">
+                            <a:latin typeface="Cambria Math" charset="0"/>
+                          </a:rPr>
+                        </m:ctrlPr>
+                      </m:sSupPr>
+                      <m:e>
+                        <m:r>
+                          <a:rPr lang="en-US" b="0" i="1" smtClean="0">
+                            <a:latin typeface="Cambria Math" charset="0"/>
+                          </a:rPr>
+                          <m:t>𝜎</m:t>
+                        </m:r>
+                      </m:e>
+                      <m:sup>
+                        <m:r>
+                          <a:rPr lang="en-US" b="0" i="1" smtClean="0">
+                            <a:latin typeface="Cambria Math" charset="0"/>
+                          </a:rPr>
+                          <m:t>2</m:t>
+                        </m:r>
+                      </m:sup>
+                    </m:sSup>
+                  </m:oMath>
+                </a14:m>
+                <a:endParaRPr lang="en-US" dirty="0" smtClean="0"/>
+              </a:p>
+              <a:p>
+                <a:pPr lvl="1"/>
+                <a14:m>
+                  <m:oMath xmlns:m="http://schemas.openxmlformats.org/officeDocument/2006/math">
+                    <m:sSub>
+                      <m:sSubPr>
+                        <m:ctrlPr>
+                          <a:rPr lang="en-US" i="1">
+                            <a:latin typeface="Cambria Math" charset="0"/>
+                          </a:rPr>
+                        </m:ctrlPr>
+                      </m:sSubPr>
+                      <m:e>
+                        <m:r>
+                          <a:rPr lang="en-US" i="1">
+                            <a:latin typeface="Cambria Math" charset="0"/>
+                          </a:rPr>
+                          <m:t>𝐶</m:t>
+                        </m:r>
+                      </m:e>
+                      <m:sub>
+                        <m:r>
+                          <a:rPr lang="en-US" i="1">
+                            <a:latin typeface="Cambria Math" charset="0"/>
+                          </a:rPr>
+                          <m:t>𝑁</m:t>
+                        </m:r>
+                      </m:sub>
+                    </m:sSub>
+                    <m:d>
+                      <m:dPr>
+                        <m:begChr m:val="["/>
+                        <m:endChr m:val="]"/>
+                        <m:ctrlPr>
+                          <a:rPr lang="en-US" i="1">
+                            <a:latin typeface="Cambria Math" charset="0"/>
+                          </a:rPr>
+                        </m:ctrlPr>
+                      </m:dPr>
+                      <m:e>
+                        <m:r>
+                          <a:rPr lang="en-US" i="1">
+                            <a:latin typeface="Cambria Math" charset="0"/>
+                          </a:rPr>
+                          <m:t>𝑖</m:t>
+                        </m:r>
+                        <m:r>
+                          <a:rPr lang="en-US" i="1">
+                            <a:latin typeface="Cambria Math" charset="0"/>
+                          </a:rPr>
+                          <m:t>, </m:t>
+                        </m:r>
+                        <m:r>
+                          <a:rPr lang="en-US" i="1">
+                            <a:latin typeface="Cambria Math" charset="0"/>
+                          </a:rPr>
+                          <m:t>𝑗</m:t>
+                        </m:r>
+                      </m:e>
+                    </m:d>
+                    <m:r>
+                      <a:rPr lang="en-US" i="1">
+                        <a:latin typeface="Cambria Math" charset="0"/>
+                      </a:rPr>
+                      <m:t>=</m:t>
+                    </m:r>
+                    <m:sSup>
+                      <m:sSupPr>
+                        <m:ctrlPr>
+                          <a:rPr lang="en-US" b="0" i="1" smtClean="0">
+                            <a:latin typeface="Cambria Math" charset="0"/>
+                          </a:rPr>
+                        </m:ctrlPr>
+                      </m:sSupPr>
+                      <m:e>
+                        <m:r>
+                          <a:rPr lang="en-US" b="0" i="1" smtClean="0">
+                            <a:latin typeface="Cambria Math" charset="0"/>
+                          </a:rPr>
+                          <m:t>𝑘</m:t>
+                        </m:r>
+                      </m:e>
+                      <m:sup>
+                        <m:r>
+                          <a:rPr lang="en-US" b="0" i="1" smtClean="0">
+                            <a:latin typeface="Cambria Math" charset="0"/>
+                          </a:rPr>
+                          <m:t>𝑎</m:t>
+                        </m:r>
+                      </m:sup>
+                    </m:sSup>
+                    <m:d>
+                      <m:dPr>
+                        <m:ctrlPr>
+                          <a:rPr lang="en-US" b="0" i="1" smtClean="0">
+                            <a:latin typeface="Cambria Math" charset="0"/>
+                          </a:rPr>
+                        </m:ctrlPr>
+                      </m:dPr>
+                      <m:e>
+                        <m:sSub>
+                          <m:sSubPr>
+                            <m:ctrlPr>
+                              <a:rPr lang="en-US" b="0" i="1" smtClean="0">
+                                <a:latin typeface="Cambria Math" charset="0"/>
+                              </a:rPr>
+                            </m:ctrlPr>
+                          </m:sSubPr>
+                          <m:e>
+                            <m:r>
+                              <a:rPr lang="en-US" b="0" i="1" smtClean="0">
+                                <a:latin typeface="Cambria Math" charset="0"/>
+                              </a:rPr>
+                              <m:t>𝑥</m:t>
+                            </m:r>
+                          </m:e>
+                          <m:sub>
+                            <m:r>
+                              <a:rPr lang="en-US" b="0" i="1" smtClean="0">
+                                <a:latin typeface="Cambria Math" charset="0"/>
+                              </a:rPr>
+                              <m:t>𝑖</m:t>
+                            </m:r>
+                          </m:sub>
+                        </m:sSub>
+                        <m:r>
+                          <a:rPr lang="en-US" b="0" i="1" smtClean="0">
+                            <a:latin typeface="Cambria Math" charset="0"/>
+                          </a:rPr>
+                          <m:t> </m:t>
+                        </m:r>
+                        <m:sSub>
+                          <m:sSubPr>
+                            <m:ctrlPr>
+                              <a:rPr lang="en-US" b="0" i="1" smtClean="0">
+                                <a:latin typeface="Cambria Math" charset="0"/>
+                              </a:rPr>
+                            </m:ctrlPr>
+                          </m:sSubPr>
+                          <m:e>
+                            <m:r>
+                              <a:rPr lang="en-US" b="0" i="1" smtClean="0">
+                                <a:latin typeface="Cambria Math" charset="0"/>
+                              </a:rPr>
+                              <m:t>𝑥</m:t>
+                            </m:r>
+                          </m:e>
+                          <m:sub>
+                            <m:r>
+                              <a:rPr lang="en-US" b="0" i="1" smtClean="0">
+                                <a:latin typeface="Cambria Math" charset="0"/>
+                              </a:rPr>
+                              <m:t>𝑗</m:t>
+                            </m:r>
+                          </m:sub>
+                        </m:sSub>
+                      </m:e>
+                    </m:d>
+                    <m:sSup>
+                      <m:sSupPr>
+                        <m:ctrlPr>
+                          <a:rPr lang="en-US" b="0" i="1" smtClean="0">
+                            <a:latin typeface="Cambria Math" charset="0"/>
+                          </a:rPr>
+                        </m:ctrlPr>
+                      </m:sSupPr>
+                      <m:e>
+                        <m:r>
+                          <a:rPr lang="en-US" b="0" i="1" smtClean="0">
+                            <a:latin typeface="Cambria Math" charset="0"/>
+                          </a:rPr>
+                          <m:t>𝑘</m:t>
+                        </m:r>
+                      </m:e>
+                      <m:sup>
+                        <m:r>
+                          <a:rPr lang="en-US" b="0" i="1" smtClean="0">
+                            <a:latin typeface="Cambria Math" charset="0"/>
+                          </a:rPr>
+                          <m:t>𝑏</m:t>
+                        </m:r>
+                      </m:sup>
+                    </m:sSup>
+                    <m:d>
+                      <m:dPr>
+                        <m:ctrlPr>
+                          <a:rPr lang="en-US" b="0" i="1" smtClean="0">
+                            <a:latin typeface="Cambria Math" charset="0"/>
+                          </a:rPr>
+                        </m:ctrlPr>
+                      </m:dPr>
+                      <m:e>
+                        <m:sSub>
+                          <m:sSubPr>
+                            <m:ctrlPr>
+                              <a:rPr lang="en-US" b="0" i="1" smtClean="0">
+                                <a:latin typeface="Cambria Math" charset="0"/>
+                              </a:rPr>
+                            </m:ctrlPr>
+                          </m:sSubPr>
+                          <m:e>
+                            <m:r>
+                              <a:rPr lang="en-US" b="0" i="1" smtClean="0">
+                                <a:latin typeface="Cambria Math" charset="0"/>
+                              </a:rPr>
+                              <m:t>𝑡</m:t>
+                            </m:r>
+                          </m:e>
+                          <m:sub>
+                            <m:r>
+                              <a:rPr lang="en-US" b="0" i="1" smtClean="0">
+                                <a:latin typeface="Cambria Math" charset="0"/>
+                              </a:rPr>
+                              <m:t>𝑖</m:t>
+                            </m:r>
+                          </m:sub>
+                        </m:sSub>
+                        <m:r>
+                          <a:rPr lang="en-US" b="0" i="1" smtClean="0">
+                            <a:latin typeface="Cambria Math" charset="0"/>
+                          </a:rPr>
+                          <m:t> , </m:t>
+                        </m:r>
+                        <m:sSub>
+                          <m:sSubPr>
+                            <m:ctrlPr>
+                              <a:rPr lang="en-US" b="0" i="1" smtClean="0">
+                                <a:latin typeface="Cambria Math" charset="0"/>
+                              </a:rPr>
+                            </m:ctrlPr>
+                          </m:sSubPr>
+                          <m:e>
+                            <m:r>
+                              <a:rPr lang="en-US" b="0" i="1" smtClean="0">
+                                <a:latin typeface="Cambria Math" charset="0"/>
+                              </a:rPr>
+                              <m:t>𝑡</m:t>
+                            </m:r>
+                          </m:e>
+                          <m:sub>
+                            <m:r>
+                              <a:rPr lang="en-US" b="0" i="1" smtClean="0">
+                                <a:latin typeface="Cambria Math" charset="0"/>
+                              </a:rPr>
+                              <m:t>𝑗</m:t>
+                            </m:r>
+                          </m:sub>
+                        </m:sSub>
+                      </m:e>
+                    </m:d>
+                    <m:r>
+                      <a:rPr lang="en-US" i="1">
+                        <a:latin typeface="Cambria Math" charset="0"/>
+                      </a:rPr>
+                      <m:t>+</m:t>
+                    </m:r>
+                    <m:r>
+                      <a:rPr lang="en-US" i="1">
+                        <a:latin typeface="Cambria Math" charset="0"/>
+                      </a:rPr>
+                      <m:t>𝐼</m:t>
+                    </m:r>
+                    <m:d>
+                      <m:dPr>
+                        <m:begChr m:val="["/>
+                        <m:endChr m:val="]"/>
+                        <m:ctrlPr>
+                          <a:rPr lang="en-US" i="1">
+                            <a:latin typeface="Cambria Math" charset="0"/>
+                          </a:rPr>
+                        </m:ctrlPr>
+                      </m:dPr>
+                      <m:e>
+                        <m:r>
+                          <a:rPr lang="en-US" i="1">
+                            <a:latin typeface="Cambria Math" charset="0"/>
+                          </a:rPr>
+                          <m:t>𝑖</m:t>
+                        </m:r>
+                        <m:r>
+                          <a:rPr lang="en-US" i="1">
+                            <a:latin typeface="Cambria Math" charset="0"/>
+                          </a:rPr>
+                          <m:t>=</m:t>
+                        </m:r>
+                        <m:r>
+                          <a:rPr lang="en-US" i="1">
+                            <a:latin typeface="Cambria Math" charset="0"/>
+                          </a:rPr>
+                          <m:t>𝑗</m:t>
+                        </m:r>
+                      </m:e>
+                    </m:d>
+                    <m:sSup>
+                      <m:sSupPr>
+                        <m:ctrlPr>
+                          <a:rPr lang="en-US" i="1">
+                            <a:latin typeface="Cambria Math" charset="0"/>
+                          </a:rPr>
+                        </m:ctrlPr>
+                      </m:sSupPr>
+                      <m:e>
+                        <m:r>
+                          <a:rPr lang="en-US" i="1">
+                            <a:latin typeface="Cambria Math" charset="0"/>
+                          </a:rPr>
+                          <m:t>𝜎</m:t>
+                        </m:r>
+                      </m:e>
+                      <m:sup>
+                        <m:r>
+                          <a:rPr lang="en-US" i="1">
+                            <a:latin typeface="Cambria Math" charset="0"/>
+                          </a:rPr>
+                          <m:t>2</m:t>
+                        </m:r>
+                      </m:sup>
+                    </m:sSup>
+                  </m:oMath>
+                </a14:m>
+                <a:endParaRPr lang="en-US" dirty="0" smtClean="0"/>
+              </a:p>
+              <a:p>
+                <a:pPr lvl="1"/>
+                <a14:m>
+                  <m:oMath xmlns:m="http://schemas.openxmlformats.org/officeDocument/2006/math">
+                    <m:sSub>
+                      <m:sSubPr>
+                        <m:ctrlPr>
+                          <a:rPr lang="en-US" i="1">
+                            <a:latin typeface="Cambria Math" charset="0"/>
+                          </a:rPr>
+                        </m:ctrlPr>
+                      </m:sSubPr>
+                      <m:e>
+                        <m:r>
+                          <a:rPr lang="en-US" i="1">
+                            <a:latin typeface="Cambria Math" charset="0"/>
+                          </a:rPr>
+                          <m:t>𝐶</m:t>
+                        </m:r>
+                      </m:e>
+                      <m:sub>
+                        <m:r>
+                          <a:rPr lang="en-US" i="1">
+                            <a:latin typeface="Cambria Math" charset="0"/>
+                          </a:rPr>
+                          <m:t>𝑁</m:t>
+                        </m:r>
+                      </m:sub>
+                    </m:sSub>
+                    <m:d>
+                      <m:dPr>
+                        <m:begChr m:val="["/>
+                        <m:endChr m:val="]"/>
+                        <m:ctrlPr>
+                          <a:rPr lang="en-US" i="1">
+                            <a:latin typeface="Cambria Math" charset="0"/>
+                          </a:rPr>
+                        </m:ctrlPr>
+                      </m:dPr>
+                      <m:e>
+                        <m:r>
+                          <a:rPr lang="en-US" i="1">
+                            <a:latin typeface="Cambria Math" charset="0"/>
+                          </a:rPr>
+                          <m:t>𝑖</m:t>
+                        </m:r>
+                        <m:r>
+                          <a:rPr lang="en-US" i="1">
+                            <a:latin typeface="Cambria Math" charset="0"/>
+                          </a:rPr>
+                          <m:t>, </m:t>
+                        </m:r>
+                        <m:r>
+                          <a:rPr lang="en-US" i="1">
+                            <a:latin typeface="Cambria Math" charset="0"/>
+                          </a:rPr>
+                          <m:t>𝑗</m:t>
+                        </m:r>
+                      </m:e>
+                    </m:d>
+                    <m:r>
+                      <a:rPr lang="en-US" i="1">
+                        <a:latin typeface="Cambria Math" charset="0"/>
+                      </a:rPr>
+                      <m:t>=</m:t>
+                    </m:r>
+                    <m:sSup>
+                      <m:sSupPr>
+                        <m:ctrlPr>
+                          <a:rPr lang="en-US" i="1">
+                            <a:latin typeface="Cambria Math" charset="0"/>
+                          </a:rPr>
+                        </m:ctrlPr>
+                      </m:sSupPr>
+                      <m:e>
+                        <m:r>
+                          <a:rPr lang="en-US" i="1">
+                            <a:latin typeface="Cambria Math" charset="0"/>
+                          </a:rPr>
+                          <m:t>𝑘</m:t>
+                        </m:r>
+                      </m:e>
+                      <m:sup>
+                        <m:r>
+                          <a:rPr lang="en-US" i="1">
+                            <a:latin typeface="Cambria Math" charset="0"/>
+                          </a:rPr>
+                          <m:t>𝑎</m:t>
+                        </m:r>
+                      </m:sup>
+                    </m:sSup>
+                    <m:d>
+                      <m:dPr>
+                        <m:ctrlPr>
+                          <a:rPr lang="en-US" i="1">
+                            <a:latin typeface="Cambria Math" charset="0"/>
+                          </a:rPr>
+                        </m:ctrlPr>
+                      </m:dPr>
+                      <m:e>
+                        <m:sSub>
+                          <m:sSubPr>
+                            <m:ctrlPr>
+                              <a:rPr lang="en-US" i="1">
+                                <a:latin typeface="Cambria Math" charset="0"/>
+                              </a:rPr>
+                            </m:ctrlPr>
+                          </m:sSubPr>
+                          <m:e>
+                            <m:r>
+                              <a:rPr lang="en-US" i="1">
+                                <a:latin typeface="Cambria Math" charset="0"/>
+                              </a:rPr>
+                              <m:t>𝑥</m:t>
+                            </m:r>
+                          </m:e>
+                          <m:sub>
+                            <m:r>
+                              <a:rPr lang="en-US" i="1">
+                                <a:latin typeface="Cambria Math" charset="0"/>
+                              </a:rPr>
+                              <m:t>𝑖</m:t>
+                            </m:r>
+                          </m:sub>
+                        </m:sSub>
+                        <m:r>
+                          <a:rPr lang="en-US" i="1">
+                            <a:latin typeface="Cambria Math" charset="0"/>
+                          </a:rPr>
+                          <m:t> </m:t>
+                        </m:r>
+                        <m:sSub>
+                          <m:sSubPr>
+                            <m:ctrlPr>
+                              <a:rPr lang="en-US" i="1">
+                                <a:latin typeface="Cambria Math" charset="0"/>
+                              </a:rPr>
+                            </m:ctrlPr>
+                          </m:sSubPr>
+                          <m:e>
+                            <m:r>
+                              <a:rPr lang="en-US" i="1">
+                                <a:latin typeface="Cambria Math" charset="0"/>
+                              </a:rPr>
+                              <m:t>𝑥</m:t>
+                            </m:r>
+                          </m:e>
+                          <m:sub>
+                            <m:r>
+                              <a:rPr lang="en-US" i="1">
+                                <a:latin typeface="Cambria Math" charset="0"/>
+                              </a:rPr>
+                              <m:t>𝑗</m:t>
+                            </m:r>
+                          </m:sub>
+                        </m:sSub>
+                      </m:e>
+                    </m:d>
+                    <m:r>
+                      <a:rPr lang="en-US" b="0" i="1" smtClean="0">
+                        <a:latin typeface="Cambria Math" charset="0"/>
+                      </a:rPr>
+                      <m:t>𝑧</m:t>
+                    </m:r>
+                    <m:sSup>
+                      <m:sSupPr>
+                        <m:ctrlPr>
+                          <a:rPr lang="en-US" b="0" i="1" smtClean="0">
+                            <a:latin typeface="Cambria Math" charset="0"/>
+                          </a:rPr>
+                        </m:ctrlPr>
+                      </m:sSupPr>
+                      <m:e>
+                        <m:d>
+                          <m:dPr>
+                            <m:ctrlPr>
+                              <a:rPr lang="en-US" b="0" i="1" smtClean="0">
+                                <a:latin typeface="Cambria Math" charset="0"/>
+                              </a:rPr>
+                            </m:ctrlPr>
+                          </m:dPr>
+                          <m:e>
+                            <m:sSub>
+                              <m:sSubPr>
+                                <m:ctrlPr>
+                                  <a:rPr lang="en-US" b="0" i="1" smtClean="0">
+                                    <a:latin typeface="Cambria Math" charset="0"/>
+                                  </a:rPr>
+                                </m:ctrlPr>
+                              </m:sSubPr>
+                              <m:e>
+                                <m:r>
+                                  <a:rPr lang="en-US" b="0" i="1" smtClean="0">
+                                    <a:latin typeface="Cambria Math" charset="0"/>
+                                  </a:rPr>
+                                  <m:t>𝑡</m:t>
+                                </m:r>
+                              </m:e>
+                              <m:sub>
+                                <m:r>
+                                  <a:rPr lang="en-US" b="0" i="1" smtClean="0">
+                                    <a:latin typeface="Cambria Math" charset="0"/>
+                                  </a:rPr>
+                                  <m:t>𝑖</m:t>
+                                </m:r>
+                              </m:sub>
+                            </m:sSub>
+                          </m:e>
+                        </m:d>
+                      </m:e>
+                      <m:sup>
+                        <m:r>
+                          <a:rPr lang="en-US" b="0" i="1" smtClean="0">
+                            <a:latin typeface="Cambria Math" charset="0"/>
+                          </a:rPr>
+                          <m:t>𝑇</m:t>
+                        </m:r>
+                      </m:sup>
+                    </m:sSup>
+                    <m:r>
+                      <a:rPr lang="en-US" b="0" i="1" smtClean="0">
+                        <a:latin typeface="Cambria Math" charset="0"/>
+                      </a:rPr>
+                      <m:t>𝑧</m:t>
+                    </m:r>
+                    <m:r>
+                      <a:rPr lang="en-US" b="0" i="1" smtClean="0">
+                        <a:latin typeface="Cambria Math" charset="0"/>
+                      </a:rPr>
+                      <m:t>(</m:t>
+                    </m:r>
+                    <m:sSub>
+                      <m:sSubPr>
+                        <m:ctrlPr>
+                          <a:rPr lang="en-US" b="0" i="1" smtClean="0">
+                            <a:latin typeface="Cambria Math" charset="0"/>
+                          </a:rPr>
+                        </m:ctrlPr>
+                      </m:sSubPr>
+                      <m:e>
+                        <m:r>
+                          <a:rPr lang="en-US" b="0" i="1" smtClean="0">
+                            <a:latin typeface="Cambria Math" charset="0"/>
+                          </a:rPr>
+                          <m:t>𝑡</m:t>
+                        </m:r>
+                      </m:e>
+                      <m:sub>
+                        <m:r>
+                          <a:rPr lang="en-US" b="0" i="1" smtClean="0">
+                            <a:latin typeface="Cambria Math" charset="0"/>
+                          </a:rPr>
+                          <m:t>𝑗</m:t>
+                        </m:r>
+                      </m:sub>
+                    </m:sSub>
+                    <m:r>
+                      <a:rPr lang="en-US" b="0" i="1" smtClean="0">
+                        <a:latin typeface="Cambria Math" charset="0"/>
+                      </a:rPr>
+                      <m:t>)</m:t>
+                    </m:r>
+                    <m:r>
+                      <a:rPr lang="en-US" i="1">
+                        <a:latin typeface="Cambria Math" charset="0"/>
+                      </a:rPr>
+                      <m:t>+</m:t>
+                    </m:r>
+                    <m:r>
+                      <a:rPr lang="en-US" i="1">
+                        <a:latin typeface="Cambria Math" charset="0"/>
+                      </a:rPr>
+                      <m:t>𝐼</m:t>
+                    </m:r>
+                    <m:d>
+                      <m:dPr>
+                        <m:begChr m:val="["/>
+                        <m:endChr m:val="]"/>
+                        <m:ctrlPr>
+                          <a:rPr lang="en-US" i="1">
+                            <a:latin typeface="Cambria Math" charset="0"/>
+                          </a:rPr>
+                        </m:ctrlPr>
+                      </m:dPr>
+                      <m:e>
+                        <m:r>
+                          <a:rPr lang="en-US" i="1">
+                            <a:latin typeface="Cambria Math" charset="0"/>
+                          </a:rPr>
+                          <m:t>𝑖</m:t>
+                        </m:r>
+                        <m:r>
+                          <a:rPr lang="en-US" i="1">
+                            <a:latin typeface="Cambria Math" charset="0"/>
+                          </a:rPr>
+                          <m:t>=</m:t>
+                        </m:r>
+                        <m:r>
+                          <a:rPr lang="en-US" i="1">
+                            <a:latin typeface="Cambria Math" charset="0"/>
+                          </a:rPr>
+                          <m:t>𝑗</m:t>
+                        </m:r>
+                      </m:e>
+                    </m:d>
+                    <m:sSup>
+                      <m:sSupPr>
+                        <m:ctrlPr>
+                          <a:rPr lang="en-US" i="1">
+                            <a:latin typeface="Cambria Math" charset="0"/>
+                          </a:rPr>
+                        </m:ctrlPr>
+                      </m:sSupPr>
+                      <m:e>
+                        <m:r>
+                          <a:rPr lang="en-US" i="1">
+                            <a:latin typeface="Cambria Math" charset="0"/>
+                          </a:rPr>
+                          <m:t>𝜎</m:t>
+                        </m:r>
+                      </m:e>
+                      <m:sup>
+                        <m:r>
+                          <a:rPr lang="en-US" i="1">
+                            <a:latin typeface="Cambria Math" charset="0"/>
+                          </a:rPr>
+                          <m:t>2</m:t>
+                        </m:r>
+                      </m:sup>
+                    </m:sSup>
+                  </m:oMath>
+                </a14:m>
+                <a:endParaRPr lang="en-US" dirty="0" smtClean="0"/>
+              </a:p>
+              <a:p>
+                <a:pPr lvl="1"/>
+                <a:endParaRPr lang="en-US" dirty="0" smtClean="0"/>
+              </a:p>
+              <a:p>
+                <a:pPr lvl="1"/>
+                <a:endParaRPr lang="en-US" dirty="0"/>
+              </a:p>
+            </p:txBody>
+          </p:sp>
+        </mc:Choice>
+        <mc:Fallback xmlns="">
+          <p:sp>
+            <p:nvSpPr>
+              <p:cNvPr id="3" name="Content Placeholder 2"/>
+              <p:cNvSpPr>
+                <a:spLocks noGrp="1" noRot="1" noChangeAspect="1" noMove="1" noResize="1" noEditPoints="1" noAdjustHandles="1" noChangeArrowheads="1" noChangeShapeType="1" noTextEdit="1"/>
+              </p:cNvSpPr>
+              <p:nvPr>
+                <p:ph idx="1"/>
+              </p:nvPr>
+            </p:nvSpPr>
+            <p:spPr>
+              <a:xfrm>
+                <a:off x="677334" y="1581665"/>
+                <a:ext cx="8596668" cy="4459697"/>
+              </a:xfrm>
+              <a:blipFill rotWithShape="0">
+                <a:blip r:embed="rId2"/>
+                <a:stretch>
+                  <a:fillRect l="-142" t="-820" r="-709"/>
+                </a:stretch>
+              </a:blipFill>
+            </p:spPr>
+            <p:txBody>
+              <a:bodyPr/>
+              <a:lstStyle/>
+              <a:p>
+                <a:r>
+                  <a:rPr lang="en-US">
+                    <a:noFill/>
+                  </a:rPr>
+                  <a:t> </a:t>
+                </a:r>
+              </a:p>
+            </p:txBody>
+          </p:sp>
+        </mc:Fallback>
+      </mc:AlternateContent>
+    </p:spTree>
+    <p:extLst>
+      <p:ext uri="{BB962C8B-B14F-4D97-AF65-F5344CB8AC3E}">
+        <p14:creationId xmlns:p14="http://schemas.microsoft.com/office/powerpoint/2010/main" val="2028459957"/>
+      </p:ext>
+    </p:extLst>
+  </p:cSld>
+  <p:clrMapOvr>
+    <a:masterClrMapping/>
+  </p:clrMapOvr>
+</p:sld>
+</file>
+
+<file path=ppt/slides/slide21.xml><?xml version="1.0" encoding="utf-8"?>
+<p:sld xmlns:a="http://schemas.openxmlformats.org/drawingml/2006/main" xmlns:r="http://schemas.openxmlformats.org/officeDocument/2006/relationships" xmlns:p="http://schemas.openxmlformats.org/presentationml/2006/main">
+  <p:cSld>
+    <p:spTree>
+      <p:nvGrpSpPr>
+        <p:cNvPr id="1" name=""/>
+        <p:cNvGrpSpPr/>
+        <p:nvPr/>
+      </p:nvGrpSpPr>
+      <p:grpSpPr>
+        <a:xfrm>
+          <a:off x="0" y="0"/>
+          <a:ext cx="0" cy="0"/>
+          <a:chOff x="0" y="0"/>
+          <a:chExt cx="0" cy="0"/>
+        </a:xfrm>
+      </p:grpSpPr>
+      <p:sp>
+        <p:nvSpPr>
+          <p:cNvPr id="2" name="Title 1"/>
+          <p:cNvSpPr>
+            <a:spLocks noGrp="1"/>
+          </p:cNvSpPr>
+          <p:nvPr>
+            <p:ph type="title"/>
+          </p:nvPr>
+        </p:nvSpPr>
+        <p:spPr/>
+        <p:txBody>
+          <a:bodyPr/>
+          <a:lstStyle/>
+          <a:p>
+            <a:r>
+              <a:rPr lang="en-US" dirty="0"/>
+              <a:t>Our Method</a:t>
+            </a:r>
+          </a:p>
+        </p:txBody>
+      </p:sp>
+      <mc:AlternateContent xmlns:mc="http://schemas.openxmlformats.org/markup-compatibility/2006" xmlns:a14="http://schemas.microsoft.com/office/drawing/2010/main">
+        <mc:Choice Requires="a14">
+          <p:sp>
+            <p:nvSpPr>
+              <p:cNvPr id="3" name="Content Placeholder 2"/>
+              <p:cNvSpPr>
+                <a:spLocks noGrp="1"/>
+              </p:cNvSpPr>
+              <p:nvPr>
+                <p:ph idx="1"/>
+              </p:nvPr>
+            </p:nvSpPr>
+            <p:spPr>
+              <a:xfrm>
+                <a:off x="677334" y="1532239"/>
+                <a:ext cx="8596668" cy="4509124"/>
+              </a:xfrm>
+            </p:spPr>
+            <p:txBody>
+              <a:bodyPr>
+                <a:normAutofit lnSpcReduction="10000"/>
+              </a:bodyPr>
+              <a:lstStyle/>
+              <a:p>
+                <a:r>
+                  <a:rPr lang="en-US" dirty="0" smtClean="0"/>
+                  <a:t>Proof contd.</a:t>
+                </a:r>
+              </a:p>
+              <a:p>
+                <a:pPr lvl="1"/>
+                <a14:m>
+                  <m:oMath xmlns:m="http://schemas.openxmlformats.org/officeDocument/2006/math">
+                    <m:sSubSup>
+                      <m:sSubSupPr>
+                        <m:ctrlPr>
+                          <a:rPr lang="en-US" b="0" i="1" smtClean="0">
+                            <a:latin typeface="Cambria Math" charset="0"/>
+                          </a:rPr>
+                        </m:ctrlPr>
+                      </m:sSubSupPr>
+                      <m:e>
+                        <m:r>
+                          <a:rPr lang="en-US" b="0" i="1" smtClean="0">
+                            <a:latin typeface="Cambria Math" charset="0"/>
+                          </a:rPr>
+                          <m:t>𝜇</m:t>
+                        </m:r>
+                      </m:e>
+                      <m:sub>
+                        <m:r>
+                          <a:rPr lang="en-US" b="0" i="1" smtClean="0">
+                            <a:latin typeface="Cambria Math" charset="0"/>
+                          </a:rPr>
+                          <m:t>∗</m:t>
+                        </m:r>
+                      </m:sub>
+                      <m:sup>
+                        <m:r>
+                          <a:rPr lang="en-US" b="0" i="1" smtClean="0">
+                            <a:latin typeface="Cambria Math" charset="0"/>
+                          </a:rPr>
+                          <m:t>(</m:t>
+                        </m:r>
+                        <m:r>
+                          <a:rPr lang="en-US" b="0" i="1" smtClean="0">
+                            <a:latin typeface="Cambria Math" charset="0"/>
+                          </a:rPr>
+                          <m:t>𝑡</m:t>
+                        </m:r>
+                        <m:r>
+                          <a:rPr lang="en-US" b="0" i="1" smtClean="0">
+                            <a:latin typeface="Cambria Math" charset="0"/>
+                          </a:rPr>
+                          <m:t>)</m:t>
+                        </m:r>
+                      </m:sup>
+                    </m:sSubSup>
+                    <m:r>
+                      <a:rPr lang="en-US" b="0" i="1" smtClean="0">
+                        <a:latin typeface="Cambria Math" charset="0"/>
+                      </a:rPr>
+                      <m:t>=</m:t>
+                    </m:r>
+                    <m:sSubSup>
+                      <m:sSubSupPr>
+                        <m:ctrlPr>
+                          <a:rPr lang="en-US" b="1" i="1" smtClean="0">
+                            <a:latin typeface="Cambria Math" charset="0"/>
+                          </a:rPr>
+                        </m:ctrlPr>
+                      </m:sSubSupPr>
+                      <m:e>
+                        <m:r>
+                          <a:rPr lang="en-US" b="1" i="1" smtClean="0">
+                            <a:latin typeface="Cambria Math" charset="0"/>
+                          </a:rPr>
+                          <m:t>      </m:t>
+                        </m:r>
+                        <m:r>
+                          <a:rPr lang="en-US" b="1" i="1" smtClean="0">
+                            <a:latin typeface="Cambria Math" charset="0"/>
+                          </a:rPr>
+                          <m:t>𝒌</m:t>
+                        </m:r>
+                      </m:e>
+                      <m:sub>
+                        <m:r>
+                          <a:rPr lang="en-US" b="1" i="1" smtClean="0">
+                            <a:latin typeface="Cambria Math" charset="0"/>
+                          </a:rPr>
+                          <m:t>∗</m:t>
+                        </m:r>
+                      </m:sub>
+                      <m:sup>
+                        <m:d>
+                          <m:dPr>
+                            <m:ctrlPr>
+                              <a:rPr lang="en-US" b="1" i="1" smtClean="0">
+                                <a:latin typeface="Cambria Math" charset="0"/>
+                              </a:rPr>
+                            </m:ctrlPr>
+                          </m:dPr>
+                          <m:e>
+                            <m:r>
+                              <a:rPr lang="en-US" b="1" i="1" smtClean="0">
+                                <a:latin typeface="Cambria Math" charset="0"/>
+                              </a:rPr>
+                              <m:t>𝒕</m:t>
+                            </m:r>
+                          </m:e>
+                        </m:d>
+                        <m:r>
+                          <a:rPr lang="en-US" b="1" i="1" smtClean="0">
+                            <a:latin typeface="Cambria Math" charset="0"/>
+                          </a:rPr>
+                          <m:t>𝑻</m:t>
+                        </m:r>
+                      </m:sup>
+                    </m:sSubSup>
+                    <m:r>
+                      <a:rPr lang="en-US" b="1" i="1" smtClean="0">
+                        <a:latin typeface="Cambria Math" charset="0"/>
+                      </a:rPr>
+                      <m:t> </m:t>
+                    </m:r>
+                    <m:sSubSup>
+                      <m:sSubSupPr>
+                        <m:ctrlPr>
+                          <a:rPr lang="en-US" b="0" i="1" smtClean="0">
+                            <a:latin typeface="Cambria Math" charset="0"/>
+                          </a:rPr>
+                        </m:ctrlPr>
+                      </m:sSubSupPr>
+                      <m:e>
+                        <m:r>
+                          <a:rPr lang="en-US" b="0" i="1" smtClean="0">
+                            <a:latin typeface="Cambria Math" charset="0"/>
+                          </a:rPr>
+                          <m:t>𝐶</m:t>
+                        </m:r>
+                      </m:e>
+                      <m:sub>
+                        <m:r>
+                          <a:rPr lang="en-US" b="0" i="1" smtClean="0">
+                            <a:latin typeface="Cambria Math" charset="0"/>
+                          </a:rPr>
+                          <m:t>𝑁</m:t>
+                        </m:r>
+                      </m:sub>
+                      <m:sup>
+                        <m:r>
+                          <a:rPr lang="en-US" b="0" i="1" smtClean="0">
+                            <a:latin typeface="Cambria Math" charset="0"/>
+                          </a:rPr>
+                          <m:t>−1</m:t>
+                        </m:r>
+                      </m:sup>
+                    </m:sSubSup>
+                    <m:r>
+                      <a:rPr lang="en-US" b="1" i="1" smtClean="0">
+                        <a:latin typeface="Cambria Math" charset="0"/>
+                      </a:rPr>
+                      <m:t>𝒚</m:t>
+                    </m:r>
+                    <m:r>
+                      <a:rPr lang="en-US" b="1" i="1" smtClean="0">
+                        <a:latin typeface="Cambria Math" charset="0"/>
+                      </a:rPr>
+                      <m:t>   </m:t>
+                    </m:r>
+                    <m:r>
+                      <a:rPr lang="en-US" b="0" i="1" smtClean="0">
+                        <a:latin typeface="Cambria Math" charset="0"/>
+                      </a:rPr>
+                      <m:t>=</m:t>
+                    </m:r>
+                    <m:sSubSup>
+                      <m:sSubSupPr>
+                        <m:ctrlPr>
+                          <a:rPr lang="en-US" b="1" i="1" smtClean="0">
+                            <a:latin typeface="Cambria Math" charset="0"/>
+                          </a:rPr>
+                        </m:ctrlPr>
+                      </m:sSubSupPr>
+                      <m:e>
+                        <m:r>
+                          <a:rPr lang="en-US" b="1" i="1" smtClean="0">
+                            <a:latin typeface="Cambria Math" charset="0"/>
+                          </a:rPr>
+                          <m:t>      </m:t>
+                        </m:r>
+                        <m:r>
+                          <a:rPr lang="en-US" b="1" i="1" smtClean="0">
+                            <a:latin typeface="Cambria Math" charset="0"/>
+                          </a:rPr>
+                          <m:t>𝒌</m:t>
+                        </m:r>
+                      </m:e>
+                      <m:sub>
+                        <m:r>
+                          <a:rPr lang="en-US" b="1" i="1" smtClean="0">
+                            <a:latin typeface="Cambria Math" charset="0"/>
+                          </a:rPr>
+                          <m:t>∗</m:t>
+                        </m:r>
+                      </m:sub>
+                      <m:sup>
+                        <m:d>
+                          <m:dPr>
+                            <m:ctrlPr>
+                              <a:rPr lang="en-US" b="1" i="1" smtClean="0">
+                                <a:latin typeface="Cambria Math" charset="0"/>
+                              </a:rPr>
+                            </m:ctrlPr>
+                          </m:dPr>
+                          <m:e>
+                            <m:r>
+                              <a:rPr lang="en-US" b="1" i="1" smtClean="0">
+                                <a:latin typeface="Cambria Math" charset="0"/>
+                              </a:rPr>
+                              <m:t>𝒕</m:t>
+                            </m:r>
+                          </m:e>
+                        </m:d>
+                        <m:r>
+                          <a:rPr lang="en-US" b="1" i="1" smtClean="0">
+                            <a:latin typeface="Cambria Math" charset="0"/>
+                          </a:rPr>
+                          <m:t>𝑻</m:t>
+                        </m:r>
+                      </m:sup>
+                    </m:sSubSup>
+                    <m:r>
+                      <a:rPr lang="en-US" b="1" i="1" smtClean="0">
+                        <a:latin typeface="Cambria Math" charset="0"/>
+                      </a:rPr>
+                      <m:t> </m:t>
+                    </m:r>
+                    <m:r>
+                      <a:rPr lang="en-US" b="1" i="1" smtClean="0">
+                        <a:latin typeface="Cambria Math" charset="0"/>
+                      </a:rPr>
+                      <m:t>𝜷</m:t>
+                    </m:r>
+                  </m:oMath>
+                </a14:m>
+                <a:r>
+                  <a:rPr lang="en-US" dirty="0" smtClean="0"/>
+                  <a:t>    where </a:t>
+                </a:r>
+                <a14:m>
+                  <m:oMath xmlns:m="http://schemas.openxmlformats.org/officeDocument/2006/math">
+                    <m:r>
+                      <a:rPr lang="en-US" b="1" i="1" smtClean="0">
+                        <a:latin typeface="Cambria Math" charset="0"/>
+                      </a:rPr>
+                      <m:t>𝜷</m:t>
+                    </m:r>
+                    <m:r>
+                      <a:rPr lang="en-US" b="0" i="1" smtClean="0">
+                        <a:latin typeface="Cambria Math" charset="0"/>
+                      </a:rPr>
+                      <m:t>=</m:t>
+                    </m:r>
+                    <m:sSubSup>
+                      <m:sSubSupPr>
+                        <m:ctrlPr>
+                          <a:rPr lang="en-US" b="0" i="1" smtClean="0">
+                            <a:latin typeface="Cambria Math" charset="0"/>
+                          </a:rPr>
+                        </m:ctrlPr>
+                      </m:sSubSupPr>
+                      <m:e>
+                        <m:r>
+                          <a:rPr lang="en-US" b="0" i="1" smtClean="0">
+                            <a:latin typeface="Cambria Math" charset="0"/>
+                          </a:rPr>
+                          <m:t>𝐶</m:t>
+                        </m:r>
+                      </m:e>
+                      <m:sub>
+                        <m:r>
+                          <a:rPr lang="en-US" b="0" i="1" smtClean="0">
+                            <a:latin typeface="Cambria Math" charset="0"/>
+                          </a:rPr>
+                          <m:t>𝑁</m:t>
+                        </m:r>
+                      </m:sub>
+                      <m:sup>
+                        <m:r>
+                          <a:rPr lang="en-US" b="0" i="1" smtClean="0">
+                            <a:latin typeface="Cambria Math" charset="0"/>
+                          </a:rPr>
+                          <m:t>−1</m:t>
+                        </m:r>
+                      </m:sup>
+                    </m:sSubSup>
+                    <m:r>
+                      <a:rPr lang="en-US" b="1" i="1" smtClean="0">
+                        <a:latin typeface="Cambria Math" charset="0"/>
+                      </a:rPr>
+                      <m:t>𝒚</m:t>
+                    </m:r>
+                    <m:r>
+                      <a:rPr lang="en-US" b="0" i="1" smtClean="0">
+                        <a:latin typeface="Cambria Math" charset="0"/>
+                      </a:rPr>
+                      <m:t>∈</m:t>
+                    </m:r>
+                    <m:sSup>
+                      <m:sSupPr>
+                        <m:ctrlPr>
+                          <a:rPr lang="en-US" b="0" i="1" smtClean="0">
+                            <a:latin typeface="Cambria Math" charset="0"/>
+                          </a:rPr>
+                        </m:ctrlPr>
+                      </m:sSupPr>
+                      <m:e>
+                        <m:r>
+                          <a:rPr lang="en-US" b="0" i="1" smtClean="0">
+                            <a:latin typeface="Cambria Math" charset="0"/>
+                          </a:rPr>
+                          <m:t>𝑅</m:t>
+                        </m:r>
+                      </m:e>
+                      <m:sup>
+                        <m:r>
+                          <a:rPr lang="en-US" b="0" i="1" smtClean="0">
+                            <a:latin typeface="Cambria Math" charset="0"/>
+                          </a:rPr>
+                          <m:t>𝑁</m:t>
+                        </m:r>
+                      </m:sup>
+                    </m:sSup>
+                    <m:r>
+                      <a:rPr lang="en-US" b="0" i="1" smtClean="0">
+                        <a:latin typeface="Cambria Math" charset="0"/>
+                      </a:rPr>
+                      <m:t>  </m:t>
+                    </m:r>
+                  </m:oMath>
+                </a14:m>
+                <a:endParaRPr lang="en-US" dirty="0" smtClean="0"/>
+              </a:p>
+              <a:p>
+                <a:pPr lvl="1"/>
+                <a14:m>
+                  <m:oMath xmlns:m="http://schemas.openxmlformats.org/officeDocument/2006/math">
+                    <m:sSubSup>
+                      <m:sSubSupPr>
+                        <m:ctrlPr>
+                          <a:rPr lang="en-US" b="0" i="1" smtClean="0">
+                            <a:latin typeface="Cambria Math" charset="0"/>
+                          </a:rPr>
+                        </m:ctrlPr>
+                      </m:sSubSupPr>
+                      <m:e>
+                        <m:r>
+                          <a:rPr lang="en-US" b="0" i="1" smtClean="0">
+                            <a:latin typeface="Cambria Math" charset="0"/>
+                          </a:rPr>
+                          <m:t>𝜇</m:t>
+                        </m:r>
+                      </m:e>
+                      <m:sub>
+                        <m:r>
+                          <a:rPr lang="en-US" b="0" i="1" smtClean="0">
+                            <a:latin typeface="Cambria Math" charset="0"/>
+                          </a:rPr>
+                          <m:t>∗</m:t>
+                        </m:r>
+                      </m:sub>
+                      <m:sup>
+                        <m:r>
+                          <a:rPr lang="en-US" b="0" i="1" smtClean="0">
+                            <a:latin typeface="Cambria Math" charset="0"/>
+                          </a:rPr>
+                          <m:t>(</m:t>
+                        </m:r>
+                        <m:r>
+                          <a:rPr lang="en-US" b="0" i="1" smtClean="0">
+                            <a:latin typeface="Cambria Math" charset="0"/>
+                          </a:rPr>
+                          <m:t>𝑡</m:t>
+                        </m:r>
+                        <m:r>
+                          <a:rPr lang="en-US" b="0" i="1" smtClean="0">
+                            <a:latin typeface="Cambria Math" charset="0"/>
+                          </a:rPr>
+                          <m:t>)</m:t>
+                        </m:r>
+                      </m:sup>
+                    </m:sSubSup>
+                    <m:r>
+                      <a:rPr lang="en-US" b="0" i="1" smtClean="0">
+                        <a:latin typeface="Cambria Math" charset="0"/>
+                      </a:rPr>
+                      <m:t>= </m:t>
+                    </m:r>
+                    <m:nary>
+                      <m:naryPr>
+                        <m:chr m:val="∑"/>
+                        <m:ctrlPr>
+                          <a:rPr lang="is-IS" b="0" i="1" smtClean="0">
+                            <a:latin typeface="Cambria Math" charset="0"/>
+                          </a:rPr>
+                        </m:ctrlPr>
+                      </m:naryPr>
+                      <m:sub>
+                        <m:r>
+                          <m:rPr>
+                            <m:brk m:alnAt="23"/>
+                          </m:rPr>
+                          <a:rPr lang="en-US" b="0" i="1" smtClean="0">
+                            <a:latin typeface="Cambria Math" charset="0"/>
+                          </a:rPr>
+                          <m:t>𝑖</m:t>
+                        </m:r>
+                        <m:r>
+                          <a:rPr lang="en-US" b="0" i="1" smtClean="0">
+                            <a:latin typeface="Cambria Math" charset="0"/>
+                          </a:rPr>
+                          <m:t>=1</m:t>
+                        </m:r>
+                      </m:sub>
+                      <m:sup>
+                        <m:r>
+                          <a:rPr lang="en-US" b="0" i="1" smtClean="0">
+                            <a:latin typeface="Cambria Math" charset="0"/>
+                          </a:rPr>
+                          <m:t>𝑁</m:t>
+                        </m:r>
+                      </m:sup>
+                      <m:e>
+                        <m:sSup>
+                          <m:sSupPr>
+                            <m:ctrlPr>
+                              <a:rPr lang="en-US" b="0" i="1" smtClean="0">
+                                <a:latin typeface="Cambria Math" charset="0"/>
+                              </a:rPr>
+                            </m:ctrlPr>
+                          </m:sSupPr>
+                          <m:e>
+                            <m:r>
+                              <a:rPr lang="en-US" b="0" i="1" smtClean="0">
+                                <a:latin typeface="Cambria Math" charset="0"/>
+                              </a:rPr>
+                              <m:t>𝑘</m:t>
+                            </m:r>
+                          </m:e>
+                          <m:sup>
+                            <m:r>
+                              <a:rPr lang="en-US" b="0" i="1" smtClean="0">
+                                <a:latin typeface="Cambria Math" charset="0"/>
+                              </a:rPr>
+                              <m:t>𝑡</m:t>
+                            </m:r>
+                            <m:r>
+                              <a:rPr lang="en-US" b="0" i="1" smtClean="0">
+                                <a:latin typeface="Cambria Math" charset="0"/>
+                              </a:rPr>
+                              <m:t>,</m:t>
+                            </m:r>
+                            <m:sSub>
+                              <m:sSubPr>
+                                <m:ctrlPr>
+                                  <a:rPr lang="en-US" b="0" i="1" smtClean="0">
+                                    <a:latin typeface="Cambria Math" charset="0"/>
+                                  </a:rPr>
+                                </m:ctrlPr>
+                              </m:sSubPr>
+                              <m:e>
+                                <m:r>
+                                  <a:rPr lang="en-US" b="0" i="1" smtClean="0">
+                                    <a:latin typeface="Cambria Math" charset="0"/>
+                                  </a:rPr>
+                                  <m:t>𝑡</m:t>
+                                </m:r>
+                              </m:e>
+                              <m:sub>
+                                <m:r>
+                                  <a:rPr lang="en-US" b="0" i="1" smtClean="0">
+                                    <a:latin typeface="Cambria Math" charset="0"/>
+                                  </a:rPr>
+                                  <m:t>𝑖</m:t>
+                                </m:r>
+                              </m:sub>
+                            </m:sSub>
+                          </m:sup>
+                        </m:sSup>
+                        <m:r>
+                          <a:rPr lang="en-US" b="0" i="1" smtClean="0">
+                            <a:latin typeface="Cambria Math" charset="0"/>
+                          </a:rPr>
+                          <m:t>(</m:t>
+                        </m:r>
+                        <m:sSub>
+                          <m:sSubPr>
+                            <m:ctrlPr>
+                              <a:rPr lang="en-US" b="0" i="1" smtClean="0">
+                                <a:latin typeface="Cambria Math" charset="0"/>
+                              </a:rPr>
+                            </m:ctrlPr>
+                          </m:sSubPr>
+                          <m:e>
+                            <m:r>
+                              <a:rPr lang="en-US" b="0" i="1" smtClean="0">
+                                <a:latin typeface="Cambria Math" charset="0"/>
+                              </a:rPr>
+                              <m:t>𝑥</m:t>
+                            </m:r>
+                          </m:e>
+                          <m:sub>
+                            <m:r>
+                              <a:rPr lang="en-US" b="0" i="1" smtClean="0">
+                                <a:latin typeface="Cambria Math" charset="0"/>
+                              </a:rPr>
+                              <m:t>∗</m:t>
+                            </m:r>
+                          </m:sub>
+                        </m:sSub>
+                        <m:r>
+                          <a:rPr lang="en-US" b="0" i="1" smtClean="0">
+                            <a:latin typeface="Cambria Math" charset="0"/>
+                          </a:rPr>
+                          <m:t>, </m:t>
+                        </m:r>
+                        <m:sSub>
+                          <m:sSubPr>
+                            <m:ctrlPr>
+                              <a:rPr lang="en-US" b="0" i="1" smtClean="0">
+                                <a:latin typeface="Cambria Math" charset="0"/>
+                              </a:rPr>
+                            </m:ctrlPr>
+                          </m:sSubPr>
+                          <m:e>
+                            <m:r>
+                              <a:rPr lang="en-US" b="0" i="1" smtClean="0">
+                                <a:latin typeface="Cambria Math" charset="0"/>
+                              </a:rPr>
+                              <m:t>𝑥</m:t>
+                            </m:r>
+                          </m:e>
+                          <m:sub>
+                            <m:r>
+                              <a:rPr lang="en-US" b="0" i="1" smtClean="0">
+                                <a:latin typeface="Cambria Math" charset="0"/>
+                              </a:rPr>
+                              <m:t>𝑖</m:t>
+                            </m:r>
+                          </m:sub>
+                        </m:sSub>
+                        <m:r>
+                          <a:rPr lang="en-US" b="0" i="1" smtClean="0">
+                            <a:latin typeface="Cambria Math" charset="0"/>
+                          </a:rPr>
+                          <m:t>)</m:t>
+                        </m:r>
+                      </m:e>
+                    </m:nary>
+                    <m:sSub>
+                      <m:sSubPr>
+                        <m:ctrlPr>
+                          <a:rPr lang="en-US" b="0" i="1" smtClean="0">
+                            <a:latin typeface="Cambria Math" charset="0"/>
+                          </a:rPr>
+                        </m:ctrlPr>
+                      </m:sSubPr>
+                      <m:e>
+                        <m:r>
+                          <a:rPr lang="en-US" b="0" i="1" smtClean="0">
+                            <a:latin typeface="Cambria Math" charset="0"/>
+                          </a:rPr>
+                          <m:t>𝛽</m:t>
+                        </m:r>
+                      </m:e>
+                      <m:sub>
+                        <m:r>
+                          <a:rPr lang="en-US" b="0" i="1" smtClean="0">
+                            <a:latin typeface="Cambria Math" charset="0"/>
+                          </a:rPr>
+                          <m:t>𝑛</m:t>
+                        </m:r>
+                      </m:sub>
+                    </m:sSub>
+                  </m:oMath>
+                </a14:m>
+                <a:endParaRPr lang="en-US" dirty="0" smtClean="0"/>
+              </a:p>
+              <a:p>
+                <a:pPr lvl="1"/>
+                <a14:m>
+                  <m:oMath xmlns:m="http://schemas.openxmlformats.org/officeDocument/2006/math">
+                    <m:sSubSup>
+                      <m:sSubSupPr>
+                        <m:ctrlPr>
+                          <a:rPr lang="en-US" i="1">
+                            <a:latin typeface="Cambria Math" charset="0"/>
+                          </a:rPr>
+                        </m:ctrlPr>
+                      </m:sSubSupPr>
+                      <m:e>
+                        <m:r>
+                          <a:rPr lang="en-US" i="1">
+                            <a:latin typeface="Cambria Math" charset="0"/>
+                          </a:rPr>
+                          <m:t>𝜇</m:t>
+                        </m:r>
+                      </m:e>
+                      <m:sub>
+                        <m:r>
+                          <a:rPr lang="en-US" i="1">
+                            <a:latin typeface="Cambria Math" charset="0"/>
+                          </a:rPr>
+                          <m:t>∗</m:t>
+                        </m:r>
+                      </m:sub>
+                      <m:sup>
+                        <m:r>
+                          <a:rPr lang="en-US" i="1">
+                            <a:latin typeface="Cambria Math" charset="0"/>
+                          </a:rPr>
+                          <m:t>(</m:t>
+                        </m:r>
+                        <m:r>
+                          <a:rPr lang="en-US" i="1">
+                            <a:latin typeface="Cambria Math" charset="0"/>
+                          </a:rPr>
+                          <m:t>𝑡</m:t>
+                        </m:r>
+                        <m:r>
+                          <a:rPr lang="en-US" i="1">
+                            <a:latin typeface="Cambria Math" charset="0"/>
+                          </a:rPr>
+                          <m:t>)</m:t>
+                        </m:r>
+                      </m:sup>
+                    </m:sSubSup>
+                    <m:r>
+                      <a:rPr lang="en-US" i="1">
+                        <a:latin typeface="Cambria Math" charset="0"/>
+                      </a:rPr>
+                      <m:t>= </m:t>
+                    </m:r>
+                    <m:nary>
+                      <m:naryPr>
+                        <m:chr m:val="∑"/>
+                        <m:ctrlPr>
+                          <a:rPr lang="is-IS" i="1">
+                            <a:latin typeface="Cambria Math" charset="0"/>
+                          </a:rPr>
+                        </m:ctrlPr>
+                      </m:naryPr>
+                      <m:sub>
+                        <m:r>
+                          <a:rPr lang="en-US" b="0" i="1" smtClean="0">
+                            <a:latin typeface="Cambria Math" charset="0"/>
+                          </a:rPr>
+                          <m:t>𝑛</m:t>
+                        </m:r>
+                        <m:r>
+                          <a:rPr lang="en-US" i="1">
+                            <a:latin typeface="Cambria Math" charset="0"/>
+                          </a:rPr>
+                          <m:t>=1</m:t>
+                        </m:r>
+                      </m:sub>
+                      <m:sup>
+                        <m:r>
+                          <a:rPr lang="en-US" i="1">
+                            <a:latin typeface="Cambria Math" charset="0"/>
+                          </a:rPr>
+                          <m:t>𝑁</m:t>
+                        </m:r>
+                      </m:sup>
+                      <m:e>
+                        <m:sSup>
+                          <m:sSupPr>
+                            <m:ctrlPr>
+                              <a:rPr lang="en-US" i="1">
+                                <a:latin typeface="Cambria Math" charset="0"/>
+                              </a:rPr>
+                            </m:ctrlPr>
+                          </m:sSupPr>
+                          <m:e>
+                            <m:r>
+                              <a:rPr lang="en-US" i="1">
+                                <a:latin typeface="Cambria Math" charset="0"/>
+                              </a:rPr>
+                              <m:t>𝑘</m:t>
+                            </m:r>
+                          </m:e>
+                          <m:sup>
+                            <m:r>
+                              <a:rPr lang="en-US" b="0" i="1" smtClean="0">
+                                <a:latin typeface="Cambria Math" charset="0"/>
+                              </a:rPr>
+                              <m:t>𝑎</m:t>
+                            </m:r>
+                            <m:r>
+                              <a:rPr lang="en-US" i="1" smtClean="0">
+                                <a:latin typeface="Cambria Math" charset="0"/>
+                              </a:rPr>
+                              <m:t> </m:t>
+                            </m:r>
+                          </m:sup>
+                        </m:sSup>
+                        <m:d>
+                          <m:dPr>
+                            <m:ctrlPr>
+                              <a:rPr lang="en-US" i="1">
+                                <a:latin typeface="Cambria Math" charset="0"/>
+                              </a:rPr>
+                            </m:ctrlPr>
+                          </m:dPr>
+                          <m:e>
+                            <m:sSub>
+                              <m:sSubPr>
+                                <m:ctrlPr>
+                                  <a:rPr lang="en-US" i="1">
+                                    <a:latin typeface="Cambria Math" charset="0"/>
+                                  </a:rPr>
+                                </m:ctrlPr>
+                              </m:sSubPr>
+                              <m:e>
+                                <m:r>
+                                  <a:rPr lang="en-US" i="1">
+                                    <a:latin typeface="Cambria Math" charset="0"/>
+                                  </a:rPr>
+                                  <m:t>𝑥</m:t>
+                                </m:r>
+                              </m:e>
+                              <m:sub>
+                                <m:r>
+                                  <a:rPr lang="en-US" i="1">
+                                    <a:latin typeface="Cambria Math" charset="0"/>
+                                  </a:rPr>
+                                  <m:t>∗</m:t>
+                                </m:r>
+                              </m:sub>
+                            </m:sSub>
+                            <m:r>
+                              <a:rPr lang="en-US" i="1">
+                                <a:latin typeface="Cambria Math" charset="0"/>
+                              </a:rPr>
+                              <m:t>, </m:t>
+                            </m:r>
+                            <m:sSub>
+                              <m:sSubPr>
+                                <m:ctrlPr>
+                                  <a:rPr lang="en-US" i="1">
+                                    <a:latin typeface="Cambria Math" charset="0"/>
+                                  </a:rPr>
+                                </m:ctrlPr>
+                              </m:sSubPr>
+                              <m:e>
+                                <m:r>
+                                  <a:rPr lang="en-US" i="1">
+                                    <a:latin typeface="Cambria Math" charset="0"/>
+                                  </a:rPr>
+                                  <m:t>𝑥</m:t>
+                                </m:r>
+                              </m:e>
+                              <m:sub>
+                                <m:r>
+                                  <a:rPr lang="en-US" b="0" i="1" smtClean="0">
+                                    <a:latin typeface="Cambria Math" charset="0"/>
+                                  </a:rPr>
+                                  <m:t>𝑛</m:t>
+                                </m:r>
+                              </m:sub>
+                            </m:sSub>
+                          </m:e>
+                        </m:d>
+                        <m:sSup>
+                          <m:sSupPr>
+                            <m:ctrlPr>
+                              <a:rPr lang="en-US" b="0" i="1" smtClean="0">
+                                <a:latin typeface="Cambria Math" charset="0"/>
+                              </a:rPr>
+                            </m:ctrlPr>
+                          </m:sSupPr>
+                          <m:e>
+                            <m:r>
+                              <a:rPr lang="en-US" b="0" i="1" smtClean="0">
+                                <a:latin typeface="Cambria Math" charset="0"/>
+                              </a:rPr>
+                              <m:t> </m:t>
+                            </m:r>
+                            <m:r>
+                              <a:rPr lang="en-US" b="0" i="1" smtClean="0">
+                                <a:latin typeface="Cambria Math" charset="0"/>
+                              </a:rPr>
+                              <m:t>𝑘</m:t>
+                            </m:r>
+                          </m:e>
+                          <m:sup>
+                            <m:r>
+                              <a:rPr lang="en-US" b="0" i="1" smtClean="0">
+                                <a:latin typeface="Cambria Math" charset="0"/>
+                              </a:rPr>
+                              <m:t>𝑏</m:t>
+                            </m:r>
+                          </m:sup>
+                        </m:sSup>
+                        <m:r>
+                          <a:rPr lang="en-US" b="0" i="1" smtClean="0">
+                            <a:latin typeface="Cambria Math" charset="0"/>
+                          </a:rPr>
+                          <m:t>(</m:t>
+                        </m:r>
+                        <m:r>
+                          <a:rPr lang="en-US" b="0" i="1" smtClean="0">
+                            <a:latin typeface="Cambria Math" charset="0"/>
+                          </a:rPr>
+                          <m:t>𝑡</m:t>
+                        </m:r>
+                        <m:r>
+                          <a:rPr lang="en-US" b="0" i="1" smtClean="0">
+                            <a:latin typeface="Cambria Math" charset="0"/>
+                          </a:rPr>
+                          <m:t>, </m:t>
+                        </m:r>
+                        <m:sSub>
+                          <m:sSubPr>
+                            <m:ctrlPr>
+                              <a:rPr lang="en-US" b="0" i="1" smtClean="0">
+                                <a:latin typeface="Cambria Math" charset="0"/>
+                              </a:rPr>
+                            </m:ctrlPr>
+                          </m:sSubPr>
+                          <m:e>
+                            <m:r>
+                              <a:rPr lang="en-US" b="0" i="1" smtClean="0">
+                                <a:latin typeface="Cambria Math" charset="0"/>
+                              </a:rPr>
+                              <m:t>𝑡</m:t>
+                            </m:r>
+                          </m:e>
+                          <m:sub>
+                            <m:r>
+                              <a:rPr lang="en-US" b="0" i="1" smtClean="0">
+                                <a:latin typeface="Cambria Math" charset="0"/>
+                              </a:rPr>
+                              <m:t>𝑛</m:t>
+                            </m:r>
+                          </m:sub>
+                        </m:sSub>
+                        <m:r>
+                          <a:rPr lang="en-US" b="0" i="1" smtClean="0">
+                            <a:latin typeface="Cambria Math" charset="0"/>
+                          </a:rPr>
+                          <m:t>)</m:t>
+                        </m:r>
+                      </m:e>
+                    </m:nary>
+                    <m:sSub>
+                      <m:sSubPr>
+                        <m:ctrlPr>
+                          <a:rPr lang="en-US" i="1">
+                            <a:latin typeface="Cambria Math" charset="0"/>
+                          </a:rPr>
+                        </m:ctrlPr>
+                      </m:sSubPr>
+                      <m:e>
+                        <m:r>
+                          <a:rPr lang="en-US" i="1">
+                            <a:latin typeface="Cambria Math" charset="0"/>
+                          </a:rPr>
+                          <m:t>𝛽</m:t>
+                        </m:r>
+                      </m:e>
+                      <m:sub>
+                        <m:r>
+                          <a:rPr lang="en-US" i="1">
+                            <a:latin typeface="Cambria Math" charset="0"/>
+                          </a:rPr>
+                          <m:t>𝑛</m:t>
+                        </m:r>
+                      </m:sub>
+                    </m:sSub>
+                  </m:oMath>
+                </a14:m>
+                <a:endParaRPr lang="en-US" dirty="0" smtClean="0"/>
+              </a:p>
+              <a:p>
+                <a:pPr lvl="1"/>
+                <a14:m>
+                  <m:oMath xmlns:m="http://schemas.openxmlformats.org/officeDocument/2006/math">
+                    <m:sSubSup>
+                      <m:sSubSupPr>
+                        <m:ctrlPr>
+                          <a:rPr lang="en-US" i="1">
+                            <a:latin typeface="Cambria Math" charset="0"/>
+                          </a:rPr>
+                        </m:ctrlPr>
+                      </m:sSubSupPr>
+                      <m:e>
+                        <m:r>
+                          <a:rPr lang="en-US" i="1">
+                            <a:latin typeface="Cambria Math" charset="0"/>
+                          </a:rPr>
+                          <m:t>𝜇</m:t>
+                        </m:r>
+                      </m:e>
+                      <m:sub>
+                        <m:r>
+                          <a:rPr lang="en-US" i="1">
+                            <a:latin typeface="Cambria Math" charset="0"/>
+                          </a:rPr>
+                          <m:t>∗</m:t>
+                        </m:r>
+                      </m:sub>
+                      <m:sup>
+                        <m:r>
+                          <a:rPr lang="en-US" i="1">
+                            <a:latin typeface="Cambria Math" charset="0"/>
+                          </a:rPr>
+                          <m:t>(</m:t>
+                        </m:r>
+                        <m:r>
+                          <a:rPr lang="en-US" i="1">
+                            <a:latin typeface="Cambria Math" charset="0"/>
+                          </a:rPr>
+                          <m:t>𝑡</m:t>
+                        </m:r>
+                        <m:r>
+                          <a:rPr lang="en-US" i="1">
+                            <a:latin typeface="Cambria Math" charset="0"/>
+                          </a:rPr>
+                          <m:t>)</m:t>
+                        </m:r>
+                      </m:sup>
+                    </m:sSubSup>
+                    <m:r>
+                      <a:rPr lang="en-US" i="1">
+                        <a:latin typeface="Cambria Math" charset="0"/>
+                      </a:rPr>
+                      <m:t>= </m:t>
+                    </m:r>
+                    <m:nary>
+                      <m:naryPr>
+                        <m:chr m:val="∑"/>
+                        <m:ctrlPr>
+                          <a:rPr lang="is-IS" i="1">
+                            <a:latin typeface="Cambria Math" charset="0"/>
+                          </a:rPr>
+                        </m:ctrlPr>
+                      </m:naryPr>
+                      <m:sub>
+                        <m:r>
+                          <a:rPr lang="en-US" b="0" i="1" smtClean="0">
+                            <a:latin typeface="Cambria Math" charset="0"/>
+                          </a:rPr>
+                          <m:t>𝑛</m:t>
+                        </m:r>
+                        <m:r>
+                          <a:rPr lang="en-US" i="1">
+                            <a:latin typeface="Cambria Math" charset="0"/>
+                          </a:rPr>
+                          <m:t>=1</m:t>
+                        </m:r>
+                      </m:sub>
+                      <m:sup>
+                        <m:r>
+                          <a:rPr lang="en-US" i="1">
+                            <a:latin typeface="Cambria Math" charset="0"/>
+                          </a:rPr>
+                          <m:t>𝑁</m:t>
+                        </m:r>
+                      </m:sup>
+                      <m:e>
+                        <m:sSup>
+                          <m:sSupPr>
+                            <m:ctrlPr>
+                              <a:rPr lang="en-US" i="1">
+                                <a:latin typeface="Cambria Math" charset="0"/>
+                              </a:rPr>
+                            </m:ctrlPr>
+                          </m:sSupPr>
+                          <m:e>
+                            <m:r>
+                              <a:rPr lang="en-US" i="1">
+                                <a:latin typeface="Cambria Math" charset="0"/>
+                              </a:rPr>
+                              <m:t>𝑘</m:t>
+                            </m:r>
+                          </m:e>
+                          <m:sup>
+                            <m:r>
+                              <a:rPr lang="en-US" i="1">
+                                <a:latin typeface="Cambria Math" charset="0"/>
+                              </a:rPr>
+                              <m:t>𝑎</m:t>
+                            </m:r>
+                            <m:r>
+                              <a:rPr lang="en-US" i="1">
+                                <a:latin typeface="Cambria Math" charset="0"/>
+                              </a:rPr>
+                              <m:t> </m:t>
+                            </m:r>
+                          </m:sup>
+                        </m:sSup>
+                        <m:d>
+                          <m:dPr>
+                            <m:ctrlPr>
+                              <a:rPr lang="en-US" i="1">
+                                <a:latin typeface="Cambria Math" charset="0"/>
+                              </a:rPr>
+                            </m:ctrlPr>
+                          </m:dPr>
+                          <m:e>
+                            <m:sSub>
+                              <m:sSubPr>
+                                <m:ctrlPr>
+                                  <a:rPr lang="en-US" i="1">
+                                    <a:latin typeface="Cambria Math" charset="0"/>
+                                  </a:rPr>
+                                </m:ctrlPr>
+                              </m:sSubPr>
+                              <m:e>
+                                <m:r>
+                                  <a:rPr lang="en-US" i="1">
+                                    <a:latin typeface="Cambria Math" charset="0"/>
+                                  </a:rPr>
+                                  <m:t>𝑥</m:t>
+                                </m:r>
+                              </m:e>
+                              <m:sub>
+                                <m:r>
+                                  <a:rPr lang="en-US" i="1">
+                                    <a:latin typeface="Cambria Math" charset="0"/>
+                                  </a:rPr>
+                                  <m:t>∗</m:t>
+                                </m:r>
+                              </m:sub>
+                            </m:sSub>
+                            <m:r>
+                              <a:rPr lang="en-US" i="1">
+                                <a:latin typeface="Cambria Math" charset="0"/>
+                              </a:rPr>
+                              <m:t>, </m:t>
+                            </m:r>
+                            <m:sSub>
+                              <m:sSubPr>
+                                <m:ctrlPr>
+                                  <a:rPr lang="en-US" i="1" smtClean="0">
+                                    <a:latin typeface="Cambria Math" charset="0"/>
+                                  </a:rPr>
+                                </m:ctrlPr>
+                              </m:sSubPr>
+                              <m:e>
+                                <m:r>
+                                  <a:rPr lang="en-US" i="1">
+                                    <a:latin typeface="Cambria Math" charset="0"/>
+                                  </a:rPr>
+                                  <m:t>𝑥</m:t>
+                                </m:r>
+                              </m:e>
+                              <m:sub>
+                                <m:r>
+                                  <a:rPr lang="en-US" b="0" i="1" smtClean="0">
+                                    <a:latin typeface="Cambria Math" charset="0"/>
+                                  </a:rPr>
+                                  <m:t>𝑛</m:t>
+                                </m:r>
+                              </m:sub>
+                            </m:sSub>
+                          </m:e>
+                        </m:d>
+                        <m:r>
+                          <a:rPr lang="en-US" b="0" i="1" smtClean="0">
+                            <a:latin typeface="Cambria Math" charset="0"/>
+                          </a:rPr>
+                          <m:t>𝑧</m:t>
+                        </m:r>
+                        <m:sSup>
+                          <m:sSupPr>
+                            <m:ctrlPr>
+                              <a:rPr lang="en-US" b="0" i="1" smtClean="0">
+                                <a:latin typeface="Cambria Math" charset="0"/>
+                              </a:rPr>
+                            </m:ctrlPr>
+                          </m:sSupPr>
+                          <m:e>
+                            <m:d>
+                              <m:dPr>
+                                <m:ctrlPr>
+                                  <a:rPr lang="en-US" b="0" i="1" smtClean="0">
+                                    <a:latin typeface="Cambria Math" charset="0"/>
+                                  </a:rPr>
+                                </m:ctrlPr>
+                              </m:dPr>
+                              <m:e>
+                                <m:r>
+                                  <a:rPr lang="en-US" b="0" i="1" smtClean="0">
+                                    <a:latin typeface="Cambria Math" charset="0"/>
+                                  </a:rPr>
+                                  <m:t>𝑡</m:t>
+                                </m:r>
+                              </m:e>
+                            </m:d>
+                          </m:e>
+                          <m:sup>
+                            <m:r>
+                              <a:rPr lang="en-US" b="0" i="1" smtClean="0">
+                                <a:latin typeface="Cambria Math" charset="0"/>
+                              </a:rPr>
+                              <m:t>𝑇</m:t>
+                            </m:r>
+                          </m:sup>
+                        </m:sSup>
+                        <m:r>
+                          <a:rPr lang="en-US" b="0" i="1" smtClean="0">
+                            <a:latin typeface="Cambria Math" charset="0"/>
+                          </a:rPr>
+                          <m:t>𝑧</m:t>
+                        </m:r>
+                        <m:r>
+                          <a:rPr lang="en-US" b="0" i="1" smtClean="0">
+                            <a:latin typeface="Cambria Math" charset="0"/>
+                          </a:rPr>
+                          <m:t>(</m:t>
+                        </m:r>
+                        <m:sSub>
+                          <m:sSubPr>
+                            <m:ctrlPr>
+                              <a:rPr lang="en-US" b="0" i="1" smtClean="0">
+                                <a:latin typeface="Cambria Math" charset="0"/>
+                              </a:rPr>
+                            </m:ctrlPr>
+                          </m:sSubPr>
+                          <m:e>
+                            <m:r>
+                              <a:rPr lang="en-US" b="0" i="1" smtClean="0">
+                                <a:latin typeface="Cambria Math" charset="0"/>
+                              </a:rPr>
+                              <m:t>𝑡</m:t>
+                            </m:r>
+                          </m:e>
+                          <m:sub>
+                            <m:r>
+                              <a:rPr lang="en-US" b="0" i="1" smtClean="0">
+                                <a:latin typeface="Cambria Math" charset="0"/>
+                              </a:rPr>
+                              <m:t>𝑛</m:t>
+                            </m:r>
+                          </m:sub>
+                        </m:sSub>
+                        <m:r>
+                          <a:rPr lang="en-US" b="0" i="1" smtClean="0">
+                            <a:latin typeface="Cambria Math" charset="0"/>
+                          </a:rPr>
+                          <m:t>)</m:t>
+                        </m:r>
+                      </m:e>
+                    </m:nary>
+                    <m:sSub>
+                      <m:sSubPr>
+                        <m:ctrlPr>
+                          <a:rPr lang="en-US" i="1">
+                            <a:latin typeface="Cambria Math" charset="0"/>
+                          </a:rPr>
+                        </m:ctrlPr>
+                      </m:sSubPr>
+                      <m:e>
+                        <m:r>
+                          <a:rPr lang="en-US" i="1">
+                            <a:latin typeface="Cambria Math" charset="0"/>
+                          </a:rPr>
+                          <m:t>𝛽</m:t>
+                        </m:r>
+                      </m:e>
+                      <m:sub>
+                        <m:r>
+                          <a:rPr lang="en-US" i="1">
+                            <a:latin typeface="Cambria Math" charset="0"/>
+                          </a:rPr>
+                          <m:t>𝑛</m:t>
+                        </m:r>
+                      </m:sub>
+                    </m:sSub>
+                  </m:oMath>
+                </a14:m>
+                <a:r>
+                  <a:rPr lang="en-US" dirty="0" smtClean="0"/>
+                  <a:t> </a:t>
+                </a:r>
+              </a:p>
+              <a:p>
+                <a:pPr lvl="1"/>
+                <a:r>
+                  <a:rPr lang="en-US" dirty="0" smtClean="0"/>
+                  <a:t>Lets call </a:t>
+                </a:r>
+                <a14:m>
+                  <m:oMath xmlns:m="http://schemas.openxmlformats.org/officeDocument/2006/math">
+                    <m:r>
+                      <a:rPr lang="en-US" b="0" i="1" smtClean="0">
+                        <a:latin typeface="Cambria Math" charset="0"/>
+                      </a:rPr>
+                      <m:t>𝑧</m:t>
+                    </m:r>
+                    <m:d>
+                      <m:dPr>
+                        <m:ctrlPr>
+                          <a:rPr lang="en-US" b="0" i="1" smtClean="0">
+                            <a:latin typeface="Cambria Math" charset="0"/>
+                          </a:rPr>
+                        </m:ctrlPr>
+                      </m:dPr>
+                      <m:e>
+                        <m:sSub>
+                          <m:sSubPr>
+                            <m:ctrlPr>
+                              <a:rPr lang="en-US" b="0" i="1" smtClean="0">
+                                <a:latin typeface="Cambria Math" charset="0"/>
+                              </a:rPr>
+                            </m:ctrlPr>
+                          </m:sSubPr>
+                          <m:e>
+                            <m:r>
+                              <a:rPr lang="en-US" b="0" i="1" smtClean="0">
+                                <a:latin typeface="Cambria Math" charset="0"/>
+                              </a:rPr>
+                              <m:t>𝑡</m:t>
+                            </m:r>
+                          </m:e>
+                          <m:sub>
+                            <m:r>
+                              <a:rPr lang="en-US" b="0" i="1" smtClean="0">
+                                <a:latin typeface="Cambria Math" charset="0"/>
+                              </a:rPr>
+                              <m:t>𝑛</m:t>
+                            </m:r>
+                          </m:sub>
+                        </m:sSub>
+                      </m:e>
+                    </m:d>
+                    <m:sSub>
+                      <m:sSubPr>
+                        <m:ctrlPr>
+                          <a:rPr lang="en-US" b="0" i="1" smtClean="0">
+                            <a:latin typeface="Cambria Math" charset="0"/>
+                          </a:rPr>
+                        </m:ctrlPr>
+                      </m:sSubPr>
+                      <m:e>
+                        <m:r>
+                          <a:rPr lang="en-US" b="0" i="1" smtClean="0">
+                            <a:latin typeface="Cambria Math" charset="0"/>
+                          </a:rPr>
+                          <m:t>𝛽</m:t>
+                        </m:r>
+                      </m:e>
+                      <m:sub>
+                        <m:r>
+                          <a:rPr lang="en-US" b="0" i="1" smtClean="0">
+                            <a:latin typeface="Cambria Math" charset="0"/>
+                          </a:rPr>
+                          <m:t>𝑛</m:t>
+                        </m:r>
+                      </m:sub>
+                    </m:sSub>
+                    <m:r>
+                      <a:rPr lang="en-US" b="0" i="1" smtClean="0">
+                        <a:latin typeface="Cambria Math" charset="0"/>
+                      </a:rPr>
+                      <m:t>=</m:t>
+                    </m:r>
+                    <m:sSub>
+                      <m:sSubPr>
+                        <m:ctrlPr>
+                          <a:rPr lang="en-US" b="0" i="1" smtClean="0">
+                            <a:latin typeface="Cambria Math" charset="0"/>
+                          </a:rPr>
+                        </m:ctrlPr>
+                      </m:sSubPr>
+                      <m:e>
+                        <m:r>
+                          <a:rPr lang="en-US" b="0" i="1" smtClean="0">
+                            <a:latin typeface="Cambria Math" charset="0"/>
+                          </a:rPr>
+                          <m:t>𝐵</m:t>
+                        </m:r>
+                      </m:e>
+                      <m:sub>
+                        <m:r>
+                          <a:rPr lang="en-US" b="0" i="1" smtClean="0">
+                            <a:latin typeface="Cambria Math" charset="0"/>
+                          </a:rPr>
+                          <m:t>𝑛</m:t>
+                        </m:r>
+                      </m:sub>
+                    </m:sSub>
+                    <m:r>
+                      <a:rPr lang="en-US" b="0" i="1" smtClean="0">
+                        <a:latin typeface="Cambria Math" charset="0"/>
+                      </a:rPr>
+                      <m:t>∈</m:t>
+                    </m:r>
+                    <m:sSup>
+                      <m:sSupPr>
+                        <m:ctrlPr>
+                          <a:rPr lang="en-US" b="0" i="1" smtClean="0">
+                            <a:latin typeface="Cambria Math" charset="0"/>
+                          </a:rPr>
+                        </m:ctrlPr>
+                      </m:sSupPr>
+                      <m:e>
+                        <m:r>
+                          <a:rPr lang="en-US" b="0" i="1" smtClean="0">
+                            <a:latin typeface="Cambria Math" charset="0"/>
+                          </a:rPr>
+                          <m:t>𝑅</m:t>
+                        </m:r>
+                      </m:e>
+                      <m:sup>
+                        <m:r>
+                          <a:rPr lang="en-US" b="0" i="1" smtClean="0">
+                            <a:latin typeface="Cambria Math" charset="0"/>
+                          </a:rPr>
+                          <m:t>𝐾</m:t>
+                        </m:r>
+                      </m:sup>
+                    </m:sSup>
+                  </m:oMath>
+                </a14:m>
+                <a:r>
+                  <a:rPr lang="en-US" dirty="0" smtClean="0"/>
+                  <a:t> </a:t>
+                </a:r>
+              </a:p>
+              <a:p>
+                <a:pPr lvl="1"/>
+                <a14:m>
+                  <m:oMath xmlns:m="http://schemas.openxmlformats.org/officeDocument/2006/math">
+                    <m:sSubSup>
+                      <m:sSubSupPr>
+                        <m:ctrlPr>
+                          <a:rPr lang="en-US" i="1" smtClean="0">
+                            <a:latin typeface="Cambria Math" charset="0"/>
+                          </a:rPr>
+                        </m:ctrlPr>
+                      </m:sSubSupPr>
+                      <m:e>
+                        <m:r>
+                          <a:rPr lang="en-US" i="1">
+                            <a:latin typeface="Cambria Math" charset="0"/>
+                          </a:rPr>
+                          <m:t>𝜇</m:t>
+                        </m:r>
+                      </m:e>
+                      <m:sub>
+                        <m:r>
+                          <a:rPr lang="en-US" i="1">
+                            <a:latin typeface="Cambria Math" charset="0"/>
+                          </a:rPr>
+                          <m:t>∗</m:t>
+                        </m:r>
+                      </m:sub>
+                      <m:sup>
+                        <m:r>
+                          <a:rPr lang="en-US" i="1">
+                            <a:latin typeface="Cambria Math" charset="0"/>
+                          </a:rPr>
+                          <m:t>(</m:t>
+                        </m:r>
+                        <m:r>
+                          <a:rPr lang="en-US" i="1">
+                            <a:latin typeface="Cambria Math" charset="0"/>
+                          </a:rPr>
+                          <m:t>𝑡</m:t>
+                        </m:r>
+                        <m:r>
+                          <a:rPr lang="en-US" i="1">
+                            <a:latin typeface="Cambria Math" charset="0"/>
+                          </a:rPr>
+                          <m:t>)</m:t>
+                        </m:r>
+                      </m:sup>
+                    </m:sSubSup>
+                    <m:r>
+                      <a:rPr lang="en-US" i="1" smtClean="0">
+                        <a:latin typeface="Cambria Math" charset="0"/>
+                      </a:rPr>
+                      <m:t>= </m:t>
+                    </m:r>
+                    <m:nary>
+                      <m:naryPr>
+                        <m:chr m:val="∑"/>
+                        <m:ctrlPr>
+                          <a:rPr lang="is-IS" i="1">
+                            <a:latin typeface="Cambria Math" charset="0"/>
+                          </a:rPr>
+                        </m:ctrlPr>
+                      </m:naryPr>
+                      <m:sub>
+                        <m:r>
+                          <a:rPr lang="en-US" i="1">
+                            <a:latin typeface="Cambria Math" charset="0"/>
+                          </a:rPr>
+                          <m:t>𝑛</m:t>
+                        </m:r>
+                        <m:r>
+                          <a:rPr lang="en-US" i="1">
+                            <a:latin typeface="Cambria Math" charset="0"/>
+                          </a:rPr>
+                          <m:t>=1</m:t>
+                        </m:r>
+                      </m:sub>
+                      <m:sup>
+                        <m:r>
+                          <a:rPr lang="en-US" i="1">
+                            <a:latin typeface="Cambria Math" charset="0"/>
+                          </a:rPr>
+                          <m:t>𝑁</m:t>
+                        </m:r>
+                      </m:sup>
+                      <m:e>
+                        <m:sSup>
+                          <m:sSupPr>
+                            <m:ctrlPr>
+                              <a:rPr lang="en-US" i="1">
+                                <a:latin typeface="Cambria Math" charset="0"/>
+                              </a:rPr>
+                            </m:ctrlPr>
+                          </m:sSupPr>
+                          <m:e>
+                            <m:r>
+                              <a:rPr lang="en-US" i="1">
+                                <a:latin typeface="Cambria Math" charset="0"/>
+                              </a:rPr>
+                              <m:t>𝑘</m:t>
+                            </m:r>
+                          </m:e>
+                          <m:sup>
+                            <m:r>
+                              <a:rPr lang="en-US" i="1">
+                                <a:latin typeface="Cambria Math" charset="0"/>
+                              </a:rPr>
+                              <m:t>𝑎</m:t>
+                            </m:r>
+                            <m:r>
+                              <a:rPr lang="en-US" i="1">
+                                <a:latin typeface="Cambria Math" charset="0"/>
+                              </a:rPr>
+                              <m:t> </m:t>
+                            </m:r>
+                          </m:sup>
+                        </m:sSup>
+                        <m:d>
+                          <m:dPr>
+                            <m:ctrlPr>
+                              <a:rPr lang="en-US" i="1">
+                                <a:latin typeface="Cambria Math" charset="0"/>
+                              </a:rPr>
+                            </m:ctrlPr>
+                          </m:dPr>
+                          <m:e>
+                            <m:sSub>
+                              <m:sSubPr>
+                                <m:ctrlPr>
+                                  <a:rPr lang="en-US" i="1">
+                                    <a:latin typeface="Cambria Math" charset="0"/>
+                                  </a:rPr>
+                                </m:ctrlPr>
+                              </m:sSubPr>
+                              <m:e>
+                                <m:r>
+                                  <a:rPr lang="en-US" i="1">
+                                    <a:latin typeface="Cambria Math" charset="0"/>
+                                  </a:rPr>
+                                  <m:t>𝑥</m:t>
+                                </m:r>
+                              </m:e>
+                              <m:sub>
+                                <m:r>
+                                  <a:rPr lang="en-US" i="1">
+                                    <a:latin typeface="Cambria Math" charset="0"/>
+                                  </a:rPr>
+                                  <m:t>∗</m:t>
+                                </m:r>
+                              </m:sub>
+                            </m:sSub>
+                            <m:r>
+                              <a:rPr lang="en-US" i="1">
+                                <a:latin typeface="Cambria Math" charset="0"/>
+                              </a:rPr>
+                              <m:t>, </m:t>
+                            </m:r>
+                            <m:sSub>
+                              <m:sSubPr>
+                                <m:ctrlPr>
+                                  <a:rPr lang="en-US" i="1">
+                                    <a:latin typeface="Cambria Math" charset="0"/>
+                                  </a:rPr>
+                                </m:ctrlPr>
+                              </m:sSubPr>
+                              <m:e>
+                                <m:r>
+                                  <a:rPr lang="en-US" i="1">
+                                    <a:latin typeface="Cambria Math" charset="0"/>
+                                  </a:rPr>
+                                  <m:t>𝑥</m:t>
+                                </m:r>
+                              </m:e>
+                              <m:sub>
+                                <m:r>
+                                  <a:rPr lang="en-US" i="1">
+                                    <a:latin typeface="Cambria Math" charset="0"/>
+                                  </a:rPr>
+                                  <m:t>𝑛</m:t>
+                                </m:r>
+                              </m:sub>
+                            </m:sSub>
+                          </m:e>
+                        </m:d>
+                        <m:r>
+                          <a:rPr lang="en-US" i="1">
+                            <a:latin typeface="Cambria Math" charset="0"/>
+                          </a:rPr>
+                          <m:t>𝑧</m:t>
+                        </m:r>
+                        <m:sSup>
+                          <m:sSupPr>
+                            <m:ctrlPr>
+                              <a:rPr lang="en-US" i="1">
+                                <a:latin typeface="Cambria Math" charset="0"/>
+                              </a:rPr>
+                            </m:ctrlPr>
+                          </m:sSupPr>
+                          <m:e>
+                            <m:d>
+                              <m:dPr>
+                                <m:ctrlPr>
+                                  <a:rPr lang="en-US" i="1">
+                                    <a:latin typeface="Cambria Math" charset="0"/>
+                                  </a:rPr>
+                                </m:ctrlPr>
+                              </m:dPr>
+                              <m:e>
+                                <m:r>
+                                  <a:rPr lang="en-US" i="1">
+                                    <a:latin typeface="Cambria Math" charset="0"/>
+                                  </a:rPr>
+                                  <m:t>𝑡</m:t>
+                                </m:r>
+                              </m:e>
+                            </m:d>
+                          </m:e>
+                          <m:sup>
+                            <m:r>
+                              <a:rPr lang="en-US" i="1">
+                                <a:latin typeface="Cambria Math" charset="0"/>
+                              </a:rPr>
+                              <m:t>𝑇</m:t>
+                            </m:r>
+                          </m:sup>
+                        </m:sSup>
+                        <m:sSub>
+                          <m:sSubPr>
+                            <m:ctrlPr>
+                              <a:rPr lang="en-US" b="0" i="1" smtClean="0">
+                                <a:latin typeface="Cambria Math" charset="0"/>
+                              </a:rPr>
+                            </m:ctrlPr>
+                          </m:sSubPr>
+                          <m:e>
+                            <m:r>
+                              <a:rPr lang="en-US" b="0" i="1" smtClean="0">
+                                <a:latin typeface="Cambria Math" charset="0"/>
+                              </a:rPr>
+                              <m:t>𝐵</m:t>
+                            </m:r>
+                          </m:e>
+                          <m:sub>
+                            <m:r>
+                              <a:rPr lang="en-US" b="0" i="1" smtClean="0">
+                                <a:latin typeface="Cambria Math" charset="0"/>
+                              </a:rPr>
+                              <m:t>𝑛</m:t>
+                            </m:r>
+                          </m:sub>
+                        </m:sSub>
+                      </m:e>
+                    </m:nary>
+                  </m:oMath>
+                </a14:m>
+                <a:endParaRPr lang="en-US" dirty="0" smtClean="0"/>
+              </a:p>
+              <a:p>
+                <a:pPr lvl="1"/>
+                <a:r>
+                  <a:rPr lang="en-US" dirty="0" smtClean="0"/>
+                  <a:t>Lets call </a:t>
+                </a:r>
+                <a14:m>
+                  <m:oMath xmlns:m="http://schemas.openxmlformats.org/officeDocument/2006/math">
+                    <m:r>
+                      <a:rPr lang="en-US" b="0" i="1" smtClean="0">
+                        <a:latin typeface="Cambria Math" charset="0"/>
+                      </a:rPr>
+                      <m:t>𝑧</m:t>
+                    </m:r>
+                    <m:sSup>
+                      <m:sSupPr>
+                        <m:ctrlPr>
+                          <a:rPr lang="en-US" b="0" i="1" smtClean="0">
+                            <a:latin typeface="Cambria Math" charset="0"/>
+                          </a:rPr>
+                        </m:ctrlPr>
+                      </m:sSupPr>
+                      <m:e>
+                        <m:d>
+                          <m:dPr>
+                            <m:ctrlPr>
+                              <a:rPr lang="en-US" b="0" i="1" smtClean="0">
+                                <a:latin typeface="Cambria Math" charset="0"/>
+                              </a:rPr>
+                            </m:ctrlPr>
+                          </m:dPr>
+                          <m:e>
+                            <m:r>
+                              <a:rPr lang="en-US" b="0" i="1" smtClean="0">
+                                <a:latin typeface="Cambria Math" charset="0"/>
+                              </a:rPr>
+                              <m:t>𝑡</m:t>
+                            </m:r>
+                          </m:e>
+                        </m:d>
+                      </m:e>
+                      <m:sup>
+                        <m:r>
+                          <a:rPr lang="en-US" b="0" i="1" smtClean="0">
+                            <a:latin typeface="Cambria Math" charset="0"/>
+                          </a:rPr>
+                          <m:t>𝑇</m:t>
+                        </m:r>
+                      </m:sup>
+                    </m:sSup>
+                    <m:sSub>
+                      <m:sSubPr>
+                        <m:ctrlPr>
+                          <a:rPr lang="en-US" b="0" i="1" smtClean="0">
+                            <a:latin typeface="Cambria Math" charset="0"/>
+                          </a:rPr>
+                        </m:ctrlPr>
+                      </m:sSubPr>
+                      <m:e>
+                        <m:r>
+                          <a:rPr lang="en-US" b="0" i="1" smtClean="0">
+                            <a:latin typeface="Cambria Math" charset="0"/>
+                          </a:rPr>
+                          <m:t>𝐵</m:t>
+                        </m:r>
+                      </m:e>
+                      <m:sub>
+                        <m:r>
+                          <a:rPr lang="en-US" b="0" i="1" smtClean="0">
+                            <a:latin typeface="Cambria Math" charset="0"/>
+                          </a:rPr>
+                          <m:t>𝑛</m:t>
+                        </m:r>
+                      </m:sub>
+                    </m:sSub>
+                    <m:r>
+                      <a:rPr lang="en-US" b="0" i="1" smtClean="0">
+                        <a:latin typeface="Cambria Math" charset="0"/>
+                      </a:rPr>
+                      <m:t>=</m:t>
+                    </m:r>
+                    <m:nary>
+                      <m:naryPr>
+                        <m:chr m:val="∑"/>
+                        <m:ctrlPr>
+                          <a:rPr lang="is-IS" i="1" dirty="0" smtClean="0">
+                            <a:latin typeface="Cambria Math" charset="0"/>
+                          </a:rPr>
+                        </m:ctrlPr>
+                      </m:naryPr>
+                      <m:sub>
+                        <m:r>
+                          <m:rPr>
+                            <m:brk m:alnAt="23"/>
+                          </m:rPr>
+                          <a:rPr lang="en-US" b="0" i="1" dirty="0" smtClean="0">
+                            <a:latin typeface="Cambria Math" charset="0"/>
+                          </a:rPr>
+                          <m:t>𝑖</m:t>
+                        </m:r>
+                        <m:r>
+                          <a:rPr lang="en-US" b="0" i="1" dirty="0" smtClean="0">
+                            <a:latin typeface="Cambria Math" charset="0"/>
+                          </a:rPr>
+                          <m:t>=1</m:t>
+                        </m:r>
+                      </m:sub>
+                      <m:sup>
+                        <m:r>
+                          <a:rPr lang="en-US" b="0" i="1" dirty="0" smtClean="0">
+                            <a:latin typeface="Cambria Math" charset="0"/>
+                          </a:rPr>
+                          <m:t>𝐾</m:t>
+                        </m:r>
+                      </m:sup>
+                      <m:e>
+                        <m:r>
+                          <a:rPr lang="en-US" b="0" i="1" dirty="0" smtClean="0">
+                            <a:latin typeface="Cambria Math" charset="0"/>
+                          </a:rPr>
+                          <m:t>𝑧</m:t>
+                        </m:r>
+                        <m:sSub>
+                          <m:sSubPr>
+                            <m:ctrlPr>
+                              <a:rPr lang="en-US" b="0" i="1" dirty="0" smtClean="0">
+                                <a:latin typeface="Cambria Math" charset="0"/>
+                              </a:rPr>
+                            </m:ctrlPr>
+                          </m:sSubPr>
+                          <m:e>
+                            <m:d>
+                              <m:dPr>
+                                <m:ctrlPr>
+                                  <a:rPr lang="en-US" b="0" i="1" dirty="0" smtClean="0">
+                                    <a:latin typeface="Cambria Math" charset="0"/>
+                                  </a:rPr>
+                                </m:ctrlPr>
+                              </m:dPr>
+                              <m:e>
+                                <m:r>
+                                  <a:rPr lang="en-US" b="0" i="1" dirty="0" smtClean="0">
+                                    <a:latin typeface="Cambria Math" charset="0"/>
+                                  </a:rPr>
+                                  <m:t>𝑡</m:t>
+                                </m:r>
+                              </m:e>
+                            </m:d>
+                          </m:e>
+                          <m:sub>
+                            <m:r>
+                              <a:rPr lang="en-US" b="0" i="1" dirty="0" smtClean="0">
+                                <a:latin typeface="Cambria Math" charset="0"/>
+                              </a:rPr>
+                              <m:t>𝑖</m:t>
+                            </m:r>
+                          </m:sub>
+                        </m:sSub>
+                        <m:sSub>
+                          <m:sSubPr>
+                            <m:ctrlPr>
+                              <a:rPr lang="en-US" b="0" i="1" dirty="0" smtClean="0">
+                                <a:latin typeface="Cambria Math" charset="0"/>
+                              </a:rPr>
+                            </m:ctrlPr>
+                          </m:sSubPr>
+                          <m:e>
+                            <m:r>
+                              <a:rPr lang="en-US" b="0" i="1" dirty="0" smtClean="0">
+                                <a:latin typeface="Cambria Math" charset="0"/>
+                              </a:rPr>
+                              <m:t>𝐵</m:t>
+                            </m:r>
+                          </m:e>
+                          <m:sub>
+                            <m:r>
+                              <a:rPr lang="en-US" b="0" i="1" dirty="0" smtClean="0">
+                                <a:latin typeface="Cambria Math" charset="0"/>
+                              </a:rPr>
+                              <m:t>𝑛𝑖</m:t>
+                            </m:r>
+                          </m:sub>
+                        </m:sSub>
+                      </m:e>
+                    </m:nary>
+                  </m:oMath>
+                </a14:m>
+                <a:r>
+                  <a:rPr lang="en-US" dirty="0" smtClean="0"/>
+                  <a:t> </a:t>
+                </a:r>
+                <a14:m>
+                  <m:oMath xmlns:m="http://schemas.openxmlformats.org/officeDocument/2006/math">
+                    <m:sSubSup>
+                      <m:sSubSupPr>
+                        <m:ctrlPr>
+                          <a:rPr lang="en-US" i="1">
+                            <a:latin typeface="Cambria Math" charset="0"/>
+                          </a:rPr>
+                        </m:ctrlPr>
+                      </m:sSubSupPr>
+                      <m:e>
+                        <m:r>
+                          <a:rPr lang="en-US" b="0" i="1" smtClean="0">
+                            <a:latin typeface="Cambria Math" charset="0"/>
+                          </a:rPr>
+                          <m:t>=  </m:t>
+                        </m:r>
+                        <m:r>
+                          <a:rPr lang="en-US" i="1">
+                            <a:latin typeface="Cambria Math" charset="0"/>
+                          </a:rPr>
+                          <m:t>𝛼</m:t>
+                        </m:r>
+                      </m:e>
+                      <m:sub>
+                        <m:r>
+                          <a:rPr lang="en-US" i="1">
+                            <a:latin typeface="Cambria Math" charset="0"/>
+                          </a:rPr>
+                          <m:t>𝑛</m:t>
+                        </m:r>
+                      </m:sub>
+                      <m:sup>
+                        <m:r>
+                          <a:rPr lang="en-US" i="1">
+                            <a:latin typeface="Cambria Math" charset="0"/>
+                          </a:rPr>
+                          <m:t>𝑡</m:t>
+                        </m:r>
+                        <m:r>
+                          <a:rPr lang="en-US" b="0" i="1" smtClean="0">
+                            <a:latin typeface="Cambria Math" charset="0"/>
+                          </a:rPr>
+                          <m:t> </m:t>
+                        </m:r>
+                      </m:sup>
+                    </m:sSubSup>
+                    <m:r>
+                      <a:rPr lang="en-US" b="0" i="1" smtClean="0">
+                        <a:latin typeface="Cambria Math" charset="0"/>
+                      </a:rPr>
+                      <m:t>   ∈ </m:t>
+                    </m:r>
+                    <m:r>
+                      <a:rPr lang="en-US" b="0" i="1" smtClean="0">
+                        <a:latin typeface="Cambria Math" charset="0"/>
+                      </a:rPr>
+                      <m:t>𝑅</m:t>
+                    </m:r>
+                    <m:r>
+                      <a:rPr lang="en-US" b="0" i="1" smtClean="0">
+                        <a:latin typeface="Cambria Math" charset="0"/>
+                      </a:rPr>
+                      <m:t> </m:t>
+                    </m:r>
+                  </m:oMath>
+                </a14:m>
+                <a:endParaRPr lang="en-US" dirty="0" smtClean="0"/>
+              </a:p>
+              <a:p>
+                <a:pPr lvl="1"/>
+                <a14:m>
+                  <m:oMath xmlns:m="http://schemas.openxmlformats.org/officeDocument/2006/math">
+                    <m:sSubSup>
+                      <m:sSubSupPr>
+                        <m:ctrlPr>
+                          <a:rPr lang="en-US" i="1">
+                            <a:latin typeface="Cambria Math" charset="0"/>
+                          </a:rPr>
+                        </m:ctrlPr>
+                      </m:sSubSupPr>
+                      <m:e>
+                        <m:r>
+                          <a:rPr lang="en-US" i="1">
+                            <a:latin typeface="Cambria Math" charset="0"/>
+                          </a:rPr>
+                          <m:t>𝜇</m:t>
+                        </m:r>
+                      </m:e>
+                      <m:sub>
+                        <m:r>
+                          <a:rPr lang="en-US" i="1">
+                            <a:latin typeface="Cambria Math" charset="0"/>
+                          </a:rPr>
+                          <m:t>∗</m:t>
+                        </m:r>
+                      </m:sub>
+                      <m:sup>
+                        <m:r>
+                          <a:rPr lang="en-US" i="1">
+                            <a:latin typeface="Cambria Math" charset="0"/>
+                          </a:rPr>
+                          <m:t>(</m:t>
+                        </m:r>
+                        <m:r>
+                          <a:rPr lang="en-US" i="1">
+                            <a:latin typeface="Cambria Math" charset="0"/>
+                          </a:rPr>
+                          <m:t>𝑡</m:t>
+                        </m:r>
+                        <m:r>
+                          <a:rPr lang="en-US" i="1">
+                            <a:latin typeface="Cambria Math" charset="0"/>
+                          </a:rPr>
+                          <m:t>)</m:t>
+                        </m:r>
+                      </m:sup>
+                    </m:sSubSup>
+                    <m:r>
+                      <a:rPr lang="en-US" i="1">
+                        <a:latin typeface="Cambria Math" charset="0"/>
+                      </a:rPr>
+                      <m:t>= </m:t>
+                    </m:r>
+                    <m:nary>
+                      <m:naryPr>
+                        <m:chr m:val="∑"/>
+                        <m:ctrlPr>
+                          <a:rPr lang="is-IS" i="1">
+                            <a:latin typeface="Cambria Math" charset="0"/>
+                          </a:rPr>
+                        </m:ctrlPr>
+                      </m:naryPr>
+                      <m:sub>
+                        <m:r>
+                          <a:rPr lang="en-US" i="1">
+                            <a:latin typeface="Cambria Math" charset="0"/>
+                          </a:rPr>
+                          <m:t>𝑛</m:t>
+                        </m:r>
+                        <m:r>
+                          <a:rPr lang="en-US" i="1">
+                            <a:latin typeface="Cambria Math" charset="0"/>
+                          </a:rPr>
+                          <m:t>=1</m:t>
+                        </m:r>
+                      </m:sub>
+                      <m:sup>
+                        <m:r>
+                          <a:rPr lang="en-US" i="1">
+                            <a:latin typeface="Cambria Math" charset="0"/>
+                          </a:rPr>
+                          <m:t>𝑁</m:t>
+                        </m:r>
+                      </m:sup>
+                      <m:e>
+                        <m:sSup>
+                          <m:sSupPr>
+                            <m:ctrlPr>
+                              <a:rPr lang="en-US" i="1">
+                                <a:latin typeface="Cambria Math" charset="0"/>
+                              </a:rPr>
+                            </m:ctrlPr>
+                          </m:sSupPr>
+                          <m:e>
+                            <m:r>
+                              <a:rPr lang="en-US" i="1">
+                                <a:latin typeface="Cambria Math" charset="0"/>
+                              </a:rPr>
+                              <m:t>𝑘</m:t>
+                            </m:r>
+                          </m:e>
+                          <m:sup>
+                            <m:r>
+                              <a:rPr lang="en-US" i="1">
+                                <a:latin typeface="Cambria Math" charset="0"/>
+                              </a:rPr>
+                              <m:t>𝑎</m:t>
+                            </m:r>
+                            <m:r>
+                              <a:rPr lang="en-US" i="1">
+                                <a:latin typeface="Cambria Math" charset="0"/>
+                              </a:rPr>
+                              <m:t> </m:t>
+                            </m:r>
+                          </m:sup>
+                        </m:sSup>
+                        <m:d>
+                          <m:dPr>
+                            <m:ctrlPr>
+                              <a:rPr lang="en-US" i="1">
+                                <a:latin typeface="Cambria Math" charset="0"/>
+                              </a:rPr>
+                            </m:ctrlPr>
+                          </m:dPr>
+                          <m:e>
+                            <m:sSub>
+                              <m:sSubPr>
+                                <m:ctrlPr>
+                                  <a:rPr lang="en-US" i="1">
+                                    <a:latin typeface="Cambria Math" charset="0"/>
+                                  </a:rPr>
+                                </m:ctrlPr>
+                              </m:sSubPr>
+                              <m:e>
+                                <m:r>
+                                  <a:rPr lang="en-US" i="1">
+                                    <a:latin typeface="Cambria Math" charset="0"/>
+                                  </a:rPr>
+                                  <m:t>𝑥</m:t>
+                                </m:r>
+                              </m:e>
+                              <m:sub>
+                                <m:r>
+                                  <a:rPr lang="en-US" i="1">
+                                    <a:latin typeface="Cambria Math" charset="0"/>
+                                  </a:rPr>
+                                  <m:t>∗</m:t>
+                                </m:r>
+                              </m:sub>
+                            </m:sSub>
+                            <m:r>
+                              <a:rPr lang="en-US" i="1">
+                                <a:latin typeface="Cambria Math" charset="0"/>
+                              </a:rPr>
+                              <m:t>, </m:t>
+                            </m:r>
+                            <m:sSub>
+                              <m:sSubPr>
+                                <m:ctrlPr>
+                                  <a:rPr lang="en-US" i="1">
+                                    <a:latin typeface="Cambria Math" charset="0"/>
+                                  </a:rPr>
+                                </m:ctrlPr>
+                              </m:sSubPr>
+                              <m:e>
+                                <m:r>
+                                  <a:rPr lang="en-US" i="1">
+                                    <a:latin typeface="Cambria Math" charset="0"/>
+                                  </a:rPr>
+                                  <m:t>𝑥</m:t>
+                                </m:r>
+                              </m:e>
+                              <m:sub>
+                                <m:r>
+                                  <a:rPr lang="en-US" i="1">
+                                    <a:latin typeface="Cambria Math" charset="0"/>
+                                  </a:rPr>
+                                  <m:t>𝑛</m:t>
+                                </m:r>
+                              </m:sub>
+                            </m:sSub>
+                          </m:e>
+                        </m:d>
+                        <m:sSubSup>
+                          <m:sSubSupPr>
+                            <m:ctrlPr>
+                              <a:rPr lang="en-US" b="0" i="1" smtClean="0">
+                                <a:latin typeface="Cambria Math" charset="0"/>
+                              </a:rPr>
+                            </m:ctrlPr>
+                          </m:sSubSupPr>
+                          <m:e>
+                            <m:r>
+                              <a:rPr lang="en-US" b="0" i="1" smtClean="0">
+                                <a:latin typeface="Cambria Math" charset="0"/>
+                              </a:rPr>
+                              <m:t>𝛼</m:t>
+                            </m:r>
+                          </m:e>
+                          <m:sub>
+                            <m:r>
+                              <a:rPr lang="en-US" b="0" i="1" smtClean="0">
+                                <a:latin typeface="Cambria Math" charset="0"/>
+                              </a:rPr>
+                              <m:t>𝑛</m:t>
+                            </m:r>
+                          </m:sub>
+                          <m:sup>
+                            <m:r>
+                              <a:rPr lang="en-US" b="0" i="1" smtClean="0">
+                                <a:latin typeface="Cambria Math" charset="0"/>
+                              </a:rPr>
+                              <m:t>𝑡</m:t>
+                            </m:r>
+                          </m:sup>
+                        </m:sSubSup>
+                      </m:e>
+                    </m:nary>
+                  </m:oMath>
+                </a14:m>
+                <a:endParaRPr lang="en-US" dirty="0" smtClean="0"/>
+              </a:p>
+              <a:p>
+                <a:pPr lvl="1"/>
+                <a:r>
+                  <a:rPr lang="en-US" dirty="0" smtClean="0"/>
+                  <a:t>The exact equation what we saw in the previous slide, where </a:t>
+                </a:r>
+                <a14:m>
+                  <m:oMath xmlns:m="http://schemas.openxmlformats.org/officeDocument/2006/math">
+                    <m:sSub>
+                      <m:sSubPr>
+                        <m:ctrlPr>
+                          <a:rPr lang="en-US" b="0" i="1" smtClean="0">
+                            <a:latin typeface="Cambria Math" charset="0"/>
+                          </a:rPr>
+                        </m:ctrlPr>
+                      </m:sSubPr>
+                      <m:e>
+                        <m:r>
+                          <a:rPr lang="en-US" b="0" i="1" smtClean="0">
+                            <a:latin typeface="Cambria Math" charset="0"/>
+                          </a:rPr>
+                          <m:t>𝐵</m:t>
+                        </m:r>
+                      </m:e>
+                      <m:sub>
+                        <m:r>
+                          <a:rPr lang="en-US" b="0" i="1" smtClean="0">
+                            <a:latin typeface="Cambria Math" charset="0"/>
+                          </a:rPr>
+                          <m:t>𝑛</m:t>
+                        </m:r>
+                      </m:sub>
+                    </m:sSub>
+                    <m:r>
+                      <a:rPr lang="en-US" b="0" i="1" smtClean="0">
+                        <a:latin typeface="Cambria Math" charset="0"/>
+                      </a:rPr>
+                      <m:t> </m:t>
+                    </m:r>
+                  </m:oMath>
+                </a14:m>
+                <a:r>
+                  <a:rPr lang="en-US" dirty="0" smtClean="0"/>
+                  <a:t>is the </a:t>
+                </a:r>
+                <a14:m>
+                  <m:oMath xmlns:m="http://schemas.openxmlformats.org/officeDocument/2006/math">
+                    <m:sSup>
+                      <m:sSupPr>
+                        <m:ctrlPr>
+                          <a:rPr lang="en-US" b="0" i="1" smtClean="0">
+                            <a:latin typeface="Cambria Math" charset="0"/>
+                          </a:rPr>
+                        </m:ctrlPr>
+                      </m:sSupPr>
+                      <m:e>
+                        <m:r>
+                          <a:rPr lang="en-US" b="0" i="1" smtClean="0">
+                            <a:latin typeface="Cambria Math" charset="0"/>
+                          </a:rPr>
+                          <m:t>𝑛</m:t>
+                        </m:r>
+                      </m:e>
+                      <m:sup>
+                        <m:r>
+                          <a:rPr lang="en-US" b="0" i="1" smtClean="0">
+                            <a:latin typeface="Cambria Math" charset="0"/>
+                          </a:rPr>
+                          <m:t>𝑡h</m:t>
+                        </m:r>
+                      </m:sup>
+                    </m:sSup>
+                  </m:oMath>
+                </a14:m>
+                <a:r>
+                  <a:rPr lang="en-US" dirty="0" smtClean="0"/>
+                  <a:t> row of matrix </a:t>
+                </a:r>
+                <a14:m>
+                  <m:oMath xmlns:m="http://schemas.openxmlformats.org/officeDocument/2006/math">
+                    <m:r>
+                      <a:rPr lang="en-US" b="0" i="1" smtClean="0">
+                        <a:latin typeface="Cambria Math" charset="0"/>
+                      </a:rPr>
+                      <m:t>𝐵</m:t>
+                    </m:r>
+                    <m:r>
+                      <a:rPr lang="en-US" b="0" i="0" smtClean="0">
+                        <a:latin typeface="Cambria Math" charset="0"/>
+                      </a:rPr>
+                      <m:t>, </m:t>
+                    </m:r>
+                  </m:oMath>
+                </a14:m>
+                <a:r>
+                  <a:rPr lang="en-US" dirty="0" smtClean="0"/>
+                  <a:t>and </a:t>
+                </a:r>
+                <a14:m>
+                  <m:oMath xmlns:m="http://schemas.openxmlformats.org/officeDocument/2006/math">
+                    <m:r>
+                      <a:rPr lang="en-US" b="0" i="1" smtClean="0">
+                        <a:latin typeface="Cambria Math" charset="0"/>
+                      </a:rPr>
+                      <m:t>𝑧</m:t>
+                    </m:r>
+                    <m:d>
+                      <m:dPr>
+                        <m:ctrlPr>
+                          <a:rPr lang="en-US" b="0" i="1" smtClean="0">
+                            <a:latin typeface="Cambria Math" charset="0"/>
+                          </a:rPr>
+                        </m:ctrlPr>
+                      </m:dPr>
+                      <m:e>
+                        <m:r>
+                          <a:rPr lang="en-US" b="0" i="1" smtClean="0">
+                            <a:latin typeface="Cambria Math" charset="0"/>
+                          </a:rPr>
+                          <m:t>𝑡</m:t>
+                        </m:r>
+                      </m:e>
+                    </m:d>
+                  </m:oMath>
+                </a14:m>
+                <a:r>
+                  <a:rPr lang="en-US" dirty="0" smtClean="0"/>
+                  <a:t> is the </a:t>
+                </a:r>
+                <a14:m>
+                  <m:oMath xmlns:m="http://schemas.openxmlformats.org/officeDocument/2006/math">
+                    <m:sSup>
+                      <m:sSupPr>
+                        <m:ctrlPr>
+                          <a:rPr lang="en-US" b="0" i="1" smtClean="0">
+                            <a:latin typeface="Cambria Math" charset="0"/>
+                          </a:rPr>
+                        </m:ctrlPr>
+                      </m:sSupPr>
+                      <m:e>
+                        <m:r>
+                          <a:rPr lang="en-US" b="0" i="1" smtClean="0">
+                            <a:latin typeface="Cambria Math" charset="0"/>
+                          </a:rPr>
+                          <m:t>𝑡</m:t>
+                        </m:r>
+                      </m:e>
+                      <m:sup>
+                        <m:r>
+                          <a:rPr lang="en-US" b="0" i="1" smtClean="0">
+                            <a:latin typeface="Cambria Math" charset="0"/>
+                          </a:rPr>
+                          <m:t>𝑡h</m:t>
+                        </m:r>
+                      </m:sup>
+                    </m:sSup>
+                  </m:oMath>
+                </a14:m>
+                <a:r>
+                  <a:rPr lang="en-US" dirty="0" smtClean="0"/>
+                  <a:t> row of matrix  </a:t>
+                </a:r>
+                <a14:m>
+                  <m:oMath xmlns:m="http://schemas.openxmlformats.org/officeDocument/2006/math">
+                    <m:r>
+                      <a:rPr lang="en-US" b="0" i="1" smtClean="0">
+                        <a:latin typeface="Cambria Math" charset="0"/>
+                      </a:rPr>
+                      <m:t>𝑧</m:t>
+                    </m:r>
+                  </m:oMath>
+                </a14:m>
+                <a:r>
+                  <a:rPr lang="en-US" dirty="0" smtClean="0"/>
+                  <a:t>.</a:t>
+                </a:r>
+              </a:p>
+              <a:p>
+                <a:pPr lvl="1"/>
+                <a:r>
+                  <a:rPr lang="en-US" dirty="0" smtClean="0"/>
+                  <a:t>We need to find </a:t>
+                </a:r>
+                <a14:m>
+                  <m:oMath xmlns:m="http://schemas.openxmlformats.org/officeDocument/2006/math">
+                    <m:r>
+                      <a:rPr lang="en-US" b="0" i="1" smtClean="0">
+                        <a:latin typeface="Cambria Math" charset="0"/>
+                      </a:rPr>
+                      <m:t>𝐵</m:t>
+                    </m:r>
+                    <m:r>
+                      <a:rPr lang="en-US" b="0" i="1" smtClean="0">
+                        <a:latin typeface="Cambria Math" charset="0"/>
+                      </a:rPr>
+                      <m:t> </m:t>
+                    </m:r>
+                  </m:oMath>
+                </a14:m>
+                <a:r>
+                  <a:rPr lang="en-US" dirty="0" smtClean="0"/>
+                  <a:t>and </a:t>
+                </a:r>
+                <a14:m>
+                  <m:oMath xmlns:m="http://schemas.openxmlformats.org/officeDocument/2006/math">
+                    <m:r>
+                      <a:rPr lang="en-US" b="0" i="1" smtClean="0">
+                        <a:latin typeface="Cambria Math" charset="0"/>
+                      </a:rPr>
+                      <m:t>𝑧</m:t>
+                    </m:r>
+                  </m:oMath>
+                </a14:m>
+                <a:endParaRPr lang="en-US" dirty="0"/>
+              </a:p>
+              <a:p>
+                <a:pPr lvl="1"/>
+                <a:endParaRPr lang="en-US" dirty="0" smtClean="0"/>
+              </a:p>
+              <a:p>
+                <a:pPr lvl="1"/>
+                <a:endParaRPr lang="en-US" dirty="0"/>
+              </a:p>
+            </p:txBody>
+          </p:sp>
+        </mc:Choice>
+        <mc:Fallback xmlns="">
+          <p:sp>
+            <p:nvSpPr>
+              <p:cNvPr id="3" name="Content Placeholder 2"/>
+              <p:cNvSpPr>
+                <a:spLocks noGrp="1" noRot="1" noChangeAspect="1" noMove="1" noResize="1" noEditPoints="1" noAdjustHandles="1" noChangeArrowheads="1" noChangeShapeType="1" noTextEdit="1"/>
+              </p:cNvSpPr>
+              <p:nvPr>
+                <p:ph idx="1"/>
+              </p:nvPr>
+            </p:nvSpPr>
+            <p:spPr>
+              <a:xfrm>
+                <a:off x="677334" y="1532239"/>
+                <a:ext cx="8596668" cy="4509124"/>
+              </a:xfrm>
+              <a:blipFill rotWithShape="0">
+                <a:blip r:embed="rId2"/>
+                <a:stretch>
+                  <a:fillRect l="-142" t="-1351" b="-6892"/>
+                </a:stretch>
+              </a:blipFill>
+            </p:spPr>
+            <p:txBody>
+              <a:bodyPr/>
+              <a:lstStyle/>
+              <a:p>
+                <a:r>
+                  <a:rPr lang="en-US">
+                    <a:noFill/>
+                  </a:rPr>
+                  <a:t> </a:t>
+                </a:r>
+              </a:p>
+            </p:txBody>
+          </p:sp>
+        </mc:Fallback>
+      </mc:AlternateContent>
+    </p:spTree>
+    <p:extLst>
+      <p:ext uri="{BB962C8B-B14F-4D97-AF65-F5344CB8AC3E}">
+        <p14:creationId xmlns:p14="http://schemas.microsoft.com/office/powerpoint/2010/main" val="2069819153"/>
+      </p:ext>
+    </p:extLst>
+  </p:cSld>
+  <p:clrMapOvr>
+    <a:masterClrMapping/>
+  </p:clrMapOvr>
+</p:sld>
+</file>
+
+<file path=ppt/slides/slide22.xml><?xml version="1.0" encoding="utf-8"?>
+<p:sld xmlns:a="http://schemas.openxmlformats.org/drawingml/2006/main" xmlns:r="http://schemas.openxmlformats.org/officeDocument/2006/relationships" xmlns:p="http://schemas.openxmlformats.org/presentationml/2006/main">
+  <p:cSld>
+    <p:spTree>
+      <p:nvGrpSpPr>
+        <p:cNvPr id="1" name=""/>
+        <p:cNvGrpSpPr/>
+        <p:nvPr/>
+      </p:nvGrpSpPr>
+      <p:grpSpPr>
+        <a:xfrm>
+          <a:off x="0" y="0"/>
+          <a:ext cx="0" cy="0"/>
+          <a:chOff x="0" y="0"/>
+          <a:chExt cx="0" cy="0"/>
+        </a:xfrm>
+      </p:grpSpPr>
+      <p:sp>
+        <p:nvSpPr>
+          <p:cNvPr id="2" name="Title 1"/>
+          <p:cNvSpPr>
+            <a:spLocks noGrp="1"/>
+          </p:cNvSpPr>
+          <p:nvPr>
+            <p:ph type="title"/>
+          </p:nvPr>
+        </p:nvSpPr>
+        <p:spPr/>
+        <p:txBody>
+          <a:bodyPr/>
+          <a:lstStyle/>
+          <a:p>
+            <a:r>
+              <a:rPr lang="en-US" dirty="0"/>
+              <a:t>Our </a:t>
+            </a:r>
+            <a:r>
+              <a:rPr lang="en-US" dirty="0" smtClean="0"/>
+              <a:t>Method</a:t>
+            </a:r>
+            <a:endParaRPr lang="en-US" dirty="0"/>
+          </a:p>
+        </p:txBody>
+      </p:sp>
+      <mc:AlternateContent xmlns:mc="http://schemas.openxmlformats.org/markup-compatibility/2006">
+        <mc:Choice xmlns:a14="http://schemas.microsoft.com/office/drawing/2010/main" Requires="a14">
+          <p:sp>
+            <p:nvSpPr>
+              <p:cNvPr id="3" name="Content Placeholder 2"/>
+              <p:cNvSpPr>
+                <a:spLocks noGrp="1"/>
+              </p:cNvSpPr>
+              <p:nvPr>
+                <p:ph idx="1"/>
+              </p:nvPr>
+            </p:nvSpPr>
+            <p:spPr>
+              <a:xfrm>
+                <a:off x="677334" y="1618735"/>
+                <a:ext cx="8596668" cy="4422627"/>
+              </a:xfrm>
+            </p:spPr>
+            <p:txBody>
+              <a:bodyPr/>
+              <a:lstStyle/>
+              <a:p>
+                <a:r>
+                  <a:rPr lang="en-US" dirty="0" smtClean="0"/>
+                  <a:t>Inference for  </a:t>
+                </a:r>
+                <a14:m>
+                  <m:oMath xmlns:m="http://schemas.openxmlformats.org/officeDocument/2006/math">
+                    <m:r>
+                      <a:rPr lang="en-US" b="0" i="1" smtClean="0">
+                        <a:latin typeface="Cambria Math" charset="0"/>
+                      </a:rPr>
+                      <m:t>𝐵</m:t>
+                    </m:r>
+                    <m:r>
+                      <a:rPr lang="en-US" b="0" i="1" smtClean="0">
+                        <a:latin typeface="Cambria Math" charset="0"/>
+                      </a:rPr>
+                      <m:t> </m:t>
+                    </m:r>
+                    <m:r>
+                      <a:rPr lang="en-US" b="0" i="1" smtClean="0">
+                        <a:latin typeface="Cambria Math" charset="0"/>
+                      </a:rPr>
+                      <m:t>𝑎𝑛𝑑</m:t>
+                    </m:r>
+                    <m:r>
+                      <a:rPr lang="en-US" b="0" i="1" smtClean="0">
+                        <a:latin typeface="Cambria Math" charset="0"/>
+                      </a:rPr>
+                      <m:t> </m:t>
+                    </m:r>
+                    <m:r>
+                      <a:rPr lang="en-US" b="0" i="1" smtClean="0">
+                        <a:latin typeface="Cambria Math" charset="0"/>
+                      </a:rPr>
+                      <m:t>𝑧</m:t>
+                    </m:r>
+                  </m:oMath>
+                </a14:m>
+                <a:endParaRPr lang="en-US" dirty="0" smtClean="0"/>
+              </a:p>
+              <a:p>
+                <a:pPr lvl="1"/>
+                <a:endParaRPr lang="en-US" dirty="0"/>
+              </a:p>
+            </p:txBody>
+          </p:sp>
+        </mc:Choice>
+        <mc:Fallback>
+          <p:sp>
+            <p:nvSpPr>
+              <p:cNvPr id="3" name="Content Placeholder 2"/>
+              <p:cNvSpPr>
+                <a:spLocks noGrp="1" noRot="1" noChangeAspect="1" noMove="1" noResize="1" noEditPoints="1" noAdjustHandles="1" noChangeArrowheads="1" noChangeShapeType="1" noTextEdit="1"/>
+              </p:cNvSpPr>
+              <p:nvPr>
+                <p:ph idx="1"/>
+              </p:nvPr>
+            </p:nvSpPr>
+            <p:spPr>
+              <a:xfrm>
+                <a:off x="677334" y="1618735"/>
+                <a:ext cx="8596668" cy="4422627"/>
+              </a:xfrm>
+              <a:blipFill rotWithShape="0">
+                <a:blip r:embed="rId2"/>
+                <a:stretch>
+                  <a:fillRect l="-142" t="-8000"/>
+                </a:stretch>
+              </a:blipFill>
+            </p:spPr>
+            <p:txBody>
+              <a:bodyPr/>
+              <a:lstStyle/>
+              <a:p>
+                <a:r>
+                  <a:rPr lang="en-US">
+                    <a:noFill/>
+                  </a:rPr>
+                  <a:t> </a:t>
+                </a:r>
+              </a:p>
+            </p:txBody>
+          </p:sp>
+        </mc:Fallback>
+      </mc:AlternateContent>
+    </p:spTree>
+    <p:extLst>
+      <p:ext uri="{BB962C8B-B14F-4D97-AF65-F5344CB8AC3E}">
+        <p14:creationId xmlns:p14="http://schemas.microsoft.com/office/powerpoint/2010/main" val="1958779821"/>
       </p:ext>
     </p:extLst>
   </p:cSld>
@@ -14611,8 +20576,8 @@
           </a:p>
         </p:txBody>
       </p:sp>
-      <mc:AlternateContent xmlns:mc="http://schemas.openxmlformats.org/markup-compatibility/2006">
-        <mc:Choice xmlns:a14="http://schemas.microsoft.com/office/drawing/2010/main" Requires="a14">
+      <mc:AlternateContent xmlns:mc="http://schemas.openxmlformats.org/markup-compatibility/2006" xmlns:a14="http://schemas.microsoft.com/office/drawing/2010/main">
+        <mc:Choice Requires="a14">
           <p:sp>
             <p:nvSpPr>
               <p:cNvPr id="3" name="Content Placeholder 2"/>
@@ -14676,7 +20641,7 @@
                   <m:oMath xmlns:m="http://schemas.openxmlformats.org/officeDocument/2006/math">
                     <m:r>
                       <a:rPr lang="en-US" b="0" i="1" smtClean="0">
-                        <a:latin typeface="Times New Roman" charset="0"/>
+                        <a:latin typeface="Cambria Math" charset="0"/>
                         <a:ea typeface="Times New Roman" charset="0"/>
                         <a:cs typeface="Times New Roman" charset="0"/>
                       </a:rPr>
@@ -14686,7 +20651,7 @@
                       <m:dPr>
                         <m:ctrlPr>
                           <a:rPr lang="en-US" b="0" i="1" smtClean="0">
-                            <a:latin typeface="Times New Roman" charset="0"/>
+                            <a:latin typeface="Cambria Math" charset="0"/>
                             <a:ea typeface="Times New Roman" charset="0"/>
                             <a:cs typeface="Times New Roman" charset="0"/>
                           </a:rPr>
@@ -14695,7 +20660,7 @@
                       <m:e>
                         <m:r>
                           <a:rPr lang="en-US" b="0" i="1" smtClean="0">
-                            <a:latin typeface="Times New Roman" charset="0"/>
+                            <a:latin typeface="Cambria Math" charset="0"/>
                             <a:ea typeface="Times New Roman" charset="0"/>
                             <a:cs typeface="Times New Roman" charset="0"/>
                           </a:rPr>
@@ -14703,7 +20668,7 @@
                         </m:r>
                         <m:r>
                           <a:rPr lang="en-US" b="0" i="1" smtClean="0">
-                            <a:latin typeface="Times New Roman" charset="0"/>
+                            <a:latin typeface="Cambria Math" charset="0"/>
                             <a:ea typeface="Times New Roman" charset="0"/>
                             <a:cs typeface="Times New Roman" charset="0"/>
                           </a:rPr>
@@ -14711,7 +20676,7 @@
                         </m:r>
                         <m:r>
                           <a:rPr lang="en-US" b="0" i="1" smtClean="0">
-                            <a:latin typeface="Times New Roman" charset="0"/>
+                            <a:latin typeface="Cambria Math" charset="0"/>
                             <a:ea typeface="Times New Roman" charset="0"/>
                             <a:cs typeface="Times New Roman" charset="0"/>
                           </a:rPr>
@@ -14733,7 +20698,7 @@
                   <m:oMath xmlns:m="http://schemas.openxmlformats.org/officeDocument/2006/math">
                     <m:r>
                       <a:rPr lang="en-US" b="0" i="1" smtClean="0">
-                        <a:latin typeface="Times New Roman" charset="0"/>
+                        <a:latin typeface="Cambria Math" charset="0"/>
                         <a:ea typeface="Times New Roman" charset="0"/>
                         <a:cs typeface="Times New Roman" charset="0"/>
                       </a:rPr>
@@ -14753,7 +20718,7 @@
                   <m:oMath xmlns:m="http://schemas.openxmlformats.org/officeDocument/2006/math">
                     <m:r>
                       <a:rPr lang="en-US" b="0" i="1" smtClean="0">
-                        <a:latin typeface="Times New Roman" charset="0"/>
+                        <a:latin typeface="Cambria Math" charset="0"/>
                         <a:ea typeface="Times New Roman" charset="0"/>
                         <a:cs typeface="Times New Roman" charset="0"/>
                       </a:rPr>
@@ -14776,7 +20741,7 @@
                   <m:oMath xmlns:m="http://schemas.openxmlformats.org/officeDocument/2006/math">
                     <m:r>
                       <a:rPr lang="en-US" b="0" i="1" smtClean="0">
-                        <a:latin typeface="Times New Roman" charset="0"/>
+                        <a:latin typeface="Cambria Math" charset="0"/>
                         <a:ea typeface="Times New Roman" charset="0"/>
                         <a:cs typeface="Times New Roman" charset="0"/>
                       </a:rPr>
@@ -14784,7 +20749,7 @@
                     </m:r>
                     <m:r>
                       <a:rPr lang="en-US" b="0" i="1" smtClean="0">
-                        <a:latin typeface="Times New Roman" charset="0"/>
+                        <a:latin typeface="Cambria Math" charset="0"/>
                         <a:ea typeface="Times New Roman" charset="0"/>
                         <a:cs typeface="Times New Roman" charset="0"/>
                       </a:rPr>
@@ -14792,7 +20757,7 @@
                     </m:r>
                     <m:r>
                       <a:rPr lang="en-US" b="0" i="1" smtClean="0">
-                        <a:latin typeface="Times New Roman" charset="0"/>
+                        <a:latin typeface="Cambria Math" charset="0"/>
                         <a:ea typeface="Times New Roman" charset="0"/>
                         <a:cs typeface="Times New Roman" charset="0"/>
                       </a:rPr>
@@ -14802,7 +20767,7 @@
                       <m:dPr>
                         <m:ctrlPr>
                           <a:rPr lang="en-US" b="0" i="1" smtClean="0">
-                            <a:latin typeface="Times New Roman" charset="0"/>
+                            <a:latin typeface="Cambria Math" charset="0"/>
                             <a:ea typeface="Times New Roman" charset="0"/>
                             <a:cs typeface="Times New Roman" charset="0"/>
                           </a:rPr>
@@ -14811,7 +20776,7 @@
                       <m:e>
                         <m:r>
                           <a:rPr lang="en-US" b="0" i="1" smtClean="0">
-                            <a:latin typeface="Times New Roman" charset="0"/>
+                            <a:latin typeface="Cambria Math" charset="0"/>
                             <a:ea typeface="Times New Roman" charset="0"/>
                             <a:cs typeface="Times New Roman" charset="0"/>
                           </a:rPr>
@@ -14819,7 +20784,7 @@
                         </m:r>
                         <m:r>
                           <a:rPr lang="en-US" b="0" i="1" smtClean="0">
-                            <a:latin typeface="Times New Roman" charset="0"/>
+                            <a:latin typeface="Cambria Math" charset="0"/>
                             <a:ea typeface="Times New Roman" charset="0"/>
                             <a:cs typeface="Times New Roman" charset="0"/>
                           </a:rPr>
@@ -14827,7 +20792,7 @@
                         </m:r>
                         <m:r>
                           <a:rPr lang="en-US" b="0" i="1" smtClean="0">
-                            <a:latin typeface="Times New Roman" charset="0"/>
+                            <a:latin typeface="Cambria Math" charset="0"/>
                             <a:ea typeface="Times New Roman" charset="0"/>
                             <a:cs typeface="Times New Roman" charset="0"/>
                           </a:rPr>
@@ -14849,7 +20814,7 @@
                   <m:oMath xmlns:m="http://schemas.openxmlformats.org/officeDocument/2006/math">
                     <m:r>
                       <a:rPr lang="en-US" b="0" i="1" smtClean="0">
-                        <a:latin typeface="Times New Roman" charset="0"/>
+                        <a:latin typeface="Cambria Math" charset="0"/>
                         <a:ea typeface="Times New Roman" charset="0"/>
                         <a:cs typeface="Times New Roman" charset="0"/>
                       </a:rPr>
@@ -14859,7 +20824,7 @@
                       <m:dPr>
                         <m:ctrlPr>
                           <a:rPr lang="en-US" b="0" i="1" smtClean="0">
-                            <a:latin typeface="Times New Roman" charset="0"/>
+                            <a:latin typeface="Cambria Math" charset="0"/>
                             <a:ea typeface="Times New Roman" charset="0"/>
                             <a:cs typeface="Times New Roman" charset="0"/>
                           </a:rPr>
@@ -14868,7 +20833,7 @@
                       <m:e>
                         <m:r>
                           <a:rPr lang="en-US" b="0" i="1" smtClean="0">
-                            <a:latin typeface="Times New Roman" charset="0"/>
+                            <a:latin typeface="Cambria Math" charset="0"/>
                             <a:ea typeface="Times New Roman" charset="0"/>
                             <a:cs typeface="Times New Roman" charset="0"/>
                           </a:rPr>
@@ -14878,7 +20843,7 @@
                     </m:d>
                     <m:r>
                       <a:rPr lang="en-US" b="0" i="1" smtClean="0">
-                        <a:latin typeface="Times New Roman" charset="0"/>
+                        <a:latin typeface="Cambria Math" charset="0"/>
                         <a:ea typeface="Times New Roman" charset="0"/>
                         <a:cs typeface="Times New Roman" charset="0"/>
                       </a:rPr>
@@ -14886,7 +20851,7 @@
                     </m:r>
                     <m:r>
                       <a:rPr lang="en-US" b="0" i="1" smtClean="0">
-                        <a:latin typeface="Times New Roman" charset="0"/>
+                        <a:latin typeface="Cambria Math" charset="0"/>
                         <a:ea typeface="Times New Roman" charset="0"/>
                         <a:cs typeface="Times New Roman" charset="0"/>
                       </a:rPr>
@@ -14898,7 +20863,7 @@
                         <m:endChr m:val="]"/>
                         <m:ctrlPr>
                           <a:rPr lang="en-US" b="0" i="1" smtClean="0">
-                            <a:latin typeface="Times New Roman" charset="0"/>
+                            <a:latin typeface="Cambria Math" charset="0"/>
                             <a:ea typeface="Times New Roman" charset="0"/>
                             <a:cs typeface="Times New Roman" charset="0"/>
                           </a:rPr>
@@ -14907,7 +20872,7 @@
                       <m:e>
                         <m:r>
                           <a:rPr lang="en-US" b="0" i="1" smtClean="0">
-                            <a:latin typeface="Times New Roman" charset="0"/>
+                            <a:latin typeface="Cambria Math" charset="0"/>
                             <a:ea typeface="Times New Roman" charset="0"/>
                             <a:cs typeface="Times New Roman" charset="0"/>
                           </a:rPr>
@@ -14917,7 +20882,7 @@
                           <m:dPr>
                             <m:ctrlPr>
                               <a:rPr lang="en-US" b="0" i="1" smtClean="0">
-                                <a:latin typeface="Times New Roman" charset="0"/>
+                                <a:latin typeface="Cambria Math" charset="0"/>
                                 <a:ea typeface="Times New Roman" charset="0"/>
                                 <a:cs typeface="Times New Roman" charset="0"/>
                               </a:rPr>
@@ -14926,7 +20891,7 @@
                           <m:e>
                             <m:r>
                               <a:rPr lang="en-US" b="0" i="1" smtClean="0">
-                                <a:latin typeface="Times New Roman" charset="0"/>
+                                <a:latin typeface="Cambria Math" charset="0"/>
                                 <a:ea typeface="Times New Roman" charset="0"/>
                                 <a:cs typeface="Times New Roman" charset="0"/>
                               </a:rPr>
@@ -15021,7 +20986,7 @@
             </p:txBody>
           </p:sp>
         </mc:Choice>
-        <mc:Fallback>
+        <mc:Fallback xmlns="">
           <p:sp>
             <p:nvSpPr>
               <p:cNvPr id="3" name="Content Placeholder 2"/>
@@ -15115,8 +21080,8 @@
           </a:p>
         </p:txBody>
       </p:sp>
-      <mc:AlternateContent xmlns:mc="http://schemas.openxmlformats.org/markup-compatibility/2006">
-        <mc:Choice xmlns:a14="http://schemas.microsoft.com/office/drawing/2010/main" Requires="a14">
+      <mc:AlternateContent xmlns:mc="http://schemas.openxmlformats.org/markup-compatibility/2006" xmlns:a14="http://schemas.microsoft.com/office/drawing/2010/main">
+        <mc:Choice Requires="a14">
           <p:sp>
             <p:nvSpPr>
               <p:cNvPr id="3" name="Content Placeholder 2"/>
@@ -15154,7 +21119,7 @@
                   <m:oMath xmlns:m="http://schemas.openxmlformats.org/officeDocument/2006/math">
                     <m:r>
                       <a:rPr lang="en-US" b="0" i="1" smtClean="0">
-                        <a:latin typeface="Times New Roman" charset="0"/>
+                        <a:latin typeface="Cambria Math" charset="0"/>
                         <a:ea typeface="Times New Roman" charset="0"/>
                         <a:cs typeface="Times New Roman" charset="0"/>
                       </a:rPr>
@@ -15165,7 +21130,7 @@
                         <m:endChr m:val="|"/>
                         <m:ctrlPr>
                           <a:rPr lang="en-US" b="0" i="1" smtClean="0">
-                            <a:latin typeface="Times New Roman" charset="0"/>
+                            <a:latin typeface="Cambria Math" charset="0"/>
                             <a:ea typeface="Times New Roman" charset="0"/>
                             <a:cs typeface="Times New Roman" charset="0"/>
                           </a:rPr>
@@ -15176,7 +21141,7 @@
                           <m:sSubPr>
                             <m:ctrlPr>
                               <a:rPr lang="en-US" b="0" i="1" smtClean="0">
-                                <a:latin typeface="Times New Roman" charset="0"/>
+                                <a:latin typeface="Cambria Math" charset="0"/>
                                 <a:ea typeface="Times New Roman" charset="0"/>
                                 <a:cs typeface="Times New Roman" charset="0"/>
                               </a:rPr>
@@ -15185,7 +21150,7 @@
                           <m:e>
                             <m:r>
                               <a:rPr lang="en-US" b="0" i="1" smtClean="0">
-                                <a:latin typeface="Times New Roman" charset="0"/>
+                                <a:latin typeface="Cambria Math" charset="0"/>
                                 <a:ea typeface="Times New Roman" charset="0"/>
                                 <a:cs typeface="Times New Roman" charset="0"/>
                               </a:rPr>
@@ -15195,7 +21160,7 @@
                           <m:sub>
                             <m:r>
                               <a:rPr lang="en-US" b="0" i="1" smtClean="0">
-                                <a:latin typeface="Times New Roman" charset="0"/>
+                                <a:latin typeface="Cambria Math" charset="0"/>
                                 <a:ea typeface="Times New Roman" charset="0"/>
                                 <a:cs typeface="Times New Roman" charset="0"/>
                               </a:rPr>
@@ -15205,7 +21170,7 @@
                         </m:sSub>
                         <m:r>
                           <a:rPr lang="en-US" b="0" i="1" smtClean="0">
-                            <a:latin typeface="Times New Roman" charset="0"/>
+                            <a:latin typeface="Cambria Math" charset="0"/>
                             <a:ea typeface="Times New Roman" charset="0"/>
                             <a:cs typeface="Times New Roman" charset="0"/>
                           </a:rPr>
@@ -15215,7 +21180,7 @@
                     </m:d>
                     <m:r>
                       <a:rPr lang="en-US" b="1" i="1" smtClean="0">
-                        <a:latin typeface="Times New Roman" charset="0"/>
+                        <a:latin typeface="Cambria Math" charset="0"/>
                         <a:ea typeface="Times New Roman" charset="0"/>
                         <a:cs typeface="Times New Roman" charset="0"/>
                       </a:rPr>
@@ -15223,7 +21188,7 @@
                     </m:r>
                     <m:r>
                       <a:rPr lang="en-US" b="0" i="1" smtClean="0">
-                        <a:latin typeface="Times New Roman" charset="0"/>
+                        <a:latin typeface="Cambria Math" charset="0"/>
                         <a:ea typeface="Times New Roman" charset="0"/>
                         <a:cs typeface="Times New Roman" charset="0"/>
                       </a:rPr>
@@ -15231,7 +21196,7 @@
                     </m:r>
                     <m:r>
                       <a:rPr lang="en-US" b="0" i="1" smtClean="0">
-                        <a:latin typeface="Times New Roman" charset="0"/>
+                        <a:latin typeface="Cambria Math" charset="0"/>
                         <a:ea typeface="Times New Roman" charset="0"/>
                         <a:cs typeface="Times New Roman" charset="0"/>
                       </a:rPr>
@@ -15242,7 +21207,7 @@
                         <m:endChr m:val="|"/>
                         <m:ctrlPr>
                           <a:rPr lang="en-US" b="0" i="1" smtClean="0">
-                            <a:latin typeface="Times New Roman" charset="0"/>
+                            <a:latin typeface="Cambria Math" charset="0"/>
                             <a:ea typeface="Times New Roman" charset="0"/>
                             <a:cs typeface="Times New Roman" charset="0"/>
                           </a:rPr>
@@ -15253,7 +21218,7 @@
                           <m:sSubPr>
                             <m:ctrlPr>
                               <a:rPr lang="en-US" b="0" i="1" smtClean="0">
-                                <a:latin typeface="Times New Roman" charset="0"/>
+                                <a:latin typeface="Cambria Math" charset="0"/>
                                 <a:ea typeface="Times New Roman" charset="0"/>
                                 <a:cs typeface="Times New Roman" charset="0"/>
                               </a:rPr>
@@ -15262,7 +21227,7 @@
                           <m:e>
                             <m:r>
                               <a:rPr lang="en-US" b="0" i="1" smtClean="0">
-                                <a:latin typeface="Times New Roman" charset="0"/>
+                                <a:latin typeface="Cambria Math" charset="0"/>
                                 <a:ea typeface="Times New Roman" charset="0"/>
                                 <a:cs typeface="Times New Roman" charset="0"/>
                               </a:rPr>
@@ -15272,7 +21237,7 @@
                           <m:sub>
                             <m:r>
                               <a:rPr lang="en-US" b="0" i="1" smtClean="0">
-                                <a:latin typeface="Times New Roman" charset="0"/>
+                                <a:latin typeface="Cambria Math" charset="0"/>
                                 <a:ea typeface="Times New Roman" charset="0"/>
                                 <a:cs typeface="Times New Roman" charset="0"/>
                               </a:rPr>
@@ -15284,7 +21249,7 @@
                     </m:d>
                     <m:r>
                       <a:rPr lang="en-US" b="0" i="1" smtClean="0">
-                        <a:latin typeface="Times New Roman" charset="0"/>
+                        <a:latin typeface="Cambria Math" charset="0"/>
                         <a:ea typeface="Times New Roman" charset="0"/>
                         <a:cs typeface="Times New Roman" charset="0"/>
                       </a:rPr>
@@ -15294,7 +21259,7 @@
                       <m:sSubPr>
                         <m:ctrlPr>
                           <a:rPr lang="en-US" b="0" i="1" smtClean="0">
-                            <a:latin typeface="Times New Roman" charset="0"/>
+                            <a:latin typeface="Cambria Math" charset="0"/>
                             <a:ea typeface="Times New Roman" charset="0"/>
                             <a:cs typeface="Times New Roman" charset="0"/>
                           </a:rPr>
@@ -15303,7 +21268,7 @@
                       <m:e>
                         <m:r>
                           <a:rPr lang="en-US" b="0" i="1" smtClean="0">
-                            <a:latin typeface="Times New Roman" charset="0"/>
+                            <a:latin typeface="Cambria Math" charset="0"/>
                             <a:ea typeface="Times New Roman" charset="0"/>
                             <a:cs typeface="Times New Roman" charset="0"/>
                           </a:rPr>
@@ -15313,7 +21278,7 @@
                       <m:sub>
                         <m:r>
                           <a:rPr lang="en-US" b="0" i="1" smtClean="0">
-                            <a:latin typeface="Times New Roman" charset="0"/>
+                            <a:latin typeface="Cambria Math" charset="0"/>
                             <a:ea typeface="Times New Roman" charset="0"/>
                             <a:cs typeface="Times New Roman" charset="0"/>
                           </a:rPr>
@@ -15323,7 +21288,7 @@
                     </m:sSub>
                     <m:r>
                       <a:rPr lang="en-US" b="0" i="1" smtClean="0">
-                        <a:latin typeface="Times New Roman" charset="0"/>
+                        <a:latin typeface="Cambria Math" charset="0"/>
                         <a:ea typeface="Times New Roman" charset="0"/>
                         <a:cs typeface="Times New Roman" charset="0"/>
                       </a:rPr>
@@ -15333,7 +21298,7 @@
                       <m:sSubSupPr>
                         <m:ctrlPr>
                           <a:rPr lang="en-US" b="0" i="1" smtClean="0">
-                            <a:latin typeface="Times New Roman" charset="0"/>
+                            <a:latin typeface="Cambria Math" charset="0"/>
                             <a:ea typeface="Times New Roman" charset="0"/>
                             <a:cs typeface="Times New Roman" charset="0"/>
                           </a:rPr>
@@ -15342,7 +21307,7 @@
                       <m:e>
                         <m:r>
                           <a:rPr lang="en-US" b="0" i="1" smtClean="0">
-                            <a:latin typeface="Times New Roman" charset="0"/>
+                            <a:latin typeface="Cambria Math" charset="0"/>
                             <a:ea typeface="Times New Roman" charset="0"/>
                             <a:cs typeface="Times New Roman" charset="0"/>
                           </a:rPr>
@@ -15352,7 +21317,7 @@
                       <m:sub>
                         <m:r>
                           <a:rPr lang="en-US" b="0" i="1" smtClean="0">
-                            <a:latin typeface="Times New Roman" charset="0"/>
+                            <a:latin typeface="Cambria Math" charset="0"/>
                             <a:ea typeface="Times New Roman" charset="0"/>
                             <a:cs typeface="Times New Roman" charset="0"/>
                           </a:rPr>
@@ -15362,7 +21327,7 @@
                       <m:sup>
                         <m:r>
                           <a:rPr lang="en-US" b="0" i="1" smtClean="0">
-                            <a:latin typeface="Times New Roman" charset="0"/>
+                            <a:latin typeface="Cambria Math" charset="0"/>
                             <a:ea typeface="Times New Roman" charset="0"/>
                             <a:cs typeface="Times New Roman" charset="0"/>
                           </a:rPr>
@@ -15372,7 +21337,7 @@
                     </m:sSubSup>
                     <m:r>
                       <a:rPr lang="en-US" b="0" i="1" smtClean="0">
-                        <a:latin typeface="Times New Roman" charset="0"/>
+                        <a:latin typeface="Cambria Math" charset="0"/>
                         <a:ea typeface="Times New Roman" charset="0"/>
                         <a:cs typeface="Times New Roman" charset="0"/>
                       </a:rPr>
@@ -15394,7 +21359,7 @@
                       <m:sSubPr>
                         <m:ctrlPr>
                           <a:rPr lang="en-US" b="0" i="1" smtClean="0">
-                            <a:latin typeface="Times New Roman" charset="0"/>
+                            <a:latin typeface="Cambria Math" charset="0"/>
                             <a:ea typeface="Times New Roman" charset="0"/>
                             <a:cs typeface="Times New Roman" charset="0"/>
                           </a:rPr>
@@ -15403,7 +21368,7 @@
                       <m:e>
                         <m:r>
                           <a:rPr lang="en-US" b="0" i="1" smtClean="0">
-                            <a:latin typeface="Times New Roman" charset="0"/>
+                            <a:latin typeface="Cambria Math" charset="0"/>
                             <a:ea typeface="Times New Roman" charset="0"/>
                             <a:cs typeface="Times New Roman" charset="0"/>
                           </a:rPr>
@@ -15413,7 +21378,7 @@
                       <m:sub>
                         <m:r>
                           <a:rPr lang="en-US" b="0" i="1" smtClean="0">
-                            <a:latin typeface="Times New Roman" charset="0"/>
+                            <a:latin typeface="Cambria Math" charset="0"/>
                             <a:ea typeface="Times New Roman" charset="0"/>
                             <a:cs typeface="Times New Roman" charset="0"/>
                           </a:rPr>
@@ -15423,7 +21388,7 @@
                     </m:sSub>
                     <m:r>
                       <a:rPr lang="en-US" b="0" i="1" smtClean="0">
-                        <a:latin typeface="Times New Roman" charset="0"/>
+                        <a:latin typeface="Cambria Math" charset="0"/>
                         <a:ea typeface="Times New Roman" charset="0"/>
                         <a:cs typeface="Times New Roman" charset="0"/>
                       </a:rPr>
@@ -15433,7 +21398,7 @@
                       <m:sSubSupPr>
                         <m:ctrlPr>
                           <a:rPr lang="en-US" b="1" i="1" smtClean="0">
-                            <a:latin typeface="Times New Roman" charset="0"/>
+                            <a:latin typeface="Cambria Math" charset="0"/>
                             <a:ea typeface="Times New Roman" charset="0"/>
                             <a:cs typeface="Times New Roman" charset="0"/>
                           </a:rPr>
@@ -15442,7 +21407,7 @@
                       <m:e>
                         <m:r>
                           <a:rPr lang="en-US" b="1" i="1" smtClean="0">
-                            <a:latin typeface="Times New Roman" charset="0"/>
+                            <a:latin typeface="Cambria Math" charset="0"/>
                             <a:ea typeface="Times New Roman" charset="0"/>
                             <a:cs typeface="Times New Roman" charset="0"/>
                           </a:rPr>
@@ -15452,7 +21417,7 @@
                       <m:sub>
                         <m:r>
                           <a:rPr lang="en-US" b="1" i="1" smtClean="0">
-                            <a:latin typeface="Times New Roman" charset="0"/>
+                            <a:latin typeface="Cambria Math" charset="0"/>
                             <a:ea typeface="Times New Roman" charset="0"/>
                             <a:cs typeface="Times New Roman" charset="0"/>
                           </a:rPr>
@@ -15462,7 +21427,7 @@
                       <m:sup>
                         <m:r>
                           <a:rPr lang="en-US" b="1" i="1" smtClean="0">
-                            <a:latin typeface="Times New Roman" charset="0"/>
+                            <a:latin typeface="Cambria Math" charset="0"/>
                             <a:ea typeface="Times New Roman" charset="0"/>
                             <a:cs typeface="Times New Roman" charset="0"/>
                           </a:rPr>
@@ -15474,7 +21439,7 @@
                       <m:sSubSupPr>
                         <m:ctrlPr>
                           <a:rPr lang="en-US" b="1" i="1" smtClean="0">
-                            <a:latin typeface="Times New Roman" charset="0"/>
+                            <a:latin typeface="Cambria Math" charset="0"/>
                             <a:ea typeface="Times New Roman" charset="0"/>
                             <a:cs typeface="Times New Roman" charset="0"/>
                           </a:rPr>
@@ -15483,7 +21448,7 @@
                       <m:e>
                         <m:r>
                           <a:rPr lang="en-US" b="1" i="1" smtClean="0">
-                            <a:latin typeface="Times New Roman" charset="0"/>
+                            <a:latin typeface="Cambria Math" charset="0"/>
                             <a:ea typeface="Times New Roman" charset="0"/>
                             <a:cs typeface="Times New Roman" charset="0"/>
                           </a:rPr>
@@ -15491,7 +21456,7 @@
                         </m:r>
                         <m:r>
                           <a:rPr lang="en-US" b="1" i="1" smtClean="0">
-                            <a:latin typeface="Times New Roman" charset="0"/>
+                            <a:latin typeface="Cambria Math" charset="0"/>
                             <a:ea typeface="Times New Roman" charset="0"/>
                             <a:cs typeface="Times New Roman" charset="0"/>
                           </a:rPr>
@@ -15501,7 +21466,7 @@
                       <m:sub>
                         <m:r>
                           <a:rPr lang="en-US" b="1" i="1" smtClean="0">
-                            <a:latin typeface="Times New Roman" charset="0"/>
+                            <a:latin typeface="Cambria Math" charset="0"/>
                             <a:ea typeface="Times New Roman" charset="0"/>
                             <a:cs typeface="Times New Roman" charset="0"/>
                           </a:rPr>
@@ -15511,7 +21476,7 @@
                       <m:sup>
                         <m:r>
                           <a:rPr lang="en-US" b="1" i="1" smtClean="0">
-                            <a:latin typeface="Times New Roman" charset="0"/>
+                            <a:latin typeface="Cambria Math" charset="0"/>
                             <a:ea typeface="Times New Roman" charset="0"/>
                             <a:cs typeface="Times New Roman" charset="0"/>
                           </a:rPr>
@@ -15519,7 +21484,7 @@
                         </m:r>
                         <m:r>
                           <a:rPr lang="en-US" b="1" i="1" smtClean="0">
-                            <a:latin typeface="Times New Roman" charset="0"/>
+                            <a:latin typeface="Cambria Math" charset="0"/>
                             <a:ea typeface="Times New Roman" charset="0"/>
                             <a:cs typeface="Times New Roman" charset="0"/>
                           </a:rPr>
@@ -15529,7 +21494,7 @@
                     </m:sSubSup>
                     <m:r>
                       <a:rPr lang="en-US" b="1" i="1" smtClean="0">
-                        <a:latin typeface="Times New Roman" charset="0"/>
+                        <a:latin typeface="Cambria Math" charset="0"/>
                         <a:ea typeface="Times New Roman" charset="0"/>
                         <a:cs typeface="Times New Roman" charset="0"/>
                       </a:rPr>
@@ -15537,7 +21502,7 @@
                     </m:r>
                     <m:r>
                       <a:rPr lang="en-US" b="1" i="1" smtClean="0">
-                        <a:latin typeface="Times New Roman" charset="0"/>
+                        <a:latin typeface="Cambria Math" charset="0"/>
                         <a:ea typeface="Times New Roman" charset="0"/>
                         <a:cs typeface="Times New Roman" charset="0"/>
                       </a:rPr>
@@ -15559,7 +21524,7 @@
                       <m:sSubSupPr>
                         <m:ctrlPr>
                           <a:rPr lang="en-US" i="1" smtClean="0">
-                            <a:latin typeface="Times New Roman" charset="0"/>
+                            <a:latin typeface="Cambria Math" charset="0"/>
                             <a:ea typeface="Times New Roman" charset="0"/>
                             <a:cs typeface="Times New Roman" charset="0"/>
                           </a:rPr>
@@ -15568,7 +21533,7 @@
                       <m:e>
                         <m:r>
                           <a:rPr lang="en-US" b="0" i="1" smtClean="0">
-                            <a:latin typeface="Times New Roman" charset="0"/>
+                            <a:latin typeface="Cambria Math" charset="0"/>
                             <a:ea typeface="Times New Roman" charset="0"/>
                             <a:cs typeface="Times New Roman" charset="0"/>
                           </a:rPr>
@@ -15578,7 +21543,7 @@
                       <m:sub>
                         <m:r>
                           <a:rPr lang="en-US" b="0" i="1" smtClean="0">
-                            <a:latin typeface="Times New Roman" charset="0"/>
+                            <a:latin typeface="Cambria Math" charset="0"/>
                             <a:ea typeface="Times New Roman" charset="0"/>
                             <a:cs typeface="Times New Roman" charset="0"/>
                           </a:rPr>
@@ -15588,7 +21553,7 @@
                       <m:sup>
                         <m:r>
                           <a:rPr lang="en-US" b="0" i="1" smtClean="0">
-                            <a:latin typeface="Times New Roman" charset="0"/>
+                            <a:latin typeface="Cambria Math" charset="0"/>
                             <a:ea typeface="Times New Roman" charset="0"/>
                             <a:cs typeface="Times New Roman" charset="0"/>
                           </a:rPr>
@@ -15598,7 +21563,7 @@
                     </m:sSubSup>
                     <m:r>
                       <a:rPr lang="en-US" b="1" i="1" smtClean="0">
-                        <a:latin typeface="Times New Roman" charset="0"/>
+                        <a:latin typeface="Cambria Math" charset="0"/>
                         <a:ea typeface="Times New Roman" charset="0"/>
                         <a:cs typeface="Times New Roman" charset="0"/>
                       </a:rPr>
@@ -15606,7 +21571,7 @@
                     </m:r>
                     <m:r>
                       <a:rPr lang="en-US" b="0" i="1" smtClean="0">
-                        <a:latin typeface="Times New Roman" charset="0"/>
+                        <a:latin typeface="Cambria Math" charset="0"/>
                         <a:ea typeface="Times New Roman" charset="0"/>
                         <a:cs typeface="Times New Roman" charset="0"/>
                       </a:rPr>
@@ -15614,7 +21579,7 @@
                     </m:r>
                     <m:r>
                       <a:rPr lang="en-US" b="0" i="1" smtClean="0">
-                        <a:latin typeface="Times New Roman" charset="0"/>
+                        <a:latin typeface="Cambria Math" charset="0"/>
                         <a:ea typeface="Times New Roman" charset="0"/>
                         <a:cs typeface="Times New Roman" charset="0"/>
                       </a:rPr>
@@ -15624,7 +21589,7 @@
                       <m:dPr>
                         <m:ctrlPr>
                           <a:rPr lang="en-US" b="0" i="1" smtClean="0">
-                            <a:latin typeface="Times New Roman" charset="0"/>
+                            <a:latin typeface="Cambria Math" charset="0"/>
                             <a:ea typeface="Times New Roman" charset="0"/>
                             <a:cs typeface="Times New Roman" charset="0"/>
                           </a:rPr>
@@ -15635,7 +21600,7 @@
                           <m:sSubPr>
                             <m:ctrlPr>
                               <a:rPr lang="en-US" b="0" i="1" smtClean="0">
-                                <a:latin typeface="Times New Roman" charset="0"/>
+                                <a:latin typeface="Cambria Math" charset="0"/>
                                 <a:ea typeface="Times New Roman" charset="0"/>
                                 <a:cs typeface="Times New Roman" charset="0"/>
                               </a:rPr>
@@ -15644,7 +21609,7 @@
                           <m:e>
                             <m:r>
                               <a:rPr lang="en-US" b="0" i="1" smtClean="0">
-                                <a:latin typeface="Times New Roman" charset="0"/>
+                                <a:latin typeface="Cambria Math" charset="0"/>
                                 <a:ea typeface="Times New Roman" charset="0"/>
                                 <a:cs typeface="Times New Roman" charset="0"/>
                               </a:rPr>
@@ -15654,7 +21619,7 @@
                           <m:sub>
                             <m:r>
                               <a:rPr lang="en-US" b="0" i="1" smtClean="0">
-                                <a:latin typeface="Times New Roman" charset="0"/>
+                                <a:latin typeface="Cambria Math" charset="0"/>
                                 <a:ea typeface="Times New Roman" charset="0"/>
                                 <a:cs typeface="Times New Roman" charset="0"/>
                               </a:rPr>
@@ -15664,7 +21629,7 @@
                         </m:sSub>
                         <m:r>
                           <a:rPr lang="en-US" b="0" i="1" smtClean="0">
-                            <a:latin typeface="Times New Roman" charset="0"/>
+                            <a:latin typeface="Cambria Math" charset="0"/>
                             <a:ea typeface="Times New Roman" charset="0"/>
                             <a:cs typeface="Times New Roman" charset="0"/>
                           </a:rPr>
@@ -15674,7 +21639,7 @@
                           <m:sSubPr>
                             <m:ctrlPr>
                               <a:rPr lang="en-US" b="0" i="1" smtClean="0">
-                                <a:latin typeface="Times New Roman" charset="0"/>
+                                <a:latin typeface="Cambria Math" charset="0"/>
                                 <a:ea typeface="Times New Roman" charset="0"/>
                                 <a:cs typeface="Times New Roman" charset="0"/>
                               </a:rPr>
@@ -15683,7 +21648,7 @@
                           <m:e>
                             <m:r>
                               <a:rPr lang="en-US" b="0" i="1" smtClean="0">
-                                <a:latin typeface="Times New Roman" charset="0"/>
+                                <a:latin typeface="Cambria Math" charset="0"/>
                                 <a:ea typeface="Times New Roman" charset="0"/>
                                 <a:cs typeface="Times New Roman" charset="0"/>
                               </a:rPr>
@@ -15693,7 +21658,7 @@
                           <m:sub>
                             <m:r>
                               <a:rPr lang="en-US" b="0" i="1" smtClean="0">
-                                <a:latin typeface="Times New Roman" charset="0"/>
+                                <a:latin typeface="Cambria Math" charset="0"/>
                                 <a:ea typeface="Times New Roman" charset="0"/>
                                 <a:cs typeface="Times New Roman" charset="0"/>
                               </a:rPr>
@@ -15705,7 +21670,7 @@
                     </m:d>
                     <m:r>
                       <a:rPr lang="en-US" b="0" i="1" smtClean="0">
-                        <a:latin typeface="Times New Roman" charset="0"/>
+                        <a:latin typeface="Cambria Math" charset="0"/>
                         <a:ea typeface="Times New Roman" charset="0"/>
                         <a:cs typeface="Times New Roman" charset="0"/>
                       </a:rPr>
@@ -15715,7 +21680,7 @@
                       <m:sSupPr>
                         <m:ctrlPr>
                           <a:rPr lang="en-US" b="0" i="1" smtClean="0">
-                            <a:latin typeface="Times New Roman" charset="0"/>
+                            <a:latin typeface="Cambria Math" charset="0"/>
                             <a:ea typeface="Times New Roman" charset="0"/>
                             <a:cs typeface="Times New Roman" charset="0"/>
                           </a:rPr>
@@ -15724,7 +21689,7 @@
                       <m:e>
                         <m:r>
                           <a:rPr lang="en-US" b="0" i="1" smtClean="0">
-                            <a:latin typeface="Times New Roman" charset="0"/>
+                            <a:latin typeface="Cambria Math" charset="0"/>
                             <a:ea typeface="Times New Roman" charset="0"/>
                             <a:cs typeface="Times New Roman" charset="0"/>
                           </a:rPr>
@@ -15734,7 +21699,7 @@
                       <m:sup>
                         <m:r>
                           <a:rPr lang="en-US" b="0" i="1" smtClean="0">
-                            <a:latin typeface="Times New Roman" charset="0"/>
+                            <a:latin typeface="Cambria Math" charset="0"/>
                             <a:ea typeface="Times New Roman" charset="0"/>
                             <a:cs typeface="Times New Roman" charset="0"/>
                           </a:rPr>
@@ -15744,7 +21709,7 @@
                     </m:sSup>
                     <m:r>
                       <a:rPr lang="en-US" b="0" i="1" smtClean="0">
-                        <a:latin typeface="Times New Roman" charset="0"/>
+                        <a:latin typeface="Cambria Math" charset="0"/>
                         <a:ea typeface="Times New Roman" charset="0"/>
                         <a:cs typeface="Times New Roman" charset="0"/>
                       </a:rPr>
@@ -15754,7 +21719,7 @@
                       <m:sSubSupPr>
                         <m:ctrlPr>
                           <a:rPr lang="en-US" b="1" i="1" smtClean="0">
-                            <a:latin typeface="Times New Roman" charset="0"/>
+                            <a:latin typeface="Cambria Math" charset="0"/>
                             <a:ea typeface="Times New Roman" charset="0"/>
                             <a:cs typeface="Times New Roman" charset="0"/>
                           </a:rPr>
@@ -15763,7 +21728,7 @@
                       <m:e>
                         <m:r>
                           <a:rPr lang="en-US" b="1" i="1" smtClean="0">
-                            <a:latin typeface="Times New Roman" charset="0"/>
+                            <a:latin typeface="Cambria Math" charset="0"/>
                             <a:ea typeface="Times New Roman" charset="0"/>
                             <a:cs typeface="Times New Roman" charset="0"/>
                           </a:rPr>
@@ -15773,7 +21738,7 @@
                       <m:sub>
                         <m:r>
                           <a:rPr lang="en-US" b="1" i="1" smtClean="0">
-                            <a:latin typeface="Times New Roman" charset="0"/>
+                            <a:latin typeface="Cambria Math" charset="0"/>
                             <a:ea typeface="Times New Roman" charset="0"/>
                             <a:cs typeface="Times New Roman" charset="0"/>
                           </a:rPr>
@@ -15783,7 +21748,7 @@
                       <m:sup>
                         <m:r>
                           <a:rPr lang="en-US" b="1" i="1" smtClean="0">
-                            <a:latin typeface="Times New Roman" charset="0"/>
+                            <a:latin typeface="Cambria Math" charset="0"/>
                             <a:ea typeface="Times New Roman" charset="0"/>
                             <a:cs typeface="Times New Roman" charset="0"/>
                           </a:rPr>
@@ -15793,7 +21758,7 @@
                     </m:sSubSup>
                     <m:r>
                       <a:rPr lang="en-US" b="1" i="1" smtClean="0">
-                        <a:latin typeface="Times New Roman" charset="0"/>
+                        <a:latin typeface="Cambria Math" charset="0"/>
                         <a:ea typeface="Times New Roman" charset="0"/>
                         <a:cs typeface="Times New Roman" charset="0"/>
                       </a:rPr>
@@ -15803,7 +21768,7 @@
                       <m:sSubSupPr>
                         <m:ctrlPr>
                           <a:rPr lang="en-US" b="1" i="1" smtClean="0">
-                            <a:latin typeface="Times New Roman" charset="0"/>
+                            <a:latin typeface="Cambria Math" charset="0"/>
                             <a:ea typeface="Times New Roman" charset="0"/>
                             <a:cs typeface="Times New Roman" charset="0"/>
                           </a:rPr>
@@ -15812,7 +21777,7 @@
                       <m:e>
                         <m:r>
                           <a:rPr lang="en-US" b="1" i="1" smtClean="0">
-                            <a:latin typeface="Times New Roman" charset="0"/>
+                            <a:latin typeface="Cambria Math" charset="0"/>
                             <a:ea typeface="Times New Roman" charset="0"/>
                             <a:cs typeface="Times New Roman" charset="0"/>
                           </a:rPr>
@@ -15822,7 +21787,7 @@
                       <m:sub>
                         <m:r>
                           <a:rPr lang="en-US" b="1" i="1" smtClean="0">
-                            <a:latin typeface="Times New Roman" charset="0"/>
+                            <a:latin typeface="Cambria Math" charset="0"/>
                             <a:ea typeface="Times New Roman" charset="0"/>
                             <a:cs typeface="Times New Roman" charset="0"/>
                           </a:rPr>
@@ -15832,7 +21797,7 @@
                       <m:sup>
                         <m:r>
                           <a:rPr lang="en-US" b="1" i="1" smtClean="0">
-                            <a:latin typeface="Times New Roman" charset="0"/>
+                            <a:latin typeface="Cambria Math" charset="0"/>
                             <a:ea typeface="Times New Roman" charset="0"/>
                             <a:cs typeface="Times New Roman" charset="0"/>
                           </a:rPr>
@@ -15840,7 +21805,7 @@
                         </m:r>
                         <m:r>
                           <a:rPr lang="en-US" b="1" i="1" smtClean="0">
-                            <a:latin typeface="Times New Roman" charset="0"/>
+                            <a:latin typeface="Cambria Math" charset="0"/>
                             <a:ea typeface="Times New Roman" charset="0"/>
                             <a:cs typeface="Times New Roman" charset="0"/>
                           </a:rPr>
@@ -15850,7 +21815,7 @@
                     </m:sSubSup>
                     <m:r>
                       <a:rPr lang="en-US" b="1" i="1" smtClean="0">
-                        <a:latin typeface="Times New Roman" charset="0"/>
+                        <a:latin typeface="Cambria Math" charset="0"/>
                         <a:ea typeface="Times New Roman" charset="0"/>
                         <a:cs typeface="Times New Roman" charset="0"/>
                       </a:rPr>
@@ -15860,7 +21825,7 @@
                       <m:sSubPr>
                         <m:ctrlPr>
                           <a:rPr lang="en-US" b="1" i="1" smtClean="0">
-                            <a:latin typeface="Times New Roman" charset="0"/>
+                            <a:latin typeface="Cambria Math" charset="0"/>
                             <a:ea typeface="Times New Roman" charset="0"/>
                             <a:cs typeface="Times New Roman" charset="0"/>
                           </a:rPr>
@@ -15869,7 +21834,7 @@
                       <m:e>
                         <m:r>
                           <a:rPr lang="en-US" b="1" i="1" smtClean="0">
-                            <a:latin typeface="Times New Roman" charset="0"/>
+                            <a:latin typeface="Cambria Math" charset="0"/>
                             <a:ea typeface="Times New Roman" charset="0"/>
                             <a:cs typeface="Times New Roman" charset="0"/>
                           </a:rPr>
@@ -15879,7 +21844,7 @@
                       <m:sub>
                         <m:r>
                           <a:rPr lang="en-US" b="1" i="1" smtClean="0">
-                            <a:latin typeface="Times New Roman" charset="0"/>
+                            <a:latin typeface="Cambria Math" charset="0"/>
                             <a:ea typeface="Times New Roman" charset="0"/>
                             <a:cs typeface="Times New Roman" charset="0"/>
                           </a:rPr>
@@ -15903,7 +21868,7 @@
                       <m:sSubPr>
                         <m:ctrlPr>
                           <a:rPr lang="en-US" b="0" i="1" smtClean="0">
-                            <a:latin typeface="Times New Roman" charset="0"/>
+                            <a:latin typeface="Cambria Math" charset="0"/>
                             <a:ea typeface="Times New Roman" charset="0"/>
                             <a:cs typeface="Times New Roman" charset="0"/>
                           </a:rPr>
@@ -15912,7 +21877,7 @@
                       <m:e>
                         <m:r>
                           <a:rPr lang="en-US" b="0" i="1" smtClean="0">
-                            <a:latin typeface="Times New Roman" charset="0"/>
+                            <a:latin typeface="Cambria Math" charset="0"/>
                             <a:ea typeface="Times New Roman" charset="0"/>
                             <a:cs typeface="Times New Roman" charset="0"/>
                           </a:rPr>
@@ -15922,7 +21887,7 @@
                       <m:sub>
                         <m:r>
                           <a:rPr lang="en-US" b="0" i="1" smtClean="0">
-                            <a:latin typeface="Times New Roman" charset="0"/>
+                            <a:latin typeface="Cambria Math" charset="0"/>
                             <a:ea typeface="Times New Roman" charset="0"/>
                             <a:cs typeface="Times New Roman" charset="0"/>
                           </a:rPr>
@@ -15932,7 +21897,7 @@
                     </m:sSub>
                     <m:r>
                       <a:rPr lang="en-US" b="0" i="1" smtClean="0">
-                        <a:latin typeface="Times New Roman" charset="0"/>
+                        <a:latin typeface="Cambria Math" charset="0"/>
                         <a:ea typeface="Times New Roman" charset="0"/>
                         <a:cs typeface="Times New Roman" charset="0"/>
                       </a:rPr>
@@ -15940,7 +21905,7 @@
                     </m:r>
                     <m:r>
                       <a:rPr lang="en-US" b="0" i="1" smtClean="0">
-                        <a:latin typeface="Times New Roman" charset="0"/>
+                        <a:latin typeface="Cambria Math" charset="0"/>
                         <a:ea typeface="Times New Roman" charset="0"/>
                         <a:cs typeface="Times New Roman" charset="0"/>
                       </a:rPr>
@@ -15950,7 +21915,7 @@
                       <m:dPr>
                         <m:ctrlPr>
                           <a:rPr lang="en-US" b="0" i="1" smtClean="0">
-                            <a:latin typeface="Times New Roman" charset="0"/>
+                            <a:latin typeface="Cambria Math" charset="0"/>
                             <a:ea typeface="Times New Roman" charset="0"/>
                             <a:cs typeface="Times New Roman" charset="0"/>
                           </a:rPr>
@@ -15961,7 +21926,7 @@
                           <m:sSubPr>
                             <m:ctrlPr>
                               <a:rPr lang="en-US" b="0" i="1" smtClean="0">
-                                <a:latin typeface="Times New Roman" charset="0"/>
+                                <a:latin typeface="Cambria Math" charset="0"/>
                                 <a:ea typeface="Times New Roman" charset="0"/>
                                 <a:cs typeface="Times New Roman" charset="0"/>
                               </a:rPr>
@@ -15970,7 +21935,7 @@
                           <m:e>
                             <m:r>
                               <a:rPr lang="en-US" b="0" i="1" smtClean="0">
-                                <a:latin typeface="Times New Roman" charset="0"/>
+                                <a:latin typeface="Cambria Math" charset="0"/>
                                 <a:ea typeface="Times New Roman" charset="0"/>
                                 <a:cs typeface="Times New Roman" charset="0"/>
                               </a:rPr>
@@ -15980,7 +21945,7 @@
                           <m:sub>
                             <m:r>
                               <a:rPr lang="en-US" b="0" i="1" smtClean="0">
-                                <a:latin typeface="Times New Roman" charset="0"/>
+                                <a:latin typeface="Cambria Math" charset="0"/>
                                 <a:ea typeface="Times New Roman" charset="0"/>
                                 <a:cs typeface="Times New Roman" charset="0"/>
                               </a:rPr>
@@ -15990,7 +21955,7 @@
                         </m:sSub>
                         <m:r>
                           <a:rPr lang="en-US" b="0" i="1" smtClean="0">
-                            <a:latin typeface="Times New Roman" charset="0"/>
+                            <a:latin typeface="Cambria Math" charset="0"/>
                             <a:ea typeface="Times New Roman" charset="0"/>
                             <a:cs typeface="Times New Roman" charset="0"/>
                           </a:rPr>
@@ -16000,7 +21965,7 @@
                           <m:sSubPr>
                             <m:ctrlPr>
                               <a:rPr lang="en-US" b="0" i="1" smtClean="0">
-                                <a:latin typeface="Times New Roman" charset="0"/>
+                                <a:latin typeface="Cambria Math" charset="0"/>
                                 <a:ea typeface="Times New Roman" charset="0"/>
                                 <a:cs typeface="Times New Roman" charset="0"/>
                               </a:rPr>
@@ -16009,7 +21974,7 @@
                           <m:e>
                             <m:r>
                               <a:rPr lang="en-US" b="0" i="1" smtClean="0">
-                                <a:latin typeface="Times New Roman" charset="0"/>
+                                <a:latin typeface="Cambria Math" charset="0"/>
                                 <a:ea typeface="Times New Roman" charset="0"/>
                                 <a:cs typeface="Times New Roman" charset="0"/>
                               </a:rPr>
@@ -16019,7 +21984,7 @@
                           <m:sub>
                             <m:r>
                               <a:rPr lang="en-US" b="0" i="1" smtClean="0">
-                                <a:latin typeface="Times New Roman" charset="0"/>
+                                <a:latin typeface="Cambria Math" charset="0"/>
                                 <a:ea typeface="Times New Roman" charset="0"/>
                                 <a:cs typeface="Times New Roman" charset="0"/>
                               </a:rPr>
@@ -16031,7 +21996,7 @@
                     </m:d>
                     <m:r>
                       <a:rPr lang="en-US" b="0" i="1" smtClean="0">
-                        <a:latin typeface="Times New Roman" charset="0"/>
+                        <a:latin typeface="Cambria Math" charset="0"/>
                         <a:ea typeface="Times New Roman" charset="0"/>
                         <a:cs typeface="Times New Roman" charset="0"/>
                       </a:rPr>
@@ -16039,7 +22004,7 @@
                     </m:r>
                     <m:r>
                       <a:rPr lang="en-US" b="0" i="1" smtClean="0">
-                        <a:latin typeface="Times New Roman" charset="0"/>
+                        <a:latin typeface="Cambria Math" charset="0"/>
                         <a:ea typeface="Times New Roman" charset="0"/>
                         <a:cs typeface="Times New Roman" charset="0"/>
                       </a:rPr>
@@ -16049,7 +22014,7 @@
                       <m:dPr>
                         <m:ctrlPr>
                           <a:rPr lang="en-US" b="0" i="1" smtClean="0">
-                            <a:latin typeface="Times New Roman" charset="0"/>
+                            <a:latin typeface="Cambria Math" charset="0"/>
                             <a:ea typeface="Times New Roman" charset="0"/>
                             <a:cs typeface="Times New Roman" charset="0"/>
                           </a:rPr>
@@ -16060,7 +22025,7 @@
                           <m:sSubPr>
                             <m:ctrlPr>
                               <a:rPr lang="en-US" b="0" i="1" smtClean="0">
-                                <a:latin typeface="Times New Roman" charset="0"/>
+                                <a:latin typeface="Cambria Math" charset="0"/>
                                 <a:ea typeface="Times New Roman" charset="0"/>
                                 <a:cs typeface="Times New Roman" charset="0"/>
                               </a:rPr>
@@ -16069,7 +22034,7 @@
                           <m:e>
                             <m:r>
                               <a:rPr lang="en-US" b="0" i="1" smtClean="0">
-                                <a:latin typeface="Times New Roman" charset="0"/>
+                                <a:latin typeface="Cambria Math" charset="0"/>
                                 <a:ea typeface="Times New Roman" charset="0"/>
                                 <a:cs typeface="Times New Roman" charset="0"/>
                               </a:rPr>
@@ -16079,7 +22044,7 @@
                           <m:sub>
                             <m:r>
                               <a:rPr lang="en-US" b="0" i="1" smtClean="0">
-                                <a:latin typeface="Times New Roman" charset="0"/>
+                                <a:latin typeface="Cambria Math" charset="0"/>
                                 <a:ea typeface="Times New Roman" charset="0"/>
                                 <a:cs typeface="Times New Roman" charset="0"/>
                               </a:rPr>
@@ -16089,7 +22054,7 @@
                         </m:sSub>
                         <m:r>
                           <a:rPr lang="en-US" b="0" i="1" smtClean="0">
-                            <a:latin typeface="Times New Roman" charset="0"/>
+                            <a:latin typeface="Cambria Math" charset="0"/>
                             <a:ea typeface="Times New Roman" charset="0"/>
                             <a:cs typeface="Times New Roman" charset="0"/>
                           </a:rPr>
@@ -16099,7 +22064,7 @@
                           <m:sSubPr>
                             <m:ctrlPr>
                               <a:rPr lang="en-US" b="0" i="1" smtClean="0">
-                                <a:latin typeface="Times New Roman" charset="0"/>
+                                <a:latin typeface="Cambria Math" charset="0"/>
                                 <a:ea typeface="Times New Roman" charset="0"/>
                                 <a:cs typeface="Times New Roman" charset="0"/>
                               </a:rPr>
@@ -16108,7 +22073,7 @@
                           <m:e>
                             <m:r>
                               <a:rPr lang="en-US" b="0" i="1" smtClean="0">
-                                <a:latin typeface="Times New Roman" charset="0"/>
+                                <a:latin typeface="Cambria Math" charset="0"/>
                                 <a:ea typeface="Times New Roman" charset="0"/>
                                 <a:cs typeface="Times New Roman" charset="0"/>
                               </a:rPr>
@@ -16118,7 +22083,7 @@
                           <m:sub>
                             <m:r>
                               <a:rPr lang="en-US" b="0" i="1" smtClean="0">
-                                <a:latin typeface="Times New Roman" charset="0"/>
+                                <a:latin typeface="Cambria Math" charset="0"/>
                                 <a:ea typeface="Times New Roman" charset="0"/>
                                 <a:cs typeface="Times New Roman" charset="0"/>
                               </a:rPr>
@@ -16130,7 +22095,7 @@
                     </m:d>
                     <m:r>
                       <a:rPr lang="en-US" b="0" i="1" smtClean="0">
-                        <a:latin typeface="Times New Roman" charset="0"/>
+                        <a:latin typeface="Cambria Math" charset="0"/>
                         <a:ea typeface="Times New Roman" charset="0"/>
                         <a:cs typeface="Times New Roman" charset="0"/>
                       </a:rPr>
@@ -16138,7 +22103,7 @@
                     </m:r>
                     <m:r>
                       <a:rPr lang="en-US" b="0" i="1" smtClean="0">
-                        <a:latin typeface="Times New Roman" charset="0"/>
+                        <a:latin typeface="Cambria Math" charset="0"/>
                         <a:ea typeface="Times New Roman" charset="0"/>
                         <a:cs typeface="Times New Roman" charset="0"/>
                       </a:rPr>
@@ -16146,7 +22111,7 @@
                     </m:r>
                     <m:r>
                       <a:rPr lang="en-US" b="0" i="1" smtClean="0">
-                        <a:latin typeface="Times New Roman" charset="0"/>
+                        <a:latin typeface="Cambria Math" charset="0"/>
                         <a:ea typeface="Times New Roman" charset="0"/>
                         <a:cs typeface="Times New Roman" charset="0"/>
                       </a:rPr>
@@ -16156,7 +22121,7 @@
                       <m:sSubPr>
                         <m:ctrlPr>
                           <a:rPr lang="en-US" b="0" i="1" smtClean="0">
-                            <a:latin typeface="Times New Roman" charset="0"/>
+                            <a:latin typeface="Cambria Math" charset="0"/>
                             <a:ea typeface="Times New Roman" charset="0"/>
                             <a:cs typeface="Times New Roman" charset="0"/>
                           </a:rPr>
@@ -16165,7 +22130,7 @@
                       <m:e>
                         <m:r>
                           <a:rPr lang="en-US" b="0" i="1" smtClean="0">
-                            <a:latin typeface="Times New Roman" charset="0"/>
+                            <a:latin typeface="Cambria Math" charset="0"/>
                             <a:ea typeface="Times New Roman" charset="0"/>
                             <a:cs typeface="Times New Roman" charset="0"/>
                           </a:rPr>
@@ -16175,7 +22140,7 @@
                       <m:sub>
                         <m:r>
                           <a:rPr lang="en-US" b="0" i="1" smtClean="0">
-                            <a:latin typeface="Times New Roman" charset="0"/>
+                            <a:latin typeface="Cambria Math" charset="0"/>
                             <a:ea typeface="Times New Roman" charset="0"/>
                             <a:cs typeface="Times New Roman" charset="0"/>
                           </a:rPr>
@@ -16185,7 +22150,7 @@
                     </m:sSub>
                     <m:r>
                       <a:rPr lang="en-US" b="0" i="1" smtClean="0">
-                        <a:latin typeface="Times New Roman" charset="0"/>
+                        <a:latin typeface="Cambria Math" charset="0"/>
                         <a:ea typeface="Times New Roman" charset="0"/>
                         <a:cs typeface="Times New Roman" charset="0"/>
                       </a:rPr>
@@ -16195,7 +22160,7 @@
                       <m:sSubPr>
                         <m:ctrlPr>
                           <a:rPr lang="en-US" b="0" i="1" smtClean="0">
-                            <a:latin typeface="Times New Roman" charset="0"/>
+                            <a:latin typeface="Cambria Math" charset="0"/>
                             <a:ea typeface="Times New Roman" charset="0"/>
                             <a:cs typeface="Times New Roman" charset="0"/>
                           </a:rPr>
@@ -16204,7 +22169,7 @@
                       <m:e>
                         <m:r>
                           <a:rPr lang="en-US" b="0" i="1" smtClean="0">
-                            <a:latin typeface="Times New Roman" charset="0"/>
+                            <a:latin typeface="Cambria Math" charset="0"/>
                             <a:ea typeface="Times New Roman" charset="0"/>
                             <a:cs typeface="Times New Roman" charset="0"/>
                           </a:rPr>
@@ -16214,7 +22179,7 @@
                       <m:sub>
                         <m:r>
                           <a:rPr lang="en-US" b="0" i="1" smtClean="0">
-                            <a:latin typeface="Times New Roman" charset="0"/>
+                            <a:latin typeface="Cambria Math" charset="0"/>
                             <a:ea typeface="Times New Roman" charset="0"/>
                             <a:cs typeface="Times New Roman" charset="0"/>
                           </a:rPr>
@@ -16224,7 +22189,7 @@
                     </m:sSub>
                     <m:r>
                       <a:rPr lang="en-US" b="0" i="1" smtClean="0">
-                        <a:latin typeface="Times New Roman" charset="0"/>
+                        <a:latin typeface="Cambria Math" charset="0"/>
                         <a:ea typeface="Times New Roman" charset="0"/>
                         <a:cs typeface="Times New Roman" charset="0"/>
                       </a:rPr>
@@ -16246,7 +22211,7 @@
                       <m:sSubPr>
                         <m:ctrlPr>
                           <a:rPr lang="en-US" b="0" i="1" smtClean="0">
-                            <a:latin typeface="Times New Roman" charset="0"/>
+                            <a:latin typeface="Cambria Math" charset="0"/>
                             <a:ea typeface="Times New Roman" charset="0"/>
                             <a:cs typeface="Times New Roman" charset="0"/>
                           </a:rPr>
@@ -16257,7 +22222,7 @@
                           <m:sSubPr>
                             <m:ctrlPr>
                               <a:rPr lang="en-US" b="0" i="1" smtClean="0">
-                                <a:latin typeface="Times New Roman" charset="0"/>
+                                <a:latin typeface="Cambria Math" charset="0"/>
                                 <a:ea typeface="Times New Roman" charset="0"/>
                                 <a:cs typeface="Times New Roman" charset="0"/>
                               </a:rPr>
@@ -16266,7 +22231,7 @@
                           <m:e>
                             <m:r>
                               <a:rPr lang="en-US" b="0" i="1" smtClean="0">
-                                <a:latin typeface="Times New Roman" charset="0"/>
+                                <a:latin typeface="Cambria Math" charset="0"/>
                                 <a:ea typeface="Times New Roman" charset="0"/>
                                 <a:cs typeface="Times New Roman" charset="0"/>
                               </a:rPr>
@@ -16276,7 +22241,7 @@
                           <m:sub>
                             <m:r>
                               <a:rPr lang="en-US" b="0" i="1" smtClean="0">
-                                <a:latin typeface="Times New Roman" charset="0"/>
+                                <a:latin typeface="Cambria Math" charset="0"/>
                                 <a:ea typeface="Times New Roman" charset="0"/>
                                 <a:cs typeface="Times New Roman" charset="0"/>
                               </a:rPr>
@@ -16286,7 +22251,7 @@
                         </m:sSub>
                         <m:r>
                           <a:rPr lang="en-US" b="0" i="1" smtClean="0">
-                            <a:latin typeface="Times New Roman" charset="0"/>
+                            <a:latin typeface="Cambria Math" charset="0"/>
                             <a:ea typeface="Times New Roman" charset="0"/>
                             <a:cs typeface="Times New Roman" charset="0"/>
                           </a:rPr>
@@ -16296,7 +22261,7 @@
                           <m:sSupPr>
                             <m:ctrlPr>
                               <a:rPr lang="en-US" b="0" i="1" smtClean="0">
-                                <a:latin typeface="Times New Roman" charset="0"/>
+                                <a:latin typeface="Cambria Math" charset="0"/>
                                 <a:ea typeface="Times New Roman" charset="0"/>
                                 <a:cs typeface="Times New Roman" charset="0"/>
                               </a:rPr>
@@ -16305,7 +22270,7 @@
                           <m:e>
                             <m:r>
                               <a:rPr lang="en-US" b="0" i="1" smtClean="0">
-                                <a:latin typeface="Times New Roman" charset="0"/>
+                                <a:latin typeface="Cambria Math" charset="0"/>
                                 <a:ea typeface="Times New Roman" charset="0"/>
                                 <a:cs typeface="Times New Roman" charset="0"/>
                               </a:rPr>
@@ -16315,7 +22280,7 @@
                           <m:sup>
                             <m:r>
                               <a:rPr lang="en-US" b="0" i="1" smtClean="0">
-                                <a:latin typeface="Times New Roman" charset="0"/>
+                                <a:latin typeface="Cambria Math" charset="0"/>
                                 <a:ea typeface="Times New Roman" charset="0"/>
                                 <a:cs typeface="Times New Roman" charset="0"/>
                               </a:rPr>
@@ -16325,7 +22290,7 @@
                         </m:sSup>
                         <m:r>
                           <a:rPr lang="en-US" b="0" i="1" smtClean="0">
-                            <a:latin typeface="Times New Roman" charset="0"/>
+                            <a:latin typeface="Cambria Math" charset="0"/>
                             <a:ea typeface="Times New Roman" charset="0"/>
                             <a:cs typeface="Times New Roman" charset="0"/>
                           </a:rPr>
@@ -16333,7 +22298,7 @@
                         </m:r>
                         <m:r>
                           <a:rPr lang="en-US" b="0" i="1" smtClean="0">
-                            <a:latin typeface="Times New Roman" charset="0"/>
+                            <a:latin typeface="Cambria Math" charset="0"/>
                             <a:ea typeface="Times New Roman" charset="0"/>
                             <a:cs typeface="Times New Roman" charset="0"/>
                           </a:rPr>
@@ -16341,7 +22306,7 @@
                         </m:r>
                         <m:r>
                           <a:rPr lang="en-US" b="0" i="1" smtClean="0">
-                            <a:latin typeface="Times New Roman" charset="0"/>
+                            <a:latin typeface="Cambria Math" charset="0"/>
                             <a:ea typeface="Times New Roman" charset="0"/>
                             <a:cs typeface="Times New Roman" charset="0"/>
                           </a:rPr>
@@ -16349,7 +22314,7 @@
                         </m:r>
                         <m:r>
                           <a:rPr lang="en-US" b="0" i="1" smtClean="0">
-                            <a:latin typeface="Times New Roman" charset="0"/>
+                            <a:latin typeface="Cambria Math" charset="0"/>
                             <a:ea typeface="Times New Roman" charset="0"/>
                             <a:cs typeface="Times New Roman" charset="0"/>
                           </a:rPr>
@@ -16359,7 +22324,7 @@
                       <m:sub>
                         <m:r>
                           <a:rPr lang="en-US" b="0" i="1" smtClean="0">
-                            <a:latin typeface="Times New Roman" charset="0"/>
+                            <a:latin typeface="Cambria Math" charset="0"/>
                             <a:ea typeface="Times New Roman" charset="0"/>
                             <a:cs typeface="Times New Roman" charset="0"/>
                           </a:rPr>
@@ -16373,7 +22338,7 @@
                         <m:endChr m:val="]"/>
                         <m:ctrlPr>
                           <a:rPr lang="en-US" b="0" i="1" smtClean="0">
-                            <a:latin typeface="Times New Roman" charset="0"/>
+                            <a:latin typeface="Cambria Math" charset="0"/>
                             <a:ea typeface="Times New Roman" charset="0"/>
                             <a:cs typeface="Times New Roman" charset="0"/>
                           </a:rPr>
@@ -16382,7 +22347,7 @@
                       <m:e>
                         <m:r>
                           <a:rPr lang="en-US" b="0" i="1" smtClean="0">
-                            <a:latin typeface="Times New Roman" charset="0"/>
+                            <a:latin typeface="Cambria Math" charset="0"/>
                             <a:ea typeface="Times New Roman" charset="0"/>
                             <a:cs typeface="Times New Roman" charset="0"/>
                           </a:rPr>
@@ -16390,7 +22355,7 @@
                         </m:r>
                         <m:r>
                           <a:rPr lang="en-US" b="0" i="1" smtClean="0">
-                            <a:latin typeface="Times New Roman" charset="0"/>
+                            <a:latin typeface="Cambria Math" charset="0"/>
                             <a:ea typeface="Times New Roman" charset="0"/>
                             <a:cs typeface="Times New Roman" charset="0"/>
                           </a:rPr>
@@ -16398,7 +22363,7 @@
                         </m:r>
                         <m:r>
                           <a:rPr lang="en-US" b="0" i="1" smtClean="0">
-                            <a:latin typeface="Times New Roman" charset="0"/>
+                            <a:latin typeface="Cambria Math" charset="0"/>
                             <a:ea typeface="Times New Roman" charset="0"/>
                             <a:cs typeface="Times New Roman" charset="0"/>
                           </a:rPr>
@@ -16408,7 +22373,7 @@
                     </m:d>
                     <m:r>
                       <a:rPr lang="en-US" b="0" i="1" smtClean="0">
-                        <a:latin typeface="Times New Roman" charset="0"/>
+                        <a:latin typeface="Cambria Math" charset="0"/>
                         <a:ea typeface="Times New Roman" charset="0"/>
                         <a:cs typeface="Times New Roman" charset="0"/>
                       </a:rPr>
@@ -16416,7 +22381,7 @@
                     </m:r>
                     <m:r>
                       <a:rPr lang="en-US" b="0" i="1" smtClean="0">
-                        <a:latin typeface="Times New Roman" charset="0"/>
+                        <a:latin typeface="Cambria Math" charset="0"/>
                         <a:ea typeface="Times New Roman" charset="0"/>
                         <a:cs typeface="Times New Roman" charset="0"/>
                       </a:rPr>
@@ -16426,7 +22391,7 @@
                       <m:dPr>
                         <m:ctrlPr>
                           <a:rPr lang="en-US" b="0" i="1" smtClean="0">
-                            <a:latin typeface="Times New Roman" charset="0"/>
+                            <a:latin typeface="Cambria Math" charset="0"/>
                             <a:ea typeface="Times New Roman" charset="0"/>
                             <a:cs typeface="Times New Roman" charset="0"/>
                           </a:rPr>
@@ -16437,7 +22402,7 @@
                           <m:sSubPr>
                             <m:ctrlPr>
                               <a:rPr lang="en-US" b="0" i="1" smtClean="0">
-                                <a:latin typeface="Times New Roman" charset="0"/>
+                                <a:latin typeface="Cambria Math" charset="0"/>
                                 <a:ea typeface="Times New Roman" charset="0"/>
                                 <a:cs typeface="Times New Roman" charset="0"/>
                               </a:rPr>
@@ -16446,7 +22411,7 @@
                           <m:e>
                             <m:r>
                               <a:rPr lang="en-US" b="0" i="1" smtClean="0">
-                                <a:latin typeface="Times New Roman" charset="0"/>
+                                <a:latin typeface="Cambria Math" charset="0"/>
                                 <a:ea typeface="Times New Roman" charset="0"/>
                                 <a:cs typeface="Times New Roman" charset="0"/>
                               </a:rPr>
@@ -16456,7 +22421,7 @@
                           <m:sub>
                             <m:r>
                               <a:rPr lang="en-US" b="0" i="1" smtClean="0">
-                                <a:latin typeface="Times New Roman" charset="0"/>
+                                <a:latin typeface="Cambria Math" charset="0"/>
                                 <a:ea typeface="Times New Roman" charset="0"/>
                                 <a:cs typeface="Times New Roman" charset="0"/>
                               </a:rPr>
@@ -16466,7 +22431,7 @@
                         </m:sSub>
                         <m:r>
                           <a:rPr lang="en-US" b="0" i="1" smtClean="0">
-                            <a:latin typeface="Times New Roman" charset="0"/>
+                            <a:latin typeface="Cambria Math" charset="0"/>
                             <a:ea typeface="Times New Roman" charset="0"/>
                             <a:cs typeface="Times New Roman" charset="0"/>
                           </a:rPr>
@@ -16476,7 +22441,7 @@
                           <m:sSubPr>
                             <m:ctrlPr>
                               <a:rPr lang="en-US" b="0" i="1" smtClean="0">
-                                <a:latin typeface="Times New Roman" charset="0"/>
+                                <a:latin typeface="Cambria Math" charset="0"/>
                                 <a:ea typeface="Times New Roman" charset="0"/>
                                 <a:cs typeface="Times New Roman" charset="0"/>
                               </a:rPr>
@@ -16485,7 +22450,7 @@
                           <m:e>
                             <m:r>
                               <a:rPr lang="en-US" b="0" i="1" smtClean="0">
-                                <a:latin typeface="Times New Roman" charset="0"/>
+                                <a:latin typeface="Cambria Math" charset="0"/>
                                 <a:ea typeface="Times New Roman" charset="0"/>
                                 <a:cs typeface="Times New Roman" charset="0"/>
                               </a:rPr>
@@ -16495,7 +22460,7 @@
                           <m:sub>
                             <m:r>
                               <a:rPr lang="en-US" b="0" i="1" smtClean="0">
-                                <a:latin typeface="Times New Roman" charset="0"/>
+                                <a:latin typeface="Cambria Math" charset="0"/>
                                 <a:ea typeface="Times New Roman" charset="0"/>
                                 <a:cs typeface="Times New Roman" charset="0"/>
                               </a:rPr>
@@ -16507,7 +22472,7 @@
                     </m:d>
                     <m:r>
                       <a:rPr lang="en-US" b="0" i="1" smtClean="0">
-                        <a:latin typeface="Times New Roman" charset="0"/>
+                        <a:latin typeface="Cambria Math" charset="0"/>
                         <a:ea typeface="Times New Roman" charset="0"/>
                         <a:cs typeface="Times New Roman" charset="0"/>
                       </a:rPr>
@@ -16515,7 +22480,7 @@
                     </m:r>
                     <m:r>
                       <a:rPr lang="en-US" b="0" i="1" smtClean="0">
-                        <a:latin typeface="Times New Roman" charset="0"/>
+                        <a:latin typeface="Cambria Math" charset="0"/>
                         <a:ea typeface="Times New Roman" charset="0"/>
                         <a:cs typeface="Times New Roman" charset="0"/>
                       </a:rPr>
@@ -16527,7 +22492,7 @@
                         <m:endChr m:val="]"/>
                         <m:ctrlPr>
                           <a:rPr lang="en-US" b="0" i="1" smtClean="0">
-                            <a:latin typeface="Times New Roman" charset="0"/>
+                            <a:latin typeface="Cambria Math" charset="0"/>
                             <a:ea typeface="Times New Roman" charset="0"/>
                             <a:cs typeface="Times New Roman" charset="0"/>
                           </a:rPr>
@@ -16536,7 +22501,7 @@
                       <m:e>
                         <m:r>
                           <a:rPr lang="en-US" b="0" i="1" smtClean="0">
-                            <a:latin typeface="Times New Roman" charset="0"/>
+                            <a:latin typeface="Cambria Math" charset="0"/>
                             <a:ea typeface="Times New Roman" charset="0"/>
                             <a:cs typeface="Times New Roman" charset="0"/>
                           </a:rPr>
@@ -16544,7 +22509,7 @@
                         </m:r>
                         <m:r>
                           <a:rPr lang="en-US" b="0" i="1" smtClean="0">
-                            <a:latin typeface="Times New Roman" charset="0"/>
+                            <a:latin typeface="Cambria Math" charset="0"/>
                             <a:ea typeface="Times New Roman" charset="0"/>
                             <a:cs typeface="Times New Roman" charset="0"/>
                           </a:rPr>
@@ -16552,7 +22517,7 @@
                         </m:r>
                         <m:r>
                           <a:rPr lang="en-US" b="0" i="1" smtClean="0">
-                            <a:latin typeface="Times New Roman" charset="0"/>
+                            <a:latin typeface="Cambria Math" charset="0"/>
                             <a:ea typeface="Times New Roman" charset="0"/>
                             <a:cs typeface="Times New Roman" charset="0"/>
                           </a:rPr>
@@ -16562,7 +22527,7 @@
                     </m:d>
                     <m:r>
                       <a:rPr lang="en-US" b="0" i="1" smtClean="0">
-                        <a:latin typeface="Times New Roman" charset="0"/>
+                        <a:latin typeface="Cambria Math" charset="0"/>
                         <a:ea typeface="Times New Roman" charset="0"/>
                         <a:cs typeface="Times New Roman" charset="0"/>
                       </a:rPr>
@@ -16572,7 +22537,7 @@
                       <m:sSupPr>
                         <m:ctrlPr>
                           <a:rPr lang="en-US" b="0" i="1" smtClean="0">
-                            <a:latin typeface="Times New Roman" charset="0"/>
+                            <a:latin typeface="Cambria Math" charset="0"/>
                             <a:ea typeface="Times New Roman" charset="0"/>
                             <a:cs typeface="Times New Roman" charset="0"/>
                           </a:rPr>
@@ -16581,7 +22546,7 @@
                       <m:e>
                         <m:r>
                           <a:rPr lang="en-US" b="0" i="1" smtClean="0">
-                            <a:latin typeface="Times New Roman" charset="0"/>
+                            <a:latin typeface="Cambria Math" charset="0"/>
                             <a:ea typeface="Times New Roman" charset="0"/>
                             <a:cs typeface="Times New Roman" charset="0"/>
                           </a:rPr>
@@ -16591,7 +22556,7 @@
                       <m:sup>
                         <m:r>
                           <a:rPr lang="en-US" b="0" i="1" smtClean="0">
-                            <a:latin typeface="Times New Roman" charset="0"/>
+                            <a:latin typeface="Cambria Math" charset="0"/>
                             <a:ea typeface="Times New Roman" charset="0"/>
                             <a:cs typeface="Times New Roman" charset="0"/>
                           </a:rPr>
@@ -16631,7 +22596,7 @@
                   <m:oMath xmlns:m="http://schemas.openxmlformats.org/officeDocument/2006/math">
                     <m:r>
                       <a:rPr lang="en-US" b="0" i="1" smtClean="0">
-                        <a:latin typeface="Times New Roman" charset="0"/>
+                        <a:latin typeface="Cambria Math" charset="0"/>
                         <a:ea typeface="Times New Roman" charset="0"/>
                         <a:cs typeface="Times New Roman" charset="0"/>
                       </a:rPr>
@@ -16691,7 +22656,7 @@
             </p:txBody>
           </p:sp>
         </mc:Choice>
-        <mc:Fallback>
+        <mc:Fallback xmlns="">
           <p:sp>
             <p:nvSpPr>
               <p:cNvPr id="3" name="Content Placeholder 2"/>

--- a/Presentation.pptx
+++ b/Presentation.pptx
@@ -19595,6 +19595,572 @@
               </a:p>
               <a:p>
                 <a:pPr lvl="1"/>
+                <a14:m>
+                  <m:oMath xmlns:m="http://schemas.openxmlformats.org/officeDocument/2006/math">
+                    <m:sSubSup>
+                      <m:sSubSupPr>
+                        <m:ctrlPr>
+                          <a:rPr lang="en-US" i="1">
+                            <a:latin typeface="Cambria Math" charset="0"/>
+                          </a:rPr>
+                        </m:ctrlPr>
+                      </m:sSubSupPr>
+                      <m:e>
+                        <m:r>
+                          <a:rPr lang="en-US" i="1">
+                            <a:latin typeface="Cambria Math" charset="0"/>
+                          </a:rPr>
+                          <m:t>𝜇</m:t>
+                        </m:r>
+                      </m:e>
+                      <m:sub>
+                        <m:r>
+                          <a:rPr lang="en-US" i="1">
+                            <a:latin typeface="Cambria Math" charset="0"/>
+                          </a:rPr>
+                          <m:t>∗</m:t>
+                        </m:r>
+                      </m:sub>
+                      <m:sup>
+                        <m:r>
+                          <a:rPr lang="en-US" i="1">
+                            <a:latin typeface="Cambria Math" charset="0"/>
+                          </a:rPr>
+                          <m:t>(</m:t>
+                        </m:r>
+                        <m:r>
+                          <a:rPr lang="en-US" i="1">
+                            <a:latin typeface="Cambria Math" charset="0"/>
+                          </a:rPr>
+                          <m:t>𝑡</m:t>
+                        </m:r>
+                        <m:r>
+                          <a:rPr lang="en-US" i="1">
+                            <a:latin typeface="Cambria Math" charset="0"/>
+                          </a:rPr>
+                          <m:t>)</m:t>
+                        </m:r>
+                      </m:sup>
+                    </m:sSubSup>
+                    <m:r>
+                      <a:rPr lang="en-US" i="1">
+                        <a:latin typeface="Cambria Math" charset="0"/>
+                      </a:rPr>
+                      <m:t>= </m:t>
+                    </m:r>
+                    <m:nary>
+                      <m:naryPr>
+                        <m:chr m:val="∑"/>
+                        <m:ctrlPr>
+                          <a:rPr lang="is-IS" i="1">
+                            <a:latin typeface="Cambria Math" charset="0"/>
+                          </a:rPr>
+                        </m:ctrlPr>
+                      </m:naryPr>
+                      <m:sub>
+                        <m:r>
+                          <a:rPr lang="en-US" i="1">
+                            <a:latin typeface="Cambria Math" charset="0"/>
+                          </a:rPr>
+                          <m:t>𝑛</m:t>
+                        </m:r>
+                        <m:r>
+                          <a:rPr lang="en-US" i="1">
+                            <a:latin typeface="Cambria Math" charset="0"/>
+                          </a:rPr>
+                          <m:t>=1</m:t>
+                        </m:r>
+                      </m:sub>
+                      <m:sup>
+                        <m:r>
+                          <a:rPr lang="en-US" i="1">
+                            <a:latin typeface="Cambria Math" charset="0"/>
+                          </a:rPr>
+                          <m:t>𝑁</m:t>
+                        </m:r>
+                      </m:sup>
+                      <m:e>
+                        <m:sSup>
+                          <m:sSupPr>
+                            <m:ctrlPr>
+                              <a:rPr lang="en-US" i="1">
+                                <a:latin typeface="Cambria Math" charset="0"/>
+                              </a:rPr>
+                            </m:ctrlPr>
+                          </m:sSupPr>
+                          <m:e>
+                            <m:r>
+                              <a:rPr lang="en-US" i="1">
+                                <a:latin typeface="Cambria Math" charset="0"/>
+                              </a:rPr>
+                              <m:t>𝑘</m:t>
+                            </m:r>
+                          </m:e>
+                          <m:sup>
+                            <m:r>
+                              <a:rPr lang="en-US" i="1">
+                                <a:latin typeface="Cambria Math" charset="0"/>
+                              </a:rPr>
+                              <m:t>𝑎</m:t>
+                            </m:r>
+                            <m:r>
+                              <a:rPr lang="en-US" i="1">
+                                <a:latin typeface="Cambria Math" charset="0"/>
+                              </a:rPr>
+                              <m:t> </m:t>
+                            </m:r>
+                          </m:sup>
+                        </m:sSup>
+                        <m:d>
+                          <m:dPr>
+                            <m:ctrlPr>
+                              <a:rPr lang="en-US" i="1">
+                                <a:latin typeface="Cambria Math" charset="0"/>
+                              </a:rPr>
+                            </m:ctrlPr>
+                          </m:dPr>
+                          <m:e>
+                            <m:sSub>
+                              <m:sSubPr>
+                                <m:ctrlPr>
+                                  <a:rPr lang="en-US" i="1">
+                                    <a:latin typeface="Cambria Math" charset="0"/>
+                                  </a:rPr>
+                                </m:ctrlPr>
+                              </m:sSubPr>
+                              <m:e>
+                                <m:r>
+                                  <a:rPr lang="en-US" i="1">
+                                    <a:latin typeface="Cambria Math" charset="0"/>
+                                  </a:rPr>
+                                  <m:t>𝑥</m:t>
+                                </m:r>
+                              </m:e>
+                              <m:sub>
+                                <m:r>
+                                  <a:rPr lang="en-US" i="1">
+                                    <a:latin typeface="Cambria Math" charset="0"/>
+                                  </a:rPr>
+                                  <m:t>∗</m:t>
+                                </m:r>
+                              </m:sub>
+                            </m:sSub>
+                            <m:r>
+                              <a:rPr lang="en-US" i="1">
+                                <a:latin typeface="Cambria Math" charset="0"/>
+                              </a:rPr>
+                              <m:t>, </m:t>
+                            </m:r>
+                            <m:sSub>
+                              <m:sSubPr>
+                                <m:ctrlPr>
+                                  <a:rPr lang="en-US" i="1">
+                                    <a:latin typeface="Cambria Math" charset="0"/>
+                                  </a:rPr>
+                                </m:ctrlPr>
+                              </m:sSubPr>
+                              <m:e>
+                                <m:r>
+                                  <a:rPr lang="en-US" i="1">
+                                    <a:latin typeface="Cambria Math" charset="0"/>
+                                  </a:rPr>
+                                  <m:t>𝑥</m:t>
+                                </m:r>
+                              </m:e>
+                              <m:sub>
+                                <m:r>
+                                  <a:rPr lang="en-US" i="1">
+                                    <a:latin typeface="Cambria Math" charset="0"/>
+                                  </a:rPr>
+                                  <m:t>𝑛</m:t>
+                                </m:r>
+                              </m:sub>
+                            </m:sSub>
+                          </m:e>
+                        </m:d>
+                        <m:sSubSup>
+                          <m:sSubSupPr>
+                            <m:ctrlPr>
+                              <a:rPr lang="en-US" i="1">
+                                <a:latin typeface="Cambria Math" charset="0"/>
+                              </a:rPr>
+                            </m:ctrlPr>
+                          </m:sSubSupPr>
+                          <m:e>
+                            <m:r>
+                              <a:rPr lang="en-US" i="1">
+                                <a:latin typeface="Cambria Math" charset="0"/>
+                              </a:rPr>
+                              <m:t>𝛼</m:t>
+                            </m:r>
+                          </m:e>
+                          <m:sub>
+                            <m:r>
+                              <a:rPr lang="en-US" i="1">
+                                <a:latin typeface="Cambria Math" charset="0"/>
+                              </a:rPr>
+                              <m:t>𝑛</m:t>
+                            </m:r>
+                          </m:sub>
+                          <m:sup>
+                            <m:r>
+                              <a:rPr lang="en-US" i="1">
+                                <a:latin typeface="Cambria Math" charset="0"/>
+                              </a:rPr>
+                              <m:t>𝑡</m:t>
+                            </m:r>
+                          </m:sup>
+                        </m:sSubSup>
+                      </m:e>
+                    </m:nary>
+                  </m:oMath>
+                </a14:m>
+                <a:endParaRPr lang="en-US" i="1" dirty="0" smtClean="0">
+                  <a:latin typeface="Cambria Math" charset="0"/>
+                </a:endParaRPr>
+              </a:p>
+              <a:p>
+                <a:pPr lvl="1"/>
+                <a14:m>
+                  <m:oMath xmlns:m="http://schemas.openxmlformats.org/officeDocument/2006/math">
+                    <m:sSubSup>
+                      <m:sSubSupPr>
+                        <m:ctrlPr>
+                          <a:rPr lang="en-US" i="1">
+                            <a:latin typeface="Cambria Math" charset="0"/>
+                          </a:rPr>
+                        </m:ctrlPr>
+                      </m:sSubSupPr>
+                      <m:e>
+                        <m:r>
+                          <a:rPr lang="en-US" i="1">
+                            <a:latin typeface="Cambria Math" charset="0"/>
+                          </a:rPr>
+                          <m:t>𝜇</m:t>
+                        </m:r>
+                      </m:e>
+                      <m:sub>
+                        <m:r>
+                          <a:rPr lang="en-US" i="1">
+                            <a:latin typeface="Cambria Math" charset="0"/>
+                          </a:rPr>
+                          <m:t>∗</m:t>
+                        </m:r>
+                      </m:sub>
+                      <m:sup>
+                        <m:r>
+                          <a:rPr lang="en-US" i="1">
+                            <a:latin typeface="Cambria Math" charset="0"/>
+                          </a:rPr>
+                          <m:t>(</m:t>
+                        </m:r>
+                        <m:r>
+                          <a:rPr lang="en-US" i="1">
+                            <a:latin typeface="Cambria Math" charset="0"/>
+                          </a:rPr>
+                          <m:t>𝑡</m:t>
+                        </m:r>
+                        <m:r>
+                          <a:rPr lang="en-US" i="1">
+                            <a:latin typeface="Cambria Math" charset="0"/>
+                          </a:rPr>
+                          <m:t>)</m:t>
+                        </m:r>
+                      </m:sup>
+                    </m:sSubSup>
+                    <m:r>
+                      <a:rPr lang="en-US" i="1">
+                        <a:latin typeface="Cambria Math" charset="0"/>
+                      </a:rPr>
+                      <m:t>= </m:t>
+                    </m:r>
+                    <m:nary>
+                      <m:naryPr>
+                        <m:chr m:val="∑"/>
+                        <m:ctrlPr>
+                          <a:rPr lang="is-IS" i="1">
+                            <a:latin typeface="Cambria Math" charset="0"/>
+                          </a:rPr>
+                        </m:ctrlPr>
+                      </m:naryPr>
+                      <m:sub>
+                        <m:r>
+                          <a:rPr lang="en-US" i="1">
+                            <a:latin typeface="Cambria Math" charset="0"/>
+                          </a:rPr>
+                          <m:t>𝑛</m:t>
+                        </m:r>
+                        <m:r>
+                          <a:rPr lang="en-US" i="1">
+                            <a:latin typeface="Cambria Math" charset="0"/>
+                          </a:rPr>
+                          <m:t>=1</m:t>
+                        </m:r>
+                      </m:sub>
+                      <m:sup>
+                        <m:r>
+                          <a:rPr lang="en-US" i="1">
+                            <a:latin typeface="Cambria Math" charset="0"/>
+                          </a:rPr>
+                          <m:t>𝑁</m:t>
+                        </m:r>
+                      </m:sup>
+                      <m:e>
+                        <m:sSup>
+                          <m:sSupPr>
+                            <m:ctrlPr>
+                              <a:rPr lang="en-US" i="1">
+                                <a:latin typeface="Cambria Math" charset="0"/>
+                              </a:rPr>
+                            </m:ctrlPr>
+                          </m:sSupPr>
+                          <m:e>
+                            <m:r>
+                              <a:rPr lang="en-US" i="1">
+                                <a:latin typeface="Cambria Math" charset="0"/>
+                              </a:rPr>
+                              <m:t>𝑘</m:t>
+                            </m:r>
+                          </m:e>
+                          <m:sup>
+                            <m:r>
+                              <a:rPr lang="en-US" i="1">
+                                <a:latin typeface="Cambria Math" charset="0"/>
+                              </a:rPr>
+                              <m:t>𝑎</m:t>
+                            </m:r>
+                            <m:r>
+                              <a:rPr lang="en-US" i="1">
+                                <a:latin typeface="Cambria Math" charset="0"/>
+                              </a:rPr>
+                              <m:t> </m:t>
+                            </m:r>
+                          </m:sup>
+                        </m:sSup>
+                        <m:d>
+                          <m:dPr>
+                            <m:ctrlPr>
+                              <a:rPr lang="en-US" i="1">
+                                <a:latin typeface="Cambria Math" charset="0"/>
+                              </a:rPr>
+                            </m:ctrlPr>
+                          </m:dPr>
+                          <m:e>
+                            <m:sSub>
+                              <m:sSubPr>
+                                <m:ctrlPr>
+                                  <a:rPr lang="en-US" i="1">
+                                    <a:latin typeface="Cambria Math" charset="0"/>
+                                  </a:rPr>
+                                </m:ctrlPr>
+                              </m:sSubPr>
+                              <m:e>
+                                <m:r>
+                                  <a:rPr lang="en-US" i="1">
+                                    <a:latin typeface="Cambria Math" charset="0"/>
+                                  </a:rPr>
+                                  <m:t>𝑥</m:t>
+                                </m:r>
+                              </m:e>
+                              <m:sub>
+                                <m:r>
+                                  <a:rPr lang="en-US" i="1">
+                                    <a:latin typeface="Cambria Math" charset="0"/>
+                                  </a:rPr>
+                                  <m:t>∗</m:t>
+                                </m:r>
+                              </m:sub>
+                            </m:sSub>
+                            <m:r>
+                              <a:rPr lang="en-US" i="1">
+                                <a:latin typeface="Cambria Math" charset="0"/>
+                              </a:rPr>
+                              <m:t>, </m:t>
+                            </m:r>
+                            <m:sSub>
+                              <m:sSubPr>
+                                <m:ctrlPr>
+                                  <a:rPr lang="en-US" i="1">
+                                    <a:latin typeface="Cambria Math" charset="0"/>
+                                  </a:rPr>
+                                </m:ctrlPr>
+                              </m:sSubPr>
+                              <m:e>
+                                <m:r>
+                                  <a:rPr lang="en-US" i="1">
+                                    <a:latin typeface="Cambria Math" charset="0"/>
+                                  </a:rPr>
+                                  <m:t>𝑥</m:t>
+                                </m:r>
+                              </m:e>
+                              <m:sub>
+                                <m:r>
+                                  <a:rPr lang="en-US" i="1">
+                                    <a:latin typeface="Cambria Math" charset="0"/>
+                                  </a:rPr>
+                                  <m:t>𝑛</m:t>
+                                </m:r>
+                              </m:sub>
+                            </m:sSub>
+                          </m:e>
+                        </m:d>
+                      </m:e>
+                    </m:nary>
+                    <m:nary>
+                      <m:naryPr>
+                        <m:chr m:val="∑"/>
+                        <m:ctrlPr>
+                          <a:rPr lang="is-IS" i="1" dirty="0">
+                            <a:latin typeface="Cambria Math" charset="0"/>
+                          </a:rPr>
+                        </m:ctrlPr>
+                      </m:naryPr>
+                      <m:sub>
+                        <m:r>
+                          <m:rPr>
+                            <m:brk m:alnAt="23"/>
+                          </m:rPr>
+                          <a:rPr lang="en-US" i="1" dirty="0">
+                            <a:latin typeface="Cambria Math" charset="0"/>
+                          </a:rPr>
+                          <m:t>𝑖</m:t>
+                        </m:r>
+                        <m:r>
+                          <a:rPr lang="en-US" i="1" dirty="0">
+                            <a:latin typeface="Cambria Math" charset="0"/>
+                          </a:rPr>
+                          <m:t>=1</m:t>
+                        </m:r>
+                      </m:sub>
+                      <m:sup>
+                        <m:r>
+                          <a:rPr lang="en-US" i="1" dirty="0">
+                            <a:latin typeface="Cambria Math" charset="0"/>
+                          </a:rPr>
+                          <m:t>𝐾</m:t>
+                        </m:r>
+                      </m:sup>
+                      <m:e>
+                        <m:r>
+                          <a:rPr lang="en-US" i="1" dirty="0">
+                            <a:latin typeface="Cambria Math" charset="0"/>
+                          </a:rPr>
+                          <m:t>𝑧</m:t>
+                        </m:r>
+                        <m:sSub>
+                          <m:sSubPr>
+                            <m:ctrlPr>
+                              <a:rPr lang="en-US" i="1" dirty="0">
+                                <a:latin typeface="Cambria Math" charset="0"/>
+                              </a:rPr>
+                            </m:ctrlPr>
+                          </m:sSubPr>
+                          <m:e>
+                            <m:d>
+                              <m:dPr>
+                                <m:ctrlPr>
+                                  <a:rPr lang="en-US" i="1" dirty="0">
+                                    <a:latin typeface="Cambria Math" charset="0"/>
+                                  </a:rPr>
+                                </m:ctrlPr>
+                              </m:dPr>
+                              <m:e>
+                                <m:r>
+                                  <a:rPr lang="en-US" i="1" dirty="0">
+                                    <a:latin typeface="Cambria Math" charset="0"/>
+                                  </a:rPr>
+                                  <m:t>𝑡</m:t>
+                                </m:r>
+                              </m:e>
+                            </m:d>
+                          </m:e>
+                          <m:sub>
+                            <m:r>
+                              <a:rPr lang="en-US" i="1" dirty="0">
+                                <a:latin typeface="Cambria Math" charset="0"/>
+                              </a:rPr>
+                              <m:t>𝑖</m:t>
+                            </m:r>
+                          </m:sub>
+                        </m:sSub>
+                        <m:sSub>
+                          <m:sSubPr>
+                            <m:ctrlPr>
+                              <a:rPr lang="en-US" i="1" dirty="0">
+                                <a:latin typeface="Cambria Math" charset="0"/>
+                              </a:rPr>
+                            </m:ctrlPr>
+                          </m:sSubPr>
+                          <m:e>
+                            <m:r>
+                              <a:rPr lang="en-US" i="1" dirty="0">
+                                <a:latin typeface="Cambria Math" charset="0"/>
+                              </a:rPr>
+                              <m:t>𝐵</m:t>
+                            </m:r>
+                          </m:e>
+                          <m:sub>
+                            <m:r>
+                              <a:rPr lang="en-US" i="1" dirty="0">
+                                <a:latin typeface="Cambria Math" charset="0"/>
+                              </a:rPr>
+                              <m:t>𝑛𝑖</m:t>
+                            </m:r>
+                          </m:sub>
+                        </m:sSub>
+                      </m:e>
+                    </m:nary>
+                  </m:oMath>
+                </a14:m>
+                <a:endParaRPr lang="en-US" dirty="0" smtClean="0"/>
+              </a:p>
+              <a:p>
+                <a:pPr lvl="1"/>
+                <a:r>
+                  <a:rPr lang="en-US" dirty="0" smtClean="0"/>
+                  <a:t>To calculate </a:t>
+                </a:r>
+                <a14:m>
+                  <m:oMath xmlns:m="http://schemas.openxmlformats.org/officeDocument/2006/math">
+                    <m:r>
+                      <a:rPr lang="en-US" b="0" i="1" smtClean="0">
+                        <a:latin typeface="Cambria Math" charset="0"/>
+                      </a:rPr>
+                      <m:t>𝜇</m:t>
+                    </m:r>
+                  </m:oMath>
+                </a14:m>
+                <a:r>
+                  <a:rPr lang="en-US" dirty="0" smtClean="0"/>
+                  <a:t> we need to find B and z, others are known</a:t>
+                </a:r>
+              </a:p>
+              <a:p>
+                <a:pPr lvl="1"/>
+                <a:r>
+                  <a:rPr lang="en-US" dirty="0" smtClean="0"/>
+                  <a:t>How to find B and z?  Alternating optimization</a:t>
+                </a:r>
+              </a:p>
+              <a:p>
+                <a:r>
+                  <a:rPr lang="en-US" dirty="0" smtClean="0"/>
+                  <a:t>Alternating Optimization:</a:t>
+                </a:r>
+              </a:p>
+              <a:p>
+                <a:pPr lvl="1"/>
+                <a:endParaRPr lang="en-US" dirty="0" smtClean="0"/>
+              </a:p>
+              <a:p>
+                <a:pPr lvl="1"/>
+                <a:endParaRPr lang="en-US" dirty="0" smtClean="0"/>
+              </a:p>
+              <a:p>
+                <a:endParaRPr lang="en-US" dirty="0" smtClean="0"/>
+              </a:p>
+              <a:p>
+                <a:pPr lvl="1"/>
                 <a:endParaRPr lang="en-US" dirty="0"/>
               </a:p>
             </p:txBody>

--- a/Presentation.pptx
+++ b/Presentation.pptx
@@ -19591,230 +19591,6 @@
                     </m:r>
                   </m:oMath>
                 </a14:m>
-                <a:endParaRPr lang="en-US" dirty="0" smtClean="0"/>
-              </a:p>
-              <a:p>
-                <a:pPr lvl="1"/>
-                <a14:m>
-                  <m:oMath xmlns:m="http://schemas.openxmlformats.org/officeDocument/2006/math">
-                    <m:sSubSup>
-                      <m:sSubSupPr>
-                        <m:ctrlPr>
-                          <a:rPr lang="en-US" i="1">
-                            <a:latin typeface="Cambria Math" charset="0"/>
-                          </a:rPr>
-                        </m:ctrlPr>
-                      </m:sSubSupPr>
-                      <m:e>
-                        <m:r>
-                          <a:rPr lang="en-US" i="1">
-                            <a:latin typeface="Cambria Math" charset="0"/>
-                          </a:rPr>
-                          <m:t>𝜇</m:t>
-                        </m:r>
-                      </m:e>
-                      <m:sub>
-                        <m:r>
-                          <a:rPr lang="en-US" i="1">
-                            <a:latin typeface="Cambria Math" charset="0"/>
-                          </a:rPr>
-                          <m:t>∗</m:t>
-                        </m:r>
-                      </m:sub>
-                      <m:sup>
-                        <m:r>
-                          <a:rPr lang="en-US" i="1">
-                            <a:latin typeface="Cambria Math" charset="0"/>
-                          </a:rPr>
-                          <m:t>(</m:t>
-                        </m:r>
-                        <m:r>
-                          <a:rPr lang="en-US" i="1">
-                            <a:latin typeface="Cambria Math" charset="0"/>
-                          </a:rPr>
-                          <m:t>𝑡</m:t>
-                        </m:r>
-                        <m:r>
-                          <a:rPr lang="en-US" i="1">
-                            <a:latin typeface="Cambria Math" charset="0"/>
-                          </a:rPr>
-                          <m:t>)</m:t>
-                        </m:r>
-                      </m:sup>
-                    </m:sSubSup>
-                    <m:r>
-                      <a:rPr lang="en-US" i="1">
-                        <a:latin typeface="Cambria Math" charset="0"/>
-                      </a:rPr>
-                      <m:t>= </m:t>
-                    </m:r>
-                    <m:nary>
-                      <m:naryPr>
-                        <m:chr m:val="∑"/>
-                        <m:ctrlPr>
-                          <a:rPr lang="is-IS" i="1">
-                            <a:latin typeface="Cambria Math" charset="0"/>
-                          </a:rPr>
-                        </m:ctrlPr>
-                      </m:naryPr>
-                      <m:sub>
-                        <m:r>
-                          <a:rPr lang="en-US" i="1">
-                            <a:latin typeface="Cambria Math" charset="0"/>
-                          </a:rPr>
-                          <m:t>𝑛</m:t>
-                        </m:r>
-                        <m:r>
-                          <a:rPr lang="en-US" i="1">
-                            <a:latin typeface="Cambria Math" charset="0"/>
-                          </a:rPr>
-                          <m:t>=1</m:t>
-                        </m:r>
-                      </m:sub>
-                      <m:sup>
-                        <m:r>
-                          <a:rPr lang="en-US" i="1">
-                            <a:latin typeface="Cambria Math" charset="0"/>
-                          </a:rPr>
-                          <m:t>𝑁</m:t>
-                        </m:r>
-                      </m:sup>
-                      <m:e>
-                        <m:sSup>
-                          <m:sSupPr>
-                            <m:ctrlPr>
-                              <a:rPr lang="en-US" i="1">
-                                <a:latin typeface="Cambria Math" charset="0"/>
-                              </a:rPr>
-                            </m:ctrlPr>
-                          </m:sSupPr>
-                          <m:e>
-                            <m:r>
-                              <a:rPr lang="en-US" i="1">
-                                <a:latin typeface="Cambria Math" charset="0"/>
-                              </a:rPr>
-                              <m:t>𝑘</m:t>
-                            </m:r>
-                          </m:e>
-                          <m:sup>
-                            <m:r>
-                              <a:rPr lang="en-US" i="1">
-                                <a:latin typeface="Cambria Math" charset="0"/>
-                              </a:rPr>
-                              <m:t>𝑎</m:t>
-                            </m:r>
-                            <m:r>
-                              <a:rPr lang="en-US" i="1">
-                                <a:latin typeface="Cambria Math" charset="0"/>
-                              </a:rPr>
-                              <m:t> </m:t>
-                            </m:r>
-                          </m:sup>
-                        </m:sSup>
-                        <m:d>
-                          <m:dPr>
-                            <m:ctrlPr>
-                              <a:rPr lang="en-US" i="1">
-                                <a:latin typeface="Cambria Math" charset="0"/>
-                              </a:rPr>
-                            </m:ctrlPr>
-                          </m:dPr>
-                          <m:e>
-                            <m:sSub>
-                              <m:sSubPr>
-                                <m:ctrlPr>
-                                  <a:rPr lang="en-US" i="1">
-                                    <a:latin typeface="Cambria Math" charset="0"/>
-                                  </a:rPr>
-                                </m:ctrlPr>
-                              </m:sSubPr>
-                              <m:e>
-                                <m:r>
-                                  <a:rPr lang="en-US" i="1">
-                                    <a:latin typeface="Cambria Math" charset="0"/>
-                                  </a:rPr>
-                                  <m:t>𝑥</m:t>
-                                </m:r>
-                              </m:e>
-                              <m:sub>
-                                <m:r>
-                                  <a:rPr lang="en-US" i="1">
-                                    <a:latin typeface="Cambria Math" charset="0"/>
-                                  </a:rPr>
-                                  <m:t>∗</m:t>
-                                </m:r>
-                              </m:sub>
-                            </m:sSub>
-                            <m:r>
-                              <a:rPr lang="en-US" i="1">
-                                <a:latin typeface="Cambria Math" charset="0"/>
-                              </a:rPr>
-                              <m:t>, </m:t>
-                            </m:r>
-                            <m:sSub>
-                              <m:sSubPr>
-                                <m:ctrlPr>
-                                  <a:rPr lang="en-US" i="1">
-                                    <a:latin typeface="Cambria Math" charset="0"/>
-                                  </a:rPr>
-                                </m:ctrlPr>
-                              </m:sSubPr>
-                              <m:e>
-                                <m:r>
-                                  <a:rPr lang="en-US" i="1">
-                                    <a:latin typeface="Cambria Math" charset="0"/>
-                                  </a:rPr>
-                                  <m:t>𝑥</m:t>
-                                </m:r>
-                              </m:e>
-                              <m:sub>
-                                <m:r>
-                                  <a:rPr lang="en-US" i="1">
-                                    <a:latin typeface="Cambria Math" charset="0"/>
-                                  </a:rPr>
-                                  <m:t>𝑛</m:t>
-                                </m:r>
-                              </m:sub>
-                            </m:sSub>
-                          </m:e>
-                        </m:d>
-                        <m:sSubSup>
-                          <m:sSubSupPr>
-                            <m:ctrlPr>
-                              <a:rPr lang="en-US" i="1">
-                                <a:latin typeface="Cambria Math" charset="0"/>
-                              </a:rPr>
-                            </m:ctrlPr>
-                          </m:sSubSupPr>
-                          <m:e>
-                            <m:r>
-                              <a:rPr lang="en-US" i="1">
-                                <a:latin typeface="Cambria Math" charset="0"/>
-                              </a:rPr>
-                              <m:t>𝛼</m:t>
-                            </m:r>
-                          </m:e>
-                          <m:sub>
-                            <m:r>
-                              <a:rPr lang="en-US" i="1">
-                                <a:latin typeface="Cambria Math" charset="0"/>
-                              </a:rPr>
-                              <m:t>𝑛</m:t>
-                            </m:r>
-                          </m:sub>
-                          <m:sup>
-                            <m:r>
-                              <a:rPr lang="en-US" i="1">
-                                <a:latin typeface="Cambria Math" charset="0"/>
-                              </a:rPr>
-                              <m:t>𝑡</m:t>
-                            </m:r>
-                          </m:sup>
-                        </m:sSubSup>
-                      </m:e>
-                    </m:nary>
-                  </m:oMath>
-                </a14:m>
                 <a:endParaRPr lang="en-US" i="1" dirty="0" smtClean="0">
                   <a:latin typeface="Cambria Math" charset="0"/>
                 </a:endParaRPr>
@@ -20139,13 +19915,683 @@
                 <a:pPr lvl="1"/>
                 <a:r>
                   <a:rPr lang="en-US" dirty="0" smtClean="0"/>
-                  <a:t>How to find B and z?  Alternating optimization</a:t>
+                  <a:t>Model should be able to explain our data points properly.</a:t>
                 </a:r>
+              </a:p>
+              <a:p>
+                <a:pPr lvl="1"/>
+                <a14:m>
+                  <m:oMath xmlns:m="http://schemas.openxmlformats.org/officeDocument/2006/math">
+                    <m:sSubSup>
+                      <m:sSubSupPr>
+                        <m:ctrlPr>
+                          <a:rPr lang="en-US" i="1">
+                            <a:latin typeface="Cambria Math" charset="0"/>
+                          </a:rPr>
+                        </m:ctrlPr>
+                      </m:sSubSupPr>
+                      <m:e>
+                        <m:r>
+                          <a:rPr lang="en-US" b="0" i="1" smtClean="0">
+                            <a:latin typeface="Cambria Math" charset="0"/>
+                          </a:rPr>
+                          <m:t>𝑦</m:t>
+                        </m:r>
+                      </m:e>
+                      <m:sub>
+                        <m:r>
+                          <a:rPr lang="en-US" b="0" i="1" smtClean="0">
+                            <a:latin typeface="Cambria Math" charset="0"/>
+                          </a:rPr>
+                          <m:t>𝑛</m:t>
+                        </m:r>
+                      </m:sub>
+                      <m:sup>
+                        <m:r>
+                          <a:rPr lang="en-US" i="1">
+                            <a:latin typeface="Cambria Math" charset="0"/>
+                          </a:rPr>
+                          <m:t>(</m:t>
+                        </m:r>
+                        <m:r>
+                          <a:rPr lang="en-US" i="1">
+                            <a:latin typeface="Cambria Math" charset="0"/>
+                          </a:rPr>
+                          <m:t>𝑡</m:t>
+                        </m:r>
+                        <m:r>
+                          <a:rPr lang="en-US" i="1">
+                            <a:latin typeface="Cambria Math" charset="0"/>
+                          </a:rPr>
+                          <m:t>)</m:t>
+                        </m:r>
+                      </m:sup>
+                    </m:sSubSup>
+                    <m:r>
+                      <a:rPr lang="en-US" i="1">
+                        <a:latin typeface="Cambria Math" charset="0"/>
+                      </a:rPr>
+                      <m:t>= </m:t>
+                    </m:r>
+                    <m:nary>
+                      <m:naryPr>
+                        <m:chr m:val="∑"/>
+                        <m:ctrlPr>
+                          <a:rPr lang="is-IS" i="1">
+                            <a:latin typeface="Cambria Math" charset="0"/>
+                          </a:rPr>
+                        </m:ctrlPr>
+                      </m:naryPr>
+                      <m:sub>
+                        <m:r>
+                          <a:rPr lang="en-US" i="1">
+                            <a:latin typeface="Cambria Math" charset="0"/>
+                          </a:rPr>
+                          <m:t>𝑛</m:t>
+                        </m:r>
+                        <m:r>
+                          <a:rPr lang="en-US" i="1">
+                            <a:latin typeface="Cambria Math" charset="0"/>
+                          </a:rPr>
+                          <m:t>=1</m:t>
+                        </m:r>
+                      </m:sub>
+                      <m:sup>
+                        <m:r>
+                          <a:rPr lang="en-US" i="1">
+                            <a:latin typeface="Cambria Math" charset="0"/>
+                          </a:rPr>
+                          <m:t>𝑁</m:t>
+                        </m:r>
+                      </m:sup>
+                      <m:e>
+                        <m:sSup>
+                          <m:sSupPr>
+                            <m:ctrlPr>
+                              <a:rPr lang="en-US" i="1">
+                                <a:latin typeface="Cambria Math" charset="0"/>
+                              </a:rPr>
+                            </m:ctrlPr>
+                          </m:sSupPr>
+                          <m:e>
+                            <m:r>
+                              <a:rPr lang="en-US" i="1">
+                                <a:latin typeface="Cambria Math" charset="0"/>
+                              </a:rPr>
+                              <m:t>𝑘</m:t>
+                            </m:r>
+                          </m:e>
+                          <m:sup>
+                            <m:r>
+                              <a:rPr lang="en-US" i="1">
+                                <a:latin typeface="Cambria Math" charset="0"/>
+                              </a:rPr>
+                              <m:t>𝑎</m:t>
+                            </m:r>
+                            <m:r>
+                              <a:rPr lang="en-US" i="1">
+                                <a:latin typeface="Cambria Math" charset="0"/>
+                              </a:rPr>
+                              <m:t> </m:t>
+                            </m:r>
+                          </m:sup>
+                        </m:sSup>
+                        <m:d>
+                          <m:dPr>
+                            <m:ctrlPr>
+                              <a:rPr lang="en-US" i="1">
+                                <a:latin typeface="Cambria Math" charset="0"/>
+                              </a:rPr>
+                            </m:ctrlPr>
+                          </m:dPr>
+                          <m:e>
+                            <m:sSub>
+                              <m:sSubPr>
+                                <m:ctrlPr>
+                                  <a:rPr lang="en-US" i="1">
+                                    <a:latin typeface="Cambria Math" charset="0"/>
+                                  </a:rPr>
+                                </m:ctrlPr>
+                              </m:sSubPr>
+                              <m:e>
+                                <m:r>
+                                  <a:rPr lang="en-US" i="1">
+                                    <a:latin typeface="Cambria Math" charset="0"/>
+                                  </a:rPr>
+                                  <m:t>𝑥</m:t>
+                                </m:r>
+                              </m:e>
+                              <m:sub>
+                                <m:r>
+                                  <a:rPr lang="en-US" b="0" i="1" smtClean="0">
+                                    <a:latin typeface="Cambria Math" charset="0"/>
+                                  </a:rPr>
+                                  <m:t>𝑛</m:t>
+                                </m:r>
+                              </m:sub>
+                            </m:sSub>
+                            <m:r>
+                              <a:rPr lang="en-US" i="1">
+                                <a:latin typeface="Cambria Math" charset="0"/>
+                              </a:rPr>
+                              <m:t>, </m:t>
+                            </m:r>
+                            <m:sSub>
+                              <m:sSubPr>
+                                <m:ctrlPr>
+                                  <a:rPr lang="en-US" i="1">
+                                    <a:latin typeface="Cambria Math" charset="0"/>
+                                  </a:rPr>
+                                </m:ctrlPr>
+                              </m:sSubPr>
+                              <m:e>
+                                <m:r>
+                                  <a:rPr lang="en-US" i="1">
+                                    <a:latin typeface="Cambria Math" charset="0"/>
+                                  </a:rPr>
+                                  <m:t>𝑥</m:t>
+                                </m:r>
+                              </m:e>
+                              <m:sub>
+                                <m:r>
+                                  <a:rPr lang="en-US" i="1">
+                                    <a:latin typeface="Cambria Math" charset="0"/>
+                                  </a:rPr>
+                                  <m:t>𝑛</m:t>
+                                </m:r>
+                              </m:sub>
+                            </m:sSub>
+                          </m:e>
+                        </m:d>
+                      </m:e>
+                    </m:nary>
+                    <m:nary>
+                      <m:naryPr>
+                        <m:chr m:val="∑"/>
+                        <m:ctrlPr>
+                          <a:rPr lang="is-IS" i="1" dirty="0">
+                            <a:latin typeface="Cambria Math" charset="0"/>
+                          </a:rPr>
+                        </m:ctrlPr>
+                      </m:naryPr>
+                      <m:sub>
+                        <m:r>
+                          <m:rPr>
+                            <m:brk m:alnAt="23"/>
+                          </m:rPr>
+                          <a:rPr lang="en-US" i="1" dirty="0">
+                            <a:latin typeface="Cambria Math" charset="0"/>
+                          </a:rPr>
+                          <m:t>𝑖</m:t>
+                        </m:r>
+                        <m:r>
+                          <a:rPr lang="en-US" i="1" dirty="0">
+                            <a:latin typeface="Cambria Math" charset="0"/>
+                          </a:rPr>
+                          <m:t>=1</m:t>
+                        </m:r>
+                      </m:sub>
+                      <m:sup>
+                        <m:r>
+                          <a:rPr lang="en-US" i="1" dirty="0">
+                            <a:latin typeface="Cambria Math" charset="0"/>
+                          </a:rPr>
+                          <m:t>𝐾</m:t>
+                        </m:r>
+                      </m:sup>
+                      <m:e>
+                        <m:r>
+                          <a:rPr lang="en-US" i="1" dirty="0">
+                            <a:latin typeface="Cambria Math" charset="0"/>
+                          </a:rPr>
+                          <m:t>𝑧</m:t>
+                        </m:r>
+                        <m:sSub>
+                          <m:sSubPr>
+                            <m:ctrlPr>
+                              <a:rPr lang="en-US" i="1" dirty="0">
+                                <a:latin typeface="Cambria Math" charset="0"/>
+                              </a:rPr>
+                            </m:ctrlPr>
+                          </m:sSubPr>
+                          <m:e>
+                            <m:d>
+                              <m:dPr>
+                                <m:ctrlPr>
+                                  <a:rPr lang="en-US" i="1" dirty="0">
+                                    <a:latin typeface="Cambria Math" charset="0"/>
+                                  </a:rPr>
+                                </m:ctrlPr>
+                              </m:dPr>
+                              <m:e>
+                                <m:r>
+                                  <a:rPr lang="en-US" i="1" dirty="0">
+                                    <a:latin typeface="Cambria Math" charset="0"/>
+                                  </a:rPr>
+                                  <m:t>𝑡</m:t>
+                                </m:r>
+                              </m:e>
+                            </m:d>
+                          </m:e>
+                          <m:sub>
+                            <m:r>
+                              <a:rPr lang="en-US" i="1" dirty="0">
+                                <a:latin typeface="Cambria Math" charset="0"/>
+                              </a:rPr>
+                              <m:t>𝑖</m:t>
+                            </m:r>
+                          </m:sub>
+                        </m:sSub>
+                        <m:sSub>
+                          <m:sSubPr>
+                            <m:ctrlPr>
+                              <a:rPr lang="en-US" i="1" dirty="0">
+                                <a:latin typeface="Cambria Math" charset="0"/>
+                              </a:rPr>
+                            </m:ctrlPr>
+                          </m:sSubPr>
+                          <m:e>
+                            <m:r>
+                              <a:rPr lang="en-US" i="1" dirty="0">
+                                <a:latin typeface="Cambria Math" charset="0"/>
+                              </a:rPr>
+                              <m:t>𝐵</m:t>
+                            </m:r>
+                          </m:e>
+                          <m:sub>
+                            <m:r>
+                              <a:rPr lang="en-US" i="1" dirty="0">
+                                <a:latin typeface="Cambria Math" charset="0"/>
+                              </a:rPr>
+                              <m:t>𝑛𝑖</m:t>
+                            </m:r>
+                          </m:sub>
+                        </m:sSub>
+                      </m:e>
+                    </m:nary>
+                    <m:r>
+                      <a:rPr lang="en-US" b="0" i="1" dirty="0" smtClean="0">
+                        <a:latin typeface="Cambria Math" charset="0"/>
+                      </a:rPr>
+                      <m:t>+</m:t>
+                    </m:r>
+                    <m:sSub>
+                      <m:sSubPr>
+                        <m:ctrlPr>
+                          <a:rPr lang="en-US" b="0" i="1" dirty="0" smtClean="0">
+                            <a:latin typeface="Cambria Math" charset="0"/>
+                          </a:rPr>
+                        </m:ctrlPr>
+                      </m:sSubPr>
+                      <m:e>
+                        <m:r>
+                          <a:rPr lang="en-US" b="0" i="1" dirty="0" smtClean="0">
+                            <a:latin typeface="Cambria Math" charset="0"/>
+                          </a:rPr>
+                          <m:t>𝜖</m:t>
+                        </m:r>
+                      </m:e>
+                      <m:sub>
+                        <m:r>
+                          <a:rPr lang="en-US" b="0" i="1" dirty="0" smtClean="0">
+                            <a:latin typeface="Cambria Math" charset="0"/>
+                          </a:rPr>
+                          <m:t>𝑛</m:t>
+                        </m:r>
+                      </m:sub>
+                    </m:sSub>
+                  </m:oMath>
+                </a14:m>
+                <a:endParaRPr lang="en-US" dirty="0" smtClean="0"/>
+              </a:p>
+              <a:p>
+                <a:pPr lvl="1"/>
+                <a14:m>
+                  <m:oMath xmlns:m="http://schemas.openxmlformats.org/officeDocument/2006/math">
+                    <m:sSub>
+                      <m:sSubPr>
+                        <m:ctrlPr>
+                          <a:rPr lang="en-US" b="0" i="1" smtClean="0">
+                            <a:latin typeface="Cambria Math" charset="0"/>
+                          </a:rPr>
+                        </m:ctrlPr>
+                      </m:sSubPr>
+                      <m:e>
+                        <m:r>
+                          <a:rPr lang="en-US" b="0" i="1" smtClean="0">
+                            <a:latin typeface="Cambria Math" charset="0"/>
+                          </a:rPr>
+                          <m:t>𝜖</m:t>
+                        </m:r>
+                      </m:e>
+                      <m:sub>
+                        <m:r>
+                          <a:rPr lang="en-US" b="0" i="1" smtClean="0">
+                            <a:latin typeface="Cambria Math" charset="0"/>
+                          </a:rPr>
+                          <m:t>𝑛</m:t>
+                        </m:r>
+                      </m:sub>
+                    </m:sSub>
+                    <m:r>
+                      <a:rPr lang="en-US" b="0" i="1" smtClean="0">
+                        <a:latin typeface="Cambria Math" charset="0"/>
+                      </a:rPr>
+                      <m:t>∼</m:t>
+                    </m:r>
+                    <m:r>
+                      <a:rPr lang="en-US" b="0" i="1" smtClean="0">
+                        <a:latin typeface="Cambria Math" charset="0"/>
+                      </a:rPr>
+                      <m:t>𝐿𝑖𝑘𝑒𝑙𝑖h𝑜𝑜𝑑</m:t>
+                    </m:r>
+                    <m:r>
+                      <a:rPr lang="en-US" b="0" i="1" smtClean="0">
+                        <a:latin typeface="Cambria Math" charset="0"/>
+                      </a:rPr>
+                      <m:t> </m:t>
+                    </m:r>
+                    <m:r>
+                      <a:rPr lang="en-US" b="0" i="1" smtClean="0">
+                        <a:latin typeface="Cambria Math" charset="0"/>
+                      </a:rPr>
+                      <m:t>𝑀𝑜𝑑𝑒𝑙</m:t>
+                    </m:r>
+                    <m:r>
+                      <a:rPr lang="en-US" b="0" i="1" smtClean="0">
+                        <a:latin typeface="Cambria Math" charset="0"/>
+                      </a:rPr>
+                      <m:t> </m:t>
+                    </m:r>
+                    <m:d>
+                      <m:dPr>
+                        <m:ctrlPr>
+                          <a:rPr lang="en-US" b="0" i="1" smtClean="0">
+                            <a:latin typeface="Cambria Math" charset="0"/>
+                          </a:rPr>
+                        </m:ctrlPr>
+                      </m:dPr>
+                      <m:e>
+                        <m:r>
+                          <a:rPr lang="en-US" b="0" i="1" smtClean="0">
+                            <a:latin typeface="Cambria Math" charset="0"/>
+                          </a:rPr>
+                          <m:t>𝑚𝑜𝑠𝑡𝑙𝑦</m:t>
+                        </m:r>
+                        <m:r>
+                          <a:rPr lang="en-US" b="0" i="1" smtClean="0">
+                            <a:latin typeface="Cambria Math" charset="0"/>
+                          </a:rPr>
+                          <m:t> </m:t>
+                        </m:r>
+                        <m:r>
+                          <a:rPr lang="en-US" b="0" i="1" smtClean="0">
+                            <a:latin typeface="Cambria Math" charset="0"/>
+                          </a:rPr>
+                          <m:t>𝐺𝑎𝑢𝑠𝑠𝑖𝑎𝑛</m:t>
+                        </m:r>
+                        <m:r>
+                          <a:rPr lang="en-US" b="0" i="1" smtClean="0">
+                            <a:latin typeface="Cambria Math" charset="0"/>
+                          </a:rPr>
+                          <m:t> </m:t>
+                        </m:r>
+                      </m:e>
+                    </m:d>
+                  </m:oMath>
+                </a14:m>
+                <a:endParaRPr lang="en-US" dirty="0" smtClean="0"/>
+              </a:p>
+              <a:p>
+                <a:pPr lvl="1"/>
+                <a:r>
+                  <a:rPr lang="en-US" dirty="0" smtClean="0"/>
+                  <a:t>We need to find </a:t>
+                </a:r>
+                <a14:m>
+                  <m:oMath xmlns:m="http://schemas.openxmlformats.org/officeDocument/2006/math">
+                    <m:r>
+                      <a:rPr lang="en-US" b="0" i="1" smtClean="0">
+                        <a:latin typeface="Cambria Math" charset="0"/>
+                      </a:rPr>
+                      <m:t>𝐵</m:t>
+                    </m:r>
+                    <m:r>
+                      <a:rPr lang="en-US" b="0" i="1" smtClean="0">
+                        <a:latin typeface="Cambria Math" charset="0"/>
+                      </a:rPr>
+                      <m:t> </m:t>
+                    </m:r>
+                    <m:r>
+                      <a:rPr lang="en-US" b="0" i="1" smtClean="0">
+                        <a:latin typeface="Cambria Math" charset="0"/>
+                      </a:rPr>
+                      <m:t>𝑎𝑛𝑑</m:t>
+                    </m:r>
+                    <m:r>
+                      <a:rPr lang="en-US" b="0" i="1" smtClean="0">
+                        <a:latin typeface="Cambria Math" charset="0"/>
+                      </a:rPr>
+                      <m:t> </m:t>
+                    </m:r>
+                    <m:r>
+                      <a:rPr lang="en-US" b="0" i="1" smtClean="0">
+                        <a:latin typeface="Cambria Math" charset="0"/>
+                      </a:rPr>
+                      <m:t>𝑧</m:t>
+                    </m:r>
+                  </m:oMath>
+                </a14:m>
+                <a:r>
+                  <a:rPr lang="en-US" dirty="0" smtClean="0"/>
+                  <a:t> such </a:t>
+                </a:r>
+                <a:r>
+                  <a:rPr lang="en-US" smtClean="0"/>
+                  <a:t>that it </a:t>
+                </a:r>
+                <a:endParaRPr lang="en-US" dirty="0" smtClean="0"/>
               </a:p>
               <a:p>
                 <a:r>
                   <a:rPr lang="en-US" dirty="0" smtClean="0"/>
                   <a:t>Alternating Optimization:</a:t>
+                </a:r>
+              </a:p>
+              <a:p>
+                <a:pPr lvl="1"/>
+                <a:r>
+                  <a:rPr lang="en-US" dirty="0" smtClean="0"/>
+                  <a:t>Assume we know matrix </a:t>
+                </a:r>
+                <a14:m>
+                  <m:oMath xmlns:m="http://schemas.openxmlformats.org/officeDocument/2006/math">
+                    <m:r>
+                      <a:rPr lang="en-US" b="0" i="1" smtClean="0">
+                        <a:latin typeface="Cambria Math" charset="0"/>
+                      </a:rPr>
+                      <m:t>𝑧</m:t>
+                    </m:r>
+                  </m:oMath>
+                </a14:m>
+                <a:r>
+                  <a:rPr lang="en-US" dirty="0" smtClean="0"/>
+                  <a:t> and matrix </a:t>
+                </a:r>
+                <a14:m>
+                  <m:oMath xmlns:m="http://schemas.openxmlformats.org/officeDocument/2006/math">
+                    <m:r>
+                      <a:rPr lang="en-US" b="0" i="1" smtClean="0">
+                        <a:latin typeface="Cambria Math" charset="0"/>
+                      </a:rPr>
+                      <m:t>𝐵</m:t>
+                    </m:r>
+                    <m:r>
+                      <a:rPr lang="en-US" b="0" i="1" smtClean="0">
+                        <a:latin typeface="Cambria Math" charset="0"/>
+                      </a:rPr>
+                      <m:t> </m:t>
+                    </m:r>
+                    <m:r>
+                      <a:rPr lang="en-US" b="0" i="1" smtClean="0">
+                        <a:latin typeface="Cambria Math" charset="0"/>
+                      </a:rPr>
+                      <m:t>𝑒𝑥𝑐𝑒𝑝𝑡</m:t>
+                    </m:r>
+                    <m:r>
+                      <a:rPr lang="en-US" b="0" i="1" smtClean="0">
+                        <a:latin typeface="Cambria Math" charset="0"/>
+                      </a:rPr>
+                      <m:t> </m:t>
+                    </m:r>
+                    <m:r>
+                      <a:rPr lang="en-US" b="0" i="1" smtClean="0">
+                        <a:latin typeface="Cambria Math" charset="0"/>
+                      </a:rPr>
+                      <m:t>𝑜𝑛𝑒</m:t>
+                    </m:r>
+                    <m:r>
+                      <a:rPr lang="en-US" b="0" i="1" smtClean="0">
+                        <a:latin typeface="Cambria Math" charset="0"/>
+                      </a:rPr>
+                      <m:t> </m:t>
+                    </m:r>
+                    <m:r>
+                      <a:rPr lang="en-US" b="0" i="1" smtClean="0">
+                        <a:latin typeface="Cambria Math" charset="0"/>
+                      </a:rPr>
+                      <m:t>𝑐𝑜𝑙𝑢𝑚𝑛</m:t>
+                    </m:r>
+                    <m:r>
+                      <a:rPr lang="en-US" b="0" i="1" smtClean="0">
+                        <a:latin typeface="Cambria Math" charset="0"/>
+                      </a:rPr>
+                      <m:t> </m:t>
+                    </m:r>
+                    <m:r>
+                      <a:rPr lang="en-US" b="0" i="1" smtClean="0">
+                        <a:latin typeface="Cambria Math" charset="0"/>
+                      </a:rPr>
+                      <m:t>𝑜𝑓</m:t>
+                    </m:r>
+                    <m:r>
+                      <a:rPr lang="en-US" b="0" i="1" smtClean="0">
+                        <a:latin typeface="Cambria Math" charset="0"/>
+                      </a:rPr>
+                      <m:t> </m:t>
+                    </m:r>
+                    <m:r>
+                      <a:rPr lang="en-US" b="0" i="1" smtClean="0">
+                        <a:latin typeface="Cambria Math" charset="0"/>
+                      </a:rPr>
+                      <m:t>𝐵</m:t>
+                    </m:r>
+                    <m:r>
+                      <a:rPr lang="en-US" b="0" i="1" smtClean="0">
+                        <a:latin typeface="Cambria Math" charset="0"/>
+                      </a:rPr>
+                      <m:t> (</m:t>
+                    </m:r>
+                    <m:r>
+                      <a:rPr lang="en-US" b="0" i="1" smtClean="0">
+                        <a:latin typeface="Cambria Math" charset="0"/>
+                      </a:rPr>
+                      <m:t>𝑠𝑎𝑦</m:t>
+                    </m:r>
+                    <m:r>
+                      <a:rPr lang="en-US" b="0" i="1" smtClean="0">
+                        <a:latin typeface="Cambria Math" charset="0"/>
+                      </a:rPr>
+                      <m:t> </m:t>
+                    </m:r>
+                    <m:sSup>
+                      <m:sSupPr>
+                        <m:ctrlPr>
+                          <a:rPr lang="en-US" b="0" i="1" smtClean="0">
+                            <a:latin typeface="Cambria Math" charset="0"/>
+                          </a:rPr>
+                        </m:ctrlPr>
+                      </m:sSupPr>
+                      <m:e>
+                        <m:r>
+                          <a:rPr lang="en-US" b="0" i="1" smtClean="0">
+                            <a:latin typeface="Cambria Math" charset="0"/>
+                          </a:rPr>
+                          <m:t>𝑘</m:t>
+                        </m:r>
+                      </m:e>
+                      <m:sup>
+                        <m:r>
+                          <a:rPr lang="en-US" b="0" i="1" smtClean="0">
+                            <a:latin typeface="Cambria Math" charset="0"/>
+                          </a:rPr>
+                          <m:t>𝑡h</m:t>
+                        </m:r>
+                      </m:sup>
+                    </m:sSup>
+                    <m:r>
+                      <a:rPr lang="en-US" b="0" i="1" smtClean="0">
+                        <a:latin typeface="Cambria Math" charset="0"/>
+                      </a:rPr>
+                      <m:t> </m:t>
+                    </m:r>
+                    <m:r>
+                      <a:rPr lang="en-US" b="0" i="1" smtClean="0">
+                        <a:latin typeface="Cambria Math" charset="0"/>
+                      </a:rPr>
+                      <m:t>𝑐𝑜𝑙𝑢𝑚𝑛</m:t>
+                    </m:r>
+                    <m:r>
+                      <a:rPr lang="en-US" b="0" i="1" smtClean="0">
+                        <a:latin typeface="Cambria Math" charset="0"/>
+                      </a:rPr>
+                      <m:t>),</m:t>
+                    </m:r>
+                  </m:oMath>
+                </a14:m>
+                <a:r>
+                  <a:rPr lang="en-US" dirty="0" smtClean="0"/>
+                  <a:t> we can find  </a:t>
+                </a:r>
+                <a14:m>
+                  <m:oMath xmlns:m="http://schemas.openxmlformats.org/officeDocument/2006/math">
+                    <m:sSup>
+                      <m:sSupPr>
+                        <m:ctrlPr>
+                          <a:rPr lang="en-US" b="0" i="1" smtClean="0">
+                            <a:latin typeface="Cambria Math" charset="0"/>
+                          </a:rPr>
+                        </m:ctrlPr>
+                      </m:sSupPr>
+                      <m:e>
+                        <m:r>
+                          <a:rPr lang="en-US" b="0" i="1" smtClean="0">
+                            <a:latin typeface="Cambria Math" charset="0"/>
+                          </a:rPr>
+                          <m:t>𝑘</m:t>
+                        </m:r>
+                      </m:e>
+                      <m:sup>
+                        <m:r>
+                          <a:rPr lang="en-US" b="0" i="1" smtClean="0">
+                            <a:latin typeface="Cambria Math" charset="0"/>
+                          </a:rPr>
+                          <m:t>𝑡h</m:t>
+                        </m:r>
+                      </m:sup>
+                    </m:sSup>
+                  </m:oMath>
+                </a14:m>
+                <a:r>
+                  <a:rPr lang="en-US" dirty="0" smtClean="0"/>
+                  <a:t> column of B easily.</a:t>
+                </a:r>
+              </a:p>
+              <a:p>
+                <a:pPr lvl="2"/>
+                <a:r>
+                  <a:rPr lang="en-US" dirty="0" smtClean="0"/>
+                  <a:t>Same as linear regression </a:t>
                 </a:r>
               </a:p>
               <a:p>

--- a/Presentation.pptx
+++ b/Presentation.pptx
@@ -5,7 +5,7 @@
     <p:sldMasterId id="2147483648" r:id="rId1"/>
   </p:sldMasterIdLst>
   <p:notesMasterIdLst>
-    <p:notesMasterId r:id="rId24"/>
+    <p:notesMasterId r:id="rId25"/>
   </p:notesMasterIdLst>
   <p:sldIdLst>
     <p:sldId id="256" r:id="rId2"/>
@@ -30,6 +30,7 @@
     <p:sldId id="275" r:id="rId21"/>
     <p:sldId id="276" r:id="rId22"/>
     <p:sldId id="277" r:id="rId23"/>
+    <p:sldId id="278" r:id="rId24"/>
   </p:sldIdLst>
   <p:sldSz cx="12192000" cy="6858000"/>
   <p:notesSz cx="6858000" cy="9144000"/>
@@ -20384,218 +20385,22 @@
                 </a14:m>
                 <a:r>
                   <a:rPr lang="en-US" dirty="0" smtClean="0"/>
-                  <a:t> such </a:t>
-                </a:r>
-                <a:r>
-                  <a:rPr lang="en-US" smtClean="0"/>
-                  <a:t>that it </a:t>
-                </a:r>
-                <a:endParaRPr lang="en-US" dirty="0" smtClean="0"/>
-              </a:p>
-              <a:p>
-                <a:r>
-                  <a:rPr lang="en-US" dirty="0" smtClean="0"/>
-                  <a:t>Alternating Optimization:</a:t>
+                  <a:t> such that it minimizes overall error or maximizes likelihood of the data. </a:t>
                 </a:r>
               </a:p>
               <a:p>
                 <a:pPr lvl="1"/>
                 <a:r>
                   <a:rPr lang="en-US" dirty="0" smtClean="0"/>
-                  <a:t>Assume we know matrix </a:t>
-                </a:r>
-                <a14:m>
-                  <m:oMath xmlns:m="http://schemas.openxmlformats.org/officeDocument/2006/math">
-                    <m:r>
-                      <a:rPr lang="en-US" b="0" i="1" smtClean="0">
-                        <a:latin typeface="Cambria Math" charset="0"/>
-                      </a:rPr>
-                      <m:t>𝑧</m:t>
-                    </m:r>
-                  </m:oMath>
-                </a14:m>
-                <a:r>
-                  <a:rPr lang="en-US" dirty="0" smtClean="0"/>
-                  <a:t> and matrix </a:t>
-                </a:r>
-                <a14:m>
-                  <m:oMath xmlns:m="http://schemas.openxmlformats.org/officeDocument/2006/math">
-                    <m:r>
-                      <a:rPr lang="en-US" b="0" i="1" smtClean="0">
-                        <a:latin typeface="Cambria Math" charset="0"/>
-                      </a:rPr>
-                      <m:t>𝐵</m:t>
-                    </m:r>
-                    <m:r>
-                      <a:rPr lang="en-US" b="0" i="1" smtClean="0">
-                        <a:latin typeface="Cambria Math" charset="0"/>
-                      </a:rPr>
-                      <m:t> </m:t>
-                    </m:r>
-                    <m:r>
-                      <a:rPr lang="en-US" b="0" i="1" smtClean="0">
-                        <a:latin typeface="Cambria Math" charset="0"/>
-                      </a:rPr>
-                      <m:t>𝑒𝑥𝑐𝑒𝑝𝑡</m:t>
-                    </m:r>
-                    <m:r>
-                      <a:rPr lang="en-US" b="0" i="1" smtClean="0">
-                        <a:latin typeface="Cambria Math" charset="0"/>
-                      </a:rPr>
-                      <m:t> </m:t>
-                    </m:r>
-                    <m:r>
-                      <a:rPr lang="en-US" b="0" i="1" smtClean="0">
-                        <a:latin typeface="Cambria Math" charset="0"/>
-                      </a:rPr>
-                      <m:t>𝑜𝑛𝑒</m:t>
-                    </m:r>
-                    <m:r>
-                      <a:rPr lang="en-US" b="0" i="1" smtClean="0">
-                        <a:latin typeface="Cambria Math" charset="0"/>
-                      </a:rPr>
-                      <m:t> </m:t>
-                    </m:r>
-                    <m:r>
-                      <a:rPr lang="en-US" b="0" i="1" smtClean="0">
-                        <a:latin typeface="Cambria Math" charset="0"/>
-                      </a:rPr>
-                      <m:t>𝑐𝑜𝑙𝑢𝑚𝑛</m:t>
-                    </m:r>
-                    <m:r>
-                      <a:rPr lang="en-US" b="0" i="1" smtClean="0">
-                        <a:latin typeface="Cambria Math" charset="0"/>
-                      </a:rPr>
-                      <m:t> </m:t>
-                    </m:r>
-                    <m:r>
-                      <a:rPr lang="en-US" b="0" i="1" smtClean="0">
-                        <a:latin typeface="Cambria Math" charset="0"/>
-                      </a:rPr>
-                      <m:t>𝑜𝑓</m:t>
-                    </m:r>
-                    <m:r>
-                      <a:rPr lang="en-US" b="0" i="1" smtClean="0">
-                        <a:latin typeface="Cambria Math" charset="0"/>
-                      </a:rPr>
-                      <m:t> </m:t>
-                    </m:r>
-                    <m:r>
-                      <a:rPr lang="en-US" b="0" i="1" smtClean="0">
-                        <a:latin typeface="Cambria Math" charset="0"/>
-                      </a:rPr>
-                      <m:t>𝐵</m:t>
-                    </m:r>
-                    <m:r>
-                      <a:rPr lang="en-US" b="0" i="1" smtClean="0">
-                        <a:latin typeface="Cambria Math" charset="0"/>
-                      </a:rPr>
-                      <m:t> (</m:t>
-                    </m:r>
-                    <m:r>
-                      <a:rPr lang="en-US" b="0" i="1" smtClean="0">
-                        <a:latin typeface="Cambria Math" charset="0"/>
-                      </a:rPr>
-                      <m:t>𝑠𝑎𝑦</m:t>
-                    </m:r>
-                    <m:r>
-                      <a:rPr lang="en-US" b="0" i="1" smtClean="0">
-                        <a:latin typeface="Cambria Math" charset="0"/>
-                      </a:rPr>
-                      <m:t> </m:t>
-                    </m:r>
-                    <m:sSup>
-                      <m:sSupPr>
-                        <m:ctrlPr>
-                          <a:rPr lang="en-US" b="0" i="1" smtClean="0">
-                            <a:latin typeface="Cambria Math" charset="0"/>
-                          </a:rPr>
-                        </m:ctrlPr>
-                      </m:sSupPr>
-                      <m:e>
-                        <m:r>
-                          <a:rPr lang="en-US" b="0" i="1" smtClean="0">
-                            <a:latin typeface="Cambria Math" charset="0"/>
-                          </a:rPr>
-                          <m:t>𝑘</m:t>
-                        </m:r>
-                      </m:e>
-                      <m:sup>
-                        <m:r>
-                          <a:rPr lang="en-US" b="0" i="1" smtClean="0">
-                            <a:latin typeface="Cambria Math" charset="0"/>
-                          </a:rPr>
-                          <m:t>𝑡h</m:t>
-                        </m:r>
-                      </m:sup>
-                    </m:sSup>
-                    <m:r>
-                      <a:rPr lang="en-US" b="0" i="1" smtClean="0">
-                        <a:latin typeface="Cambria Math" charset="0"/>
-                      </a:rPr>
-                      <m:t> </m:t>
-                    </m:r>
-                    <m:r>
-                      <a:rPr lang="en-US" b="0" i="1" smtClean="0">
-                        <a:latin typeface="Cambria Math" charset="0"/>
-                      </a:rPr>
-                      <m:t>𝑐𝑜𝑙𝑢𝑚𝑛</m:t>
-                    </m:r>
-                    <m:r>
-                      <a:rPr lang="en-US" b="0" i="1" smtClean="0">
-                        <a:latin typeface="Cambria Math" charset="0"/>
-                      </a:rPr>
-                      <m:t>),</m:t>
-                    </m:r>
-                  </m:oMath>
-                </a14:m>
-                <a:r>
-                  <a:rPr lang="en-US" dirty="0" smtClean="0"/>
-                  <a:t> we can find  </a:t>
-                </a:r>
-                <a14:m>
-                  <m:oMath xmlns:m="http://schemas.openxmlformats.org/officeDocument/2006/math">
-                    <m:sSup>
-                      <m:sSupPr>
-                        <m:ctrlPr>
-                          <a:rPr lang="en-US" b="0" i="1" smtClean="0">
-                            <a:latin typeface="Cambria Math" charset="0"/>
-                          </a:rPr>
-                        </m:ctrlPr>
-                      </m:sSupPr>
-                      <m:e>
-                        <m:r>
-                          <a:rPr lang="en-US" b="0" i="1" smtClean="0">
-                            <a:latin typeface="Cambria Math" charset="0"/>
-                          </a:rPr>
-                          <m:t>𝑘</m:t>
-                        </m:r>
-                      </m:e>
-                      <m:sup>
-                        <m:r>
-                          <a:rPr lang="en-US" b="0" i="1" smtClean="0">
-                            <a:latin typeface="Cambria Math" charset="0"/>
-                          </a:rPr>
-                          <m:t>𝑡h</m:t>
-                        </m:r>
-                      </m:sup>
-                    </m:sSup>
-                  </m:oMath>
-                </a14:m>
-                <a:r>
-                  <a:rPr lang="en-US" dirty="0" smtClean="0"/>
-                  <a:t> column of B easily.</a:t>
+                  <a:t>How to find B and z ?</a:t>
                 </a:r>
               </a:p>
               <a:p>
                 <a:pPr lvl="2"/>
                 <a:r>
                   <a:rPr lang="en-US" dirty="0" smtClean="0"/>
-                  <a:t>Same as linear regression </a:t>
+                  <a:t>Alternating optimization</a:t>
                 </a:r>
-              </a:p>
-              <a:p>
-                <a:pPr lvl="1"/>
                 <a:endParaRPr lang="en-US" dirty="0" smtClean="0"/>
               </a:p>
               <a:p>
@@ -20654,6 +20459,316 @@
     <p:extLst>
       <p:ext uri="{BB962C8B-B14F-4D97-AF65-F5344CB8AC3E}">
         <p14:creationId xmlns:p14="http://schemas.microsoft.com/office/powerpoint/2010/main" val="1958779821"/>
+      </p:ext>
+    </p:extLst>
+  </p:cSld>
+  <p:clrMapOvr>
+    <a:masterClrMapping/>
+  </p:clrMapOvr>
+</p:sld>
+</file>
+
+<file path=ppt/slides/slide23.xml><?xml version="1.0" encoding="utf-8"?>
+<p:sld xmlns:a="http://schemas.openxmlformats.org/drawingml/2006/main" xmlns:r="http://schemas.openxmlformats.org/officeDocument/2006/relationships" xmlns:p="http://schemas.openxmlformats.org/presentationml/2006/main">
+  <p:cSld>
+    <p:spTree>
+      <p:nvGrpSpPr>
+        <p:cNvPr id="1" name=""/>
+        <p:cNvGrpSpPr/>
+        <p:nvPr/>
+      </p:nvGrpSpPr>
+      <p:grpSpPr>
+        <a:xfrm>
+          <a:off x="0" y="0"/>
+          <a:ext cx="0" cy="0"/>
+          <a:chOff x="0" y="0"/>
+          <a:chExt cx="0" cy="0"/>
+        </a:xfrm>
+      </p:grpSpPr>
+      <p:sp>
+        <p:nvSpPr>
+          <p:cNvPr id="2" name="Title 1"/>
+          <p:cNvSpPr>
+            <a:spLocks noGrp="1"/>
+          </p:cNvSpPr>
+          <p:nvPr>
+            <p:ph type="title"/>
+          </p:nvPr>
+        </p:nvSpPr>
+        <p:spPr/>
+        <p:txBody>
+          <a:bodyPr/>
+          <a:lstStyle/>
+          <a:p>
+            <a:r>
+              <a:rPr lang="en-US" dirty="0"/>
+              <a:t>Our Method</a:t>
+            </a:r>
+          </a:p>
+        </p:txBody>
+      </p:sp>
+      <mc:AlternateContent xmlns:mc="http://schemas.openxmlformats.org/markup-compatibility/2006">
+        <mc:Choice xmlns:a14="http://schemas.microsoft.com/office/drawing/2010/main" Requires="a14">
+          <p:sp>
+            <p:nvSpPr>
+              <p:cNvPr id="3" name="Content Placeholder 2"/>
+              <p:cNvSpPr>
+                <a:spLocks noGrp="1"/>
+              </p:cNvSpPr>
+              <p:nvPr>
+                <p:ph idx="1"/>
+              </p:nvPr>
+            </p:nvSpPr>
+            <p:spPr/>
+            <p:txBody>
+              <a:bodyPr/>
+              <a:lstStyle/>
+              <a:p>
+                <a:r>
+                  <a:rPr lang="en-US" dirty="0"/>
+                  <a:t>Alternating Optimization:</a:t>
+                </a:r>
+              </a:p>
+              <a:p>
+                <a:pPr lvl="1"/>
+                <a:r>
+                  <a:rPr lang="en-US" dirty="0"/>
+                  <a:t>Assume we know matrix </a:t>
+                </a:r>
+                <a14:m>
+                  <m:oMath xmlns:m="http://schemas.openxmlformats.org/officeDocument/2006/math">
+                    <m:r>
+                      <a:rPr lang="en-US" i="1">
+                        <a:latin typeface="Cambria Math" charset="0"/>
+                      </a:rPr>
+                      <m:t>𝑧</m:t>
+                    </m:r>
+                  </m:oMath>
+                </a14:m>
+                <a:r>
+                  <a:rPr lang="en-US" dirty="0"/>
+                  <a:t> and matrix </a:t>
+                </a:r>
+                <a14:m>
+                  <m:oMath xmlns:m="http://schemas.openxmlformats.org/officeDocument/2006/math">
+                    <m:r>
+                      <a:rPr lang="en-US" i="1">
+                        <a:latin typeface="Cambria Math" charset="0"/>
+                      </a:rPr>
+                      <m:t>𝐵</m:t>
+                    </m:r>
+                    <m:r>
+                      <a:rPr lang="en-US" i="1">
+                        <a:latin typeface="Cambria Math" charset="0"/>
+                      </a:rPr>
+                      <m:t> </m:t>
+                    </m:r>
+                    <m:r>
+                      <a:rPr lang="en-US" i="1">
+                        <a:latin typeface="Cambria Math" charset="0"/>
+                      </a:rPr>
+                      <m:t>𝑒𝑥𝑐𝑒𝑝𝑡</m:t>
+                    </m:r>
+                    <m:r>
+                      <a:rPr lang="en-US" i="1">
+                        <a:latin typeface="Cambria Math" charset="0"/>
+                      </a:rPr>
+                      <m:t> </m:t>
+                    </m:r>
+                    <m:r>
+                      <a:rPr lang="en-US" i="1">
+                        <a:latin typeface="Cambria Math" charset="0"/>
+                      </a:rPr>
+                      <m:t>𝑜𝑛𝑒</m:t>
+                    </m:r>
+                    <m:r>
+                      <a:rPr lang="en-US" i="1">
+                        <a:latin typeface="Cambria Math" charset="0"/>
+                      </a:rPr>
+                      <m:t> </m:t>
+                    </m:r>
+                    <m:r>
+                      <a:rPr lang="en-US" i="1">
+                        <a:latin typeface="Cambria Math" charset="0"/>
+                      </a:rPr>
+                      <m:t>𝑐𝑜𝑙𝑢𝑚𝑛</m:t>
+                    </m:r>
+                    <m:r>
+                      <a:rPr lang="en-US" i="1">
+                        <a:latin typeface="Cambria Math" charset="0"/>
+                      </a:rPr>
+                      <m:t> </m:t>
+                    </m:r>
+                    <m:r>
+                      <a:rPr lang="en-US" i="1">
+                        <a:latin typeface="Cambria Math" charset="0"/>
+                      </a:rPr>
+                      <m:t>𝑜𝑓</m:t>
+                    </m:r>
+                    <m:r>
+                      <a:rPr lang="en-US" i="1">
+                        <a:latin typeface="Cambria Math" charset="0"/>
+                      </a:rPr>
+                      <m:t> </m:t>
+                    </m:r>
+                    <m:r>
+                      <a:rPr lang="en-US" i="1">
+                        <a:latin typeface="Cambria Math" charset="0"/>
+                      </a:rPr>
+                      <m:t>𝐵</m:t>
+                    </m:r>
+                    <m:r>
+                      <a:rPr lang="en-US" i="1">
+                        <a:latin typeface="Cambria Math" charset="0"/>
+                      </a:rPr>
+                      <m:t> (</m:t>
+                    </m:r>
+                    <m:r>
+                      <a:rPr lang="en-US" i="1">
+                        <a:latin typeface="Cambria Math" charset="0"/>
+                      </a:rPr>
+                      <m:t>𝑠𝑎𝑦</m:t>
+                    </m:r>
+                    <m:r>
+                      <a:rPr lang="en-US" i="1">
+                        <a:latin typeface="Cambria Math" charset="0"/>
+                      </a:rPr>
+                      <m:t> </m:t>
+                    </m:r>
+                    <m:sSup>
+                      <m:sSupPr>
+                        <m:ctrlPr>
+                          <a:rPr lang="en-US" i="1">
+                            <a:latin typeface="Cambria Math" charset="0"/>
+                          </a:rPr>
+                        </m:ctrlPr>
+                      </m:sSupPr>
+                      <m:e>
+                        <m:r>
+                          <a:rPr lang="en-US" i="1">
+                            <a:latin typeface="Cambria Math" charset="0"/>
+                          </a:rPr>
+                          <m:t>𝑘</m:t>
+                        </m:r>
+                      </m:e>
+                      <m:sup>
+                        <m:r>
+                          <a:rPr lang="en-US" i="1">
+                            <a:latin typeface="Cambria Math" charset="0"/>
+                          </a:rPr>
+                          <m:t>𝑡h</m:t>
+                        </m:r>
+                      </m:sup>
+                    </m:sSup>
+                    <m:r>
+                      <a:rPr lang="en-US" i="1">
+                        <a:latin typeface="Cambria Math" charset="0"/>
+                      </a:rPr>
+                      <m:t> </m:t>
+                    </m:r>
+                    <m:r>
+                      <a:rPr lang="en-US" i="1">
+                        <a:latin typeface="Cambria Math" charset="0"/>
+                      </a:rPr>
+                      <m:t>𝑐𝑜𝑙𝑢𝑚𝑛</m:t>
+                    </m:r>
+                    <m:r>
+                      <a:rPr lang="en-US" i="1">
+                        <a:latin typeface="Cambria Math" charset="0"/>
+                      </a:rPr>
+                      <m:t>),</m:t>
+                    </m:r>
+                  </m:oMath>
+                </a14:m>
+                <a:r>
+                  <a:rPr lang="en-US" dirty="0"/>
+                  <a:t> we can find  </a:t>
+                </a:r>
+                <a14:m>
+                  <m:oMath xmlns:m="http://schemas.openxmlformats.org/officeDocument/2006/math">
+                    <m:sSup>
+                      <m:sSupPr>
+                        <m:ctrlPr>
+                          <a:rPr lang="en-US" i="1">
+                            <a:latin typeface="Cambria Math" charset="0"/>
+                          </a:rPr>
+                        </m:ctrlPr>
+                      </m:sSupPr>
+                      <m:e>
+                        <m:r>
+                          <a:rPr lang="en-US" i="1">
+                            <a:latin typeface="Cambria Math" charset="0"/>
+                          </a:rPr>
+                          <m:t>𝑘</m:t>
+                        </m:r>
+                      </m:e>
+                      <m:sup>
+                        <m:r>
+                          <a:rPr lang="en-US" i="1">
+                            <a:latin typeface="Cambria Math" charset="0"/>
+                          </a:rPr>
+                          <m:t>𝑡h</m:t>
+                        </m:r>
+                      </m:sup>
+                    </m:sSup>
+                  </m:oMath>
+                </a14:m>
+                <a:r>
+                  <a:rPr lang="en-US" dirty="0"/>
+                  <a:t> column of B easily.</a:t>
+                </a:r>
+              </a:p>
+              <a:p>
+                <a:pPr lvl="2"/>
+                <a:r>
+                  <a:rPr lang="en-US" dirty="0"/>
+                  <a:t>Same as linear regression </a:t>
+                </a:r>
+              </a:p>
+              <a:p>
+                <a:endParaRPr lang="en-US" dirty="0"/>
+              </a:p>
+            </p:txBody>
+          </p:sp>
+        </mc:Choice>
+        <mc:Fallback>
+          <p:sp>
+            <p:nvSpPr>
+              <p:cNvPr id="3" name="Content Placeholder 2"/>
+              <p:cNvSpPr>
+                <a:spLocks noGrp="1" noRot="1" noChangeAspect="1" noMove="1" noResize="1" noEditPoints="1" noAdjustHandles="1" noChangeArrowheads="1" noChangeShapeType="1" noTextEdit="1"/>
+              </p:cNvSpPr>
+              <p:nvPr>
+                <p:ph idx="1"/>
+              </p:nvPr>
+            </p:nvSpPr>
+            <p:spPr>
+              <a:blipFill rotWithShape="0">
+                <a:blip r:embed="rId2"/>
+                <a:stretch>
+                  <a:fillRect l="-142" t="-942"/>
+                </a:stretch>
+              </a:blipFill>
+            </p:spPr>
+            <p:txBody>
+              <a:bodyPr/>
+              <a:lstStyle/>
+              <a:p>
+                <a:r>
+                  <a:rPr lang="en-US">
+                    <a:noFill/>
+                  </a:rPr>
+                  <a:t> </a:t>
+                </a:r>
+              </a:p>
+            </p:txBody>
+          </p:sp>
+        </mc:Fallback>
+      </mc:AlternateContent>
+    </p:spTree>
+    <p:extLst>
+      <p:ext uri="{BB962C8B-B14F-4D97-AF65-F5344CB8AC3E}">
+        <p14:creationId xmlns:p14="http://schemas.microsoft.com/office/powerpoint/2010/main" val="787414876"/>
       </p:ext>
     </p:extLst>
   </p:cSld>

--- a/Presentation.pptx
+++ b/Presentation.pptx
@@ -20519,13 +20519,18 @@
                 <p:ph idx="1"/>
               </p:nvPr>
             </p:nvSpPr>
-            <p:spPr/>
+            <p:spPr>
+              <a:xfrm>
+                <a:off x="677334" y="1828801"/>
+                <a:ext cx="8596668" cy="4212562"/>
+              </a:xfrm>
+            </p:spPr>
             <p:txBody>
               <a:bodyPr/>
               <a:lstStyle/>
               <a:p>
                 <a:r>
-                  <a:rPr lang="en-US" dirty="0"/>
+                  <a:rPr lang="en-US" dirty="0" smtClean="0"/>
                   <a:t>Alternating Optimization:</a:t>
                 </a:r>
               </a:p>
@@ -20724,6 +20729,382 @@
                   <a:rPr lang="en-US" dirty="0"/>
                   <a:t>Same as linear regression </a:t>
                 </a:r>
+                <a:r>
+                  <a:rPr lang="en-US" dirty="0" smtClean="0"/>
+                  <a:t>model with </a:t>
+                </a:r>
+                <a14:m>
+                  <m:oMath xmlns:m="http://schemas.openxmlformats.org/officeDocument/2006/math">
+                    <m:sSub>
+                      <m:sSubPr>
+                        <m:ctrlPr>
+                          <a:rPr lang="en-US" b="0" i="1" smtClean="0">
+                            <a:latin typeface="Cambria Math" charset="0"/>
+                          </a:rPr>
+                        </m:ctrlPr>
+                      </m:sSubPr>
+                      <m:e>
+                        <m:r>
+                          <a:rPr lang="en-US" b="0" i="1" smtClean="0">
+                            <a:latin typeface="Cambria Math" charset="0"/>
+                          </a:rPr>
+                          <m:t>𝑧</m:t>
+                        </m:r>
+                      </m:e>
+                      <m:sub>
+                        <m:r>
+                          <a:rPr lang="en-US" b="0" i="1" smtClean="0">
+                            <a:latin typeface="Cambria Math" charset="0"/>
+                          </a:rPr>
+                          <m:t>𝑡𝑘</m:t>
+                        </m:r>
+                      </m:sub>
+                    </m:sSub>
+                    <m:sSubSup>
+                      <m:sSubSupPr>
+                        <m:ctrlPr>
+                          <a:rPr lang="en-US" b="1" i="1">
+                            <a:latin typeface="Cambria Math" charset="0"/>
+                          </a:rPr>
+                        </m:ctrlPr>
+                      </m:sSubSupPr>
+                      <m:e>
+                        <m:r>
+                          <a:rPr lang="en-US" b="1" i="1">
+                            <a:latin typeface="Cambria Math" charset="0"/>
+                          </a:rPr>
+                          <m:t>𝒌</m:t>
+                        </m:r>
+                      </m:e>
+                      <m:sub>
+                        <m:r>
+                          <a:rPr lang="en-US" b="1" i="1">
+                            <a:latin typeface="Cambria Math" charset="0"/>
+                          </a:rPr>
+                          <m:t>∗</m:t>
+                        </m:r>
+                      </m:sub>
+                      <m:sup>
+                        <m:r>
+                          <a:rPr lang="en-US" b="1" i="1" smtClean="0">
+                            <a:latin typeface="Cambria Math" charset="0"/>
+                          </a:rPr>
+                          <m:t>𝒂</m:t>
+                        </m:r>
+                        <m:d>
+                          <m:dPr>
+                            <m:ctrlPr>
+                              <a:rPr lang="en-US" b="1" i="1">
+                                <a:latin typeface="Cambria Math" charset="0"/>
+                              </a:rPr>
+                            </m:ctrlPr>
+                          </m:dPr>
+                          <m:e>
+                            <m:r>
+                              <a:rPr lang="en-US" b="1" i="1">
+                                <a:latin typeface="Cambria Math" charset="0"/>
+                              </a:rPr>
+                              <m:t>𝒕</m:t>
+                            </m:r>
+                          </m:e>
+                        </m:d>
+                        <m:r>
+                          <a:rPr lang="en-US" b="1" i="1">
+                            <a:latin typeface="Cambria Math" charset="0"/>
+                          </a:rPr>
+                          <m:t>𝑻</m:t>
+                        </m:r>
+                      </m:sup>
+                    </m:sSubSup>
+                    <m:r>
+                      <a:rPr lang="en-US" b="1" i="1" smtClean="0">
+                        <a:latin typeface="Cambria Math" charset="0"/>
+                      </a:rPr>
+                      <m:t>(</m:t>
+                    </m:r>
+                    <m:sSub>
+                      <m:sSubPr>
+                        <m:ctrlPr>
+                          <a:rPr lang="en-US" b="1" i="1" smtClean="0">
+                            <a:latin typeface="Cambria Math" charset="0"/>
+                          </a:rPr>
+                        </m:ctrlPr>
+                      </m:sSubPr>
+                      <m:e>
+                        <m:r>
+                          <a:rPr lang="en-US" b="1" i="1" smtClean="0">
+                            <a:latin typeface="Cambria Math" charset="0"/>
+                          </a:rPr>
+                          <m:t>𝒙</m:t>
+                        </m:r>
+                      </m:e>
+                      <m:sub>
+                        <m:r>
+                          <a:rPr lang="en-US" b="1" i="1" smtClean="0">
+                            <a:latin typeface="Cambria Math" charset="0"/>
+                          </a:rPr>
+                          <m:t>𝒏</m:t>
+                        </m:r>
+                      </m:sub>
+                    </m:sSub>
+                    <m:r>
+                      <a:rPr lang="en-US" b="1" i="1" smtClean="0">
+                        <a:latin typeface="Cambria Math" charset="0"/>
+                      </a:rPr>
+                      <m:t>)</m:t>
+                    </m:r>
+                  </m:oMath>
+                </a14:m>
+                <a:r>
+                  <a:rPr lang="en-US" dirty="0" smtClean="0"/>
+                  <a:t> as feature vector and </a:t>
+                </a:r>
+                <a14:m>
+                  <m:oMath xmlns:m="http://schemas.openxmlformats.org/officeDocument/2006/math">
+                    <m:sSub>
+                      <m:sSubPr>
+                        <m:ctrlPr>
+                          <a:rPr lang="en-US" b="0" i="1" smtClean="0">
+                            <a:latin typeface="Cambria Math" charset="0"/>
+                          </a:rPr>
+                        </m:ctrlPr>
+                      </m:sSubPr>
+                      <m:e>
+                        <m:r>
+                          <a:rPr lang="en-US" b="0" i="1" smtClean="0">
+                            <a:latin typeface="Cambria Math" charset="0"/>
+                          </a:rPr>
+                          <m:t>𝐵</m:t>
+                        </m:r>
+                      </m:e>
+                      <m:sub>
+                        <m:r>
+                          <a:rPr lang="en-US" b="0" i="1" smtClean="0">
+                            <a:latin typeface="Cambria Math" charset="0"/>
+                          </a:rPr>
+                          <m:t>𝑘</m:t>
+                        </m:r>
+                      </m:sub>
+                    </m:sSub>
+                  </m:oMath>
+                </a14:m>
+                <a:r>
+                  <a:rPr lang="en-US" dirty="0" smtClean="0"/>
+                  <a:t> unknown column as weight vector.</a:t>
+                </a:r>
+              </a:p>
+              <a:p>
+                <a:pPr lvl="2"/>
+                <a14:m>
+                  <m:oMath xmlns:m="http://schemas.openxmlformats.org/officeDocument/2006/math">
+                    <m:r>
+                      <a:rPr lang="en-US" b="0" i="1" smtClean="0">
+                        <a:latin typeface="Cambria Math" charset="0"/>
+                      </a:rPr>
+                      <m:t>𝑂</m:t>
+                    </m:r>
+                    <m:d>
+                      <m:dPr>
+                        <m:ctrlPr>
+                          <a:rPr lang="en-US" b="0" i="1" smtClean="0">
+                            <a:latin typeface="Cambria Math" charset="0"/>
+                          </a:rPr>
+                        </m:ctrlPr>
+                      </m:dPr>
+                      <m:e>
+                        <m:r>
+                          <a:rPr lang="en-US" b="0" i="1" smtClean="0">
+                            <a:latin typeface="Cambria Math" charset="0"/>
+                          </a:rPr>
+                          <m:t>𝑁</m:t>
+                        </m:r>
+                      </m:e>
+                    </m:d>
+                  </m:oMath>
+                </a14:m>
+                <a:r>
+                  <a:rPr lang="en-US" dirty="0" smtClean="0"/>
+                  <a:t> time per SGD iteration.</a:t>
+                </a:r>
+              </a:p>
+              <a:p>
+                <a:pPr lvl="1"/>
+                <a:r>
+                  <a:rPr lang="en-US" dirty="0" smtClean="0"/>
+                  <a:t>Assume we know B and find each row of </a:t>
+                </a:r>
+                <a14:m>
+                  <m:oMath xmlns:m="http://schemas.openxmlformats.org/officeDocument/2006/math">
+                    <m:r>
+                      <a:rPr lang="en-US" b="0" i="1" smtClean="0">
+                        <a:latin typeface="Cambria Math" charset="0"/>
+                      </a:rPr>
+                      <m:t>𝑧</m:t>
+                    </m:r>
+                  </m:oMath>
+                </a14:m>
+                <a:endParaRPr lang="en-US" dirty="0" smtClean="0"/>
+              </a:p>
+              <a:p>
+                <a:pPr lvl="2"/>
+                <a:r>
+                  <a:rPr lang="en-US" dirty="0" smtClean="0"/>
+                  <a:t>Again same as linear regression with </a:t>
+                </a:r>
+                <a14:m>
+                  <m:oMath xmlns:m="http://schemas.openxmlformats.org/officeDocument/2006/math">
+                    <m:sSubSup>
+                      <m:sSubSupPr>
+                        <m:ctrlPr>
+                          <a:rPr lang="en-US" b="1" i="1">
+                            <a:latin typeface="Cambria Math" charset="0"/>
+                          </a:rPr>
+                        </m:ctrlPr>
+                      </m:sSubSupPr>
+                      <m:e>
+                        <m:r>
+                          <a:rPr lang="en-US" b="1" i="1">
+                            <a:latin typeface="Cambria Math" charset="0"/>
+                          </a:rPr>
+                          <m:t>𝒌</m:t>
+                        </m:r>
+                      </m:e>
+                      <m:sub>
+                        <m:r>
+                          <a:rPr lang="en-US" b="1" i="1">
+                            <a:latin typeface="Cambria Math" charset="0"/>
+                          </a:rPr>
+                          <m:t>∗</m:t>
+                        </m:r>
+                      </m:sub>
+                      <m:sup>
+                        <m:r>
+                          <a:rPr lang="en-US" b="1" i="1">
+                            <a:latin typeface="Cambria Math" charset="0"/>
+                          </a:rPr>
+                          <m:t>𝒂</m:t>
+                        </m:r>
+                        <m:d>
+                          <m:dPr>
+                            <m:ctrlPr>
+                              <a:rPr lang="en-US" b="1" i="1">
+                                <a:latin typeface="Cambria Math" charset="0"/>
+                              </a:rPr>
+                            </m:ctrlPr>
+                          </m:dPr>
+                          <m:e>
+                            <m:r>
+                              <a:rPr lang="en-US" b="1" i="1">
+                                <a:latin typeface="Cambria Math" charset="0"/>
+                              </a:rPr>
+                              <m:t>𝒕</m:t>
+                            </m:r>
+                          </m:e>
+                        </m:d>
+                        <m:r>
+                          <a:rPr lang="en-US" b="1" i="1">
+                            <a:latin typeface="Cambria Math" charset="0"/>
+                          </a:rPr>
+                          <m:t>𝑻</m:t>
+                        </m:r>
+                      </m:sup>
+                    </m:sSubSup>
+                    <m:d>
+                      <m:dPr>
+                        <m:ctrlPr>
+                          <a:rPr lang="en-US" b="1" i="1">
+                            <a:latin typeface="Cambria Math" charset="0"/>
+                          </a:rPr>
+                        </m:ctrlPr>
+                      </m:dPr>
+                      <m:e>
+                        <m:sSub>
+                          <m:sSubPr>
+                            <m:ctrlPr>
+                              <a:rPr lang="en-US" b="1" i="1">
+                                <a:latin typeface="Cambria Math" charset="0"/>
+                              </a:rPr>
+                            </m:ctrlPr>
+                          </m:sSubPr>
+                          <m:e>
+                            <m:r>
+                              <a:rPr lang="en-US" b="1" i="1">
+                                <a:latin typeface="Cambria Math" charset="0"/>
+                              </a:rPr>
+                              <m:t>𝒙</m:t>
+                            </m:r>
+                          </m:e>
+                          <m:sub>
+                            <m:r>
+                              <a:rPr lang="en-US" b="1" i="1">
+                                <a:latin typeface="Cambria Math" charset="0"/>
+                              </a:rPr>
+                              <m:t>𝒏</m:t>
+                            </m:r>
+                          </m:sub>
+                        </m:sSub>
+                      </m:e>
+                    </m:d>
+                    <m:r>
+                      <m:rPr>
+                        <m:sty m:val="p"/>
+                      </m:rPr>
+                      <a:rPr lang="en-US" b="0" i="0" smtClean="0">
+                        <a:latin typeface="Cambria Math" charset="0"/>
+                      </a:rPr>
+                      <m:t>B</m:t>
+                    </m:r>
+                    <m:r>
+                      <a:rPr lang="en-US" b="0" i="0" smtClean="0">
+                        <a:latin typeface="Cambria Math" charset="0"/>
+                      </a:rPr>
+                      <m:t> </m:t>
+                    </m:r>
+                  </m:oMath>
+                </a14:m>
+                <a:r>
+                  <a:rPr lang="en-US" dirty="0" smtClean="0"/>
+                  <a:t> as feature vector and unknown row of z as weight.</a:t>
+                </a:r>
+              </a:p>
+              <a:p>
+                <a:pPr lvl="2"/>
+                <a14:m>
+                  <m:oMath xmlns:m="http://schemas.openxmlformats.org/officeDocument/2006/math">
+                    <m:r>
+                      <a:rPr lang="en-US" b="0" i="1" smtClean="0">
+                        <a:latin typeface="Cambria Math" charset="0"/>
+                      </a:rPr>
+                      <m:t>𝑂</m:t>
+                    </m:r>
+                    <m:d>
+                      <m:dPr>
+                        <m:ctrlPr>
+                          <a:rPr lang="en-US" b="0" i="1" smtClean="0">
+                            <a:latin typeface="Cambria Math" charset="0"/>
+                          </a:rPr>
+                        </m:ctrlPr>
+                      </m:dPr>
+                      <m:e>
+                        <m:r>
+                          <a:rPr lang="en-US" b="0" i="1" smtClean="0">
+                            <a:latin typeface="Cambria Math" charset="0"/>
+                          </a:rPr>
+                          <m:t>𝐾𝑁</m:t>
+                        </m:r>
+                      </m:e>
+                    </m:d>
+                  </m:oMath>
+                </a14:m>
+                <a:r>
+                  <a:rPr lang="en-US" dirty="0" smtClean="0"/>
+                  <a:t> time per </a:t>
+                </a:r>
+                <a:r>
+                  <a:rPr lang="en-US" smtClean="0"/>
+                  <a:t>SGD iteration. </a:t>
+                </a:r>
+                <a:endParaRPr lang="en-US" dirty="0"/>
               </a:p>
               <a:p>
                 <a:endParaRPr lang="en-US" dirty="0"/>
@@ -20743,10 +21124,14 @@
               </p:nvPr>
             </p:nvSpPr>
             <p:spPr>
+              <a:xfrm>
+                <a:off x="677334" y="1828801"/>
+                <a:ext cx="8596668" cy="4212562"/>
+              </a:xfrm>
               <a:blipFill rotWithShape="0">
                 <a:blip r:embed="rId2"/>
                 <a:stretch>
-                  <a:fillRect l="-142" t="-942"/>
+                  <a:fillRect l="-142" t="-868"/>
                 </a:stretch>
               </a:blipFill>
             </p:spPr>

--- a/Presentation.pptx
+++ b/Presentation.pptx
@@ -5,7 +5,7 @@
     <p:sldMasterId id="2147483648" r:id="rId1"/>
   </p:sldMasterIdLst>
   <p:notesMasterIdLst>
-    <p:notesMasterId r:id="rId25"/>
+    <p:notesMasterId r:id="rId26"/>
   </p:notesMasterIdLst>
   <p:sldIdLst>
     <p:sldId id="256" r:id="rId2"/>
@@ -31,6 +31,7 @@
     <p:sldId id="276" r:id="rId22"/>
     <p:sldId id="277" r:id="rId23"/>
     <p:sldId id="278" r:id="rId24"/>
+    <p:sldId id="279" r:id="rId25"/>
   </p:sldIdLst>
   <p:sldSz cx="12192000" cy="6858000"/>
   <p:notesSz cx="6858000" cy="9144000"/>
@@ -21098,11 +21099,7 @@
                 </a14:m>
                 <a:r>
                   <a:rPr lang="en-US" dirty="0" smtClean="0"/>
-                  <a:t> time per </a:t>
-                </a:r>
-                <a:r>
-                  <a:rPr lang="en-US" smtClean="0"/>
-                  <a:t>SGD iteration. </a:t>
+                  <a:t> time per SGD iteration.  Where K is constant we fix for our model.</a:t>
                 </a:r>
                 <a:endParaRPr lang="en-US" dirty="0"/>
               </a:p>
@@ -21154,6 +21151,74 @@
     <p:extLst>
       <p:ext uri="{BB962C8B-B14F-4D97-AF65-F5344CB8AC3E}">
         <p14:creationId xmlns:p14="http://schemas.microsoft.com/office/powerpoint/2010/main" val="787414876"/>
+      </p:ext>
+    </p:extLst>
+  </p:cSld>
+  <p:clrMapOvr>
+    <a:masterClrMapping/>
+  </p:clrMapOvr>
+</p:sld>
+</file>
+
+<file path=ppt/slides/slide24.xml><?xml version="1.0" encoding="utf-8"?>
+<p:sld xmlns:a="http://schemas.openxmlformats.org/drawingml/2006/main" xmlns:r="http://schemas.openxmlformats.org/officeDocument/2006/relationships" xmlns:p="http://schemas.openxmlformats.org/presentationml/2006/main">
+  <p:cSld>
+    <p:spTree>
+      <p:nvGrpSpPr>
+        <p:cNvPr id="1" name=""/>
+        <p:cNvGrpSpPr/>
+        <p:nvPr/>
+      </p:nvGrpSpPr>
+      <p:grpSpPr>
+        <a:xfrm>
+          <a:off x="0" y="0"/>
+          <a:ext cx="0" cy="0"/>
+          <a:chOff x="0" y="0"/>
+          <a:chExt cx="0" cy="0"/>
+        </a:xfrm>
+      </p:grpSpPr>
+      <p:sp>
+        <p:nvSpPr>
+          <p:cNvPr id="2" name="Title 1"/>
+          <p:cNvSpPr>
+            <a:spLocks noGrp="1"/>
+          </p:cNvSpPr>
+          <p:nvPr>
+            <p:ph type="title"/>
+          </p:nvPr>
+        </p:nvSpPr>
+        <p:spPr/>
+        <p:txBody>
+          <a:bodyPr/>
+          <a:lstStyle/>
+          <a:p>
+            <a:endParaRPr lang="en-US"/>
+          </a:p>
+        </p:txBody>
+      </p:sp>
+      <p:sp>
+        <p:nvSpPr>
+          <p:cNvPr id="3" name="Content Placeholder 2"/>
+          <p:cNvSpPr>
+            <a:spLocks noGrp="1"/>
+          </p:cNvSpPr>
+          <p:nvPr>
+            <p:ph idx="1"/>
+          </p:nvPr>
+        </p:nvSpPr>
+        <p:spPr/>
+        <p:txBody>
+          <a:bodyPr/>
+          <a:lstStyle/>
+          <a:p>
+            <a:endParaRPr lang="en-US"/>
+          </a:p>
+        </p:txBody>
+      </p:sp>
+    </p:spTree>
+    <p:extLst>
+      <p:ext uri="{BB962C8B-B14F-4D97-AF65-F5344CB8AC3E}">
+        <p14:creationId xmlns:p14="http://schemas.microsoft.com/office/powerpoint/2010/main" val="377085667"/>
       </p:ext>
     </p:extLst>
   </p:cSld>

--- a/Presentation.pptx
+++ b/Presentation.pptx
@@ -10019,8 +10019,8 @@
           </a:p>
         </p:txBody>
       </p:sp>
-      <mc:AlternateContent xmlns:mc="http://schemas.openxmlformats.org/markup-compatibility/2006" xmlns:a14="http://schemas.microsoft.com/office/drawing/2010/main">
-        <mc:Choice Requires="a14">
+      <mc:AlternateContent xmlns:mc="http://schemas.openxmlformats.org/markup-compatibility/2006">
+        <mc:Choice xmlns:a14="http://schemas.microsoft.com/office/drawing/2010/main" Requires="a14">
           <p:sp>
             <p:nvSpPr>
               <p:cNvPr id="3" name="Content Placeholder 2"/>
@@ -12071,14 +12071,69 @@
               <a:p>
                 <a:r>
                   <a:rPr lang="en-US" dirty="0" smtClean="0"/>
-                  <a:t>Same as usual GP except everything now is task dependent.</a:t>
+                  <a:t>Same as usual GP except everything now is task dependent</a:t>
+                </a:r>
+                <a:r>
+                  <a:rPr lang="en-US" dirty="0" smtClean="0"/>
+                  <a:t>. It is very much non scalable </a:t>
+                </a:r>
+                <a14:m>
+                  <m:oMath xmlns:m="http://schemas.openxmlformats.org/officeDocument/2006/math">
+                    <m:r>
+                      <a:rPr lang="en-US" b="0" i="1" smtClean="0">
+                        <a:latin typeface="Cambria Math" charset="0"/>
+                      </a:rPr>
+                      <m:t>𝑂</m:t>
+                    </m:r>
+                    <m:r>
+                      <a:rPr lang="en-US" b="0" i="1" smtClean="0">
+                        <a:latin typeface="Cambria Math" charset="0"/>
+                      </a:rPr>
+                      <m:t>(</m:t>
+                    </m:r>
+                    <m:sSup>
+                      <m:sSupPr>
+                        <m:ctrlPr>
+                          <a:rPr lang="en-US" b="0" i="1" smtClean="0">
+                            <a:latin typeface="Cambria Math" charset="0"/>
+                          </a:rPr>
+                        </m:ctrlPr>
+                      </m:sSupPr>
+                      <m:e>
+                        <m:r>
+                          <a:rPr lang="en-US" b="0" i="1" smtClean="0">
+                            <a:latin typeface="Cambria Math" charset="0"/>
+                          </a:rPr>
+                          <m:t>𝑁</m:t>
+                        </m:r>
+                      </m:e>
+                      <m:sup>
+                        <m:r>
+                          <a:rPr lang="en-US" b="0" i="1" smtClean="0">
+                            <a:latin typeface="Cambria Math" charset="0"/>
+                          </a:rPr>
+                          <m:t>3</m:t>
+                        </m:r>
+                      </m:sup>
+                    </m:sSup>
+                    <m:r>
+                      <a:rPr lang="en-US" b="0" i="1" smtClean="0">
+                        <a:latin typeface="Cambria Math" charset="0"/>
+                      </a:rPr>
+                      <m:t>)</m:t>
+                    </m:r>
+                  </m:oMath>
+                </a14:m>
+                <a:r>
+                  <a:rPr lang="en-US" dirty="0" smtClean="0"/>
+                  <a:t>, time complexity which is not desired. </a:t>
                 </a:r>
                 <a:endParaRPr lang="en-US" dirty="0"/>
               </a:p>
             </p:txBody>
           </p:sp>
         </mc:Choice>
-        <mc:Fallback xmlns="">
+        <mc:Fallback>
           <p:sp>
             <p:nvSpPr>
               <p:cNvPr id="3" name="Content Placeholder 2"/>
@@ -21192,29 +21247,148 @@
           <a:bodyPr/>
           <a:lstStyle/>
           <a:p>
-            <a:endParaRPr lang="en-US"/>
+            <a:r>
+              <a:rPr lang="en-US" dirty="0"/>
+              <a:t>Our Method</a:t>
+            </a:r>
           </a:p>
         </p:txBody>
       </p:sp>
-      <p:sp>
-        <p:nvSpPr>
-          <p:cNvPr id="3" name="Content Placeholder 2"/>
-          <p:cNvSpPr>
-            <a:spLocks noGrp="1"/>
-          </p:cNvSpPr>
-          <p:nvPr>
-            <p:ph idx="1"/>
-          </p:nvPr>
-        </p:nvSpPr>
-        <p:spPr/>
-        <p:txBody>
-          <a:bodyPr/>
-          <a:lstStyle/>
-          <a:p>
-            <a:endParaRPr lang="en-US"/>
-          </a:p>
-        </p:txBody>
-      </p:sp>
+      <mc:AlternateContent xmlns:mc="http://schemas.openxmlformats.org/markup-compatibility/2006">
+        <mc:Choice xmlns:a14="http://schemas.microsoft.com/office/drawing/2010/main" Requires="a14">
+          <p:sp>
+            <p:nvSpPr>
+              <p:cNvPr id="3" name="Content Placeholder 2"/>
+              <p:cNvSpPr>
+                <a:spLocks noGrp="1"/>
+              </p:cNvSpPr>
+              <p:nvPr>
+                <p:ph idx="1"/>
+              </p:nvPr>
+            </p:nvSpPr>
+            <p:spPr/>
+            <p:txBody>
+              <a:bodyPr/>
+              <a:lstStyle/>
+              <a:p>
+                <a:r>
+                  <a:rPr lang="en-US" smtClean="0"/>
+                  <a:t>Prediction complexity</a:t>
+                </a:r>
+              </a:p>
+              <a:p>
+                <a:pPr lvl="1"/>
+                <a:endParaRPr lang="en-US" smtClean="0"/>
+              </a:p>
+              <a:p>
+                <a:r>
+                  <a:rPr lang="en-US" dirty="0" smtClean="0"/>
+                  <a:t>Summary:</a:t>
+                </a:r>
+              </a:p>
+              <a:p>
+                <a:pPr lvl="1"/>
+                <a:r>
+                  <a:rPr lang="en-US" dirty="0" smtClean="0"/>
+                  <a:t>We have shown our method is theoretically equivalent to current existing method of MTGP.</a:t>
+                </a:r>
+              </a:p>
+              <a:p>
+                <a:pPr lvl="1"/>
+                <a:r>
+                  <a:rPr lang="en-US" dirty="0" smtClean="0"/>
+                  <a:t>Gradient calculations in our method is very simple (same as linear regression)</a:t>
+                </a:r>
+              </a:p>
+              <a:p>
+                <a:pPr lvl="1"/>
+                <a:r>
+                  <a:rPr lang="en-US" dirty="0" smtClean="0"/>
+                  <a:t>Easy to implement</a:t>
+                </a:r>
+              </a:p>
+              <a:p>
+                <a:pPr lvl="1"/>
+                <a14:m>
+                  <m:oMath xmlns:m="http://schemas.openxmlformats.org/officeDocument/2006/math">
+                    <m:r>
+                      <a:rPr lang="en-US" b="0" i="1" smtClean="0">
+                        <a:latin typeface="Cambria Math" charset="0"/>
+                      </a:rPr>
+                      <m:t>𝑂</m:t>
+                    </m:r>
+                    <m:d>
+                      <m:dPr>
+                        <m:ctrlPr>
+                          <a:rPr lang="en-US" b="0" i="1" smtClean="0">
+                            <a:latin typeface="Cambria Math" charset="0"/>
+                          </a:rPr>
+                        </m:ctrlPr>
+                      </m:dPr>
+                      <m:e>
+                        <m:r>
+                          <a:rPr lang="en-US" b="0" i="1" smtClean="0">
+                            <a:latin typeface="Cambria Math" charset="0"/>
+                          </a:rPr>
+                          <m:t>𝑁𝐾</m:t>
+                        </m:r>
+                      </m:e>
+                    </m:d>
+                  </m:oMath>
+                </a14:m>
+                <a:r>
+                  <a:rPr lang="en-US" dirty="0" smtClean="0"/>
+                  <a:t> time per SGD iteration.</a:t>
+                </a:r>
+              </a:p>
+              <a:p>
+                <a:pPr lvl="1"/>
+                <a:r>
+                  <a:rPr lang="en-US" dirty="0" smtClean="0"/>
+                  <a:t>Nicely scalable.</a:t>
+                </a:r>
+              </a:p>
+              <a:p>
+                <a:pPr lvl="1"/>
+                <a:endParaRPr lang="en-US" dirty="0"/>
+              </a:p>
+            </p:txBody>
+          </p:sp>
+        </mc:Choice>
+        <mc:Fallback>
+          <p:sp>
+            <p:nvSpPr>
+              <p:cNvPr id="3" name="Content Placeholder 2"/>
+              <p:cNvSpPr>
+                <a:spLocks noGrp="1" noRot="1" noChangeAspect="1" noMove="1" noResize="1" noEditPoints="1" noAdjustHandles="1" noChangeArrowheads="1" noChangeShapeType="1" noTextEdit="1"/>
+              </p:cNvSpPr>
+              <p:nvPr>
+                <p:ph idx="1"/>
+              </p:nvPr>
+            </p:nvSpPr>
+            <p:spPr>
+              <a:blipFill rotWithShape="0">
+                <a:blip r:embed="rId2"/>
+                <a:stretch>
+                  <a:fillRect l="-142" t="-942"/>
+                </a:stretch>
+              </a:blipFill>
+            </p:spPr>
+            <p:txBody>
+              <a:bodyPr/>
+              <a:lstStyle/>
+              <a:p>
+                <a:r>
+                  <a:rPr lang="en-US">
+                    <a:noFill/>
+                  </a:rPr>
+                  <a:t> </a:t>
+                </a:r>
+              </a:p>
+            </p:txBody>
+          </p:sp>
+        </mc:Fallback>
+      </mc:AlternateContent>
     </p:spTree>
     <p:extLst>
       <p:ext uri="{BB962C8B-B14F-4D97-AF65-F5344CB8AC3E}">

--- a/Presentation.pptx
+++ b/Presentation.pptx
@@ -5,7 +5,7 @@
     <p:sldMasterId id="2147483648" r:id="rId1"/>
   </p:sldMasterIdLst>
   <p:notesMasterIdLst>
-    <p:notesMasterId r:id="rId26"/>
+    <p:notesMasterId r:id="rId27"/>
   </p:notesMasterIdLst>
   <p:sldIdLst>
     <p:sldId id="256" r:id="rId2"/>
@@ -32,6 +32,7 @@
     <p:sldId id="277" r:id="rId23"/>
     <p:sldId id="278" r:id="rId24"/>
     <p:sldId id="279" r:id="rId25"/>
+    <p:sldId id="280" r:id="rId26"/>
   </p:sldIdLst>
   <p:sldSz cx="12192000" cy="6858000"/>
   <p:notesSz cx="6858000" cy="9144000"/>
@@ -21268,47 +21269,146 @@
             </p:nvSpPr>
             <p:spPr/>
             <p:txBody>
-              <a:bodyPr/>
+              <a:bodyPr>
+                <a:normAutofit/>
+              </a:bodyPr>
               <a:lstStyle/>
               <a:p>
                 <a:r>
-                  <a:rPr lang="en-US" smtClean="0"/>
+                  <a:rPr lang="en-US" dirty="0" smtClean="0"/>
                   <a:t>Prediction complexity</a:t>
-                </a:r>
-              </a:p>
-              <a:p>
-                <a:pPr lvl="1"/>
-                <a:endParaRPr lang="en-US" smtClean="0"/>
-              </a:p>
-              <a:p>
-                <a:r>
-                  <a:rPr lang="en-US" dirty="0" smtClean="0"/>
-                  <a:t>Summary:</a:t>
                 </a:r>
               </a:p>
               <a:p>
                 <a:pPr lvl="1"/>
                 <a:r>
                   <a:rPr lang="en-US" dirty="0" smtClean="0"/>
-                  <a:t>We have shown our method is theoretically equivalent to current existing method of MTGP.</a:t>
+                  <a:t>Once we know B and z, then we can find </a:t>
+                </a:r>
+                <a14:m>
+                  <m:oMath xmlns:m="http://schemas.openxmlformats.org/officeDocument/2006/math">
+                    <m:sSup>
+                      <m:sSupPr>
+                        <m:ctrlPr>
+                          <a:rPr lang="en-US" b="0" i="1" smtClean="0">
+                            <a:latin typeface="Cambria Math" charset="0"/>
+                          </a:rPr>
+                        </m:ctrlPr>
+                      </m:sSupPr>
+                      <m:e>
+                        <m:r>
+                          <a:rPr lang="en-US" b="0" i="1" smtClean="0">
+                            <a:latin typeface="Cambria Math" charset="0"/>
+                          </a:rPr>
+                          <m:t>𝛼</m:t>
+                        </m:r>
+                      </m:e>
+                      <m:sup>
+                        <m:r>
+                          <a:rPr lang="en-US" b="0" i="1" smtClean="0">
+                            <a:latin typeface="Cambria Math" charset="0"/>
+                          </a:rPr>
+                          <m:t>𝑡</m:t>
+                        </m:r>
+                      </m:sup>
+                    </m:sSup>
+                    <m:r>
+                      <a:rPr lang="en-US" b="0" i="1" smtClean="0">
+                        <a:latin typeface="Cambria Math" charset="0"/>
+                      </a:rPr>
+                      <m:t> ∀</m:t>
+                    </m:r>
+                    <m:r>
+                      <a:rPr lang="en-US" b="0" i="1" smtClean="0">
+                        <a:latin typeface="Cambria Math" charset="0"/>
+                      </a:rPr>
+                      <m:t>𝑡</m:t>
+                    </m:r>
+                    <m:r>
+                      <a:rPr lang="en-US" b="0" i="0" smtClean="0">
+                        <a:latin typeface="Cambria Math" charset="0"/>
+                      </a:rPr>
+                      <m:t>, </m:t>
+                    </m:r>
+                  </m:oMath>
+                </a14:m>
+                <a:r>
+                  <a:rPr lang="en-US" dirty="0" smtClean="0"/>
+                  <a:t>once we have </a:t>
+                </a:r>
+                <a14:m>
+                  <m:oMath xmlns:m="http://schemas.openxmlformats.org/officeDocument/2006/math">
+                    <m:sSup>
+                      <m:sSupPr>
+                        <m:ctrlPr>
+                          <a:rPr lang="en-US" i="1">
+                            <a:latin typeface="Cambria Math" charset="0"/>
+                          </a:rPr>
+                        </m:ctrlPr>
+                      </m:sSupPr>
+                      <m:e>
+                        <m:r>
+                          <a:rPr lang="en-US" i="1">
+                            <a:latin typeface="Cambria Math" charset="0"/>
+                          </a:rPr>
+                          <m:t>𝛼</m:t>
+                        </m:r>
+                      </m:e>
+                      <m:sup>
+                        <m:r>
+                          <a:rPr lang="en-US" i="1">
+                            <a:latin typeface="Cambria Math" charset="0"/>
+                          </a:rPr>
+                          <m:t>𝑡</m:t>
+                        </m:r>
+                      </m:sup>
+                    </m:sSup>
+                  </m:oMath>
+                </a14:m>
+                <a:r>
+                  <a:rPr lang="en-US" dirty="0" smtClean="0"/>
+                  <a:t> then it is same as kernel SVM with </a:t>
+                </a:r>
+                <a14:m>
+                  <m:oMath xmlns:m="http://schemas.openxmlformats.org/officeDocument/2006/math">
+                    <m:sSup>
+                      <m:sSupPr>
+                        <m:ctrlPr>
+                          <a:rPr lang="en-US" i="1">
+                            <a:latin typeface="Cambria Math" charset="0"/>
+                          </a:rPr>
+                        </m:ctrlPr>
+                      </m:sSupPr>
+                      <m:e>
+                        <m:r>
+                          <a:rPr lang="en-US" i="1">
+                            <a:latin typeface="Cambria Math" charset="0"/>
+                          </a:rPr>
+                          <m:t>𝛼</m:t>
+                        </m:r>
+                      </m:e>
+                      <m:sup>
+                        <m:r>
+                          <a:rPr lang="en-US" i="1">
+                            <a:latin typeface="Cambria Math" charset="0"/>
+                          </a:rPr>
+                          <m:t>𝑡</m:t>
+                        </m:r>
+                      </m:sup>
+                    </m:sSup>
+                  </m:oMath>
+                </a14:m>
+                <a:r>
+                  <a:rPr lang="en-US" dirty="0" smtClean="0"/>
+                  <a:t> as support</a:t>
                 </a:r>
               </a:p>
               <a:p>
                 <a:pPr lvl="1"/>
                 <a:r>
                   <a:rPr lang="en-US" dirty="0" smtClean="0"/>
-                  <a:t>Gradient calculations in our method is very simple (same as linear regression)</a:t>
+                  <a:t>Prediction complexity for Kernel SVM is </a:t>
                 </a:r>
-              </a:p>
-              <a:p>
-                <a:pPr lvl="1"/>
-                <a:r>
-                  <a:rPr lang="en-US" dirty="0" smtClean="0"/>
-                  <a:t>Easy to implement</a:t>
-                </a:r>
-              </a:p>
-              <a:p>
-                <a:pPr lvl="1"/>
                 <a14:m>
                   <m:oMath xmlns:m="http://schemas.openxmlformats.org/officeDocument/2006/math">
                     <m:r>
@@ -21330,7 +21430,7 @@
                           <a:rPr lang="en-US" b="0" i="1" smtClean="0">
                             <a:latin typeface="Cambria Math" charset="0"/>
                           </a:rPr>
-                          <m:t>𝑁𝐾</m:t>
+                          <m:t>1</m:t>
                         </m:r>
                       </m:e>
                     </m:d>
@@ -21338,14 +21438,48 @@
                 </a14:m>
                 <a:r>
                   <a:rPr lang="en-US" dirty="0" smtClean="0"/>
-                  <a:t> time per SGD iteration.</a:t>
+                  <a:t> (approximation method), so we can also predict in </a:t>
+                </a:r>
+                <a14:m>
+                  <m:oMath xmlns:m="http://schemas.openxmlformats.org/officeDocument/2006/math">
+                    <m:r>
+                      <a:rPr lang="en-US" i="1">
+                        <a:latin typeface="Cambria Math" charset="0"/>
+                      </a:rPr>
+                      <m:t>𝑂</m:t>
+                    </m:r>
+                    <m:d>
+                      <m:dPr>
+                        <m:ctrlPr>
+                          <a:rPr lang="en-US" i="1">
+                            <a:latin typeface="Cambria Math" charset="0"/>
+                          </a:rPr>
+                        </m:ctrlPr>
+                      </m:dPr>
+                      <m:e>
+                        <m:r>
+                          <a:rPr lang="en-US" i="1">
+                            <a:latin typeface="Cambria Math" charset="0"/>
+                          </a:rPr>
+                          <m:t>1</m:t>
+                        </m:r>
+                      </m:e>
+                    </m:d>
+                  </m:oMath>
+                </a14:m>
+                <a:r>
+                  <a:rPr lang="en-US" dirty="0" smtClean="0"/>
+                  <a:t> time.</a:t>
                 </a:r>
               </a:p>
               <a:p>
                 <a:pPr lvl="1"/>
+                <a:endParaRPr lang="en-US" dirty="0" smtClean="0"/>
+              </a:p>
+              <a:p>
                 <a:r>
-                  <a:rPr lang="en-US" dirty="0" smtClean="0"/>
-                  <a:t>Nicely scalable.</a:t>
+                  <a:rPr lang="en-US" smtClean="0"/>
+                  <a:t>Variance:</a:t>
                 </a:r>
               </a:p>
               <a:p>
@@ -21393,6 +21527,182 @@
     <p:extLst>
       <p:ext uri="{BB962C8B-B14F-4D97-AF65-F5344CB8AC3E}">
         <p14:creationId xmlns:p14="http://schemas.microsoft.com/office/powerpoint/2010/main" val="377085667"/>
+      </p:ext>
+    </p:extLst>
+  </p:cSld>
+  <p:clrMapOvr>
+    <a:masterClrMapping/>
+  </p:clrMapOvr>
+</p:sld>
+</file>
+
+<file path=ppt/slides/slide25.xml><?xml version="1.0" encoding="utf-8"?>
+<p:sld xmlns:a="http://schemas.openxmlformats.org/drawingml/2006/main" xmlns:r="http://schemas.openxmlformats.org/officeDocument/2006/relationships" xmlns:p="http://schemas.openxmlformats.org/presentationml/2006/main">
+  <p:cSld>
+    <p:spTree>
+      <p:nvGrpSpPr>
+        <p:cNvPr id="1" name=""/>
+        <p:cNvGrpSpPr/>
+        <p:nvPr/>
+      </p:nvGrpSpPr>
+      <p:grpSpPr>
+        <a:xfrm>
+          <a:off x="0" y="0"/>
+          <a:ext cx="0" cy="0"/>
+          <a:chOff x="0" y="0"/>
+          <a:chExt cx="0" cy="0"/>
+        </a:xfrm>
+      </p:grpSpPr>
+      <p:sp>
+        <p:nvSpPr>
+          <p:cNvPr id="2" name="Title 1"/>
+          <p:cNvSpPr>
+            <a:spLocks noGrp="1"/>
+          </p:cNvSpPr>
+          <p:nvPr>
+            <p:ph type="title"/>
+          </p:nvPr>
+        </p:nvSpPr>
+        <p:spPr/>
+        <p:txBody>
+          <a:bodyPr/>
+          <a:lstStyle/>
+          <a:p>
+            <a:r>
+              <a:rPr lang="en-US" dirty="0"/>
+              <a:t>Our Method</a:t>
+            </a:r>
+          </a:p>
+        </p:txBody>
+      </p:sp>
+      <mc:AlternateContent xmlns:mc="http://schemas.openxmlformats.org/markup-compatibility/2006">
+        <mc:Choice xmlns:a14="http://schemas.microsoft.com/office/drawing/2010/main" Requires="a14">
+          <p:sp>
+            <p:nvSpPr>
+              <p:cNvPr id="3" name="Content Placeholder 2"/>
+              <p:cNvSpPr>
+                <a:spLocks noGrp="1"/>
+              </p:cNvSpPr>
+              <p:nvPr>
+                <p:ph idx="1"/>
+              </p:nvPr>
+            </p:nvSpPr>
+            <p:spPr/>
+            <p:txBody>
+              <a:bodyPr/>
+              <a:lstStyle/>
+              <a:p>
+                <a:r>
+                  <a:rPr lang="en-US" dirty="0"/>
+                  <a:t>Summary:</a:t>
+                </a:r>
+              </a:p>
+              <a:p>
+                <a:pPr lvl="1"/>
+                <a:r>
+                  <a:rPr lang="en-US" dirty="0"/>
+                  <a:t>We have shown our method is theoretically equivalent to current existing method of MTGP.</a:t>
+                </a:r>
+              </a:p>
+              <a:p>
+                <a:pPr lvl="1"/>
+                <a:r>
+                  <a:rPr lang="en-US" dirty="0"/>
+                  <a:t>Gradient calculations in our method is very simple (same as linear regression)</a:t>
+                </a:r>
+              </a:p>
+              <a:p>
+                <a:pPr lvl="1"/>
+                <a:r>
+                  <a:rPr lang="en-US" dirty="0"/>
+                  <a:t>Easy to implement</a:t>
+                </a:r>
+              </a:p>
+              <a:p>
+                <a:pPr lvl="1"/>
+                <a14:m>
+                  <m:oMath xmlns:m="http://schemas.openxmlformats.org/officeDocument/2006/math">
+                    <m:r>
+                      <a:rPr lang="en-US" i="1">
+                        <a:latin typeface="Cambria Math" charset="0"/>
+                      </a:rPr>
+                      <m:t>𝑂</m:t>
+                    </m:r>
+                    <m:d>
+                      <m:dPr>
+                        <m:ctrlPr>
+                          <a:rPr lang="en-US" i="1">
+                            <a:latin typeface="Cambria Math" charset="0"/>
+                          </a:rPr>
+                        </m:ctrlPr>
+                      </m:dPr>
+                      <m:e>
+                        <m:r>
+                          <a:rPr lang="en-US" i="1">
+                            <a:latin typeface="Cambria Math" charset="0"/>
+                          </a:rPr>
+                          <m:t>𝑁𝐾</m:t>
+                        </m:r>
+                      </m:e>
+                    </m:d>
+                  </m:oMath>
+                </a14:m>
+                <a:r>
+                  <a:rPr lang="en-US" dirty="0"/>
+                  <a:t> time per SGD iteration.</a:t>
+                </a:r>
+              </a:p>
+              <a:p>
+                <a:pPr lvl="1"/>
+                <a:r>
+                  <a:rPr lang="en-US" dirty="0"/>
+                  <a:t>Nicely scalable.</a:t>
+                </a:r>
+              </a:p>
+              <a:p>
+                <a:endParaRPr lang="en-US" dirty="0"/>
+              </a:p>
+            </p:txBody>
+          </p:sp>
+        </mc:Choice>
+        <mc:Fallback>
+          <p:sp>
+            <p:nvSpPr>
+              <p:cNvPr id="3" name="Content Placeholder 2"/>
+              <p:cNvSpPr>
+                <a:spLocks noGrp="1" noRot="1" noChangeAspect="1" noMove="1" noResize="1" noEditPoints="1" noAdjustHandles="1" noChangeArrowheads="1" noChangeShapeType="1" noTextEdit="1"/>
+              </p:cNvSpPr>
+              <p:nvPr>
+                <p:ph idx="1"/>
+              </p:nvPr>
+            </p:nvSpPr>
+            <p:spPr>
+              <a:blipFill rotWithShape="0">
+                <a:blip r:embed="rId2"/>
+                <a:stretch>
+                  <a:fillRect l="-142" t="-942"/>
+                </a:stretch>
+              </a:blipFill>
+            </p:spPr>
+            <p:txBody>
+              <a:bodyPr/>
+              <a:lstStyle/>
+              <a:p>
+                <a:r>
+                  <a:rPr lang="en-US">
+                    <a:noFill/>
+                  </a:rPr>
+                  <a:t> </a:t>
+                </a:r>
+              </a:p>
+            </p:txBody>
+          </p:sp>
+        </mc:Fallback>
+      </mc:AlternateContent>
+    </p:spTree>
+    <p:extLst>
+      <p:ext uri="{BB962C8B-B14F-4D97-AF65-F5344CB8AC3E}">
+        <p14:creationId xmlns:p14="http://schemas.microsoft.com/office/powerpoint/2010/main" val="413839231"/>
       </p:ext>
     </p:extLst>
   </p:cSld>

--- a/Presentation.pptx
+++ b/Presentation.pptx
@@ -21478,9 +21478,666 @@
               </a:p>
               <a:p>
                 <a:r>
-                  <a:rPr lang="en-US" smtClean="0"/>
+                  <a:rPr lang="en-US" dirty="0" smtClean="0"/>
                   <a:t>Variance:</a:t>
                 </a:r>
+              </a:p>
+              <a:p>
+                <a:pPr lvl="1"/>
+                <a:r>
+                  <a:rPr lang="en-US" dirty="0" smtClean="0"/>
+                  <a:t>To calculate variance we need </a:t>
+                </a:r>
+                <a14:m>
+                  <m:oMath xmlns:m="http://schemas.openxmlformats.org/officeDocument/2006/math">
+                    <m:sSubSup>
+                      <m:sSubSupPr>
+                        <m:ctrlPr>
+                          <a:rPr lang="en-US" b="0" i="1" smtClean="0">
+                            <a:latin typeface="Cambria Math" charset="0"/>
+                          </a:rPr>
+                        </m:ctrlPr>
+                      </m:sSubSupPr>
+                      <m:e>
+                        <m:r>
+                          <a:rPr lang="en-US" b="0" i="1" smtClean="0">
+                            <a:latin typeface="Cambria Math" charset="0"/>
+                          </a:rPr>
+                          <m:t>𝐶</m:t>
+                        </m:r>
+                      </m:e>
+                      <m:sub>
+                        <m:r>
+                          <a:rPr lang="en-US" b="0" i="1" smtClean="0">
+                            <a:latin typeface="Cambria Math" charset="0"/>
+                          </a:rPr>
+                          <m:t>𝑁</m:t>
+                        </m:r>
+                      </m:sub>
+                      <m:sup>
+                        <m:r>
+                          <a:rPr lang="en-US" b="0" i="1" smtClean="0">
+                            <a:latin typeface="Cambria Math" charset="0"/>
+                          </a:rPr>
+                          <m:t>−1</m:t>
+                        </m:r>
+                      </m:sup>
+                    </m:sSubSup>
+                    <m:r>
+                      <a:rPr lang="en-US" b="0" i="1" smtClean="0">
+                        <a:latin typeface="Cambria Math" charset="0"/>
+                      </a:rPr>
+                      <m:t> </m:t>
+                    </m:r>
+                    <m:r>
+                      <a:rPr lang="en-US" b="0" i="1" smtClean="0">
+                        <a:latin typeface="Cambria Math" charset="0"/>
+                      </a:rPr>
+                      <m:t>𝑎𝑛𝑑</m:t>
+                    </m:r>
+                    <m:r>
+                      <a:rPr lang="en-US" b="0" i="1" smtClean="0">
+                        <a:latin typeface="Cambria Math" charset="0"/>
+                      </a:rPr>
+                      <m:t> </m:t>
+                    </m:r>
+                    <m:r>
+                      <a:rPr lang="en-US" b="0" i="1" smtClean="0">
+                        <a:latin typeface="Cambria Math" charset="0"/>
+                      </a:rPr>
+                      <m:t>𝑘</m:t>
+                    </m:r>
+                    <m:r>
+                      <a:rPr lang="en-US" b="0" i="1" smtClean="0">
+                        <a:latin typeface="Cambria Math" charset="0"/>
+                      </a:rPr>
+                      <m:t>=</m:t>
+                    </m:r>
+                    <m:sSup>
+                      <m:sSupPr>
+                        <m:ctrlPr>
+                          <a:rPr lang="en-US" b="0" i="1" smtClean="0">
+                            <a:latin typeface="Cambria Math" charset="0"/>
+                          </a:rPr>
+                        </m:ctrlPr>
+                      </m:sSupPr>
+                      <m:e>
+                        <m:r>
+                          <a:rPr lang="en-US" b="0" i="1" smtClean="0">
+                            <a:latin typeface="Cambria Math" charset="0"/>
+                          </a:rPr>
+                          <m:t>𝑘</m:t>
+                        </m:r>
+                      </m:e>
+                      <m:sup>
+                        <m:r>
+                          <a:rPr lang="en-US" b="0" i="1" smtClean="0">
+                            <a:latin typeface="Cambria Math" charset="0"/>
+                          </a:rPr>
+                          <m:t>𝑎</m:t>
+                        </m:r>
+                      </m:sup>
+                    </m:sSup>
+                    <m:sSup>
+                      <m:sSupPr>
+                        <m:ctrlPr>
+                          <a:rPr lang="en-US" b="0" i="1" smtClean="0">
+                            <a:latin typeface="Cambria Math" charset="0"/>
+                          </a:rPr>
+                        </m:ctrlPr>
+                      </m:sSupPr>
+                      <m:e>
+                        <m:r>
+                          <a:rPr lang="en-US" b="0" i="1" smtClean="0">
+                            <a:latin typeface="Cambria Math" charset="0"/>
+                          </a:rPr>
+                          <m:t>𝑘</m:t>
+                        </m:r>
+                      </m:e>
+                      <m:sup>
+                        <m:r>
+                          <a:rPr lang="en-US" b="0" i="1" smtClean="0">
+                            <a:latin typeface="Cambria Math" charset="0"/>
+                          </a:rPr>
+                          <m:t>𝑏</m:t>
+                        </m:r>
+                      </m:sup>
+                    </m:sSup>
+                    <m:r>
+                      <a:rPr lang="en-US" b="0" i="1" smtClean="0">
+                        <a:latin typeface="Cambria Math" charset="0"/>
+                      </a:rPr>
+                      <m:t> </m:t>
+                    </m:r>
+                    <m:r>
+                      <a:rPr lang="en-US" b="0" i="1" smtClean="0">
+                        <a:latin typeface="Cambria Math" charset="0"/>
+                      </a:rPr>
+                      <m:t>𝑤𝑒</m:t>
+                    </m:r>
+                    <m:r>
+                      <a:rPr lang="en-US" b="0" i="1" smtClean="0">
+                        <a:latin typeface="Cambria Math" charset="0"/>
+                      </a:rPr>
+                      <m:t> </m:t>
+                    </m:r>
+                    <m:r>
+                      <a:rPr lang="en-US" b="0" i="1" smtClean="0">
+                        <a:latin typeface="Cambria Math" charset="0"/>
+                      </a:rPr>
+                      <m:t>𝑘𝑛𝑜𝑤</m:t>
+                    </m:r>
+                    <m:r>
+                      <a:rPr lang="en-US" b="0" i="1" smtClean="0">
+                        <a:latin typeface="Cambria Math" charset="0"/>
+                      </a:rPr>
+                      <m:t> </m:t>
+                    </m:r>
+                    <m:sSup>
+                      <m:sSupPr>
+                        <m:ctrlPr>
+                          <a:rPr lang="en-US" b="0" i="1" smtClean="0">
+                            <a:latin typeface="Cambria Math" charset="0"/>
+                          </a:rPr>
+                        </m:ctrlPr>
+                      </m:sSupPr>
+                      <m:e>
+                        <m:r>
+                          <a:rPr lang="en-US" b="0" i="1" smtClean="0">
+                            <a:latin typeface="Cambria Math" charset="0"/>
+                          </a:rPr>
+                          <m:t>𝑘</m:t>
+                        </m:r>
+                      </m:e>
+                      <m:sup>
+                        <m:r>
+                          <a:rPr lang="en-US" b="0" i="1" smtClean="0">
+                            <a:latin typeface="Cambria Math" charset="0"/>
+                          </a:rPr>
+                          <m:t>𝑎</m:t>
+                        </m:r>
+                      </m:sup>
+                    </m:sSup>
+                    <m:r>
+                      <a:rPr lang="en-US" b="0" i="1" smtClean="0">
+                        <a:latin typeface="Cambria Math" charset="0"/>
+                      </a:rPr>
+                      <m:t> </m:t>
+                    </m:r>
+                    <m:r>
+                      <a:rPr lang="en-US" b="0" i="1" smtClean="0">
+                        <a:latin typeface="Cambria Math" charset="0"/>
+                      </a:rPr>
+                      <m:t>𝑤𝑒</m:t>
+                    </m:r>
+                    <m:r>
+                      <a:rPr lang="en-US" b="0" i="1" smtClean="0">
+                        <a:latin typeface="Cambria Math" charset="0"/>
+                      </a:rPr>
+                      <m:t> </m:t>
+                    </m:r>
+                    <m:r>
+                      <a:rPr lang="en-US" b="0" i="1" smtClean="0">
+                        <a:latin typeface="Cambria Math" charset="0"/>
+                      </a:rPr>
+                      <m:t>𝑛𝑒𝑒𝑑</m:t>
+                    </m:r>
+                    <m:r>
+                      <a:rPr lang="en-US" b="0" i="1" smtClean="0">
+                        <a:latin typeface="Cambria Math" charset="0"/>
+                      </a:rPr>
+                      <m:t> </m:t>
+                    </m:r>
+                    <m:sSup>
+                      <m:sSupPr>
+                        <m:ctrlPr>
+                          <a:rPr lang="en-US" b="0" i="1" smtClean="0">
+                            <a:latin typeface="Cambria Math" charset="0"/>
+                          </a:rPr>
+                        </m:ctrlPr>
+                      </m:sSupPr>
+                      <m:e>
+                        <m:r>
+                          <a:rPr lang="en-US" b="0" i="1" smtClean="0">
+                            <a:latin typeface="Cambria Math" charset="0"/>
+                          </a:rPr>
+                          <m:t>𝑘</m:t>
+                        </m:r>
+                      </m:e>
+                      <m:sup>
+                        <m:r>
+                          <a:rPr lang="en-US" b="0" i="1" smtClean="0">
+                            <a:latin typeface="Cambria Math" charset="0"/>
+                          </a:rPr>
+                          <m:t>𝑏</m:t>
+                        </m:r>
+                      </m:sup>
+                    </m:sSup>
+                  </m:oMath>
+                </a14:m>
+                <a:endParaRPr lang="en-US" dirty="0" smtClean="0"/>
+              </a:p>
+              <a:p>
+                <a:pPr lvl="2"/>
+                <a14:m>
+                  <m:oMath xmlns:m="http://schemas.openxmlformats.org/officeDocument/2006/math">
+                    <m:sSup>
+                      <m:sSupPr>
+                        <m:ctrlPr>
+                          <a:rPr lang="en-US" b="0" i="1" smtClean="0">
+                            <a:latin typeface="Cambria Math" charset="0"/>
+                          </a:rPr>
+                        </m:ctrlPr>
+                      </m:sSupPr>
+                      <m:e>
+                        <m:r>
+                          <a:rPr lang="en-US" b="0" i="1" smtClean="0">
+                            <a:latin typeface="Cambria Math" charset="0"/>
+                          </a:rPr>
+                          <m:t>𝑘</m:t>
+                        </m:r>
+                      </m:e>
+                      <m:sup>
+                        <m:r>
+                          <a:rPr lang="en-US" b="0" i="1" smtClean="0">
+                            <a:latin typeface="Cambria Math" charset="0"/>
+                          </a:rPr>
+                          <m:t>𝑏</m:t>
+                        </m:r>
+                      </m:sup>
+                    </m:sSup>
+                    <m:d>
+                      <m:dPr>
+                        <m:ctrlPr>
+                          <a:rPr lang="en-US" b="0" i="1" smtClean="0">
+                            <a:latin typeface="Cambria Math" charset="0"/>
+                          </a:rPr>
+                        </m:ctrlPr>
+                      </m:dPr>
+                      <m:e>
+                        <m:r>
+                          <a:rPr lang="en-US" b="0" i="1" smtClean="0">
+                            <a:latin typeface="Cambria Math" charset="0"/>
+                          </a:rPr>
+                          <m:t>𝑡</m:t>
+                        </m:r>
+                        <m:r>
+                          <a:rPr lang="en-US" b="0" i="1" smtClean="0">
+                            <a:latin typeface="Cambria Math" charset="0"/>
+                          </a:rPr>
+                          <m:t>, </m:t>
+                        </m:r>
+                        <m:sSup>
+                          <m:sSupPr>
+                            <m:ctrlPr>
+                              <a:rPr lang="en-US" b="0" i="1" smtClean="0">
+                                <a:latin typeface="Cambria Math" charset="0"/>
+                              </a:rPr>
+                            </m:ctrlPr>
+                          </m:sSupPr>
+                          <m:e>
+                            <m:r>
+                              <a:rPr lang="en-US" b="0" i="1" smtClean="0">
+                                <a:latin typeface="Cambria Math" charset="0"/>
+                              </a:rPr>
+                              <m:t>𝑡</m:t>
+                            </m:r>
+                          </m:e>
+                          <m:sup>
+                            <m:r>
+                              <a:rPr lang="en-US" b="0" i="1" smtClean="0">
+                                <a:latin typeface="Cambria Math" charset="0"/>
+                              </a:rPr>
+                              <m:t>′</m:t>
+                            </m:r>
+                          </m:sup>
+                        </m:sSup>
+                      </m:e>
+                    </m:d>
+                    <m:r>
+                      <a:rPr lang="en-US" b="0" i="1" smtClean="0">
+                        <a:latin typeface="Cambria Math" charset="0"/>
+                      </a:rPr>
+                      <m:t>=</m:t>
+                    </m:r>
+                    <m:r>
+                      <a:rPr lang="en-US" b="0" i="1" smtClean="0">
+                        <a:latin typeface="Cambria Math" charset="0"/>
+                      </a:rPr>
+                      <m:t>𝑧</m:t>
+                    </m:r>
+                    <m:sSup>
+                      <m:sSupPr>
+                        <m:ctrlPr>
+                          <a:rPr lang="en-US" b="0" i="1" smtClean="0">
+                            <a:latin typeface="Cambria Math" charset="0"/>
+                          </a:rPr>
+                        </m:ctrlPr>
+                      </m:sSupPr>
+                      <m:e>
+                        <m:d>
+                          <m:dPr>
+                            <m:ctrlPr>
+                              <a:rPr lang="en-US" b="0" i="1" smtClean="0">
+                                <a:latin typeface="Cambria Math" charset="0"/>
+                              </a:rPr>
+                            </m:ctrlPr>
+                          </m:dPr>
+                          <m:e>
+                            <m:r>
+                              <a:rPr lang="en-US" b="0" i="1" smtClean="0">
+                                <a:latin typeface="Cambria Math" charset="0"/>
+                              </a:rPr>
+                              <m:t>𝑡</m:t>
+                            </m:r>
+                          </m:e>
+                        </m:d>
+                      </m:e>
+                      <m:sup>
+                        <m:r>
+                          <a:rPr lang="en-US" b="0" i="1" smtClean="0">
+                            <a:latin typeface="Cambria Math" charset="0"/>
+                          </a:rPr>
+                          <m:t>𝑇</m:t>
+                        </m:r>
+                      </m:sup>
+                    </m:sSup>
+                    <m:r>
+                      <a:rPr lang="en-US" b="0" i="1" smtClean="0">
+                        <a:latin typeface="Cambria Math" charset="0"/>
+                      </a:rPr>
+                      <m:t>𝑧</m:t>
+                    </m:r>
+                    <m:d>
+                      <m:dPr>
+                        <m:ctrlPr>
+                          <a:rPr lang="en-US" b="0" i="1" smtClean="0">
+                            <a:latin typeface="Cambria Math" charset="0"/>
+                          </a:rPr>
+                        </m:ctrlPr>
+                      </m:dPr>
+                      <m:e>
+                        <m:sSup>
+                          <m:sSupPr>
+                            <m:ctrlPr>
+                              <a:rPr lang="en-US" b="0" i="1" smtClean="0">
+                                <a:latin typeface="Cambria Math" charset="0"/>
+                              </a:rPr>
+                            </m:ctrlPr>
+                          </m:sSupPr>
+                          <m:e>
+                            <m:r>
+                              <a:rPr lang="en-US" b="0" i="1" smtClean="0">
+                                <a:latin typeface="Cambria Math" charset="0"/>
+                              </a:rPr>
+                              <m:t>𝑡</m:t>
+                            </m:r>
+                          </m:e>
+                          <m:sup>
+                            <m:r>
+                              <a:rPr lang="en-US" b="0" i="1" smtClean="0">
+                                <a:latin typeface="Cambria Math" charset="0"/>
+                              </a:rPr>
+                              <m:t>′</m:t>
+                            </m:r>
+                          </m:sup>
+                        </m:sSup>
+                      </m:e>
+                    </m:d>
+                    <m:r>
+                      <a:rPr lang="en-US" b="0" i="1" smtClean="0">
+                        <a:latin typeface="Cambria Math" charset="0"/>
+                      </a:rPr>
+                      <m:t> </m:t>
+                    </m:r>
+                    <m:r>
+                      <a:rPr lang="en-US" b="0" i="1" smtClean="0">
+                        <a:latin typeface="Cambria Math" charset="0"/>
+                      </a:rPr>
+                      <m:t>𝑤𝑒</m:t>
+                    </m:r>
+                    <m:r>
+                      <a:rPr lang="en-US" b="0" i="1" smtClean="0">
+                        <a:latin typeface="Cambria Math" charset="0"/>
+                      </a:rPr>
+                      <m:t> </m:t>
+                    </m:r>
+                    <m:r>
+                      <a:rPr lang="en-US" b="0" i="1" smtClean="0">
+                        <a:latin typeface="Cambria Math" charset="0"/>
+                      </a:rPr>
+                      <m:t>𝑘𝑛𝑜𝑤</m:t>
+                    </m:r>
+                    <m:r>
+                      <a:rPr lang="en-US" b="0" i="1" smtClean="0">
+                        <a:latin typeface="Cambria Math" charset="0"/>
+                      </a:rPr>
+                      <m:t> </m:t>
+                    </m:r>
+                    <m:r>
+                      <a:rPr lang="en-US" b="0" i="1" smtClean="0">
+                        <a:latin typeface="Cambria Math" charset="0"/>
+                      </a:rPr>
+                      <m:t>𝑧</m:t>
+                    </m:r>
+                    <m:r>
+                      <a:rPr lang="en-US" b="0" i="1" smtClean="0">
+                        <a:latin typeface="Cambria Math" charset="0"/>
+                      </a:rPr>
+                      <m:t>, </m:t>
+                    </m:r>
+                    <m:r>
+                      <a:rPr lang="en-US" b="0" i="1" smtClean="0">
+                        <a:latin typeface="Cambria Math" charset="0"/>
+                      </a:rPr>
+                      <m:t>h𝑒𝑛𝑐𝑒</m:t>
+                    </m:r>
+                    <m:r>
+                      <a:rPr lang="en-US" b="0" i="1" smtClean="0">
+                        <a:latin typeface="Cambria Math" charset="0"/>
+                      </a:rPr>
+                      <m:t> </m:t>
+                    </m:r>
+                    <m:r>
+                      <a:rPr lang="en-US" b="0" i="1" smtClean="0">
+                        <a:latin typeface="Cambria Math" charset="0"/>
+                      </a:rPr>
+                      <m:t>𝑤𝑒</m:t>
+                    </m:r>
+                    <m:r>
+                      <a:rPr lang="en-US" b="0" i="1" smtClean="0">
+                        <a:latin typeface="Cambria Math" charset="0"/>
+                      </a:rPr>
+                      <m:t> </m:t>
+                    </m:r>
+                    <m:r>
+                      <a:rPr lang="en-US" b="0" i="1" smtClean="0">
+                        <a:latin typeface="Cambria Math" charset="0"/>
+                      </a:rPr>
+                      <m:t>𝑘𝑛𝑜𝑤</m:t>
+                    </m:r>
+                    <m:r>
+                      <a:rPr lang="en-US" b="0" i="1" smtClean="0">
+                        <a:latin typeface="Cambria Math" charset="0"/>
+                      </a:rPr>
+                      <m:t> </m:t>
+                    </m:r>
+                    <m:sSup>
+                      <m:sSupPr>
+                        <m:ctrlPr>
+                          <a:rPr lang="en-US" b="0" i="1" smtClean="0">
+                            <a:latin typeface="Cambria Math" charset="0"/>
+                          </a:rPr>
+                        </m:ctrlPr>
+                      </m:sSupPr>
+                      <m:e>
+                        <m:r>
+                          <a:rPr lang="en-US" b="0" i="1" smtClean="0">
+                            <a:latin typeface="Cambria Math" charset="0"/>
+                          </a:rPr>
+                          <m:t>𝑘</m:t>
+                        </m:r>
+                      </m:e>
+                      <m:sup>
+                        <m:r>
+                          <a:rPr lang="en-US" b="0" i="1" smtClean="0">
+                            <a:latin typeface="Cambria Math" charset="0"/>
+                          </a:rPr>
+                          <m:t>𝑏</m:t>
+                        </m:r>
+                      </m:sup>
+                    </m:sSup>
+                  </m:oMath>
+                </a14:m>
+                <a:endParaRPr lang="en-US" dirty="0" smtClean="0"/>
+              </a:p>
+              <a:p>
+                <a:pPr lvl="1"/>
+                <a14:m>
+                  <m:oMath xmlns:m="http://schemas.openxmlformats.org/officeDocument/2006/math">
+                    <m:r>
+                      <a:rPr lang="en-US" b="1" i="1">
+                        <a:latin typeface="Cambria Math" charset="0"/>
+                      </a:rPr>
+                      <m:t>𝜷</m:t>
+                    </m:r>
+                    <m:r>
+                      <a:rPr lang="en-US" i="1">
+                        <a:latin typeface="Cambria Math" charset="0"/>
+                      </a:rPr>
+                      <m:t>=</m:t>
+                    </m:r>
+                    <m:sSubSup>
+                      <m:sSubSupPr>
+                        <m:ctrlPr>
+                          <a:rPr lang="en-US" i="1">
+                            <a:latin typeface="Cambria Math" charset="0"/>
+                          </a:rPr>
+                        </m:ctrlPr>
+                      </m:sSubSupPr>
+                      <m:e>
+                        <m:r>
+                          <a:rPr lang="en-US" i="1">
+                            <a:latin typeface="Cambria Math" charset="0"/>
+                          </a:rPr>
+                          <m:t>𝐶</m:t>
+                        </m:r>
+                      </m:e>
+                      <m:sub>
+                        <m:r>
+                          <a:rPr lang="en-US" i="1">
+                            <a:latin typeface="Cambria Math" charset="0"/>
+                          </a:rPr>
+                          <m:t>𝑁</m:t>
+                        </m:r>
+                      </m:sub>
+                      <m:sup>
+                        <m:r>
+                          <a:rPr lang="en-US" i="1">
+                            <a:latin typeface="Cambria Math" charset="0"/>
+                          </a:rPr>
+                          <m:t>−1</m:t>
+                        </m:r>
+                      </m:sup>
+                    </m:sSubSup>
+                    <m:r>
+                      <a:rPr lang="en-US" b="1" i="1">
+                        <a:latin typeface="Cambria Math" charset="0"/>
+                      </a:rPr>
+                      <m:t>𝒚</m:t>
+                    </m:r>
+                    <m:r>
+                      <a:rPr lang="en-US" b="0" i="0" smtClean="0">
+                        <a:latin typeface="Cambria Math" charset="0"/>
+                      </a:rPr>
+                      <m:t>, </m:t>
+                    </m:r>
+                    <m:r>
+                      <m:rPr>
+                        <m:sty m:val="p"/>
+                      </m:rPr>
+                      <a:rPr lang="en-US" b="0" i="0" smtClean="0">
+                        <a:latin typeface="Cambria Math" charset="0"/>
+                      </a:rPr>
+                      <m:t>we</m:t>
+                    </m:r>
+                    <m:r>
+                      <a:rPr lang="en-US" b="0" i="0" smtClean="0">
+                        <a:latin typeface="Cambria Math" charset="0"/>
+                      </a:rPr>
+                      <m:t> </m:t>
+                    </m:r>
+                    <m:r>
+                      <m:rPr>
+                        <m:sty m:val="p"/>
+                      </m:rPr>
+                      <a:rPr lang="en-US" b="0" i="0" smtClean="0">
+                        <a:latin typeface="Cambria Math" charset="0"/>
+                      </a:rPr>
+                      <m:t>know</m:t>
+                    </m:r>
+                    <m:r>
+                      <a:rPr lang="en-US" b="0" i="0" smtClean="0">
+                        <a:latin typeface="Cambria Math" charset="0"/>
+                      </a:rPr>
+                      <m:t> </m:t>
+                    </m:r>
+                    <m:r>
+                      <m:rPr>
+                        <m:sty m:val="p"/>
+                      </m:rPr>
+                      <a:rPr lang="en-US" b="0" i="0" smtClean="0">
+                        <a:latin typeface="Cambria Math" charset="0"/>
+                      </a:rPr>
+                      <m:t>both</m:t>
+                    </m:r>
+                    <m:r>
+                      <a:rPr lang="en-US" b="0" i="0" smtClean="0">
+                        <a:latin typeface="Cambria Math" charset="0"/>
+                      </a:rPr>
+                      <m:t> </m:t>
+                    </m:r>
+                    <m:r>
+                      <a:rPr lang="en-US" b="1" i="1" smtClean="0">
+                        <a:latin typeface="Cambria Math" charset="0"/>
+                      </a:rPr>
+                      <m:t>𝜷</m:t>
+                    </m:r>
+                    <m:r>
+                      <a:rPr lang="en-US" b="1" i="1" smtClean="0">
+                        <a:latin typeface="Cambria Math" charset="0"/>
+                      </a:rPr>
+                      <m:t> </m:t>
+                    </m:r>
+                    <m:r>
+                      <a:rPr lang="en-US" b="0" i="1" smtClean="0">
+                        <a:latin typeface="Cambria Math" charset="0"/>
+                      </a:rPr>
+                      <m:t>𝑎𝑛𝑑</m:t>
+                    </m:r>
+                    <m:r>
+                      <a:rPr lang="en-US" b="1" i="1" smtClean="0">
+                        <a:latin typeface="Cambria Math" charset="0"/>
+                      </a:rPr>
+                      <m:t> </m:t>
+                    </m:r>
+                    <m:r>
+                      <a:rPr lang="en-US" b="1" i="1" smtClean="0">
+                        <a:latin typeface="Cambria Math" charset="0"/>
+                      </a:rPr>
+                      <m:t>𝒚</m:t>
+                    </m:r>
+                  </m:oMath>
+                </a14:m>
+                <a:r>
+                  <a:rPr lang="en-US" b="1" smtClean="0"/>
+                  <a:t>, </a:t>
+                </a:r>
+                <a:r>
+                  <a:rPr lang="en-US" smtClean="0"/>
+                  <a:t>hence we can </a:t>
+                </a:r>
+                <a:endParaRPr lang="en-US" b="1" dirty="0" smtClean="0"/>
               </a:p>
               <a:p>
                 <a:pPr lvl="1"/>

--- a/Presentation.pptx
+++ b/Presentation.pptx
@@ -5,7 +5,7 @@
     <p:sldMasterId id="2147483648" r:id="rId1"/>
   </p:sldMasterIdLst>
   <p:notesMasterIdLst>
-    <p:notesMasterId r:id="rId27"/>
+    <p:notesMasterId r:id="rId28"/>
   </p:notesMasterIdLst>
   <p:sldIdLst>
     <p:sldId id="256" r:id="rId2"/>
@@ -33,6 +33,7 @@
     <p:sldId id="278" r:id="rId24"/>
     <p:sldId id="279" r:id="rId25"/>
     <p:sldId id="280" r:id="rId26"/>
+    <p:sldId id="281" r:id="rId27"/>
   </p:sldIdLst>
   <p:sldSz cx="12192000" cy="6858000"/>
   <p:notesSz cx="6858000" cy="9144000"/>
@@ -22130,13 +22131,56 @@
                   </m:oMath>
                 </a14:m>
                 <a:r>
-                  <a:rPr lang="en-US" b="1" smtClean="0"/>
+                  <a:rPr lang="en-US" b="1" dirty="0" smtClean="0"/>
                   <a:t>, </a:t>
                 </a:r>
                 <a:r>
-                  <a:rPr lang="en-US" smtClean="0"/>
-                  <a:t>hence we can </a:t>
+                  <a:rPr lang="en-US" dirty="0" smtClean="0"/>
+                  <a:t>hence we can find  </a:t>
                 </a:r>
+                <a14:m>
+                  <m:oMath xmlns:m="http://schemas.openxmlformats.org/officeDocument/2006/math">
+                    <m:sSubSup>
+                      <m:sSubSupPr>
+                        <m:ctrlPr>
+                          <a:rPr lang="en-US" i="1">
+                            <a:latin typeface="Cambria Math" charset="0"/>
+                          </a:rPr>
+                        </m:ctrlPr>
+                      </m:sSubSupPr>
+                      <m:e>
+                        <m:r>
+                          <a:rPr lang="en-US" i="1">
+                            <a:latin typeface="Cambria Math" charset="0"/>
+                          </a:rPr>
+                          <m:t>𝐶</m:t>
+                        </m:r>
+                      </m:e>
+                      <m:sub>
+                        <m:r>
+                          <a:rPr lang="en-US" i="1">
+                            <a:latin typeface="Cambria Math" charset="0"/>
+                          </a:rPr>
+                          <m:t>𝑁</m:t>
+                        </m:r>
+                      </m:sub>
+                      <m:sup>
+                        <m:r>
+                          <a:rPr lang="en-US" i="1">
+                            <a:latin typeface="Cambria Math" charset="0"/>
+                          </a:rPr>
+                          <m:t>−1</m:t>
+                        </m:r>
+                      </m:sup>
+                    </m:sSubSup>
+                    <m:r>
+                      <a:rPr lang="en-US" b="1" i="0" smtClean="0">
+                        <a:latin typeface="Cambria Math" charset="0"/>
+                      </a:rPr>
+                      <m:t>.</m:t>
+                    </m:r>
+                  </m:oMath>
+                </a14:m>
                 <a:endParaRPr lang="en-US" b="1" dirty="0" smtClean="0"/>
               </a:p>
               <a:p>
@@ -22250,7 +22294,7 @@
               <a:lstStyle/>
               <a:p>
                 <a:r>
-                  <a:rPr lang="en-US" dirty="0"/>
+                  <a:rPr lang="en-US" dirty="0" smtClean="0"/>
                   <a:t>Summary:</a:t>
                 </a:r>
               </a:p>
@@ -22306,15 +22350,59 @@
                 </a14:m>
                 <a:r>
                   <a:rPr lang="en-US" dirty="0"/>
-                  <a:t> time per SGD iteration.</a:t>
+                  <a:t> time per SGD </a:t>
                 </a:r>
+                <a:r>
+                  <a:rPr lang="en-US" dirty="0" smtClean="0"/>
+                  <a:t>iteration during training.</a:t>
+                </a:r>
+                <a:endParaRPr lang="en-US" dirty="0"/>
               </a:p>
               <a:p>
                 <a:pPr lvl="1"/>
                 <a:r>
                   <a:rPr lang="en-US" dirty="0"/>
-                  <a:t>Nicely scalable.</a:t>
+                  <a:t>Nicely scalable</a:t>
                 </a:r>
+                <a:r>
+                  <a:rPr lang="en-US" dirty="0" smtClean="0"/>
+                  <a:t>.</a:t>
+                </a:r>
+              </a:p>
+              <a:p>
+                <a:pPr lvl="1"/>
+                <a14:m>
+                  <m:oMath xmlns:m="http://schemas.openxmlformats.org/officeDocument/2006/math">
+                    <m:r>
+                      <a:rPr lang="en-US" b="0" i="1" smtClean="0">
+                        <a:latin typeface="Cambria Math" charset="0"/>
+                      </a:rPr>
+                      <m:t>𝑂</m:t>
+                    </m:r>
+                    <m:d>
+                      <m:dPr>
+                        <m:ctrlPr>
+                          <a:rPr lang="en-US" b="0" i="1" smtClean="0">
+                            <a:latin typeface="Cambria Math" charset="0"/>
+                          </a:rPr>
+                        </m:ctrlPr>
+                      </m:dPr>
+                      <m:e>
+                        <m:r>
+                          <a:rPr lang="en-US" b="0" i="1" smtClean="0">
+                            <a:latin typeface="Cambria Math" charset="0"/>
+                          </a:rPr>
+                          <m:t>1</m:t>
+                        </m:r>
+                      </m:e>
+                    </m:d>
+                  </m:oMath>
+                </a14:m>
+                <a:r>
+                  <a:rPr lang="en-US" dirty="0" smtClean="0"/>
+                  <a:t> time prediction complexity</a:t>
+                </a:r>
+                <a:endParaRPr lang="en-US" dirty="0"/>
               </a:p>
               <a:p>
                 <a:endParaRPr lang="en-US" dirty="0"/>
@@ -22360,6 +22448,482 @@
     <p:extLst>
       <p:ext uri="{BB962C8B-B14F-4D97-AF65-F5344CB8AC3E}">
         <p14:creationId xmlns:p14="http://schemas.microsoft.com/office/powerpoint/2010/main" val="413839231"/>
+      </p:ext>
+    </p:extLst>
+  </p:cSld>
+  <p:clrMapOvr>
+    <a:masterClrMapping/>
+  </p:clrMapOvr>
+</p:sld>
+</file>
+
+<file path=ppt/slides/slide26.xml><?xml version="1.0" encoding="utf-8"?>
+<p:sld xmlns:a="http://schemas.openxmlformats.org/drawingml/2006/main" xmlns:r="http://schemas.openxmlformats.org/officeDocument/2006/relationships" xmlns:p="http://schemas.openxmlformats.org/presentationml/2006/main">
+  <p:cSld>
+    <p:spTree>
+      <p:nvGrpSpPr>
+        <p:cNvPr id="1" name=""/>
+        <p:cNvGrpSpPr/>
+        <p:nvPr/>
+      </p:nvGrpSpPr>
+      <p:grpSpPr>
+        <a:xfrm>
+          <a:off x="0" y="0"/>
+          <a:ext cx="0" cy="0"/>
+          <a:chOff x="0" y="0"/>
+          <a:chExt cx="0" cy="0"/>
+        </a:xfrm>
+      </p:grpSpPr>
+      <p:sp>
+        <p:nvSpPr>
+          <p:cNvPr id="2" name="Title 1"/>
+          <p:cNvSpPr>
+            <a:spLocks noGrp="1"/>
+          </p:cNvSpPr>
+          <p:nvPr>
+            <p:ph type="title"/>
+          </p:nvPr>
+        </p:nvSpPr>
+        <p:spPr/>
+        <p:txBody>
+          <a:bodyPr/>
+          <a:lstStyle/>
+          <a:p>
+            <a:r>
+              <a:rPr lang="en-US" dirty="0" smtClean="0"/>
+              <a:t>Our Method 2</a:t>
+            </a:r>
+            <a:endParaRPr lang="en-US" dirty="0"/>
+          </a:p>
+        </p:txBody>
+      </p:sp>
+      <mc:AlternateContent xmlns:mc="http://schemas.openxmlformats.org/markup-compatibility/2006">
+        <mc:Choice xmlns:a14="http://schemas.microsoft.com/office/drawing/2010/main" Requires="a14">
+          <p:sp>
+            <p:nvSpPr>
+              <p:cNvPr id="3" name="Content Placeholder 2"/>
+              <p:cNvSpPr>
+                <a:spLocks noGrp="1"/>
+              </p:cNvSpPr>
+              <p:nvPr>
+                <p:ph idx="1"/>
+              </p:nvPr>
+            </p:nvSpPr>
+            <p:spPr>
+              <a:xfrm>
+                <a:off x="677334" y="1507525"/>
+                <a:ext cx="8596668" cy="4533838"/>
+              </a:xfrm>
+            </p:spPr>
+            <p:txBody>
+              <a:bodyPr/>
+              <a:lstStyle/>
+              <a:p>
+                <a:r>
+                  <a:rPr lang="en-US" dirty="0" smtClean="0"/>
+                  <a:t>Sometimes we may be more interested in accuracy not scalability.</a:t>
+                </a:r>
+              </a:p>
+              <a:p>
+                <a:r>
+                  <a:rPr lang="en-US" dirty="0" smtClean="0"/>
+                  <a:t>In such cases assuming task dependent kernels can be decomposed into two parts co-variance between tasks and co-variance between inputs in a very strong assumption to make.</a:t>
+                </a:r>
+              </a:p>
+              <a:p>
+                <a:pPr lvl="1"/>
+                <a:r>
+                  <a:rPr lang="en-US" dirty="0"/>
+                  <a:t> </a:t>
+                </a:r>
+                <a14:m>
+                  <m:oMath xmlns:m="http://schemas.openxmlformats.org/officeDocument/2006/math">
+                    <m:sSup>
+                      <m:sSupPr>
+                        <m:ctrlPr>
+                          <a:rPr lang="en-US" i="1">
+                            <a:latin typeface="Cambria Math" charset="0"/>
+                          </a:rPr>
+                        </m:ctrlPr>
+                      </m:sSupPr>
+                      <m:e>
+                        <m:r>
+                          <a:rPr lang="en-US" i="1">
+                            <a:latin typeface="Cambria Math" charset="0"/>
+                          </a:rPr>
+                          <m:t>𝑘</m:t>
+                        </m:r>
+                      </m:e>
+                      <m:sup>
+                        <m:sSub>
+                          <m:sSubPr>
+                            <m:ctrlPr>
+                              <a:rPr lang="en-US" i="1">
+                                <a:latin typeface="Cambria Math" charset="0"/>
+                              </a:rPr>
+                            </m:ctrlPr>
+                          </m:sSubPr>
+                          <m:e>
+                            <m:r>
+                              <a:rPr lang="en-US" i="1">
+                                <a:latin typeface="Cambria Math" charset="0"/>
+                              </a:rPr>
+                              <m:t>𝑡</m:t>
+                            </m:r>
+                          </m:e>
+                          <m:sub>
+                            <m:r>
+                              <a:rPr lang="en-US" i="1">
+                                <a:latin typeface="Cambria Math" charset="0"/>
+                              </a:rPr>
+                              <m:t>𝑖</m:t>
+                            </m:r>
+                          </m:sub>
+                        </m:sSub>
+                        <m:sSub>
+                          <m:sSubPr>
+                            <m:ctrlPr>
+                              <a:rPr lang="en-US" i="1">
+                                <a:latin typeface="Cambria Math" charset="0"/>
+                              </a:rPr>
+                            </m:ctrlPr>
+                          </m:sSubPr>
+                          <m:e>
+                            <m:r>
+                              <a:rPr lang="en-US" i="1">
+                                <a:latin typeface="Cambria Math" charset="0"/>
+                              </a:rPr>
+                              <m:t>𝑡</m:t>
+                            </m:r>
+                          </m:e>
+                          <m:sub>
+                            <m:r>
+                              <a:rPr lang="en-US" i="1">
+                                <a:latin typeface="Cambria Math" charset="0"/>
+                              </a:rPr>
+                              <m:t>𝑗</m:t>
+                            </m:r>
+                          </m:sub>
+                        </m:sSub>
+                      </m:sup>
+                    </m:sSup>
+                    <m:d>
+                      <m:dPr>
+                        <m:ctrlPr>
+                          <a:rPr lang="en-US" i="1">
+                            <a:latin typeface="Cambria Math" charset="0"/>
+                          </a:rPr>
+                        </m:ctrlPr>
+                      </m:dPr>
+                      <m:e>
+                        <m:sSub>
+                          <m:sSubPr>
+                            <m:ctrlPr>
+                              <a:rPr lang="en-US" i="1">
+                                <a:latin typeface="Cambria Math" charset="0"/>
+                              </a:rPr>
+                            </m:ctrlPr>
+                          </m:sSubPr>
+                          <m:e>
+                            <m:r>
+                              <a:rPr lang="en-US" i="1">
+                                <a:latin typeface="Cambria Math" charset="0"/>
+                              </a:rPr>
+                              <m:t>𝑥</m:t>
+                            </m:r>
+                          </m:e>
+                          <m:sub>
+                            <m:r>
+                              <a:rPr lang="en-US" i="1">
+                                <a:latin typeface="Cambria Math" charset="0"/>
+                              </a:rPr>
+                              <m:t>𝑖</m:t>
+                            </m:r>
+                          </m:sub>
+                        </m:sSub>
+                        <m:r>
+                          <a:rPr lang="en-US" i="1">
+                            <a:latin typeface="Cambria Math" charset="0"/>
+                          </a:rPr>
+                          <m:t>, </m:t>
+                        </m:r>
+                        <m:sSub>
+                          <m:sSubPr>
+                            <m:ctrlPr>
+                              <a:rPr lang="en-US" i="1">
+                                <a:latin typeface="Cambria Math" charset="0"/>
+                              </a:rPr>
+                            </m:ctrlPr>
+                          </m:sSubPr>
+                          <m:e>
+                            <m:r>
+                              <a:rPr lang="en-US" i="1">
+                                <a:latin typeface="Cambria Math" charset="0"/>
+                              </a:rPr>
+                              <m:t>𝑥</m:t>
+                            </m:r>
+                          </m:e>
+                          <m:sub>
+                            <m:r>
+                              <a:rPr lang="en-US" i="1">
+                                <a:latin typeface="Cambria Math" charset="0"/>
+                              </a:rPr>
+                              <m:t>𝑗</m:t>
+                            </m:r>
+                          </m:sub>
+                        </m:sSub>
+                      </m:e>
+                    </m:d>
+                    <m:r>
+                      <a:rPr lang="en-US" i="1">
+                        <a:latin typeface="Cambria Math" charset="0"/>
+                      </a:rPr>
+                      <m:t>=</m:t>
+                    </m:r>
+                    <m:sSup>
+                      <m:sSupPr>
+                        <m:ctrlPr>
+                          <a:rPr lang="en-US" i="1">
+                            <a:latin typeface="Cambria Math" charset="0"/>
+                          </a:rPr>
+                        </m:ctrlPr>
+                      </m:sSupPr>
+                      <m:e>
+                        <m:r>
+                          <a:rPr lang="en-US" i="1">
+                            <a:latin typeface="Cambria Math" charset="0"/>
+                          </a:rPr>
+                          <m:t>𝑘</m:t>
+                        </m:r>
+                      </m:e>
+                      <m:sup>
+                        <m:r>
+                          <a:rPr lang="en-US" i="1">
+                            <a:latin typeface="Cambria Math" charset="0"/>
+                          </a:rPr>
+                          <m:t>𝑎</m:t>
+                        </m:r>
+                      </m:sup>
+                    </m:sSup>
+                    <m:d>
+                      <m:dPr>
+                        <m:ctrlPr>
+                          <a:rPr lang="en-US" i="1">
+                            <a:latin typeface="Cambria Math" charset="0"/>
+                          </a:rPr>
+                        </m:ctrlPr>
+                      </m:dPr>
+                      <m:e>
+                        <m:sSub>
+                          <m:sSubPr>
+                            <m:ctrlPr>
+                              <a:rPr lang="en-US" i="1">
+                                <a:latin typeface="Cambria Math" charset="0"/>
+                              </a:rPr>
+                            </m:ctrlPr>
+                          </m:sSubPr>
+                          <m:e>
+                            <m:r>
+                              <a:rPr lang="en-US" i="1">
+                                <a:latin typeface="Cambria Math" charset="0"/>
+                              </a:rPr>
+                              <m:t>𝑥</m:t>
+                            </m:r>
+                          </m:e>
+                          <m:sub>
+                            <m:r>
+                              <a:rPr lang="en-US" i="1">
+                                <a:latin typeface="Cambria Math" charset="0"/>
+                              </a:rPr>
+                              <m:t>𝑖</m:t>
+                            </m:r>
+                          </m:sub>
+                        </m:sSub>
+                        <m:r>
+                          <a:rPr lang="en-US" i="1">
+                            <a:latin typeface="Cambria Math" charset="0"/>
+                          </a:rPr>
+                          <m:t> </m:t>
+                        </m:r>
+                        <m:sSub>
+                          <m:sSubPr>
+                            <m:ctrlPr>
+                              <a:rPr lang="en-US" i="1">
+                                <a:latin typeface="Cambria Math" charset="0"/>
+                              </a:rPr>
+                            </m:ctrlPr>
+                          </m:sSubPr>
+                          <m:e>
+                            <m:r>
+                              <a:rPr lang="en-US" i="1">
+                                <a:latin typeface="Cambria Math" charset="0"/>
+                              </a:rPr>
+                              <m:t>𝑥</m:t>
+                            </m:r>
+                          </m:e>
+                          <m:sub>
+                            <m:r>
+                              <a:rPr lang="en-US" i="1">
+                                <a:latin typeface="Cambria Math" charset="0"/>
+                              </a:rPr>
+                              <m:t>𝑗</m:t>
+                            </m:r>
+                          </m:sub>
+                        </m:sSub>
+                      </m:e>
+                    </m:d>
+                    <m:sSup>
+                      <m:sSupPr>
+                        <m:ctrlPr>
+                          <a:rPr lang="en-US" i="1">
+                            <a:latin typeface="Cambria Math" charset="0"/>
+                          </a:rPr>
+                        </m:ctrlPr>
+                      </m:sSupPr>
+                      <m:e>
+                        <m:r>
+                          <a:rPr lang="en-US" i="1">
+                            <a:latin typeface="Cambria Math" charset="0"/>
+                          </a:rPr>
+                          <m:t>𝑘</m:t>
+                        </m:r>
+                      </m:e>
+                      <m:sup>
+                        <m:r>
+                          <a:rPr lang="en-US" i="1">
+                            <a:latin typeface="Cambria Math" charset="0"/>
+                          </a:rPr>
+                          <m:t>𝑏</m:t>
+                        </m:r>
+                      </m:sup>
+                    </m:sSup>
+                    <m:d>
+                      <m:dPr>
+                        <m:ctrlPr>
+                          <a:rPr lang="en-US" i="1">
+                            <a:latin typeface="Cambria Math" charset="0"/>
+                          </a:rPr>
+                        </m:ctrlPr>
+                      </m:dPr>
+                      <m:e>
+                        <m:sSub>
+                          <m:sSubPr>
+                            <m:ctrlPr>
+                              <a:rPr lang="en-US" i="1">
+                                <a:latin typeface="Cambria Math" charset="0"/>
+                              </a:rPr>
+                            </m:ctrlPr>
+                          </m:sSubPr>
+                          <m:e>
+                            <m:r>
+                              <a:rPr lang="en-US" i="1">
+                                <a:latin typeface="Cambria Math" charset="0"/>
+                              </a:rPr>
+                              <m:t>𝑡</m:t>
+                            </m:r>
+                          </m:e>
+                          <m:sub>
+                            <m:r>
+                              <a:rPr lang="en-US" i="1">
+                                <a:latin typeface="Cambria Math" charset="0"/>
+                              </a:rPr>
+                              <m:t>𝑖</m:t>
+                            </m:r>
+                          </m:sub>
+                        </m:sSub>
+                        <m:r>
+                          <a:rPr lang="en-US" i="1">
+                            <a:latin typeface="Cambria Math" charset="0"/>
+                          </a:rPr>
+                          <m:t> </m:t>
+                        </m:r>
+                        <m:sSub>
+                          <m:sSubPr>
+                            <m:ctrlPr>
+                              <a:rPr lang="en-US" i="1">
+                                <a:latin typeface="Cambria Math" charset="0"/>
+                              </a:rPr>
+                            </m:ctrlPr>
+                          </m:sSubPr>
+                          <m:e>
+                            <m:r>
+                              <a:rPr lang="en-US" i="1">
+                                <a:latin typeface="Cambria Math" charset="0"/>
+                              </a:rPr>
+                              <m:t>𝑡</m:t>
+                            </m:r>
+                          </m:e>
+                          <m:sub>
+                            <m:r>
+                              <a:rPr lang="en-US" i="1">
+                                <a:latin typeface="Cambria Math" charset="0"/>
+                              </a:rPr>
+                              <m:t>𝑗</m:t>
+                            </m:r>
+                          </m:sub>
+                        </m:sSub>
+                      </m:e>
+                    </m:d>
+                  </m:oMath>
+                </a14:m>
+                <a:endParaRPr lang="en-US" dirty="0" smtClean="0"/>
+              </a:p>
+              <a:p>
+                <a:r>
+                  <a:rPr lang="en-US" dirty="0" smtClean="0"/>
+                  <a:t>In this section we provide a method which makes weaker assumption than above equation and show that above equation is a special case of </a:t>
+                </a:r>
+                <a:r>
+                  <a:rPr lang="en-US" smtClean="0"/>
+                  <a:t>our method.</a:t>
+                </a:r>
+                <a:endParaRPr lang="en-US" dirty="0"/>
+              </a:p>
+            </p:txBody>
+          </p:sp>
+        </mc:Choice>
+        <mc:Fallback>
+          <p:sp>
+            <p:nvSpPr>
+              <p:cNvPr id="3" name="Content Placeholder 2"/>
+              <p:cNvSpPr>
+                <a:spLocks noGrp="1" noRot="1" noChangeAspect="1" noMove="1" noResize="1" noEditPoints="1" noAdjustHandles="1" noChangeArrowheads="1" noChangeShapeType="1" noTextEdit="1"/>
+              </p:cNvSpPr>
+              <p:nvPr>
+                <p:ph idx="1"/>
+              </p:nvPr>
+            </p:nvSpPr>
+            <p:spPr>
+              <a:xfrm>
+                <a:off x="677334" y="1507525"/>
+                <a:ext cx="8596668" cy="4533838"/>
+              </a:xfrm>
+              <a:blipFill rotWithShape="0">
+                <a:blip r:embed="rId2"/>
+                <a:stretch>
+                  <a:fillRect l="-142" t="-806" r="-638"/>
+                </a:stretch>
+              </a:blipFill>
+            </p:spPr>
+            <p:txBody>
+              <a:bodyPr/>
+              <a:lstStyle/>
+              <a:p>
+                <a:r>
+                  <a:rPr lang="en-US">
+                    <a:noFill/>
+                  </a:rPr>
+                  <a:t> </a:t>
+                </a:r>
+              </a:p>
+            </p:txBody>
+          </p:sp>
+        </mc:Fallback>
+      </mc:AlternateContent>
+    </p:spTree>
+    <p:extLst>
+      <p:ext uri="{BB962C8B-B14F-4D97-AF65-F5344CB8AC3E}">
+        <p14:creationId xmlns:p14="http://schemas.microsoft.com/office/powerpoint/2010/main" val="1727518362"/>
       </p:ext>
     </p:extLst>
   </p:cSld>

--- a/Presentation.pptx
+++ b/Presentation.pptx
@@ -5,7 +5,7 @@
     <p:sldMasterId id="2147483648" r:id="rId1"/>
   </p:sldMasterIdLst>
   <p:notesMasterIdLst>
-    <p:notesMasterId r:id="rId28"/>
+    <p:notesMasterId r:id="rId29"/>
   </p:notesMasterIdLst>
   <p:sldIdLst>
     <p:sldId id="256" r:id="rId2"/>
@@ -34,6 +34,7 @@
     <p:sldId id="279" r:id="rId25"/>
     <p:sldId id="280" r:id="rId26"/>
     <p:sldId id="281" r:id="rId27"/>
+    <p:sldId id="282" r:id="rId28"/>
   </p:sldIdLst>
   <p:sldSz cx="12192000" cy="6858000"/>
   <p:notesSz cx="6858000" cy="9144000"/>
@@ -22871,11 +22872,26 @@
               <a:p>
                 <a:r>
                   <a:rPr lang="en-US" dirty="0" smtClean="0"/>
-                  <a:t>In this section we provide a method which makes weaker assumption than above equation and show that above equation is a special case of </a:t>
+                  <a:t>In this section we provide a method which makes weaker assumption than above equation and show that above equation is a special case of our method.</a:t>
                 </a:r>
+              </a:p>
+              <a:p>
                 <a:r>
-                  <a:rPr lang="en-US" smtClean="0"/>
-                  <a:t>our method.</a:t>
+                  <a:rPr lang="en-US" dirty="0" smtClean="0"/>
+                  <a:t>Basic idea is same as we saw in the previous slides, i.e. write task dependent quantities as  task dependent linear combination of some basis quantities.</a:t>
+                </a:r>
+              </a:p>
+              <a:p>
+                <a:r>
+                  <a:rPr lang="en-US" dirty="0" smtClean="0"/>
+                  <a:t>Idea:</a:t>
+                </a:r>
+              </a:p>
+              <a:p>
+                <a:pPr lvl="1"/>
+                <a:r>
+                  <a:rPr lang="en-US" dirty="0" smtClean="0"/>
+                  <a:t>We will write our task dependent kernel function as task dependent linear combination of task independent basis kernels.</a:t>
                 </a:r>
                 <a:endParaRPr lang="en-US" dirty="0"/>
               </a:p>
@@ -22924,6 +22940,74 @@
     <p:extLst>
       <p:ext uri="{BB962C8B-B14F-4D97-AF65-F5344CB8AC3E}">
         <p14:creationId xmlns:p14="http://schemas.microsoft.com/office/powerpoint/2010/main" val="1727518362"/>
+      </p:ext>
+    </p:extLst>
+  </p:cSld>
+  <p:clrMapOvr>
+    <a:masterClrMapping/>
+  </p:clrMapOvr>
+</p:sld>
+</file>
+
+<file path=ppt/slides/slide27.xml><?xml version="1.0" encoding="utf-8"?>
+<p:sld xmlns:a="http://schemas.openxmlformats.org/drawingml/2006/main" xmlns:r="http://schemas.openxmlformats.org/officeDocument/2006/relationships" xmlns:p="http://schemas.openxmlformats.org/presentationml/2006/main">
+  <p:cSld>
+    <p:spTree>
+      <p:nvGrpSpPr>
+        <p:cNvPr id="1" name=""/>
+        <p:cNvGrpSpPr/>
+        <p:nvPr/>
+      </p:nvGrpSpPr>
+      <p:grpSpPr>
+        <a:xfrm>
+          <a:off x="0" y="0"/>
+          <a:ext cx="0" cy="0"/>
+          <a:chOff x="0" y="0"/>
+          <a:chExt cx="0" cy="0"/>
+        </a:xfrm>
+      </p:grpSpPr>
+      <p:sp>
+        <p:nvSpPr>
+          <p:cNvPr id="2" name="Title 1"/>
+          <p:cNvSpPr>
+            <a:spLocks noGrp="1"/>
+          </p:cNvSpPr>
+          <p:nvPr>
+            <p:ph type="title"/>
+          </p:nvPr>
+        </p:nvSpPr>
+        <p:spPr/>
+        <p:txBody>
+          <a:bodyPr/>
+          <a:lstStyle/>
+          <a:p>
+            <a:endParaRPr lang="en-US"/>
+          </a:p>
+        </p:txBody>
+      </p:sp>
+      <p:sp>
+        <p:nvSpPr>
+          <p:cNvPr id="3" name="Content Placeholder 2"/>
+          <p:cNvSpPr>
+            <a:spLocks noGrp="1"/>
+          </p:cNvSpPr>
+          <p:nvPr>
+            <p:ph idx="1"/>
+          </p:nvPr>
+        </p:nvSpPr>
+        <p:spPr/>
+        <p:txBody>
+          <a:bodyPr/>
+          <a:lstStyle/>
+          <a:p>
+            <a:endParaRPr lang="en-US"/>
+          </a:p>
+        </p:txBody>
+      </p:sp>
+    </p:spTree>
+    <p:extLst>
+      <p:ext uri="{BB962C8B-B14F-4D97-AF65-F5344CB8AC3E}">
+        <p14:creationId xmlns:p14="http://schemas.microsoft.com/office/powerpoint/2010/main" val="931955386"/>
       </p:ext>
     </p:extLst>
   </p:cSld>

--- a/Presentation.pptx
+++ b/Presentation.pptx
@@ -22981,29 +22981,390 @@
           <a:bodyPr/>
           <a:lstStyle/>
           <a:p>
-            <a:endParaRPr lang="en-US"/>
+            <a:r>
+              <a:rPr lang="en-US" dirty="0"/>
+              <a:t>Our Method 2</a:t>
+            </a:r>
           </a:p>
         </p:txBody>
       </p:sp>
-      <p:sp>
-        <p:nvSpPr>
-          <p:cNvPr id="3" name="Content Placeholder 2"/>
-          <p:cNvSpPr>
-            <a:spLocks noGrp="1"/>
-          </p:cNvSpPr>
-          <p:nvPr>
-            <p:ph idx="1"/>
-          </p:nvPr>
-        </p:nvSpPr>
-        <p:spPr/>
-        <p:txBody>
-          <a:bodyPr/>
-          <a:lstStyle/>
-          <a:p>
-            <a:endParaRPr lang="en-US"/>
-          </a:p>
-        </p:txBody>
-      </p:sp>
+      <mc:AlternateContent xmlns:mc="http://schemas.openxmlformats.org/markup-compatibility/2006">
+        <mc:Choice xmlns:a14="http://schemas.microsoft.com/office/drawing/2010/main" Requires="a14">
+          <p:sp>
+            <p:nvSpPr>
+              <p:cNvPr id="3" name="Content Placeholder 2"/>
+              <p:cNvSpPr>
+                <a:spLocks noGrp="1"/>
+              </p:cNvSpPr>
+              <p:nvPr>
+                <p:ph idx="1"/>
+              </p:nvPr>
+            </p:nvSpPr>
+            <p:spPr/>
+            <p:txBody>
+              <a:bodyPr/>
+              <a:lstStyle/>
+              <a:p>
+                <a:r>
+                  <a:rPr lang="en-US" dirty="0" smtClean="0"/>
+                  <a:t>Task dependent kernel</a:t>
+                </a:r>
+              </a:p>
+              <a:p>
+                <a:pPr lvl="1"/>
+                <a:r>
+                  <a:rPr lang="en-US" dirty="0" smtClean="0"/>
+                  <a:t> </a:t>
+                </a:r>
+                <a14:m>
+                  <m:oMath xmlns:m="http://schemas.openxmlformats.org/officeDocument/2006/math">
+                    <m:sSup>
+                      <m:sSupPr>
+                        <m:ctrlPr>
+                          <a:rPr lang="en-US" i="1">
+                            <a:latin typeface="Cambria Math" charset="0"/>
+                          </a:rPr>
+                        </m:ctrlPr>
+                      </m:sSupPr>
+                      <m:e>
+                        <m:r>
+                          <a:rPr lang="en-US" i="1">
+                            <a:latin typeface="Cambria Math" charset="0"/>
+                          </a:rPr>
+                          <m:t>𝑘</m:t>
+                        </m:r>
+                      </m:e>
+                      <m:sup>
+                        <m:sSub>
+                          <m:sSubPr>
+                            <m:ctrlPr>
+                              <a:rPr lang="en-US" i="1">
+                                <a:latin typeface="Cambria Math" charset="0"/>
+                              </a:rPr>
+                            </m:ctrlPr>
+                          </m:sSubPr>
+                          <m:e>
+                            <m:r>
+                              <a:rPr lang="en-US" i="1">
+                                <a:latin typeface="Cambria Math" charset="0"/>
+                              </a:rPr>
+                              <m:t>𝑡</m:t>
+                            </m:r>
+                          </m:e>
+                          <m:sub>
+                            <m:r>
+                              <a:rPr lang="en-US" i="1">
+                                <a:latin typeface="Cambria Math" charset="0"/>
+                              </a:rPr>
+                              <m:t>𝑖</m:t>
+                            </m:r>
+                          </m:sub>
+                        </m:sSub>
+                        <m:sSub>
+                          <m:sSubPr>
+                            <m:ctrlPr>
+                              <a:rPr lang="en-US" i="1">
+                                <a:latin typeface="Cambria Math" charset="0"/>
+                              </a:rPr>
+                            </m:ctrlPr>
+                          </m:sSubPr>
+                          <m:e>
+                            <m:r>
+                              <a:rPr lang="en-US" i="1">
+                                <a:latin typeface="Cambria Math" charset="0"/>
+                              </a:rPr>
+                              <m:t>𝑡</m:t>
+                            </m:r>
+                          </m:e>
+                          <m:sub>
+                            <m:r>
+                              <a:rPr lang="en-US" i="1">
+                                <a:latin typeface="Cambria Math" charset="0"/>
+                              </a:rPr>
+                              <m:t>𝑗</m:t>
+                            </m:r>
+                          </m:sub>
+                        </m:sSub>
+                      </m:sup>
+                    </m:sSup>
+                    <m:d>
+                      <m:dPr>
+                        <m:ctrlPr>
+                          <a:rPr lang="en-US" i="1">
+                            <a:latin typeface="Cambria Math" charset="0"/>
+                          </a:rPr>
+                        </m:ctrlPr>
+                      </m:dPr>
+                      <m:e>
+                        <m:sSub>
+                          <m:sSubPr>
+                            <m:ctrlPr>
+                              <a:rPr lang="en-US" i="1">
+                                <a:latin typeface="Cambria Math" charset="0"/>
+                              </a:rPr>
+                            </m:ctrlPr>
+                          </m:sSubPr>
+                          <m:e>
+                            <m:r>
+                              <a:rPr lang="en-US" i="1">
+                                <a:latin typeface="Cambria Math" charset="0"/>
+                              </a:rPr>
+                              <m:t>𝑥</m:t>
+                            </m:r>
+                          </m:e>
+                          <m:sub>
+                            <m:r>
+                              <a:rPr lang="en-US" i="1">
+                                <a:latin typeface="Cambria Math" charset="0"/>
+                              </a:rPr>
+                              <m:t>𝑖</m:t>
+                            </m:r>
+                          </m:sub>
+                        </m:sSub>
+                        <m:r>
+                          <a:rPr lang="en-US" i="1">
+                            <a:latin typeface="Cambria Math" charset="0"/>
+                          </a:rPr>
+                          <m:t>, </m:t>
+                        </m:r>
+                        <m:sSub>
+                          <m:sSubPr>
+                            <m:ctrlPr>
+                              <a:rPr lang="en-US" i="1">
+                                <a:latin typeface="Cambria Math" charset="0"/>
+                              </a:rPr>
+                            </m:ctrlPr>
+                          </m:sSubPr>
+                          <m:e>
+                            <m:r>
+                              <a:rPr lang="en-US" i="1">
+                                <a:latin typeface="Cambria Math" charset="0"/>
+                              </a:rPr>
+                              <m:t>𝑥</m:t>
+                            </m:r>
+                          </m:e>
+                          <m:sub>
+                            <m:r>
+                              <a:rPr lang="en-US" i="1">
+                                <a:latin typeface="Cambria Math" charset="0"/>
+                              </a:rPr>
+                              <m:t>𝑗</m:t>
+                            </m:r>
+                          </m:sub>
+                        </m:sSub>
+                      </m:e>
+                    </m:d>
+                  </m:oMath>
+                </a14:m>
+                <a:r>
+                  <a:rPr lang="en-US" dirty="0" smtClean="0"/>
+                  <a:t> </a:t>
+                </a:r>
+              </a:p>
+              <a:p>
+                <a:pPr lvl="1"/>
+                <a:r>
+                  <a:rPr lang="en-US" dirty="0" smtClean="0"/>
+                  <a:t>We can write above as the following linear combination.</a:t>
+                </a:r>
+              </a:p>
+              <a:p>
+                <a:pPr lvl="1"/>
+                <a14:m>
+                  <m:oMath xmlns:m="http://schemas.openxmlformats.org/officeDocument/2006/math">
+                    <m:sSup>
+                      <m:sSupPr>
+                        <m:ctrlPr>
+                          <a:rPr lang="en-US" i="1">
+                            <a:latin typeface="Cambria Math" charset="0"/>
+                          </a:rPr>
+                        </m:ctrlPr>
+                      </m:sSupPr>
+                      <m:e>
+                        <m:r>
+                          <a:rPr lang="en-US" i="1">
+                            <a:latin typeface="Cambria Math" charset="0"/>
+                          </a:rPr>
+                          <m:t>𝑘</m:t>
+                        </m:r>
+                      </m:e>
+                      <m:sup>
+                        <m:sSub>
+                          <m:sSubPr>
+                            <m:ctrlPr>
+                              <a:rPr lang="en-US" i="1">
+                                <a:latin typeface="Cambria Math" charset="0"/>
+                              </a:rPr>
+                            </m:ctrlPr>
+                          </m:sSubPr>
+                          <m:e>
+                            <m:r>
+                              <a:rPr lang="en-US" i="1">
+                                <a:latin typeface="Cambria Math" charset="0"/>
+                              </a:rPr>
+                              <m:t>𝑡</m:t>
+                            </m:r>
+                          </m:e>
+                          <m:sub>
+                            <m:r>
+                              <a:rPr lang="en-US" i="1">
+                                <a:latin typeface="Cambria Math" charset="0"/>
+                              </a:rPr>
+                              <m:t>𝑖</m:t>
+                            </m:r>
+                          </m:sub>
+                        </m:sSub>
+                        <m:sSub>
+                          <m:sSubPr>
+                            <m:ctrlPr>
+                              <a:rPr lang="en-US" i="1">
+                                <a:latin typeface="Cambria Math" charset="0"/>
+                              </a:rPr>
+                            </m:ctrlPr>
+                          </m:sSubPr>
+                          <m:e>
+                            <m:r>
+                              <a:rPr lang="en-US" i="1">
+                                <a:latin typeface="Cambria Math" charset="0"/>
+                              </a:rPr>
+                              <m:t>𝑡</m:t>
+                            </m:r>
+                          </m:e>
+                          <m:sub>
+                            <m:r>
+                              <a:rPr lang="en-US" i="1">
+                                <a:latin typeface="Cambria Math" charset="0"/>
+                              </a:rPr>
+                              <m:t>𝑗</m:t>
+                            </m:r>
+                          </m:sub>
+                        </m:sSub>
+                      </m:sup>
+                    </m:sSup>
+                    <m:d>
+                      <m:dPr>
+                        <m:ctrlPr>
+                          <a:rPr lang="en-US" i="1">
+                            <a:latin typeface="Cambria Math" charset="0"/>
+                          </a:rPr>
+                        </m:ctrlPr>
+                      </m:dPr>
+                      <m:e>
+                        <m:sSub>
+                          <m:sSubPr>
+                            <m:ctrlPr>
+                              <a:rPr lang="en-US" i="1">
+                                <a:latin typeface="Cambria Math" charset="0"/>
+                              </a:rPr>
+                            </m:ctrlPr>
+                          </m:sSubPr>
+                          <m:e>
+                            <m:r>
+                              <a:rPr lang="en-US" i="1">
+                                <a:latin typeface="Cambria Math" charset="0"/>
+                              </a:rPr>
+                              <m:t>𝑥</m:t>
+                            </m:r>
+                          </m:e>
+                          <m:sub>
+                            <m:r>
+                              <a:rPr lang="en-US" i="1">
+                                <a:latin typeface="Cambria Math" charset="0"/>
+                              </a:rPr>
+                              <m:t>𝑖</m:t>
+                            </m:r>
+                          </m:sub>
+                        </m:sSub>
+                        <m:r>
+                          <a:rPr lang="en-US" i="1">
+                            <a:latin typeface="Cambria Math" charset="0"/>
+                          </a:rPr>
+                          <m:t>, </m:t>
+                        </m:r>
+                        <m:sSub>
+                          <m:sSubPr>
+                            <m:ctrlPr>
+                              <a:rPr lang="en-US" i="1">
+                                <a:latin typeface="Cambria Math" charset="0"/>
+                              </a:rPr>
+                            </m:ctrlPr>
+                          </m:sSubPr>
+                          <m:e>
+                            <m:r>
+                              <a:rPr lang="en-US" i="1">
+                                <a:latin typeface="Cambria Math" charset="0"/>
+                              </a:rPr>
+                              <m:t>𝑥</m:t>
+                            </m:r>
+                          </m:e>
+                          <m:sub>
+                            <m:r>
+                              <a:rPr lang="en-US" i="1">
+                                <a:latin typeface="Cambria Math" charset="0"/>
+                              </a:rPr>
+                              <m:t>𝑗</m:t>
+                            </m:r>
+                          </m:sub>
+                        </m:sSub>
+                      </m:e>
+                    </m:d>
+                  </m:oMath>
+                </a14:m>
+                <a:r>
+                  <a:rPr lang="en-US" dirty="0"/>
+                  <a:t> </a:t>
+                </a:r>
+                <a:r>
+                  <a:rPr lang="en-US" dirty="0" smtClean="0"/>
+                  <a:t> = </a:t>
+                </a:r>
+                <a:endParaRPr lang="en-US" dirty="0"/>
+              </a:p>
+              <a:p>
+                <a:pPr lvl="1"/>
+                <a:r>
+                  <a:rPr lang="en-US" dirty="0" smtClean="0"/>
+                  <a:t> </a:t>
+                </a:r>
+                <a:endParaRPr lang="en-US" dirty="0"/>
+              </a:p>
+            </p:txBody>
+          </p:sp>
+        </mc:Choice>
+        <mc:Fallback>
+          <p:sp>
+            <p:nvSpPr>
+              <p:cNvPr id="3" name="Content Placeholder 2"/>
+              <p:cNvSpPr>
+                <a:spLocks noGrp="1" noRot="1" noChangeAspect="1" noMove="1" noResize="1" noEditPoints="1" noAdjustHandles="1" noChangeArrowheads="1" noChangeShapeType="1" noTextEdit="1"/>
+              </p:cNvSpPr>
+              <p:nvPr>
+                <p:ph idx="1"/>
+              </p:nvPr>
+            </p:nvSpPr>
+            <p:spPr>
+              <a:blipFill rotWithShape="0">
+                <a:blip r:embed="rId2"/>
+                <a:stretch>
+                  <a:fillRect l="-142" t="-942"/>
+                </a:stretch>
+              </a:blipFill>
+            </p:spPr>
+            <p:txBody>
+              <a:bodyPr/>
+              <a:lstStyle/>
+              <a:p>
+                <a:r>
+                  <a:rPr lang="en-US">
+                    <a:noFill/>
+                  </a:rPr>
+                  <a:t> </a:t>
+                </a:r>
+              </a:p>
+            </p:txBody>
+          </p:sp>
+        </mc:Fallback>
+      </mc:AlternateContent>
     </p:spTree>
     <p:extLst>
       <p:ext uri="{BB962C8B-B14F-4D97-AF65-F5344CB8AC3E}">

--- a/Presentation.pptx
+++ b/Presentation.pptx
@@ -23000,9 +23000,16 @@
                 <p:ph idx="1"/>
               </p:nvPr>
             </p:nvSpPr>
-            <p:spPr/>
+            <p:spPr>
+              <a:xfrm>
+                <a:off x="677334" y="1705233"/>
+                <a:ext cx="8596668" cy="4831492"/>
+              </a:xfrm>
+            </p:spPr>
             <p:txBody>
-              <a:bodyPr/>
+              <a:bodyPr>
+                <a:normAutofit/>
+              </a:bodyPr>
               <a:lstStyle/>
               <a:p>
                 <a:r>
@@ -23318,13 +23325,1814 @@
                   <a:rPr lang="en-US" dirty="0" smtClean="0"/>
                   <a:t> = </a:t>
                 </a:r>
+                <a14:m>
+                  <m:oMath xmlns:m="http://schemas.openxmlformats.org/officeDocument/2006/math">
+                    <m:nary>
+                      <m:naryPr>
+                        <m:chr m:val="∑"/>
+                        <m:ctrlPr>
+                          <a:rPr lang="is-IS" i="1" smtClean="0">
+                            <a:latin typeface="Cambria Math" charset="0"/>
+                          </a:rPr>
+                        </m:ctrlPr>
+                      </m:naryPr>
+                      <m:sub>
+                        <m:r>
+                          <m:rPr>
+                            <m:brk m:alnAt="23"/>
+                          </m:rPr>
+                          <a:rPr lang="en-US" b="0" i="1" smtClean="0">
+                            <a:latin typeface="Cambria Math" charset="0"/>
+                          </a:rPr>
+                          <m:t>𝑚</m:t>
+                        </m:r>
+                        <m:r>
+                          <a:rPr lang="en-US" b="0" i="1" smtClean="0">
+                            <a:latin typeface="Cambria Math" charset="0"/>
+                          </a:rPr>
+                          <m:t>=1</m:t>
+                        </m:r>
+                      </m:sub>
+                      <m:sup>
+                        <m:r>
+                          <a:rPr lang="en-US" b="0" i="1" smtClean="0">
+                            <a:latin typeface="Cambria Math" charset="0"/>
+                          </a:rPr>
+                          <m:t>𝐾</m:t>
+                        </m:r>
+                      </m:sup>
+                      <m:e/>
+                    </m:nary>
+                    <m:nary>
+                      <m:naryPr>
+                        <m:chr m:val="∑"/>
+                        <m:ctrlPr>
+                          <a:rPr lang="is-IS" i="1" smtClean="0">
+                            <a:latin typeface="Cambria Math" charset="0"/>
+                          </a:rPr>
+                        </m:ctrlPr>
+                      </m:naryPr>
+                      <m:sub>
+                        <m:r>
+                          <m:rPr>
+                            <m:brk m:alnAt="23"/>
+                          </m:rPr>
+                          <a:rPr lang="en-US" b="0" i="1" smtClean="0">
+                            <a:latin typeface="Cambria Math" charset="0"/>
+                          </a:rPr>
+                          <m:t>𝑛</m:t>
+                        </m:r>
+                        <m:r>
+                          <a:rPr lang="en-US" b="0" i="1" smtClean="0">
+                            <a:latin typeface="Cambria Math" charset="0"/>
+                          </a:rPr>
+                          <m:t>=1</m:t>
+                        </m:r>
+                      </m:sub>
+                      <m:sup>
+                        <m:r>
+                          <a:rPr lang="en-US" b="0" i="1" smtClean="0">
+                            <a:latin typeface="Cambria Math" charset="0"/>
+                          </a:rPr>
+                          <m:t>𝐾</m:t>
+                        </m:r>
+                      </m:sup>
+                      <m:e>
+                        <m:sSubSup>
+                          <m:sSubSupPr>
+                            <m:ctrlPr>
+                              <a:rPr lang="en-US" b="0" i="1" smtClean="0">
+                                <a:latin typeface="Cambria Math" charset="0"/>
+                              </a:rPr>
+                            </m:ctrlPr>
+                          </m:sSubSupPr>
+                          <m:e>
+                            <m:r>
+                              <a:rPr lang="en-US" b="0" i="1" smtClean="0">
+                                <a:latin typeface="Cambria Math" charset="0"/>
+                              </a:rPr>
+                              <m:t>𝑈</m:t>
+                            </m:r>
+                          </m:e>
+                          <m:sub>
+                            <m:r>
+                              <a:rPr lang="en-US" b="0" i="1" smtClean="0">
+                                <a:latin typeface="Cambria Math" charset="0"/>
+                              </a:rPr>
+                              <m:t>𝑚</m:t>
+                            </m:r>
+                          </m:sub>
+                          <m:sup>
+                            <m:sSub>
+                              <m:sSubPr>
+                                <m:ctrlPr>
+                                  <a:rPr lang="en-US" b="0" i="1" smtClean="0">
+                                    <a:latin typeface="Cambria Math" charset="0"/>
+                                  </a:rPr>
+                                </m:ctrlPr>
+                              </m:sSubPr>
+                              <m:e>
+                                <m:r>
+                                  <a:rPr lang="en-US" b="0" i="1" smtClean="0">
+                                    <a:latin typeface="Cambria Math" charset="0"/>
+                                  </a:rPr>
+                                  <m:t>𝑡</m:t>
+                                </m:r>
+                              </m:e>
+                              <m:sub>
+                                <m:r>
+                                  <a:rPr lang="en-US" b="0" i="1" smtClean="0">
+                                    <a:latin typeface="Cambria Math" charset="0"/>
+                                  </a:rPr>
+                                  <m:t>𝑖</m:t>
+                                </m:r>
+                              </m:sub>
+                            </m:sSub>
+                          </m:sup>
+                        </m:sSubSup>
+                        <m:sSubSup>
+                          <m:sSubSupPr>
+                            <m:ctrlPr>
+                              <a:rPr lang="en-US" b="0" i="1" smtClean="0">
+                                <a:latin typeface="Cambria Math" charset="0"/>
+                              </a:rPr>
+                            </m:ctrlPr>
+                          </m:sSubSupPr>
+                          <m:e>
+                            <m:r>
+                              <a:rPr lang="en-US" b="0" i="1" smtClean="0">
+                                <a:latin typeface="Cambria Math" charset="0"/>
+                              </a:rPr>
+                              <m:t>𝑉</m:t>
+                            </m:r>
+                          </m:e>
+                          <m:sub>
+                            <m:r>
+                              <a:rPr lang="en-US" b="0" i="1" smtClean="0">
+                                <a:latin typeface="Cambria Math" charset="0"/>
+                              </a:rPr>
+                              <m:t>𝑛</m:t>
+                            </m:r>
+                          </m:sub>
+                          <m:sup>
+                            <m:sSub>
+                              <m:sSubPr>
+                                <m:ctrlPr>
+                                  <a:rPr lang="en-US" b="0" i="1" smtClean="0">
+                                    <a:latin typeface="Cambria Math" charset="0"/>
+                                  </a:rPr>
+                                </m:ctrlPr>
+                              </m:sSubPr>
+                              <m:e>
+                                <m:r>
+                                  <a:rPr lang="en-US" b="0" i="1" smtClean="0">
+                                    <a:latin typeface="Cambria Math" charset="0"/>
+                                  </a:rPr>
+                                  <m:t>𝑡</m:t>
+                                </m:r>
+                              </m:e>
+                              <m:sub>
+                                <m:r>
+                                  <a:rPr lang="en-US" b="0" i="1" smtClean="0">
+                                    <a:latin typeface="Cambria Math" charset="0"/>
+                                  </a:rPr>
+                                  <m:t>𝑗</m:t>
+                                </m:r>
+                              </m:sub>
+                            </m:sSub>
+                          </m:sup>
+                        </m:sSubSup>
+                        <m:r>
+                          <a:rPr lang="en-US" b="0" i="1" smtClean="0">
+                            <a:latin typeface="Cambria Math" charset="0"/>
+                          </a:rPr>
+                          <m:t> </m:t>
+                        </m:r>
+                        <m:sSub>
+                          <m:sSubPr>
+                            <m:ctrlPr>
+                              <a:rPr lang="en-US" b="0" i="1" smtClean="0">
+                                <a:latin typeface="Cambria Math" charset="0"/>
+                              </a:rPr>
+                            </m:ctrlPr>
+                          </m:sSubPr>
+                          <m:e>
+                            <m:r>
+                              <a:rPr lang="en-US" b="0" i="1" smtClean="0">
+                                <a:latin typeface="Cambria Math" charset="0"/>
+                              </a:rPr>
+                              <m:t>𝐾</m:t>
+                            </m:r>
+                          </m:e>
+                          <m:sub>
+                            <m:r>
+                              <a:rPr lang="en-US" b="0" i="1" smtClean="0">
+                                <a:latin typeface="Cambria Math" charset="0"/>
+                              </a:rPr>
+                              <m:t>𝑚𝑛</m:t>
+                            </m:r>
+                          </m:sub>
+                        </m:sSub>
+                        <m:r>
+                          <a:rPr lang="en-US" b="0" i="1" smtClean="0">
+                            <a:latin typeface="Cambria Math" charset="0"/>
+                          </a:rPr>
+                          <m:t>(</m:t>
+                        </m:r>
+                        <m:sSub>
+                          <m:sSubPr>
+                            <m:ctrlPr>
+                              <a:rPr lang="en-US" b="0" i="1" smtClean="0">
+                                <a:latin typeface="Cambria Math" charset="0"/>
+                              </a:rPr>
+                            </m:ctrlPr>
+                          </m:sSubPr>
+                          <m:e>
+                            <m:r>
+                              <a:rPr lang="en-US" b="0" i="1" smtClean="0">
+                                <a:latin typeface="Cambria Math" charset="0"/>
+                              </a:rPr>
+                              <m:t>𝑥</m:t>
+                            </m:r>
+                          </m:e>
+                          <m:sub>
+                            <m:r>
+                              <a:rPr lang="en-US" b="0" i="1" smtClean="0">
+                                <a:latin typeface="Cambria Math" charset="0"/>
+                              </a:rPr>
+                              <m:t>𝑖</m:t>
+                            </m:r>
+                          </m:sub>
+                        </m:sSub>
+                        <m:r>
+                          <a:rPr lang="en-US" b="0" i="1" smtClean="0">
+                            <a:latin typeface="Cambria Math" charset="0"/>
+                          </a:rPr>
+                          <m:t>, </m:t>
+                        </m:r>
+                        <m:sSub>
+                          <m:sSubPr>
+                            <m:ctrlPr>
+                              <a:rPr lang="en-US" b="0" i="1" smtClean="0">
+                                <a:latin typeface="Cambria Math" charset="0"/>
+                              </a:rPr>
+                            </m:ctrlPr>
+                          </m:sSubPr>
+                          <m:e>
+                            <m:r>
+                              <a:rPr lang="en-US" b="0" i="1" smtClean="0">
+                                <a:latin typeface="Cambria Math" charset="0"/>
+                              </a:rPr>
+                              <m:t>𝑥</m:t>
+                            </m:r>
+                          </m:e>
+                          <m:sub>
+                            <m:r>
+                              <a:rPr lang="en-US" b="0" i="1" smtClean="0">
+                                <a:latin typeface="Cambria Math" charset="0"/>
+                              </a:rPr>
+                              <m:t>𝑗</m:t>
+                            </m:r>
+                          </m:sub>
+                        </m:sSub>
+                        <m:r>
+                          <a:rPr lang="en-US" b="0" i="1" smtClean="0">
+                            <a:latin typeface="Cambria Math" charset="0"/>
+                          </a:rPr>
+                          <m:t>)</m:t>
+                        </m:r>
+                      </m:e>
+                    </m:nary>
+                  </m:oMath>
+                </a14:m>
                 <a:endParaRPr lang="en-US" dirty="0"/>
               </a:p>
               <a:p>
                 <a:pPr lvl="1"/>
                 <a:r>
                   <a:rPr lang="en-US" dirty="0" smtClean="0"/>
+                  <a:t> Where </a:t>
+                </a:r>
+                <a14:m>
+                  <m:oMath xmlns:m="http://schemas.openxmlformats.org/officeDocument/2006/math">
+                    <m:r>
+                      <a:rPr lang="en-US" b="0" i="1" smtClean="0">
+                        <a:latin typeface="Cambria Math" charset="0"/>
+                      </a:rPr>
+                      <m:t>𝑈</m:t>
+                    </m:r>
+                    <m:r>
+                      <a:rPr lang="en-US" b="0" i="1" smtClean="0">
+                        <a:latin typeface="Cambria Math" charset="0"/>
+                      </a:rPr>
+                      <m:t> </m:t>
+                    </m:r>
+                    <m:r>
+                      <a:rPr lang="en-US" b="0" i="1" smtClean="0">
+                        <a:latin typeface="Cambria Math" charset="0"/>
+                      </a:rPr>
+                      <m:t>𝑎𝑛𝑑</m:t>
+                    </m:r>
+                    <m:r>
+                      <a:rPr lang="en-US" b="0" i="1" smtClean="0">
+                        <a:latin typeface="Cambria Math" charset="0"/>
+                      </a:rPr>
+                      <m:t> </m:t>
+                    </m:r>
+                    <m:r>
+                      <a:rPr lang="en-US" b="0" i="1" smtClean="0">
+                        <a:latin typeface="Cambria Math" charset="0"/>
+                      </a:rPr>
+                      <m:t>𝑉</m:t>
+                    </m:r>
+                    <m:r>
+                      <a:rPr lang="en-US" b="0" i="1" smtClean="0">
+                        <a:latin typeface="Cambria Math" charset="0"/>
+                      </a:rPr>
+                      <m:t> </m:t>
+                    </m:r>
+                    <m:r>
+                      <a:rPr lang="en-US" b="0" i="1" smtClean="0">
+                        <a:latin typeface="Cambria Math" charset="0"/>
+                      </a:rPr>
+                      <m:t>𝑎𝑟𝑒</m:t>
+                    </m:r>
+                    <m:r>
+                      <a:rPr lang="en-US" b="0" i="1" smtClean="0">
+                        <a:latin typeface="Cambria Math" charset="0"/>
+                      </a:rPr>
+                      <m:t> </m:t>
+                    </m:r>
+                    <m:r>
+                      <a:rPr lang="en-US" b="0" i="1" smtClean="0">
+                        <a:latin typeface="Cambria Math" charset="0"/>
+                      </a:rPr>
+                      <m:t>𝑠𝑜𝑚𝑒</m:t>
+                    </m:r>
+                    <m:r>
+                      <a:rPr lang="en-US" b="0" i="1" smtClean="0">
+                        <a:latin typeface="Cambria Math" charset="0"/>
+                      </a:rPr>
+                      <m:t> </m:t>
+                    </m:r>
+                    <m:r>
+                      <a:rPr lang="en-US" b="0" i="1" smtClean="0">
+                        <a:latin typeface="Cambria Math" charset="0"/>
+                      </a:rPr>
+                      <m:t>𝑒𝑚𝑏𝑒𝑑𝑑𝑖𝑛𝑔</m:t>
+                    </m:r>
+                    <m:r>
+                      <a:rPr lang="en-US" b="0" i="1" smtClean="0">
+                        <a:latin typeface="Cambria Math" charset="0"/>
+                      </a:rPr>
+                      <m:t> </m:t>
+                    </m:r>
+                    <m:r>
+                      <a:rPr lang="en-US" b="0" i="1" smtClean="0">
+                        <a:latin typeface="Cambria Math" charset="0"/>
+                      </a:rPr>
+                      <m:t>𝑜𝑓</m:t>
+                    </m:r>
+                    <m:r>
+                      <a:rPr lang="en-US" b="0" i="1" smtClean="0">
+                        <a:latin typeface="Cambria Math" charset="0"/>
+                      </a:rPr>
+                      <m:t> </m:t>
+                    </m:r>
+                    <m:r>
+                      <a:rPr lang="en-US" b="0" i="1" smtClean="0">
+                        <a:latin typeface="Cambria Math" charset="0"/>
+                      </a:rPr>
+                      <m:t>𝑡𝑎𝑠𝑘𝑠</m:t>
+                    </m:r>
+                  </m:oMath>
+                </a14:m>
+                <a:r>
+                  <a:rPr lang="en-US" dirty="0" smtClean="0"/>
+                  <a:t>, we can learn them.</a:t>
+                </a:r>
+              </a:p>
+              <a:p>
+                <a:pPr lvl="1"/>
+                <a14:m>
+                  <m:oMath xmlns:m="http://schemas.openxmlformats.org/officeDocument/2006/math">
+                    <m:sSub>
+                      <m:sSubPr>
+                        <m:ctrlPr>
+                          <a:rPr lang="en-US" b="0" i="1" smtClean="0">
+                            <a:latin typeface="Cambria Math" charset="0"/>
+                          </a:rPr>
+                        </m:ctrlPr>
+                      </m:sSubPr>
+                      <m:e>
+                        <m:r>
+                          <a:rPr lang="en-US" b="0" i="1" smtClean="0">
+                            <a:latin typeface="Cambria Math" charset="0"/>
+                          </a:rPr>
+                          <m:t>𝐾</m:t>
+                        </m:r>
+                      </m:e>
+                      <m:sub>
+                        <m:r>
+                          <a:rPr lang="en-US" b="0" i="1" smtClean="0">
+                            <a:latin typeface="Cambria Math" charset="0"/>
+                          </a:rPr>
+                          <m:t>𝑚𝑛</m:t>
+                        </m:r>
+                      </m:sub>
+                    </m:sSub>
+                  </m:oMath>
+                </a14:m>
+                <a:r>
+                  <a:rPr lang="en-US" dirty="0" smtClean="0"/>
+                  <a:t> is a usual kernel functions, we totally need only </a:t>
+                </a:r>
+                <a14:m>
+                  <m:oMath xmlns:m="http://schemas.openxmlformats.org/officeDocument/2006/math">
+                    <m:sSup>
+                      <m:sSupPr>
+                        <m:ctrlPr>
+                          <a:rPr lang="en-US" b="0" i="1" smtClean="0">
+                            <a:latin typeface="Cambria Math" charset="0"/>
+                          </a:rPr>
+                        </m:ctrlPr>
+                      </m:sSupPr>
+                      <m:e>
+                        <m:r>
+                          <a:rPr lang="en-US" b="0" i="1" smtClean="0">
+                            <a:latin typeface="Cambria Math" charset="0"/>
+                          </a:rPr>
+                          <m:t>𝐾</m:t>
+                        </m:r>
+                      </m:e>
+                      <m:sup>
+                        <m:r>
+                          <a:rPr lang="en-US" b="0" i="1" smtClean="0">
+                            <a:latin typeface="Cambria Math" charset="0"/>
+                          </a:rPr>
+                          <m:t>2</m:t>
+                        </m:r>
+                      </m:sup>
+                    </m:sSup>
+                  </m:oMath>
+                </a14:m>
+                <a:r>
+                  <a:rPr lang="en-US" dirty="0" smtClean="0"/>
+                  <a:t> kernels instead of </a:t>
+                </a:r>
+                <a14:m>
+                  <m:oMath xmlns:m="http://schemas.openxmlformats.org/officeDocument/2006/math">
+                    <m:sSup>
+                      <m:sSupPr>
+                        <m:ctrlPr>
+                          <a:rPr lang="en-US" b="0" i="1" smtClean="0">
+                            <a:latin typeface="Cambria Math" charset="0"/>
+                          </a:rPr>
+                        </m:ctrlPr>
+                      </m:sSupPr>
+                      <m:e>
+                        <m:r>
+                          <a:rPr lang="en-US" b="0" i="1" smtClean="0">
+                            <a:latin typeface="Cambria Math" charset="0"/>
+                          </a:rPr>
+                          <m:t>𝑇</m:t>
+                        </m:r>
+                      </m:e>
+                      <m:sup>
+                        <m:r>
+                          <a:rPr lang="en-US" b="0" i="1" smtClean="0">
+                            <a:latin typeface="Cambria Math" charset="0"/>
+                          </a:rPr>
+                          <m:t>2</m:t>
+                        </m:r>
+                      </m:sup>
+                    </m:sSup>
+                  </m:oMath>
+                </a14:m>
+                <a:r>
+                  <a:rPr lang="en-US" dirty="0" smtClean="0"/>
+                  <a:t> kernels without approximation.</a:t>
+                </a:r>
+              </a:p>
+              <a:p>
+                <a:pPr lvl="1"/>
+                <a:r>
+                  <a:rPr lang="en-US" dirty="0" smtClean="0"/>
+                  <a:t>Previous assumption of decomposing kernel is a special case of above method.</a:t>
+                </a:r>
+              </a:p>
+              <a:p>
+                <a:pPr lvl="2"/>
+                <a:r>
+                  <a:rPr lang="en-US" dirty="0" smtClean="0"/>
+                  <a:t>When all </a:t>
+                </a:r>
+                <a14:m>
+                  <m:oMath xmlns:m="http://schemas.openxmlformats.org/officeDocument/2006/math">
+                    <m:sSub>
+                      <m:sSubPr>
+                        <m:ctrlPr>
+                          <a:rPr lang="en-US" i="1">
+                            <a:latin typeface="Cambria Math" charset="0"/>
+                          </a:rPr>
+                        </m:ctrlPr>
+                      </m:sSubPr>
+                      <m:e>
+                        <m:r>
+                          <a:rPr lang="en-US" i="1">
+                            <a:latin typeface="Cambria Math" charset="0"/>
+                          </a:rPr>
+                          <m:t>𝐾</m:t>
+                        </m:r>
+                      </m:e>
+                      <m:sub>
+                        <m:r>
+                          <a:rPr lang="en-US" i="1">
+                            <a:latin typeface="Cambria Math" charset="0"/>
+                          </a:rPr>
+                          <m:t>𝑚𝑛</m:t>
+                        </m:r>
+                      </m:sub>
+                    </m:sSub>
+                    <m:d>
+                      <m:dPr>
+                        <m:ctrlPr>
+                          <a:rPr lang="en-US" i="1">
+                            <a:latin typeface="Cambria Math" charset="0"/>
+                          </a:rPr>
+                        </m:ctrlPr>
+                      </m:dPr>
+                      <m:e>
+                        <m:sSub>
+                          <m:sSubPr>
+                            <m:ctrlPr>
+                              <a:rPr lang="en-US" i="1">
+                                <a:latin typeface="Cambria Math" charset="0"/>
+                              </a:rPr>
+                            </m:ctrlPr>
+                          </m:sSubPr>
+                          <m:e>
+                            <m:r>
+                              <a:rPr lang="en-US" i="1">
+                                <a:latin typeface="Cambria Math" charset="0"/>
+                              </a:rPr>
+                              <m:t>𝑥</m:t>
+                            </m:r>
+                          </m:e>
+                          <m:sub>
+                            <m:r>
+                              <a:rPr lang="en-US" i="1">
+                                <a:latin typeface="Cambria Math" charset="0"/>
+                              </a:rPr>
+                              <m:t>𝑖</m:t>
+                            </m:r>
+                          </m:sub>
+                        </m:sSub>
+                        <m:r>
+                          <a:rPr lang="en-US" i="1">
+                            <a:latin typeface="Cambria Math" charset="0"/>
+                          </a:rPr>
+                          <m:t>, </m:t>
+                        </m:r>
+                        <m:sSub>
+                          <m:sSubPr>
+                            <m:ctrlPr>
+                              <a:rPr lang="en-US" i="1">
+                                <a:latin typeface="Cambria Math" charset="0"/>
+                              </a:rPr>
+                            </m:ctrlPr>
+                          </m:sSubPr>
+                          <m:e>
+                            <m:r>
+                              <a:rPr lang="en-US" i="1">
+                                <a:latin typeface="Cambria Math" charset="0"/>
+                              </a:rPr>
+                              <m:t>𝑥</m:t>
+                            </m:r>
+                          </m:e>
+                          <m:sub>
+                            <m:r>
+                              <a:rPr lang="en-US" i="1">
+                                <a:latin typeface="Cambria Math" charset="0"/>
+                              </a:rPr>
+                              <m:t>𝑗</m:t>
+                            </m:r>
+                          </m:sub>
+                        </m:sSub>
+                      </m:e>
+                    </m:d>
+                    <m:r>
+                      <a:rPr lang="en-US" b="0" i="1" smtClean="0">
+                        <a:latin typeface="Cambria Math" charset="0"/>
+                      </a:rPr>
+                      <m:t>=</m:t>
+                    </m:r>
+                    <m:r>
+                      <a:rPr lang="en-US" b="0" i="1" smtClean="0">
+                        <a:latin typeface="Cambria Math" charset="0"/>
+                      </a:rPr>
+                      <m:t>𝑘</m:t>
+                    </m:r>
+                    <m:r>
+                      <a:rPr lang="en-US" b="0" i="1" smtClean="0">
+                        <a:latin typeface="Cambria Math" charset="0"/>
+                      </a:rPr>
+                      <m:t>(</m:t>
+                    </m:r>
+                    <m:sSub>
+                      <m:sSubPr>
+                        <m:ctrlPr>
+                          <a:rPr lang="en-US" b="0" i="1" smtClean="0">
+                            <a:latin typeface="Cambria Math" charset="0"/>
+                          </a:rPr>
+                        </m:ctrlPr>
+                      </m:sSubPr>
+                      <m:e>
+                        <m:r>
+                          <a:rPr lang="en-US" b="0" i="1" smtClean="0">
+                            <a:latin typeface="Cambria Math" charset="0"/>
+                          </a:rPr>
+                          <m:t>𝑥</m:t>
+                        </m:r>
+                      </m:e>
+                      <m:sub>
+                        <m:r>
+                          <a:rPr lang="en-US" b="0" i="1" smtClean="0">
+                            <a:latin typeface="Cambria Math" charset="0"/>
+                          </a:rPr>
+                          <m:t>𝑖</m:t>
+                        </m:r>
+                      </m:sub>
+                    </m:sSub>
+                    <m:r>
+                      <a:rPr lang="en-US" b="0" i="1" smtClean="0">
+                        <a:latin typeface="Cambria Math" charset="0"/>
+                      </a:rPr>
+                      <m:t>, </m:t>
+                    </m:r>
+                    <m:sSub>
+                      <m:sSubPr>
+                        <m:ctrlPr>
+                          <a:rPr lang="en-US" b="0" i="1" smtClean="0">
+                            <a:latin typeface="Cambria Math" charset="0"/>
+                          </a:rPr>
+                        </m:ctrlPr>
+                      </m:sSubPr>
+                      <m:e>
+                        <m:r>
+                          <a:rPr lang="en-US" b="0" i="1" smtClean="0">
+                            <a:latin typeface="Cambria Math" charset="0"/>
+                          </a:rPr>
+                          <m:t>𝑥</m:t>
+                        </m:r>
+                      </m:e>
+                      <m:sub>
+                        <m:r>
+                          <a:rPr lang="en-US" b="0" i="1" smtClean="0">
+                            <a:latin typeface="Cambria Math" charset="0"/>
+                          </a:rPr>
+                          <m:t>𝑗</m:t>
+                        </m:r>
+                      </m:sub>
+                    </m:sSub>
+                    <m:r>
+                      <a:rPr lang="en-US" b="0" i="1" smtClean="0">
+                        <a:latin typeface="Cambria Math" charset="0"/>
+                      </a:rPr>
+                      <m:t>)</m:t>
+                    </m:r>
+                  </m:oMath>
+                </a14:m>
+                <a:r>
+                  <a:rPr lang="en-US" dirty="0" smtClean="0"/>
+                  <a:t> are same</a:t>
+                </a:r>
+              </a:p>
+              <a:p>
+                <a:pPr lvl="2"/>
+                <a14:m>
+                  <m:oMath xmlns:m="http://schemas.openxmlformats.org/officeDocument/2006/math">
+                    <m:sSup>
+                      <m:sSupPr>
+                        <m:ctrlPr>
+                          <a:rPr lang="en-US" i="1">
+                            <a:latin typeface="Cambria Math" charset="0"/>
+                          </a:rPr>
+                        </m:ctrlPr>
+                      </m:sSupPr>
+                      <m:e>
+                        <m:r>
+                          <a:rPr lang="en-US" i="1">
+                            <a:latin typeface="Cambria Math" charset="0"/>
+                          </a:rPr>
+                          <m:t>𝑘</m:t>
+                        </m:r>
+                      </m:e>
+                      <m:sup>
+                        <m:sSub>
+                          <m:sSubPr>
+                            <m:ctrlPr>
+                              <a:rPr lang="en-US" i="1">
+                                <a:latin typeface="Cambria Math" charset="0"/>
+                              </a:rPr>
+                            </m:ctrlPr>
+                          </m:sSubPr>
+                          <m:e>
+                            <m:r>
+                              <a:rPr lang="en-US" i="1">
+                                <a:latin typeface="Cambria Math" charset="0"/>
+                              </a:rPr>
+                              <m:t>𝑡</m:t>
+                            </m:r>
+                          </m:e>
+                          <m:sub>
+                            <m:r>
+                              <a:rPr lang="en-US" i="1">
+                                <a:latin typeface="Cambria Math" charset="0"/>
+                              </a:rPr>
+                              <m:t>𝑖</m:t>
+                            </m:r>
+                          </m:sub>
+                        </m:sSub>
+                        <m:sSub>
+                          <m:sSubPr>
+                            <m:ctrlPr>
+                              <a:rPr lang="en-US" i="1">
+                                <a:latin typeface="Cambria Math" charset="0"/>
+                              </a:rPr>
+                            </m:ctrlPr>
+                          </m:sSubPr>
+                          <m:e>
+                            <m:r>
+                              <a:rPr lang="en-US" i="1">
+                                <a:latin typeface="Cambria Math" charset="0"/>
+                              </a:rPr>
+                              <m:t>𝑡</m:t>
+                            </m:r>
+                          </m:e>
+                          <m:sub>
+                            <m:r>
+                              <a:rPr lang="en-US" i="1">
+                                <a:latin typeface="Cambria Math" charset="0"/>
+                              </a:rPr>
+                              <m:t>𝑗</m:t>
+                            </m:r>
+                          </m:sub>
+                        </m:sSub>
+                      </m:sup>
+                    </m:sSup>
+                    <m:d>
+                      <m:dPr>
+                        <m:ctrlPr>
+                          <a:rPr lang="en-US" i="1">
+                            <a:latin typeface="Cambria Math" charset="0"/>
+                          </a:rPr>
+                        </m:ctrlPr>
+                      </m:dPr>
+                      <m:e>
+                        <m:sSub>
+                          <m:sSubPr>
+                            <m:ctrlPr>
+                              <a:rPr lang="en-US" i="1">
+                                <a:latin typeface="Cambria Math" charset="0"/>
+                              </a:rPr>
+                            </m:ctrlPr>
+                          </m:sSubPr>
+                          <m:e>
+                            <m:r>
+                              <a:rPr lang="en-US" i="1">
+                                <a:latin typeface="Cambria Math" charset="0"/>
+                              </a:rPr>
+                              <m:t>𝑥</m:t>
+                            </m:r>
+                          </m:e>
+                          <m:sub>
+                            <m:r>
+                              <a:rPr lang="en-US" i="1">
+                                <a:latin typeface="Cambria Math" charset="0"/>
+                              </a:rPr>
+                              <m:t>𝑖</m:t>
+                            </m:r>
+                          </m:sub>
+                        </m:sSub>
+                        <m:r>
+                          <a:rPr lang="en-US" i="1">
+                            <a:latin typeface="Cambria Math" charset="0"/>
+                          </a:rPr>
+                          <m:t>, </m:t>
+                        </m:r>
+                        <m:sSub>
+                          <m:sSubPr>
+                            <m:ctrlPr>
+                              <a:rPr lang="en-US" i="1">
+                                <a:latin typeface="Cambria Math" charset="0"/>
+                              </a:rPr>
+                            </m:ctrlPr>
+                          </m:sSubPr>
+                          <m:e>
+                            <m:r>
+                              <a:rPr lang="en-US" i="1">
+                                <a:latin typeface="Cambria Math" charset="0"/>
+                              </a:rPr>
+                              <m:t>𝑥</m:t>
+                            </m:r>
+                          </m:e>
+                          <m:sub>
+                            <m:r>
+                              <a:rPr lang="en-US" i="1">
+                                <a:latin typeface="Cambria Math" charset="0"/>
+                              </a:rPr>
+                              <m:t>𝑗</m:t>
+                            </m:r>
+                          </m:sub>
+                        </m:sSub>
+                      </m:e>
+                    </m:d>
+                  </m:oMath>
+                </a14:m>
+                <a:r>
+                  <a:rPr lang="en-US" dirty="0"/>
                   <a:t> </a:t>
+                </a:r>
+                <a:r>
+                  <a:rPr lang="en-US" dirty="0"/>
+                  <a:t> = </a:t>
+                </a:r>
+                <a14:m>
+                  <m:oMath xmlns:m="http://schemas.openxmlformats.org/officeDocument/2006/math">
+                    <m:nary>
+                      <m:naryPr>
+                        <m:chr m:val="∑"/>
+                        <m:ctrlPr>
+                          <a:rPr lang="is-IS" i="1">
+                            <a:latin typeface="Cambria Math" charset="0"/>
+                          </a:rPr>
+                        </m:ctrlPr>
+                      </m:naryPr>
+                      <m:sub>
+                        <m:r>
+                          <m:rPr>
+                            <m:brk m:alnAt="23"/>
+                          </m:rPr>
+                          <a:rPr lang="en-US" i="1">
+                            <a:latin typeface="Cambria Math" charset="0"/>
+                          </a:rPr>
+                          <m:t>𝑚</m:t>
+                        </m:r>
+                        <m:r>
+                          <a:rPr lang="en-US" i="1">
+                            <a:latin typeface="Cambria Math" charset="0"/>
+                          </a:rPr>
+                          <m:t>=1</m:t>
+                        </m:r>
+                      </m:sub>
+                      <m:sup>
+                        <m:r>
+                          <a:rPr lang="en-US" i="1">
+                            <a:latin typeface="Cambria Math" charset="0"/>
+                          </a:rPr>
+                          <m:t>𝐾</m:t>
+                        </m:r>
+                      </m:sup>
+                      <m:e/>
+                    </m:nary>
+                    <m:nary>
+                      <m:naryPr>
+                        <m:chr m:val="∑"/>
+                        <m:ctrlPr>
+                          <a:rPr lang="is-IS" i="1">
+                            <a:latin typeface="Cambria Math" charset="0"/>
+                          </a:rPr>
+                        </m:ctrlPr>
+                      </m:naryPr>
+                      <m:sub>
+                        <m:r>
+                          <m:rPr>
+                            <m:brk m:alnAt="23"/>
+                          </m:rPr>
+                          <a:rPr lang="en-US" i="1">
+                            <a:latin typeface="Cambria Math" charset="0"/>
+                          </a:rPr>
+                          <m:t>𝑛</m:t>
+                        </m:r>
+                        <m:r>
+                          <a:rPr lang="en-US" i="1">
+                            <a:latin typeface="Cambria Math" charset="0"/>
+                          </a:rPr>
+                          <m:t>=1</m:t>
+                        </m:r>
+                      </m:sub>
+                      <m:sup>
+                        <m:r>
+                          <a:rPr lang="en-US" i="1">
+                            <a:latin typeface="Cambria Math" charset="0"/>
+                          </a:rPr>
+                          <m:t>𝐾</m:t>
+                        </m:r>
+                      </m:sup>
+                      <m:e>
+                        <m:sSubSup>
+                          <m:sSubSupPr>
+                            <m:ctrlPr>
+                              <a:rPr lang="en-US" i="1">
+                                <a:latin typeface="Cambria Math" charset="0"/>
+                              </a:rPr>
+                            </m:ctrlPr>
+                          </m:sSubSupPr>
+                          <m:e>
+                            <m:r>
+                              <a:rPr lang="en-US" i="1">
+                                <a:latin typeface="Cambria Math" charset="0"/>
+                              </a:rPr>
+                              <m:t>𝑈</m:t>
+                            </m:r>
+                          </m:e>
+                          <m:sub>
+                            <m:r>
+                              <a:rPr lang="en-US" i="1">
+                                <a:latin typeface="Cambria Math" charset="0"/>
+                              </a:rPr>
+                              <m:t>𝑚</m:t>
+                            </m:r>
+                          </m:sub>
+                          <m:sup>
+                            <m:sSub>
+                              <m:sSubPr>
+                                <m:ctrlPr>
+                                  <a:rPr lang="en-US" i="1">
+                                    <a:latin typeface="Cambria Math" charset="0"/>
+                                  </a:rPr>
+                                </m:ctrlPr>
+                              </m:sSubPr>
+                              <m:e>
+                                <m:r>
+                                  <a:rPr lang="en-US" i="1">
+                                    <a:latin typeface="Cambria Math" charset="0"/>
+                                  </a:rPr>
+                                  <m:t>𝑡</m:t>
+                                </m:r>
+                              </m:e>
+                              <m:sub>
+                                <m:r>
+                                  <a:rPr lang="en-US" i="1">
+                                    <a:latin typeface="Cambria Math" charset="0"/>
+                                  </a:rPr>
+                                  <m:t>𝑖</m:t>
+                                </m:r>
+                              </m:sub>
+                            </m:sSub>
+                          </m:sup>
+                        </m:sSubSup>
+                        <m:sSubSup>
+                          <m:sSubSupPr>
+                            <m:ctrlPr>
+                              <a:rPr lang="en-US" i="1">
+                                <a:latin typeface="Cambria Math" charset="0"/>
+                              </a:rPr>
+                            </m:ctrlPr>
+                          </m:sSubSupPr>
+                          <m:e>
+                            <m:r>
+                              <a:rPr lang="en-US" i="1">
+                                <a:latin typeface="Cambria Math" charset="0"/>
+                              </a:rPr>
+                              <m:t>𝑉</m:t>
+                            </m:r>
+                          </m:e>
+                          <m:sub>
+                            <m:r>
+                              <a:rPr lang="en-US" i="1">
+                                <a:latin typeface="Cambria Math" charset="0"/>
+                              </a:rPr>
+                              <m:t>𝑛</m:t>
+                            </m:r>
+                          </m:sub>
+                          <m:sup>
+                            <m:sSub>
+                              <m:sSubPr>
+                                <m:ctrlPr>
+                                  <a:rPr lang="en-US" i="1">
+                                    <a:latin typeface="Cambria Math" charset="0"/>
+                                  </a:rPr>
+                                </m:ctrlPr>
+                              </m:sSubPr>
+                              <m:e>
+                                <m:r>
+                                  <a:rPr lang="en-US" i="1">
+                                    <a:latin typeface="Cambria Math" charset="0"/>
+                                  </a:rPr>
+                                  <m:t>𝑡</m:t>
+                                </m:r>
+                              </m:e>
+                              <m:sub>
+                                <m:r>
+                                  <a:rPr lang="en-US" i="1">
+                                    <a:latin typeface="Cambria Math" charset="0"/>
+                                  </a:rPr>
+                                  <m:t>𝑗</m:t>
+                                </m:r>
+                              </m:sub>
+                            </m:sSub>
+                          </m:sup>
+                        </m:sSubSup>
+                        <m:r>
+                          <a:rPr lang="en-US" i="1">
+                            <a:latin typeface="Cambria Math" charset="0"/>
+                          </a:rPr>
+                          <m:t> </m:t>
+                        </m:r>
+                        <m:sSub>
+                          <m:sSubPr>
+                            <m:ctrlPr>
+                              <a:rPr lang="en-US" i="1">
+                                <a:latin typeface="Cambria Math" charset="0"/>
+                              </a:rPr>
+                            </m:ctrlPr>
+                          </m:sSubPr>
+                          <m:e>
+                            <m:r>
+                              <a:rPr lang="en-US" i="1">
+                                <a:latin typeface="Cambria Math" charset="0"/>
+                              </a:rPr>
+                              <m:t>𝐾</m:t>
+                            </m:r>
+                          </m:e>
+                          <m:sub>
+                            <m:r>
+                              <a:rPr lang="en-US" i="1">
+                                <a:latin typeface="Cambria Math" charset="0"/>
+                              </a:rPr>
+                              <m:t>𝑚𝑛</m:t>
+                            </m:r>
+                          </m:sub>
+                        </m:sSub>
+                        <m:r>
+                          <a:rPr lang="en-US" i="1">
+                            <a:latin typeface="Cambria Math" charset="0"/>
+                          </a:rPr>
+                          <m:t>(</m:t>
+                        </m:r>
+                        <m:sSub>
+                          <m:sSubPr>
+                            <m:ctrlPr>
+                              <a:rPr lang="en-US" i="1">
+                                <a:latin typeface="Cambria Math" charset="0"/>
+                              </a:rPr>
+                            </m:ctrlPr>
+                          </m:sSubPr>
+                          <m:e>
+                            <m:r>
+                              <a:rPr lang="en-US" i="1">
+                                <a:latin typeface="Cambria Math" charset="0"/>
+                              </a:rPr>
+                              <m:t>𝑥</m:t>
+                            </m:r>
+                          </m:e>
+                          <m:sub>
+                            <m:r>
+                              <a:rPr lang="en-US" i="1">
+                                <a:latin typeface="Cambria Math" charset="0"/>
+                              </a:rPr>
+                              <m:t>𝑖</m:t>
+                            </m:r>
+                          </m:sub>
+                        </m:sSub>
+                        <m:r>
+                          <a:rPr lang="en-US" i="1">
+                            <a:latin typeface="Cambria Math" charset="0"/>
+                          </a:rPr>
+                          <m:t>, </m:t>
+                        </m:r>
+                        <m:sSub>
+                          <m:sSubPr>
+                            <m:ctrlPr>
+                              <a:rPr lang="en-US" i="1">
+                                <a:latin typeface="Cambria Math" charset="0"/>
+                              </a:rPr>
+                            </m:ctrlPr>
+                          </m:sSubPr>
+                          <m:e>
+                            <m:r>
+                              <a:rPr lang="en-US" i="1">
+                                <a:latin typeface="Cambria Math" charset="0"/>
+                              </a:rPr>
+                              <m:t>𝑥</m:t>
+                            </m:r>
+                          </m:e>
+                          <m:sub>
+                            <m:r>
+                              <a:rPr lang="en-US" i="1">
+                                <a:latin typeface="Cambria Math" charset="0"/>
+                              </a:rPr>
+                              <m:t>𝑗</m:t>
+                            </m:r>
+                          </m:sub>
+                        </m:sSub>
+                        <m:r>
+                          <a:rPr lang="en-US" i="1">
+                            <a:latin typeface="Cambria Math" charset="0"/>
+                          </a:rPr>
+                          <m:t>)</m:t>
+                        </m:r>
+                      </m:e>
+                    </m:nary>
+                  </m:oMath>
+                </a14:m>
+                <a:endParaRPr lang="en-US" dirty="0" smtClean="0"/>
+              </a:p>
+              <a:p>
+                <a:pPr lvl="2"/>
+                <a14:m>
+                  <m:oMath xmlns:m="http://schemas.openxmlformats.org/officeDocument/2006/math">
+                    <m:sSup>
+                      <m:sSupPr>
+                        <m:ctrlPr>
+                          <a:rPr lang="en-US" i="1">
+                            <a:latin typeface="Cambria Math" charset="0"/>
+                          </a:rPr>
+                        </m:ctrlPr>
+                      </m:sSupPr>
+                      <m:e>
+                        <m:r>
+                          <a:rPr lang="en-US" i="1">
+                            <a:latin typeface="Cambria Math" charset="0"/>
+                          </a:rPr>
+                          <m:t>𝑘</m:t>
+                        </m:r>
+                      </m:e>
+                      <m:sup>
+                        <m:sSub>
+                          <m:sSubPr>
+                            <m:ctrlPr>
+                              <a:rPr lang="en-US" i="1">
+                                <a:latin typeface="Cambria Math" charset="0"/>
+                              </a:rPr>
+                            </m:ctrlPr>
+                          </m:sSubPr>
+                          <m:e>
+                            <m:r>
+                              <a:rPr lang="en-US" i="1">
+                                <a:latin typeface="Cambria Math" charset="0"/>
+                              </a:rPr>
+                              <m:t>𝑡</m:t>
+                            </m:r>
+                          </m:e>
+                          <m:sub>
+                            <m:r>
+                              <a:rPr lang="en-US" i="1">
+                                <a:latin typeface="Cambria Math" charset="0"/>
+                              </a:rPr>
+                              <m:t>𝑖</m:t>
+                            </m:r>
+                          </m:sub>
+                        </m:sSub>
+                        <m:sSub>
+                          <m:sSubPr>
+                            <m:ctrlPr>
+                              <a:rPr lang="en-US" i="1">
+                                <a:latin typeface="Cambria Math" charset="0"/>
+                              </a:rPr>
+                            </m:ctrlPr>
+                          </m:sSubPr>
+                          <m:e>
+                            <m:r>
+                              <a:rPr lang="en-US" i="1">
+                                <a:latin typeface="Cambria Math" charset="0"/>
+                              </a:rPr>
+                              <m:t>𝑡</m:t>
+                            </m:r>
+                          </m:e>
+                          <m:sub>
+                            <m:r>
+                              <a:rPr lang="en-US" i="1">
+                                <a:latin typeface="Cambria Math" charset="0"/>
+                              </a:rPr>
+                              <m:t>𝑗</m:t>
+                            </m:r>
+                          </m:sub>
+                        </m:sSub>
+                      </m:sup>
+                    </m:sSup>
+                    <m:d>
+                      <m:dPr>
+                        <m:ctrlPr>
+                          <a:rPr lang="en-US" i="1">
+                            <a:latin typeface="Cambria Math" charset="0"/>
+                          </a:rPr>
+                        </m:ctrlPr>
+                      </m:dPr>
+                      <m:e>
+                        <m:sSub>
+                          <m:sSubPr>
+                            <m:ctrlPr>
+                              <a:rPr lang="en-US" i="1">
+                                <a:latin typeface="Cambria Math" charset="0"/>
+                              </a:rPr>
+                            </m:ctrlPr>
+                          </m:sSubPr>
+                          <m:e>
+                            <m:r>
+                              <a:rPr lang="en-US" i="1">
+                                <a:latin typeface="Cambria Math" charset="0"/>
+                              </a:rPr>
+                              <m:t>𝑥</m:t>
+                            </m:r>
+                          </m:e>
+                          <m:sub>
+                            <m:r>
+                              <a:rPr lang="en-US" i="1">
+                                <a:latin typeface="Cambria Math" charset="0"/>
+                              </a:rPr>
+                              <m:t>𝑖</m:t>
+                            </m:r>
+                          </m:sub>
+                        </m:sSub>
+                        <m:r>
+                          <a:rPr lang="en-US" i="1">
+                            <a:latin typeface="Cambria Math" charset="0"/>
+                          </a:rPr>
+                          <m:t>, </m:t>
+                        </m:r>
+                        <m:sSub>
+                          <m:sSubPr>
+                            <m:ctrlPr>
+                              <a:rPr lang="en-US" i="1">
+                                <a:latin typeface="Cambria Math" charset="0"/>
+                              </a:rPr>
+                            </m:ctrlPr>
+                          </m:sSubPr>
+                          <m:e>
+                            <m:r>
+                              <a:rPr lang="en-US" i="1">
+                                <a:latin typeface="Cambria Math" charset="0"/>
+                              </a:rPr>
+                              <m:t>𝑥</m:t>
+                            </m:r>
+                          </m:e>
+                          <m:sub>
+                            <m:r>
+                              <a:rPr lang="en-US" i="1">
+                                <a:latin typeface="Cambria Math" charset="0"/>
+                              </a:rPr>
+                              <m:t>𝑗</m:t>
+                            </m:r>
+                          </m:sub>
+                        </m:sSub>
+                      </m:e>
+                    </m:d>
+                  </m:oMath>
+                </a14:m>
+                <a:r>
+                  <a:rPr lang="en-US" dirty="0"/>
+                  <a:t>  = </a:t>
+                </a:r>
+                <a14:m>
+                  <m:oMath xmlns:m="http://schemas.openxmlformats.org/officeDocument/2006/math">
+                    <m:nary>
+                      <m:naryPr>
+                        <m:chr m:val="∑"/>
+                        <m:ctrlPr>
+                          <a:rPr lang="is-IS" i="1">
+                            <a:latin typeface="Cambria Math" charset="0"/>
+                          </a:rPr>
+                        </m:ctrlPr>
+                      </m:naryPr>
+                      <m:sub>
+                        <m:r>
+                          <m:rPr>
+                            <m:brk m:alnAt="23"/>
+                          </m:rPr>
+                          <a:rPr lang="en-US" i="1">
+                            <a:latin typeface="Cambria Math" charset="0"/>
+                          </a:rPr>
+                          <m:t>𝑚</m:t>
+                        </m:r>
+                        <m:r>
+                          <a:rPr lang="en-US" i="1">
+                            <a:latin typeface="Cambria Math" charset="0"/>
+                          </a:rPr>
+                          <m:t>=1</m:t>
+                        </m:r>
+                      </m:sub>
+                      <m:sup>
+                        <m:r>
+                          <a:rPr lang="en-US" i="1">
+                            <a:latin typeface="Cambria Math" charset="0"/>
+                          </a:rPr>
+                          <m:t>𝐾</m:t>
+                        </m:r>
+                      </m:sup>
+                      <m:e/>
+                    </m:nary>
+                    <m:nary>
+                      <m:naryPr>
+                        <m:chr m:val="∑"/>
+                        <m:ctrlPr>
+                          <a:rPr lang="is-IS" i="1">
+                            <a:latin typeface="Cambria Math" charset="0"/>
+                          </a:rPr>
+                        </m:ctrlPr>
+                      </m:naryPr>
+                      <m:sub>
+                        <m:r>
+                          <m:rPr>
+                            <m:brk m:alnAt="23"/>
+                          </m:rPr>
+                          <a:rPr lang="en-US" i="1">
+                            <a:latin typeface="Cambria Math" charset="0"/>
+                          </a:rPr>
+                          <m:t>𝑛</m:t>
+                        </m:r>
+                        <m:r>
+                          <a:rPr lang="en-US" i="1">
+                            <a:latin typeface="Cambria Math" charset="0"/>
+                          </a:rPr>
+                          <m:t>=1</m:t>
+                        </m:r>
+                      </m:sub>
+                      <m:sup>
+                        <m:r>
+                          <a:rPr lang="en-US" i="1">
+                            <a:latin typeface="Cambria Math" charset="0"/>
+                          </a:rPr>
+                          <m:t>𝐾</m:t>
+                        </m:r>
+                      </m:sup>
+                      <m:e>
+                        <m:sSubSup>
+                          <m:sSubSupPr>
+                            <m:ctrlPr>
+                              <a:rPr lang="en-US" i="1">
+                                <a:latin typeface="Cambria Math" charset="0"/>
+                              </a:rPr>
+                            </m:ctrlPr>
+                          </m:sSubSupPr>
+                          <m:e>
+                            <m:r>
+                              <a:rPr lang="en-US" i="1">
+                                <a:latin typeface="Cambria Math" charset="0"/>
+                              </a:rPr>
+                              <m:t>𝑈</m:t>
+                            </m:r>
+                          </m:e>
+                          <m:sub>
+                            <m:r>
+                              <a:rPr lang="en-US" i="1">
+                                <a:latin typeface="Cambria Math" charset="0"/>
+                              </a:rPr>
+                              <m:t>𝑚</m:t>
+                            </m:r>
+                          </m:sub>
+                          <m:sup>
+                            <m:sSub>
+                              <m:sSubPr>
+                                <m:ctrlPr>
+                                  <a:rPr lang="en-US" i="1">
+                                    <a:latin typeface="Cambria Math" charset="0"/>
+                                  </a:rPr>
+                                </m:ctrlPr>
+                              </m:sSubPr>
+                              <m:e>
+                                <m:r>
+                                  <a:rPr lang="en-US" i="1">
+                                    <a:latin typeface="Cambria Math" charset="0"/>
+                                  </a:rPr>
+                                  <m:t>𝑡</m:t>
+                                </m:r>
+                              </m:e>
+                              <m:sub>
+                                <m:r>
+                                  <a:rPr lang="en-US" i="1">
+                                    <a:latin typeface="Cambria Math" charset="0"/>
+                                  </a:rPr>
+                                  <m:t>𝑖</m:t>
+                                </m:r>
+                              </m:sub>
+                            </m:sSub>
+                          </m:sup>
+                        </m:sSubSup>
+                        <m:sSubSup>
+                          <m:sSubSupPr>
+                            <m:ctrlPr>
+                              <a:rPr lang="en-US" i="1">
+                                <a:latin typeface="Cambria Math" charset="0"/>
+                              </a:rPr>
+                            </m:ctrlPr>
+                          </m:sSubSupPr>
+                          <m:e>
+                            <m:r>
+                              <a:rPr lang="en-US" i="1">
+                                <a:latin typeface="Cambria Math" charset="0"/>
+                              </a:rPr>
+                              <m:t>𝑉</m:t>
+                            </m:r>
+                          </m:e>
+                          <m:sub>
+                            <m:r>
+                              <a:rPr lang="en-US" i="1">
+                                <a:latin typeface="Cambria Math" charset="0"/>
+                              </a:rPr>
+                              <m:t>𝑛</m:t>
+                            </m:r>
+                          </m:sub>
+                          <m:sup>
+                            <m:sSub>
+                              <m:sSubPr>
+                                <m:ctrlPr>
+                                  <a:rPr lang="en-US" i="1">
+                                    <a:latin typeface="Cambria Math" charset="0"/>
+                                  </a:rPr>
+                                </m:ctrlPr>
+                              </m:sSubPr>
+                              <m:e>
+                                <m:r>
+                                  <a:rPr lang="en-US" i="1">
+                                    <a:latin typeface="Cambria Math" charset="0"/>
+                                  </a:rPr>
+                                  <m:t>𝑡</m:t>
+                                </m:r>
+                              </m:e>
+                              <m:sub>
+                                <m:r>
+                                  <a:rPr lang="en-US" i="1">
+                                    <a:latin typeface="Cambria Math" charset="0"/>
+                                  </a:rPr>
+                                  <m:t>𝑗</m:t>
+                                </m:r>
+                              </m:sub>
+                            </m:sSub>
+                          </m:sup>
+                        </m:sSubSup>
+                        <m:r>
+                          <a:rPr lang="en-US" i="1">
+                            <a:latin typeface="Cambria Math" charset="0"/>
+                          </a:rPr>
+                          <m:t> </m:t>
+                        </m:r>
+                        <m:r>
+                          <a:rPr lang="en-US" b="0" i="1" smtClean="0">
+                            <a:latin typeface="Cambria Math" charset="0"/>
+                          </a:rPr>
+                          <m:t>𝑘</m:t>
+                        </m:r>
+                        <m:r>
+                          <a:rPr lang="en-US" b="0" i="1" smtClean="0">
+                            <a:latin typeface="Cambria Math" charset="0"/>
+                          </a:rPr>
+                          <m:t>(</m:t>
+                        </m:r>
+                        <m:sSub>
+                          <m:sSubPr>
+                            <m:ctrlPr>
+                              <a:rPr lang="en-US" b="0" i="1" smtClean="0">
+                                <a:latin typeface="Cambria Math" charset="0"/>
+                              </a:rPr>
+                            </m:ctrlPr>
+                          </m:sSubPr>
+                          <m:e>
+                            <m:r>
+                              <a:rPr lang="en-US" b="0" i="1" smtClean="0">
+                                <a:latin typeface="Cambria Math" charset="0"/>
+                              </a:rPr>
+                              <m:t>𝑥</m:t>
+                            </m:r>
+                          </m:e>
+                          <m:sub>
+                            <m:r>
+                              <a:rPr lang="en-US" b="0" i="1" smtClean="0">
+                                <a:latin typeface="Cambria Math" charset="0"/>
+                              </a:rPr>
+                              <m:t>𝑖</m:t>
+                            </m:r>
+                          </m:sub>
+                        </m:sSub>
+                        <m:r>
+                          <a:rPr lang="en-US" b="0" i="1" smtClean="0">
+                            <a:latin typeface="Cambria Math" charset="0"/>
+                          </a:rPr>
+                          <m:t> </m:t>
+                        </m:r>
+                        <m:sSub>
+                          <m:sSubPr>
+                            <m:ctrlPr>
+                              <a:rPr lang="en-US" b="0" i="1" smtClean="0">
+                                <a:latin typeface="Cambria Math" charset="0"/>
+                              </a:rPr>
+                            </m:ctrlPr>
+                          </m:sSubPr>
+                          <m:e>
+                            <m:r>
+                              <a:rPr lang="en-US" b="0" i="1" smtClean="0">
+                                <a:latin typeface="Cambria Math" charset="0"/>
+                              </a:rPr>
+                              <m:t>𝑥</m:t>
+                            </m:r>
+                          </m:e>
+                          <m:sub>
+                            <m:r>
+                              <a:rPr lang="en-US" b="0" i="1" smtClean="0">
+                                <a:latin typeface="Cambria Math" charset="0"/>
+                              </a:rPr>
+                              <m:t>𝑗</m:t>
+                            </m:r>
+                          </m:sub>
+                        </m:sSub>
+                        <m:r>
+                          <a:rPr lang="en-US" b="0" i="1" smtClean="0">
+                            <a:latin typeface="Cambria Math" charset="0"/>
+                          </a:rPr>
+                          <m:t>)</m:t>
+                        </m:r>
+                      </m:e>
+                    </m:nary>
+                  </m:oMath>
+                </a14:m>
+                <a:r>
+                  <a:rPr lang="en-US" dirty="0" smtClean="0"/>
+                  <a:t> </a:t>
+                </a:r>
+              </a:p>
+              <a:p>
+                <a:pPr lvl="2"/>
+                <a14:m>
+                  <m:oMath xmlns:m="http://schemas.openxmlformats.org/officeDocument/2006/math">
+                    <m:sSup>
+                      <m:sSupPr>
+                        <m:ctrlPr>
+                          <a:rPr lang="en-US" i="1">
+                            <a:latin typeface="Cambria Math" charset="0"/>
+                          </a:rPr>
+                        </m:ctrlPr>
+                      </m:sSupPr>
+                      <m:e>
+                        <m:r>
+                          <a:rPr lang="en-US" i="1">
+                            <a:latin typeface="Cambria Math" charset="0"/>
+                          </a:rPr>
+                          <m:t>𝑘</m:t>
+                        </m:r>
+                      </m:e>
+                      <m:sup>
+                        <m:sSub>
+                          <m:sSubPr>
+                            <m:ctrlPr>
+                              <a:rPr lang="en-US" i="1">
+                                <a:latin typeface="Cambria Math" charset="0"/>
+                              </a:rPr>
+                            </m:ctrlPr>
+                          </m:sSubPr>
+                          <m:e>
+                            <m:r>
+                              <a:rPr lang="en-US" i="1">
+                                <a:latin typeface="Cambria Math" charset="0"/>
+                              </a:rPr>
+                              <m:t>𝑡</m:t>
+                            </m:r>
+                          </m:e>
+                          <m:sub>
+                            <m:r>
+                              <a:rPr lang="en-US" i="1">
+                                <a:latin typeface="Cambria Math" charset="0"/>
+                              </a:rPr>
+                              <m:t>𝑖</m:t>
+                            </m:r>
+                          </m:sub>
+                        </m:sSub>
+                        <m:sSub>
+                          <m:sSubPr>
+                            <m:ctrlPr>
+                              <a:rPr lang="en-US" i="1">
+                                <a:latin typeface="Cambria Math" charset="0"/>
+                              </a:rPr>
+                            </m:ctrlPr>
+                          </m:sSubPr>
+                          <m:e>
+                            <m:r>
+                              <a:rPr lang="en-US" i="1">
+                                <a:latin typeface="Cambria Math" charset="0"/>
+                              </a:rPr>
+                              <m:t>𝑡</m:t>
+                            </m:r>
+                          </m:e>
+                          <m:sub>
+                            <m:r>
+                              <a:rPr lang="en-US" i="1">
+                                <a:latin typeface="Cambria Math" charset="0"/>
+                              </a:rPr>
+                              <m:t>𝑗</m:t>
+                            </m:r>
+                          </m:sub>
+                        </m:sSub>
+                      </m:sup>
+                    </m:sSup>
+                    <m:d>
+                      <m:dPr>
+                        <m:ctrlPr>
+                          <a:rPr lang="en-US" i="1">
+                            <a:latin typeface="Cambria Math" charset="0"/>
+                          </a:rPr>
+                        </m:ctrlPr>
+                      </m:dPr>
+                      <m:e>
+                        <m:sSub>
+                          <m:sSubPr>
+                            <m:ctrlPr>
+                              <a:rPr lang="en-US" i="1">
+                                <a:latin typeface="Cambria Math" charset="0"/>
+                              </a:rPr>
+                            </m:ctrlPr>
+                          </m:sSubPr>
+                          <m:e>
+                            <m:r>
+                              <a:rPr lang="en-US" i="1">
+                                <a:latin typeface="Cambria Math" charset="0"/>
+                              </a:rPr>
+                              <m:t>𝑥</m:t>
+                            </m:r>
+                          </m:e>
+                          <m:sub>
+                            <m:r>
+                              <a:rPr lang="en-US" i="1">
+                                <a:latin typeface="Cambria Math" charset="0"/>
+                              </a:rPr>
+                              <m:t>𝑖</m:t>
+                            </m:r>
+                          </m:sub>
+                        </m:sSub>
+                        <m:r>
+                          <a:rPr lang="en-US" i="1">
+                            <a:latin typeface="Cambria Math" charset="0"/>
+                          </a:rPr>
+                          <m:t>, </m:t>
+                        </m:r>
+                        <m:sSub>
+                          <m:sSubPr>
+                            <m:ctrlPr>
+                              <a:rPr lang="en-US" i="1">
+                                <a:latin typeface="Cambria Math" charset="0"/>
+                              </a:rPr>
+                            </m:ctrlPr>
+                          </m:sSubPr>
+                          <m:e>
+                            <m:r>
+                              <a:rPr lang="en-US" i="1">
+                                <a:latin typeface="Cambria Math" charset="0"/>
+                              </a:rPr>
+                              <m:t>𝑥</m:t>
+                            </m:r>
+                          </m:e>
+                          <m:sub>
+                            <m:r>
+                              <a:rPr lang="en-US" i="1">
+                                <a:latin typeface="Cambria Math" charset="0"/>
+                              </a:rPr>
+                              <m:t>𝑗</m:t>
+                            </m:r>
+                          </m:sub>
+                        </m:sSub>
+                      </m:e>
+                    </m:d>
+                  </m:oMath>
+                </a14:m>
+                <a:r>
+                  <a:rPr lang="en-US" dirty="0"/>
+                  <a:t>  = </a:t>
+                </a:r>
+                <a14:m>
+                  <m:oMath xmlns:m="http://schemas.openxmlformats.org/officeDocument/2006/math">
+                    <m:r>
+                      <a:rPr lang="en-US" b="0" i="0" smtClean="0">
+                        <a:latin typeface="Cambria Math" charset="0"/>
+                      </a:rPr>
+                      <m:t> </m:t>
+                    </m:r>
+                    <m:r>
+                      <a:rPr lang="en-US" i="1">
+                        <a:latin typeface="Cambria Math" charset="0"/>
+                      </a:rPr>
+                      <m:t>𝑘</m:t>
+                    </m:r>
+                    <m:r>
+                      <a:rPr lang="en-US" i="1">
+                        <a:latin typeface="Cambria Math" charset="0"/>
+                      </a:rPr>
+                      <m:t>(</m:t>
+                    </m:r>
+                    <m:sSub>
+                      <m:sSubPr>
+                        <m:ctrlPr>
+                          <a:rPr lang="en-US" i="1">
+                            <a:latin typeface="Cambria Math" charset="0"/>
+                          </a:rPr>
+                        </m:ctrlPr>
+                      </m:sSubPr>
+                      <m:e>
+                        <m:r>
+                          <a:rPr lang="en-US" i="1">
+                            <a:latin typeface="Cambria Math" charset="0"/>
+                          </a:rPr>
+                          <m:t>𝑥</m:t>
+                        </m:r>
+                      </m:e>
+                      <m:sub>
+                        <m:r>
+                          <a:rPr lang="en-US" i="1">
+                            <a:latin typeface="Cambria Math" charset="0"/>
+                          </a:rPr>
+                          <m:t>𝑖</m:t>
+                        </m:r>
+                      </m:sub>
+                    </m:sSub>
+                    <m:r>
+                      <a:rPr lang="en-US" i="1">
+                        <a:latin typeface="Cambria Math" charset="0"/>
+                      </a:rPr>
+                      <m:t> </m:t>
+                    </m:r>
+                    <m:sSub>
+                      <m:sSubPr>
+                        <m:ctrlPr>
+                          <a:rPr lang="en-US" i="1">
+                            <a:latin typeface="Cambria Math" charset="0"/>
+                          </a:rPr>
+                        </m:ctrlPr>
+                      </m:sSubPr>
+                      <m:e>
+                        <m:r>
+                          <a:rPr lang="en-US" i="1">
+                            <a:latin typeface="Cambria Math" charset="0"/>
+                          </a:rPr>
+                          <m:t>𝑥</m:t>
+                        </m:r>
+                      </m:e>
+                      <m:sub>
+                        <m:r>
+                          <a:rPr lang="en-US" i="1">
+                            <a:latin typeface="Cambria Math" charset="0"/>
+                          </a:rPr>
+                          <m:t>𝑗</m:t>
+                        </m:r>
+                      </m:sub>
+                    </m:sSub>
+                    <m:r>
+                      <a:rPr lang="en-US" i="1">
+                        <a:latin typeface="Cambria Math" charset="0"/>
+                      </a:rPr>
+                      <m:t>)</m:t>
+                    </m:r>
+                  </m:oMath>
+                </a14:m>
+                <a:r>
+                  <a:rPr lang="en-US" dirty="0" smtClean="0"/>
+                  <a:t>[</a:t>
+                </a:r>
+                <a14:m>
+                  <m:oMath xmlns:m="http://schemas.openxmlformats.org/officeDocument/2006/math">
+                    <m:nary>
+                      <m:naryPr>
+                        <m:chr m:val="∑"/>
+                        <m:ctrlPr>
+                          <a:rPr lang="is-IS" i="1">
+                            <a:latin typeface="Cambria Math" charset="0"/>
+                          </a:rPr>
+                        </m:ctrlPr>
+                      </m:naryPr>
+                      <m:sub>
+                        <m:r>
+                          <m:rPr>
+                            <m:brk m:alnAt="23"/>
+                          </m:rPr>
+                          <a:rPr lang="en-US" i="1">
+                            <a:latin typeface="Cambria Math" charset="0"/>
+                          </a:rPr>
+                          <m:t>𝑚</m:t>
+                        </m:r>
+                        <m:r>
+                          <a:rPr lang="en-US" i="1">
+                            <a:latin typeface="Cambria Math" charset="0"/>
+                          </a:rPr>
+                          <m:t>=1</m:t>
+                        </m:r>
+                      </m:sub>
+                      <m:sup>
+                        <m:r>
+                          <a:rPr lang="en-US" i="1">
+                            <a:latin typeface="Cambria Math" charset="0"/>
+                          </a:rPr>
+                          <m:t>𝐾</m:t>
+                        </m:r>
+                      </m:sup>
+                      <m:e/>
+                    </m:nary>
+                  </m:oMath>
+                </a14:m>
+                <a:r>
+                  <a:rPr lang="en-US" dirty="0"/>
+                  <a:t> </a:t>
+                </a:r>
+                <a:r>
+                  <a:rPr lang="en-US" dirty="0" smtClean="0"/>
+                  <a:t>]</a:t>
                 </a:r>
                 <a:endParaRPr lang="en-US" dirty="0"/>
               </a:p>
@@ -23343,10 +25151,14 @@
               </p:nvPr>
             </p:nvSpPr>
             <p:spPr>
+              <a:xfrm>
+                <a:off x="677334" y="1705233"/>
+                <a:ext cx="8596668" cy="4831492"/>
+              </a:xfrm>
               <a:blipFill rotWithShape="0">
                 <a:blip r:embed="rId2"/>
                 <a:stretch>
-                  <a:fillRect l="-142" t="-942"/>
+                  <a:fillRect l="-142" t="-884" b="-3535"/>
                 </a:stretch>
               </a:blipFill>
             </p:spPr>

--- a/Presentation.pptx
+++ b/Presentation.pptx
@@ -5,7 +5,7 @@
     <p:sldMasterId id="2147483648" r:id="rId1"/>
   </p:sldMasterIdLst>
   <p:notesMasterIdLst>
-    <p:notesMasterId r:id="rId29"/>
+    <p:notesMasterId r:id="rId31"/>
   </p:notesMasterIdLst>
   <p:sldIdLst>
     <p:sldId id="256" r:id="rId2"/>
@@ -35,6 +35,8 @@
     <p:sldId id="280" r:id="rId26"/>
     <p:sldId id="281" r:id="rId27"/>
     <p:sldId id="282" r:id="rId28"/>
+    <p:sldId id="283" r:id="rId29"/>
+    <p:sldId id="284" r:id="rId30"/>
   </p:sldIdLst>
   <p:sldSz cx="12192000" cy="6858000"/>
   <p:notesSz cx="6858000" cy="9144000"/>
@@ -986,6 +988,90 @@
     <p:extLst>
       <p:ext uri="{BB962C8B-B14F-4D97-AF65-F5344CB8AC3E}">
         <p14:creationId xmlns:p14="http://schemas.microsoft.com/office/powerpoint/2010/main" val="1715133321"/>
+      </p:ext>
+    </p:extLst>
+  </p:cSld>
+  <p:clrMapOvr>
+    <a:masterClrMapping/>
+  </p:clrMapOvr>
+</p:notes>
+</file>
+
+<file path=ppt/notesSlides/notesSlide7.xml><?xml version="1.0" encoding="utf-8"?>
+<p:notes xmlns:a="http://schemas.openxmlformats.org/drawingml/2006/main" xmlns:r="http://schemas.openxmlformats.org/officeDocument/2006/relationships" xmlns:p="http://schemas.openxmlformats.org/presentationml/2006/main">
+  <p:cSld>
+    <p:spTree>
+      <p:nvGrpSpPr>
+        <p:cNvPr id="1" name=""/>
+        <p:cNvGrpSpPr/>
+        <p:nvPr/>
+      </p:nvGrpSpPr>
+      <p:grpSpPr>
+        <a:xfrm>
+          <a:off x="0" y="0"/>
+          <a:ext cx="0" cy="0"/>
+          <a:chOff x="0" y="0"/>
+          <a:chExt cx="0" cy="0"/>
+        </a:xfrm>
+      </p:grpSpPr>
+      <p:sp>
+        <p:nvSpPr>
+          <p:cNvPr id="2" name="Slide Image Placeholder 1"/>
+          <p:cNvSpPr>
+            <a:spLocks noGrp="1" noRot="1" noChangeAspect="1"/>
+          </p:cNvSpPr>
+          <p:nvPr>
+            <p:ph type="sldImg"/>
+          </p:nvPr>
+        </p:nvSpPr>
+        <p:spPr/>
+      </p:sp>
+      <p:sp>
+        <p:nvSpPr>
+          <p:cNvPr id="3" name="Notes Placeholder 2"/>
+          <p:cNvSpPr>
+            <a:spLocks noGrp="1"/>
+          </p:cNvSpPr>
+          <p:nvPr>
+            <p:ph type="body" idx="1"/>
+          </p:nvPr>
+        </p:nvSpPr>
+        <p:spPr/>
+        <p:txBody>
+          <a:bodyPr/>
+          <a:lstStyle/>
+          <a:p>
+            <a:endParaRPr lang="en-US" dirty="0"/>
+          </a:p>
+        </p:txBody>
+      </p:sp>
+      <p:sp>
+        <p:nvSpPr>
+          <p:cNvPr id="4" name="Slide Number Placeholder 3"/>
+          <p:cNvSpPr>
+            <a:spLocks noGrp="1"/>
+          </p:cNvSpPr>
+          <p:nvPr>
+            <p:ph type="sldNum" sz="quarter" idx="10"/>
+          </p:nvPr>
+        </p:nvSpPr>
+        <p:spPr/>
+        <p:txBody>
+          <a:bodyPr/>
+          <a:lstStyle/>
+          <a:p>
+            <a:fld id="{3864A335-788A-594E-84C2-9E529E6B74E6}" type="slidenum">
+              <a:rPr lang="en-US" smtClean="0"/>
+              <a:t>27</a:t>
+            </a:fld>
+            <a:endParaRPr lang="en-US"/>
+          </a:p>
+        </p:txBody>
+      </p:sp>
+    </p:spTree>
+    <p:extLst>
+      <p:ext uri="{BB962C8B-B14F-4D97-AF65-F5344CB8AC3E}">
+        <p14:creationId xmlns:p14="http://schemas.microsoft.com/office/powerpoint/2010/main" val="1764940309"/>
       </p:ext>
     </p:extLst>
   </p:cSld>
@@ -23008,7 +23094,7 @@
             </p:spPr>
             <p:txBody>
               <a:bodyPr>
-                <a:normAutofit/>
+                <a:normAutofit lnSpcReduction="10000"/>
               </a:bodyPr>
               <a:lstStyle/>
               <a:p>
@@ -23927,12 +24013,31 @@
                       </a:rPr>
                       <m:t>=</m:t>
                     </m:r>
-                    <m:r>
-                      <a:rPr lang="en-US" b="0" i="1" smtClean="0">
-                        <a:latin typeface="Cambria Math" charset="0"/>
-                      </a:rPr>
-                      <m:t>𝑘</m:t>
-                    </m:r>
+                    <m:sSup>
+                      <m:sSupPr>
+                        <m:ctrlPr>
+                          <a:rPr lang="en-US" b="0" i="1" smtClean="0">
+                            <a:latin typeface="Cambria Math" charset="0"/>
+                          </a:rPr>
+                        </m:ctrlPr>
+                      </m:sSupPr>
+                      <m:e>
+                        <m:r>
+                          <a:rPr lang="en-US" b="0" i="1" smtClean="0">
+                            <a:latin typeface="Cambria Math" charset="0"/>
+                          </a:rPr>
+                          <m:t>𝑘</m:t>
+                        </m:r>
+                      </m:e>
+                      <m:sup>
+                        <m:r>
+                          <a:rPr lang="en-US" b="0" i="1" smtClean="0">
+                            <a:latin typeface="Cambria Math" charset="0"/>
+                          </a:rPr>
+                          <m:t>𝑎</m:t>
+                        </m:r>
+                      </m:sup>
+                    </m:sSup>
                     <m:r>
                       <a:rPr lang="en-US" b="0" i="1" smtClean="0">
                         <a:latin typeface="Cambria Math" charset="0"/>
@@ -24769,12 +24874,31 @@
                           </a:rPr>
                           <m:t> </m:t>
                         </m:r>
-                        <m:r>
-                          <a:rPr lang="en-US" b="0" i="1" smtClean="0">
-                            <a:latin typeface="Cambria Math" charset="0"/>
-                          </a:rPr>
-                          <m:t>𝑘</m:t>
-                        </m:r>
+                        <m:sSup>
+                          <m:sSupPr>
+                            <m:ctrlPr>
+                              <a:rPr lang="en-US" b="0" i="1" smtClean="0">
+                                <a:latin typeface="Cambria Math" charset="0"/>
+                              </a:rPr>
+                            </m:ctrlPr>
+                          </m:sSupPr>
+                          <m:e>
+                            <m:r>
+                              <a:rPr lang="en-US" b="0" i="1" smtClean="0">
+                                <a:latin typeface="Cambria Math" charset="0"/>
+                              </a:rPr>
+                              <m:t>𝑘</m:t>
+                            </m:r>
+                          </m:e>
+                          <m:sup>
+                            <m:r>
+                              <a:rPr lang="en-US" b="0" i="1" smtClean="0">
+                                <a:latin typeface="Cambria Math" charset="0"/>
+                              </a:rPr>
+                              <m:t>𝑎</m:t>
+                            </m:r>
+                          </m:sup>
+                        </m:sSup>
                         <m:r>
                           <a:rPr lang="en-US" b="0" i="1" smtClean="0">
                             <a:latin typeface="Cambria Math" charset="0"/>
@@ -25006,12 +25130,31 @@
                       </a:rPr>
                       <m:t> </m:t>
                     </m:r>
-                    <m:r>
-                      <a:rPr lang="en-US" i="1">
-                        <a:latin typeface="Cambria Math" charset="0"/>
-                      </a:rPr>
-                      <m:t>𝑘</m:t>
-                    </m:r>
+                    <m:sSup>
+                      <m:sSupPr>
+                        <m:ctrlPr>
+                          <a:rPr lang="en-US" b="0" i="1" smtClean="0">
+                            <a:latin typeface="Cambria Math" charset="0"/>
+                          </a:rPr>
+                        </m:ctrlPr>
+                      </m:sSupPr>
+                      <m:e>
+                        <m:r>
+                          <a:rPr lang="en-US" i="1">
+                            <a:latin typeface="Cambria Math" charset="0"/>
+                          </a:rPr>
+                          <m:t>𝑘</m:t>
+                        </m:r>
+                      </m:e>
+                      <m:sup>
+                        <m:r>
+                          <a:rPr lang="en-US" b="0" i="1" smtClean="0">
+                            <a:latin typeface="Cambria Math" charset="0"/>
+                          </a:rPr>
+                          <m:t>𝑎</m:t>
+                        </m:r>
+                      </m:sup>
+                    </m:sSup>
                     <m:r>
                       <a:rPr lang="en-US" i="1">
                         <a:latin typeface="Cambria Math" charset="0"/>
@@ -25124,16 +25267,494 @@
                       </m:sup>
                       <m:e/>
                     </m:nary>
+                    <m:nary>
+                      <m:naryPr>
+                        <m:chr m:val="∑"/>
+                        <m:ctrlPr>
+                          <a:rPr lang="is-IS" i="1">
+                            <a:latin typeface="Cambria Math" charset="0"/>
+                          </a:rPr>
+                        </m:ctrlPr>
+                      </m:naryPr>
+                      <m:sub>
+                        <m:r>
+                          <m:rPr>
+                            <m:brk m:alnAt="23"/>
+                          </m:rPr>
+                          <a:rPr lang="en-US" i="1">
+                            <a:latin typeface="Cambria Math" charset="0"/>
+                          </a:rPr>
+                          <m:t>𝑛</m:t>
+                        </m:r>
+                        <m:r>
+                          <a:rPr lang="en-US" i="1">
+                            <a:latin typeface="Cambria Math" charset="0"/>
+                          </a:rPr>
+                          <m:t>=1</m:t>
+                        </m:r>
+                      </m:sub>
+                      <m:sup>
+                        <m:r>
+                          <a:rPr lang="en-US" i="1">
+                            <a:latin typeface="Cambria Math" charset="0"/>
+                          </a:rPr>
+                          <m:t>𝐾</m:t>
+                        </m:r>
+                      </m:sup>
+                      <m:e>
+                        <m:sSubSup>
+                          <m:sSubSupPr>
+                            <m:ctrlPr>
+                              <a:rPr lang="en-US" i="1">
+                                <a:latin typeface="Cambria Math" charset="0"/>
+                              </a:rPr>
+                            </m:ctrlPr>
+                          </m:sSubSupPr>
+                          <m:e>
+                            <m:r>
+                              <a:rPr lang="en-US" i="1">
+                                <a:latin typeface="Cambria Math" charset="0"/>
+                              </a:rPr>
+                              <m:t>𝑈</m:t>
+                            </m:r>
+                          </m:e>
+                          <m:sub>
+                            <m:r>
+                              <a:rPr lang="en-US" i="1">
+                                <a:latin typeface="Cambria Math" charset="0"/>
+                              </a:rPr>
+                              <m:t>𝑚</m:t>
+                            </m:r>
+                          </m:sub>
+                          <m:sup>
+                            <m:sSub>
+                              <m:sSubPr>
+                                <m:ctrlPr>
+                                  <a:rPr lang="en-US" i="1">
+                                    <a:latin typeface="Cambria Math" charset="0"/>
+                                  </a:rPr>
+                                </m:ctrlPr>
+                              </m:sSubPr>
+                              <m:e>
+                                <m:r>
+                                  <a:rPr lang="en-US" i="1">
+                                    <a:latin typeface="Cambria Math" charset="0"/>
+                                  </a:rPr>
+                                  <m:t>𝑡</m:t>
+                                </m:r>
+                              </m:e>
+                              <m:sub>
+                                <m:r>
+                                  <a:rPr lang="en-US" i="1">
+                                    <a:latin typeface="Cambria Math" charset="0"/>
+                                  </a:rPr>
+                                  <m:t>𝑖</m:t>
+                                </m:r>
+                              </m:sub>
+                            </m:sSub>
+                          </m:sup>
+                        </m:sSubSup>
+                        <m:sSubSup>
+                          <m:sSubSupPr>
+                            <m:ctrlPr>
+                              <a:rPr lang="en-US" i="1">
+                                <a:latin typeface="Cambria Math" charset="0"/>
+                              </a:rPr>
+                            </m:ctrlPr>
+                          </m:sSubSupPr>
+                          <m:e>
+                            <m:r>
+                              <a:rPr lang="en-US" i="1">
+                                <a:latin typeface="Cambria Math" charset="0"/>
+                              </a:rPr>
+                              <m:t>𝑉</m:t>
+                            </m:r>
+                          </m:e>
+                          <m:sub>
+                            <m:r>
+                              <a:rPr lang="en-US" i="1">
+                                <a:latin typeface="Cambria Math" charset="0"/>
+                              </a:rPr>
+                              <m:t>𝑛</m:t>
+                            </m:r>
+                          </m:sub>
+                          <m:sup>
+                            <m:sSub>
+                              <m:sSubPr>
+                                <m:ctrlPr>
+                                  <a:rPr lang="en-US" i="1">
+                                    <a:latin typeface="Cambria Math" charset="0"/>
+                                  </a:rPr>
+                                </m:ctrlPr>
+                              </m:sSubPr>
+                              <m:e>
+                                <m:r>
+                                  <a:rPr lang="en-US" i="1">
+                                    <a:latin typeface="Cambria Math" charset="0"/>
+                                  </a:rPr>
+                                  <m:t>𝑡</m:t>
+                                </m:r>
+                              </m:e>
+                              <m:sub>
+                                <m:r>
+                                  <a:rPr lang="en-US" i="1">
+                                    <a:latin typeface="Cambria Math" charset="0"/>
+                                  </a:rPr>
+                                  <m:t>𝑗</m:t>
+                                </m:r>
+                              </m:sub>
+                            </m:sSub>
+                          </m:sup>
+                        </m:sSubSup>
+                      </m:e>
+                    </m:nary>
                   </m:oMath>
                 </a14:m>
+                <a:r>
+                  <a:rPr lang="en-US" dirty="0" smtClean="0"/>
+                  <a:t>]</a:t>
+                </a:r>
+              </a:p>
+              <a:p>
+                <a:pPr lvl="2"/>
                 <a:r>
                   <a:rPr lang="en-US" dirty="0"/>
                   <a:t> </a:t>
                 </a:r>
-                <a:r>
-                  <a:rPr lang="en-US" dirty="0" smtClean="0"/>
-                  <a:t>]</a:t>
-                </a:r>
+                <a14:m>
+                  <m:oMath xmlns:m="http://schemas.openxmlformats.org/officeDocument/2006/math">
+                    <m:sSup>
+                      <m:sSupPr>
+                        <m:ctrlPr>
+                          <a:rPr lang="en-US" i="1">
+                            <a:latin typeface="Cambria Math" charset="0"/>
+                          </a:rPr>
+                        </m:ctrlPr>
+                      </m:sSupPr>
+                      <m:e>
+                        <m:r>
+                          <a:rPr lang="en-US" i="1">
+                            <a:latin typeface="Cambria Math" charset="0"/>
+                          </a:rPr>
+                          <m:t>𝑘</m:t>
+                        </m:r>
+                      </m:e>
+                      <m:sup>
+                        <m:sSub>
+                          <m:sSubPr>
+                            <m:ctrlPr>
+                              <a:rPr lang="en-US" i="1">
+                                <a:latin typeface="Cambria Math" charset="0"/>
+                              </a:rPr>
+                            </m:ctrlPr>
+                          </m:sSubPr>
+                          <m:e>
+                            <m:r>
+                              <a:rPr lang="en-US" i="1">
+                                <a:latin typeface="Cambria Math" charset="0"/>
+                              </a:rPr>
+                              <m:t>𝑡</m:t>
+                            </m:r>
+                          </m:e>
+                          <m:sub>
+                            <m:r>
+                              <a:rPr lang="en-US" i="1">
+                                <a:latin typeface="Cambria Math" charset="0"/>
+                              </a:rPr>
+                              <m:t>𝑖</m:t>
+                            </m:r>
+                          </m:sub>
+                        </m:sSub>
+                        <m:sSub>
+                          <m:sSubPr>
+                            <m:ctrlPr>
+                              <a:rPr lang="en-US" i="1">
+                                <a:latin typeface="Cambria Math" charset="0"/>
+                              </a:rPr>
+                            </m:ctrlPr>
+                          </m:sSubPr>
+                          <m:e>
+                            <m:r>
+                              <a:rPr lang="en-US" i="1">
+                                <a:latin typeface="Cambria Math" charset="0"/>
+                              </a:rPr>
+                              <m:t>𝑡</m:t>
+                            </m:r>
+                          </m:e>
+                          <m:sub>
+                            <m:r>
+                              <a:rPr lang="en-US" i="1">
+                                <a:latin typeface="Cambria Math" charset="0"/>
+                              </a:rPr>
+                              <m:t>𝑗</m:t>
+                            </m:r>
+                          </m:sub>
+                        </m:sSub>
+                      </m:sup>
+                    </m:sSup>
+                    <m:d>
+                      <m:dPr>
+                        <m:ctrlPr>
+                          <a:rPr lang="en-US" i="1">
+                            <a:latin typeface="Cambria Math" charset="0"/>
+                          </a:rPr>
+                        </m:ctrlPr>
+                      </m:dPr>
+                      <m:e>
+                        <m:sSub>
+                          <m:sSubPr>
+                            <m:ctrlPr>
+                              <a:rPr lang="en-US" i="1">
+                                <a:latin typeface="Cambria Math" charset="0"/>
+                              </a:rPr>
+                            </m:ctrlPr>
+                          </m:sSubPr>
+                          <m:e>
+                            <m:r>
+                              <a:rPr lang="en-US" i="1">
+                                <a:latin typeface="Cambria Math" charset="0"/>
+                              </a:rPr>
+                              <m:t>𝑥</m:t>
+                            </m:r>
+                          </m:e>
+                          <m:sub>
+                            <m:r>
+                              <a:rPr lang="en-US" i="1">
+                                <a:latin typeface="Cambria Math" charset="0"/>
+                              </a:rPr>
+                              <m:t>𝑖</m:t>
+                            </m:r>
+                          </m:sub>
+                        </m:sSub>
+                        <m:r>
+                          <a:rPr lang="en-US" i="1">
+                            <a:latin typeface="Cambria Math" charset="0"/>
+                          </a:rPr>
+                          <m:t>, </m:t>
+                        </m:r>
+                        <m:sSub>
+                          <m:sSubPr>
+                            <m:ctrlPr>
+                              <a:rPr lang="en-US" i="1">
+                                <a:latin typeface="Cambria Math" charset="0"/>
+                              </a:rPr>
+                            </m:ctrlPr>
+                          </m:sSubPr>
+                          <m:e>
+                            <m:r>
+                              <a:rPr lang="en-US" i="1">
+                                <a:latin typeface="Cambria Math" charset="0"/>
+                              </a:rPr>
+                              <m:t>𝑥</m:t>
+                            </m:r>
+                          </m:e>
+                          <m:sub>
+                            <m:r>
+                              <a:rPr lang="en-US" i="1">
+                                <a:latin typeface="Cambria Math" charset="0"/>
+                              </a:rPr>
+                              <m:t>𝑗</m:t>
+                            </m:r>
+                          </m:sub>
+                        </m:sSub>
+                      </m:e>
+                    </m:d>
+                    <m:r>
+                      <a:rPr lang="en-US" i="1">
+                        <a:latin typeface="Cambria Math" charset="0"/>
+                      </a:rPr>
+                      <m:t>=</m:t>
+                    </m:r>
+                    <m:sSup>
+                      <m:sSupPr>
+                        <m:ctrlPr>
+                          <a:rPr lang="en-US" i="1">
+                            <a:latin typeface="Cambria Math" charset="0"/>
+                          </a:rPr>
+                        </m:ctrlPr>
+                      </m:sSupPr>
+                      <m:e>
+                        <m:r>
+                          <a:rPr lang="en-US" i="1">
+                            <a:latin typeface="Cambria Math" charset="0"/>
+                          </a:rPr>
+                          <m:t>𝑘</m:t>
+                        </m:r>
+                      </m:e>
+                      <m:sup>
+                        <m:r>
+                          <a:rPr lang="en-US" i="1">
+                            <a:latin typeface="Cambria Math" charset="0"/>
+                          </a:rPr>
+                          <m:t>𝑎</m:t>
+                        </m:r>
+                      </m:sup>
+                    </m:sSup>
+                    <m:d>
+                      <m:dPr>
+                        <m:ctrlPr>
+                          <a:rPr lang="en-US" i="1">
+                            <a:latin typeface="Cambria Math" charset="0"/>
+                          </a:rPr>
+                        </m:ctrlPr>
+                      </m:dPr>
+                      <m:e>
+                        <m:sSub>
+                          <m:sSubPr>
+                            <m:ctrlPr>
+                              <a:rPr lang="en-US" i="1">
+                                <a:latin typeface="Cambria Math" charset="0"/>
+                              </a:rPr>
+                            </m:ctrlPr>
+                          </m:sSubPr>
+                          <m:e>
+                            <m:r>
+                              <a:rPr lang="en-US" i="1">
+                                <a:latin typeface="Cambria Math" charset="0"/>
+                              </a:rPr>
+                              <m:t>𝑥</m:t>
+                            </m:r>
+                          </m:e>
+                          <m:sub>
+                            <m:r>
+                              <a:rPr lang="en-US" i="1">
+                                <a:latin typeface="Cambria Math" charset="0"/>
+                              </a:rPr>
+                              <m:t>𝑖</m:t>
+                            </m:r>
+                          </m:sub>
+                        </m:sSub>
+                        <m:r>
+                          <a:rPr lang="en-US" i="1">
+                            <a:latin typeface="Cambria Math" charset="0"/>
+                          </a:rPr>
+                          <m:t> </m:t>
+                        </m:r>
+                        <m:sSub>
+                          <m:sSubPr>
+                            <m:ctrlPr>
+                              <a:rPr lang="en-US" i="1">
+                                <a:latin typeface="Cambria Math" charset="0"/>
+                              </a:rPr>
+                            </m:ctrlPr>
+                          </m:sSubPr>
+                          <m:e>
+                            <m:r>
+                              <a:rPr lang="en-US" i="1">
+                                <a:latin typeface="Cambria Math" charset="0"/>
+                              </a:rPr>
+                              <m:t>𝑥</m:t>
+                            </m:r>
+                          </m:e>
+                          <m:sub>
+                            <m:r>
+                              <a:rPr lang="en-US" i="1">
+                                <a:latin typeface="Cambria Math" charset="0"/>
+                              </a:rPr>
+                              <m:t>𝑗</m:t>
+                            </m:r>
+                          </m:sub>
+                        </m:sSub>
+                      </m:e>
+                    </m:d>
+                    <m:sSup>
+                      <m:sSupPr>
+                        <m:ctrlPr>
+                          <a:rPr lang="en-US" i="1">
+                            <a:latin typeface="Cambria Math" charset="0"/>
+                          </a:rPr>
+                        </m:ctrlPr>
+                      </m:sSupPr>
+                      <m:e>
+                        <m:r>
+                          <a:rPr lang="en-US" i="1">
+                            <a:latin typeface="Cambria Math" charset="0"/>
+                          </a:rPr>
+                          <m:t>𝑘</m:t>
+                        </m:r>
+                      </m:e>
+                      <m:sup>
+                        <m:r>
+                          <a:rPr lang="en-US" i="1">
+                            <a:latin typeface="Cambria Math" charset="0"/>
+                          </a:rPr>
+                          <m:t>𝑏</m:t>
+                        </m:r>
+                      </m:sup>
+                    </m:sSup>
+                    <m:d>
+                      <m:dPr>
+                        <m:ctrlPr>
+                          <a:rPr lang="en-US" i="1">
+                            <a:latin typeface="Cambria Math" charset="0"/>
+                          </a:rPr>
+                        </m:ctrlPr>
+                      </m:dPr>
+                      <m:e>
+                        <m:sSub>
+                          <m:sSubPr>
+                            <m:ctrlPr>
+                              <a:rPr lang="en-US" i="1">
+                                <a:latin typeface="Cambria Math" charset="0"/>
+                              </a:rPr>
+                            </m:ctrlPr>
+                          </m:sSubPr>
+                          <m:e>
+                            <m:r>
+                              <a:rPr lang="en-US" i="1">
+                                <a:latin typeface="Cambria Math" charset="0"/>
+                              </a:rPr>
+                              <m:t>𝑡</m:t>
+                            </m:r>
+                          </m:e>
+                          <m:sub>
+                            <m:r>
+                              <a:rPr lang="en-US" i="1">
+                                <a:latin typeface="Cambria Math" charset="0"/>
+                              </a:rPr>
+                              <m:t>𝑖</m:t>
+                            </m:r>
+                          </m:sub>
+                        </m:sSub>
+                        <m:r>
+                          <a:rPr lang="en-US" i="1">
+                            <a:latin typeface="Cambria Math" charset="0"/>
+                          </a:rPr>
+                          <m:t> </m:t>
+                        </m:r>
+                        <m:sSub>
+                          <m:sSubPr>
+                            <m:ctrlPr>
+                              <a:rPr lang="en-US" i="1">
+                                <a:latin typeface="Cambria Math" charset="0"/>
+                              </a:rPr>
+                            </m:ctrlPr>
+                          </m:sSubPr>
+                          <m:e>
+                            <m:r>
+                              <a:rPr lang="en-US" i="1">
+                                <a:latin typeface="Cambria Math" charset="0"/>
+                              </a:rPr>
+                              <m:t>𝑡</m:t>
+                            </m:r>
+                          </m:e>
+                          <m:sub>
+                            <m:r>
+                              <a:rPr lang="en-US" i="1">
+                                <a:latin typeface="Cambria Math" charset="0"/>
+                              </a:rPr>
+                              <m:t>𝑗</m:t>
+                            </m:r>
+                          </m:sub>
+                        </m:sSub>
+                      </m:e>
+                    </m:d>
+                  </m:oMath>
+                </a14:m>
+                <a:endParaRPr lang="en-US" dirty="0" smtClean="0"/>
+              </a:p>
+              <a:p>
+                <a:pPr lvl="2"/>
                 <a:endParaRPr lang="en-US" dirty="0"/>
               </a:p>
             </p:txBody>
@@ -25156,9 +25777,9 @@
                 <a:ext cx="8596668" cy="4831492"/>
               </a:xfrm>
               <a:blipFill rotWithShape="0">
-                <a:blip r:embed="rId2"/>
+                <a:blip r:embed="rId3"/>
                 <a:stretch>
-                  <a:fillRect l="-142" t="-884" b="-3535"/>
+                  <a:fillRect l="-142" t="-1389" b="-1515"/>
                 </a:stretch>
               </a:blipFill>
             </p:spPr>
@@ -25181,6 +25802,177 @@
     <p:extLst>
       <p:ext uri="{BB962C8B-B14F-4D97-AF65-F5344CB8AC3E}">
         <p14:creationId xmlns:p14="http://schemas.microsoft.com/office/powerpoint/2010/main" val="931955386"/>
+      </p:ext>
+    </p:extLst>
+  </p:cSld>
+  <p:clrMapOvr>
+    <a:masterClrMapping/>
+  </p:clrMapOvr>
+</p:sld>
+</file>
+
+<file path=ppt/slides/slide28.xml><?xml version="1.0" encoding="utf-8"?>
+<p:sld xmlns:a="http://schemas.openxmlformats.org/drawingml/2006/main" xmlns:r="http://schemas.openxmlformats.org/officeDocument/2006/relationships" xmlns:p="http://schemas.openxmlformats.org/presentationml/2006/main">
+  <p:cSld>
+    <p:spTree>
+      <p:nvGrpSpPr>
+        <p:cNvPr id="1" name=""/>
+        <p:cNvGrpSpPr/>
+        <p:nvPr/>
+      </p:nvGrpSpPr>
+      <p:grpSpPr>
+        <a:xfrm>
+          <a:off x="0" y="0"/>
+          <a:ext cx="0" cy="0"/>
+          <a:chOff x="0" y="0"/>
+          <a:chExt cx="0" cy="0"/>
+        </a:xfrm>
+      </p:grpSpPr>
+      <p:sp>
+        <p:nvSpPr>
+          <p:cNvPr id="2" name="Title 1"/>
+          <p:cNvSpPr>
+            <a:spLocks noGrp="1"/>
+          </p:cNvSpPr>
+          <p:nvPr>
+            <p:ph type="title"/>
+          </p:nvPr>
+        </p:nvSpPr>
+        <p:spPr/>
+        <p:txBody>
+          <a:bodyPr/>
+          <a:lstStyle/>
+          <a:p>
+            <a:r>
+              <a:rPr lang="en-US" dirty="0"/>
+              <a:t>Our Method 2</a:t>
+            </a:r>
+          </a:p>
+        </p:txBody>
+      </p:sp>
+      <p:sp>
+        <p:nvSpPr>
+          <p:cNvPr id="3" name="Content Placeholder 2"/>
+          <p:cNvSpPr>
+            <a:spLocks noGrp="1"/>
+          </p:cNvSpPr>
+          <p:nvPr>
+            <p:ph idx="1"/>
+          </p:nvPr>
+        </p:nvSpPr>
+        <p:spPr/>
+        <p:txBody>
+          <a:bodyPr/>
+          <a:lstStyle/>
+          <a:p>
+            <a:r>
+              <a:rPr lang="en-US" dirty="0" smtClean="0"/>
+              <a:t>Advantages of method2:</a:t>
+            </a:r>
+          </a:p>
+          <a:p>
+            <a:pPr lvl="1"/>
+            <a:r>
+              <a:rPr lang="en-US" dirty="0" smtClean="0"/>
+              <a:t>We can learn kernels implicitly.</a:t>
+            </a:r>
+          </a:p>
+          <a:p>
+            <a:pPr lvl="2"/>
+            <a:r>
+              <a:rPr lang="en-US" dirty="0" smtClean="0"/>
+              <a:t>In general we will choose the kernel by writing kernel as linear combination of some popular kernels and optimize the linear combination.</a:t>
+            </a:r>
+          </a:p>
+          <a:p>
+            <a:pPr lvl="2"/>
+            <a:r>
+              <a:rPr lang="en-US" dirty="0" smtClean="0"/>
+              <a:t>Here it is implicit, we can choose basis kernels from some popular kernels, and linear combination is optimized taking tasks into account.</a:t>
+            </a:r>
+          </a:p>
+          <a:p>
+            <a:pPr lvl="1"/>
+            <a:r>
+              <a:rPr lang="en-US" dirty="0" smtClean="0"/>
+              <a:t>Weaker assumption to make than decomposing task dependent kernel into two components, task and input components respectively. </a:t>
+            </a:r>
+            <a:endParaRPr lang="en-US" dirty="0"/>
+          </a:p>
+        </p:txBody>
+      </p:sp>
+    </p:spTree>
+    <p:extLst>
+      <p:ext uri="{BB962C8B-B14F-4D97-AF65-F5344CB8AC3E}">
+        <p14:creationId xmlns:p14="http://schemas.microsoft.com/office/powerpoint/2010/main" val="160157352"/>
+      </p:ext>
+    </p:extLst>
+  </p:cSld>
+  <p:clrMapOvr>
+    <a:masterClrMapping/>
+  </p:clrMapOvr>
+</p:sld>
+</file>
+
+<file path=ppt/slides/slide29.xml><?xml version="1.0" encoding="utf-8"?>
+<p:sld xmlns:a="http://schemas.openxmlformats.org/drawingml/2006/main" xmlns:r="http://schemas.openxmlformats.org/officeDocument/2006/relationships" xmlns:p="http://schemas.openxmlformats.org/presentationml/2006/main">
+  <p:cSld>
+    <p:spTree>
+      <p:nvGrpSpPr>
+        <p:cNvPr id="1" name=""/>
+        <p:cNvGrpSpPr/>
+        <p:nvPr/>
+      </p:nvGrpSpPr>
+      <p:grpSpPr>
+        <a:xfrm>
+          <a:off x="0" y="0"/>
+          <a:ext cx="0" cy="0"/>
+          <a:chOff x="0" y="0"/>
+          <a:chExt cx="0" cy="0"/>
+        </a:xfrm>
+      </p:grpSpPr>
+      <p:sp>
+        <p:nvSpPr>
+          <p:cNvPr id="2" name="Title 1"/>
+          <p:cNvSpPr>
+            <a:spLocks noGrp="1"/>
+          </p:cNvSpPr>
+          <p:nvPr>
+            <p:ph type="title"/>
+          </p:nvPr>
+        </p:nvSpPr>
+        <p:spPr/>
+        <p:txBody>
+          <a:bodyPr/>
+          <a:lstStyle/>
+          <a:p>
+            <a:endParaRPr lang="en-US"/>
+          </a:p>
+        </p:txBody>
+      </p:sp>
+      <p:sp>
+        <p:nvSpPr>
+          <p:cNvPr id="3" name="Content Placeholder 2"/>
+          <p:cNvSpPr>
+            <a:spLocks noGrp="1"/>
+          </p:cNvSpPr>
+          <p:nvPr>
+            <p:ph idx="1"/>
+          </p:nvPr>
+        </p:nvSpPr>
+        <p:spPr/>
+        <p:txBody>
+          <a:bodyPr/>
+          <a:lstStyle/>
+          <a:p>
+            <a:endParaRPr lang="en-US"/>
+          </a:p>
+        </p:txBody>
+      </p:sp>
+    </p:spTree>
+    <p:extLst>
+      <p:ext uri="{BB962C8B-B14F-4D97-AF65-F5344CB8AC3E}">
+        <p14:creationId xmlns:p14="http://schemas.microsoft.com/office/powerpoint/2010/main" val="1081125779"/>
       </p:ext>
     </p:extLst>
   </p:cSld>

--- a/Presentation.pptx
+++ b/Presentation.pptx
@@ -5,7 +5,7 @@
     <p:sldMasterId id="2147483648" r:id="rId1"/>
   </p:sldMasterIdLst>
   <p:notesMasterIdLst>
-    <p:notesMasterId r:id="rId31"/>
+    <p:notesMasterId r:id="rId32"/>
   </p:notesMasterIdLst>
   <p:sldIdLst>
     <p:sldId id="256" r:id="rId2"/>
@@ -37,6 +37,7 @@
     <p:sldId id="282" r:id="rId28"/>
     <p:sldId id="283" r:id="rId29"/>
     <p:sldId id="284" r:id="rId30"/>
+    <p:sldId id="285" r:id="rId31"/>
   </p:sldIdLst>
   <p:sldSz cx="12192000" cy="6858000"/>
   <p:notesSz cx="6858000" cy="9144000"/>
@@ -25946,29 +25947,175 @@
           <a:bodyPr/>
           <a:lstStyle/>
           <a:p>
-            <a:endParaRPr lang="en-US"/>
+            <a:r>
+              <a:rPr lang="en-US" dirty="0" smtClean="0"/>
+              <a:t>Some interesting Future Works</a:t>
+            </a:r>
+            <a:endParaRPr lang="en-US" dirty="0"/>
           </a:p>
         </p:txBody>
       </p:sp>
-      <p:sp>
-        <p:nvSpPr>
-          <p:cNvPr id="3" name="Content Placeholder 2"/>
-          <p:cNvSpPr>
-            <a:spLocks noGrp="1"/>
-          </p:cNvSpPr>
-          <p:nvPr>
-            <p:ph idx="1"/>
-          </p:nvPr>
-        </p:nvSpPr>
-        <p:spPr/>
-        <p:txBody>
-          <a:bodyPr/>
-          <a:lstStyle/>
-          <a:p>
-            <a:endParaRPr lang="en-US"/>
-          </a:p>
-        </p:txBody>
-      </p:sp>
+      <mc:AlternateContent xmlns:mc="http://schemas.openxmlformats.org/markup-compatibility/2006">
+        <mc:Choice xmlns:a14="http://schemas.microsoft.com/office/drawing/2010/main" Requires="a14">
+          <p:sp>
+            <p:nvSpPr>
+              <p:cNvPr id="3" name="Content Placeholder 2"/>
+              <p:cNvSpPr>
+                <a:spLocks noGrp="1"/>
+              </p:cNvSpPr>
+              <p:nvPr>
+                <p:ph idx="1"/>
+              </p:nvPr>
+            </p:nvSpPr>
+            <p:spPr>
+              <a:xfrm>
+                <a:off x="677334" y="1655805"/>
+                <a:ext cx="8596668" cy="4385557"/>
+              </a:xfrm>
+            </p:spPr>
+            <p:txBody>
+              <a:bodyPr/>
+              <a:lstStyle/>
+              <a:p>
+                <a:r>
+                  <a:rPr lang="en-US" dirty="0" smtClean="0"/>
+                  <a:t>Zero-shot Bayesian Optimization:</a:t>
+                </a:r>
+              </a:p>
+              <a:p>
+                <a:pPr lvl="1"/>
+                <a:r>
+                  <a:rPr lang="en-US" dirty="0" smtClean="0"/>
+                  <a:t>We need to optimize a new black-box function even without querying once.</a:t>
+                </a:r>
+              </a:p>
+              <a:p>
+                <a:pPr lvl="1"/>
+                <a:r>
+                  <a:rPr lang="en-US" dirty="0" smtClean="0"/>
+                  <a:t>We can find some features of task (learn task embedding </a:t>
+                </a:r>
+                <a14:m>
+                  <m:oMath xmlns:m="http://schemas.openxmlformats.org/officeDocument/2006/math">
+                    <m:r>
+                      <a:rPr lang="en-US" b="0" i="1" smtClean="0">
+                        <a:latin typeface="Cambria Math" charset="0"/>
+                      </a:rPr>
+                      <m:t>𝑧</m:t>
+                    </m:r>
+                    <m:r>
+                      <a:rPr lang="en-US" b="0" i="1" smtClean="0">
+                        <a:latin typeface="Cambria Math" charset="0"/>
+                      </a:rPr>
+                      <m:t>(</m:t>
+                    </m:r>
+                    <m:r>
+                      <a:rPr lang="en-US" b="0" i="1" smtClean="0">
+                        <a:latin typeface="Cambria Math" charset="0"/>
+                      </a:rPr>
+                      <m:t>𝑡</m:t>
+                    </m:r>
+                    <m:r>
+                      <a:rPr lang="en-US" b="0" i="1" smtClean="0">
+                        <a:latin typeface="Cambria Math" charset="0"/>
+                      </a:rPr>
+                      <m:t>)</m:t>
+                    </m:r>
+                  </m:oMath>
+                </a14:m>
+                <a:r>
+                  <a:rPr lang="en-US" dirty="0" smtClean="0"/>
+                  <a:t>using these features)</a:t>
+                </a:r>
+              </a:p>
+              <a:p>
+                <a:pPr lvl="1"/>
+                <a:r>
+                  <a:rPr lang="en-US" dirty="0" smtClean="0"/>
+                  <a:t>Do MTBO, along with learning the co-variance using those features of tasks.</a:t>
+                </a:r>
+              </a:p>
+              <a:p>
+                <a:endParaRPr lang="en-US" dirty="0" smtClean="0"/>
+              </a:p>
+              <a:p>
+                <a:r>
+                  <a:rPr lang="en-US" dirty="0" smtClean="0"/>
+                  <a:t>MTGP with tasks from different domain</a:t>
+                </a:r>
+              </a:p>
+              <a:p>
+                <a:pPr lvl="1"/>
+                <a:r>
+                  <a:rPr lang="en-US" dirty="0" smtClean="0"/>
+                  <a:t>In this work we have assumed that all the task are from same domain (at least same dimensions), but kernels can be calculated even if two we have data from two </a:t>
+                </a:r>
+                <a:r>
+                  <a:rPr lang="en-US" dirty="0"/>
+                  <a:t>different </a:t>
+                </a:r>
+                <a:r>
+                  <a:rPr lang="en-US" dirty="0" smtClean="0"/>
+                  <a:t>spaces (</a:t>
+                </a:r>
+                <a:r>
+                  <a:rPr lang="en-US" dirty="0"/>
+                  <a:t>M</a:t>
+                </a:r>
+                <a:r>
+                  <a:rPr lang="en-US" dirty="0" smtClean="0"/>
+                  <a:t>ahalanobis distance).</a:t>
+                </a:r>
+              </a:p>
+              <a:p>
+                <a:pPr lvl="1"/>
+                <a:r>
+                  <a:rPr lang="en-US" dirty="0" smtClean="0"/>
+                  <a:t>We can also do this another way, first find a non-linear transformation such that reconstruction error is minimum and co-relation between tasks is more.</a:t>
+                </a:r>
+                <a:endParaRPr lang="en-US" dirty="0"/>
+              </a:p>
+            </p:txBody>
+          </p:sp>
+        </mc:Choice>
+        <mc:Fallback>
+          <p:sp>
+            <p:nvSpPr>
+              <p:cNvPr id="3" name="Content Placeholder 2"/>
+              <p:cNvSpPr>
+                <a:spLocks noGrp="1" noRot="1" noChangeAspect="1" noMove="1" noResize="1" noEditPoints="1" noAdjustHandles="1" noChangeArrowheads="1" noChangeShapeType="1" noTextEdit="1"/>
+              </p:cNvSpPr>
+              <p:nvPr>
+                <p:ph idx="1"/>
+              </p:nvPr>
+            </p:nvSpPr>
+            <p:spPr>
+              <a:xfrm>
+                <a:off x="677334" y="1655805"/>
+                <a:ext cx="8596668" cy="4385557"/>
+              </a:xfrm>
+              <a:blipFill rotWithShape="0">
+                <a:blip r:embed="rId2"/>
+                <a:stretch>
+                  <a:fillRect l="-142" t="-974"/>
+                </a:stretch>
+              </a:blipFill>
+            </p:spPr>
+            <p:txBody>
+              <a:bodyPr/>
+              <a:lstStyle/>
+              <a:p>
+                <a:r>
+                  <a:rPr lang="en-US">
+                    <a:noFill/>
+                  </a:rPr>
+                  <a:t> </a:t>
+                </a:r>
+              </a:p>
+            </p:txBody>
+          </p:sp>
+        </mc:Fallback>
+      </mc:AlternateContent>
     </p:spTree>
     <p:extLst>
       <p:ext uri="{BB962C8B-B14F-4D97-AF65-F5344CB8AC3E}">
@@ -26169,6 +26316,74 @@
     <p:extLst>
       <p:ext uri="{BB962C8B-B14F-4D97-AF65-F5344CB8AC3E}">
         <p14:creationId xmlns:p14="http://schemas.microsoft.com/office/powerpoint/2010/main" val="1115786583"/>
+      </p:ext>
+    </p:extLst>
+  </p:cSld>
+  <p:clrMapOvr>
+    <a:masterClrMapping/>
+  </p:clrMapOvr>
+</p:sld>
+</file>
+
+<file path=ppt/slides/slide30.xml><?xml version="1.0" encoding="utf-8"?>
+<p:sld xmlns:a="http://schemas.openxmlformats.org/drawingml/2006/main" xmlns:r="http://schemas.openxmlformats.org/officeDocument/2006/relationships" xmlns:p="http://schemas.openxmlformats.org/presentationml/2006/main">
+  <p:cSld>
+    <p:spTree>
+      <p:nvGrpSpPr>
+        <p:cNvPr id="1" name=""/>
+        <p:cNvGrpSpPr/>
+        <p:nvPr/>
+      </p:nvGrpSpPr>
+      <p:grpSpPr>
+        <a:xfrm>
+          <a:off x="0" y="0"/>
+          <a:ext cx="0" cy="0"/>
+          <a:chOff x="0" y="0"/>
+          <a:chExt cx="0" cy="0"/>
+        </a:xfrm>
+      </p:grpSpPr>
+      <p:sp>
+        <p:nvSpPr>
+          <p:cNvPr id="2" name="Title 1"/>
+          <p:cNvSpPr>
+            <a:spLocks noGrp="1"/>
+          </p:cNvSpPr>
+          <p:nvPr>
+            <p:ph type="title"/>
+          </p:nvPr>
+        </p:nvSpPr>
+        <p:spPr/>
+        <p:txBody>
+          <a:bodyPr/>
+          <a:lstStyle/>
+          <a:p>
+            <a:endParaRPr lang="en-US"/>
+          </a:p>
+        </p:txBody>
+      </p:sp>
+      <p:sp>
+        <p:nvSpPr>
+          <p:cNvPr id="3" name="Content Placeholder 2"/>
+          <p:cNvSpPr>
+            <a:spLocks noGrp="1"/>
+          </p:cNvSpPr>
+          <p:nvPr>
+            <p:ph idx="1"/>
+          </p:nvPr>
+        </p:nvSpPr>
+        <p:spPr/>
+        <p:txBody>
+          <a:bodyPr/>
+          <a:lstStyle/>
+          <a:p>
+            <a:endParaRPr lang="en-US"/>
+          </a:p>
+        </p:txBody>
+      </p:sp>
+    </p:spTree>
+    <p:extLst>
+      <p:ext uri="{BB962C8B-B14F-4D97-AF65-F5344CB8AC3E}">
+        <p14:creationId xmlns:p14="http://schemas.microsoft.com/office/powerpoint/2010/main" val="821217042"/>
       </p:ext>
     </p:extLst>
   </p:cSld>

--- a/Presentation.pptx
+++ b/Presentation.pptx
@@ -26357,29 +26357,39 @@
           <a:bodyPr/>
           <a:lstStyle/>
           <a:p>
-            <a:endParaRPr lang="en-US"/>
+            <a:endParaRPr lang="en-US" dirty="0"/>
           </a:p>
         </p:txBody>
       </p:sp>
-      <p:sp>
-        <p:nvSpPr>
-          <p:cNvPr id="3" name="Content Placeholder 2"/>
-          <p:cNvSpPr>
-            <a:spLocks noGrp="1"/>
-          </p:cNvSpPr>
+      <p:pic>
+        <p:nvPicPr>
+          <p:cNvPr id="4" name="Content Placeholder 3"/>
+          <p:cNvPicPr>
+            <a:picLocks noGrp="1" noChangeAspect="1"/>
+          </p:cNvPicPr>
           <p:nvPr>
             <p:ph idx="1"/>
           </p:nvPr>
-        </p:nvSpPr>
-        <p:spPr/>
-        <p:txBody>
-          <a:bodyPr/>
-          <a:lstStyle/>
-          <a:p>
-            <a:endParaRPr lang="en-US"/>
-          </a:p>
-        </p:txBody>
-      </p:sp>
+        </p:nvPicPr>
+        <p:blipFill>
+          <a:blip r:embed="rId2">
+            <a:extLst>
+              <a:ext uri="{28A0092B-C50C-407E-A947-70E740481C1C}">
+                <a14:useLocalDpi xmlns:a14="http://schemas.microsoft.com/office/drawing/2010/main" val="0"/>
+              </a:ext>
+            </a:extLst>
+          </a:blip>
+          <a:stretch>
+            <a:fillRect/>
+          </a:stretch>
+        </p:blipFill>
+        <p:spPr>
+          <a:xfrm>
+            <a:off x="1556951" y="1540305"/>
+            <a:ext cx="6388444" cy="4785167"/>
+          </a:xfrm>
+        </p:spPr>
+      </p:pic>
     </p:spTree>
     <p:extLst>
       <p:ext uri="{BB962C8B-B14F-4D97-AF65-F5344CB8AC3E}">

--- a/Presentation.pptx
+++ b/Presentation.pptx
@@ -5,7 +5,7 @@
     <p:sldMasterId id="2147483648" r:id="rId1"/>
   </p:sldMasterIdLst>
   <p:notesMasterIdLst>
-    <p:notesMasterId r:id="rId32"/>
+    <p:notesMasterId r:id="rId33"/>
   </p:notesMasterIdLst>
   <p:sldIdLst>
     <p:sldId id="256" r:id="rId2"/>
@@ -37,7 +37,8 @@
     <p:sldId id="282" r:id="rId28"/>
     <p:sldId id="283" r:id="rId29"/>
     <p:sldId id="284" r:id="rId30"/>
-    <p:sldId id="285" r:id="rId31"/>
+    <p:sldId id="286" r:id="rId31"/>
+    <p:sldId id="285" r:id="rId32"/>
   </p:sldIdLst>
   <p:sldSz cx="12192000" cy="6858000"/>
   <p:notesSz cx="6858000" cy="9144000"/>
@@ -10109,8 +10110,8 @@
           </a:p>
         </p:txBody>
       </p:sp>
-      <mc:AlternateContent xmlns:mc="http://schemas.openxmlformats.org/markup-compatibility/2006">
-        <mc:Choice xmlns:a14="http://schemas.microsoft.com/office/drawing/2010/main" Requires="a14">
+      <mc:AlternateContent xmlns:mc="http://schemas.openxmlformats.org/markup-compatibility/2006" xmlns:a14="http://schemas.microsoft.com/office/drawing/2010/main">
+        <mc:Choice Requires="a14">
           <p:sp>
             <p:nvSpPr>
               <p:cNvPr id="3" name="Content Placeholder 2"/>
@@ -12161,11 +12162,7 @@
               <a:p>
                 <a:r>
                   <a:rPr lang="en-US" dirty="0" smtClean="0"/>
-                  <a:t>Same as usual GP except everything now is task dependent</a:t>
-                </a:r>
-                <a:r>
-                  <a:rPr lang="en-US" dirty="0" smtClean="0"/>
-                  <a:t>. It is very much non scalable </a:t>
+                  <a:t>Same as usual GP except everything now is task dependent. It is very much non scalable </a:t>
                 </a:r>
                 <a14:m>
                   <m:oMath xmlns:m="http://schemas.openxmlformats.org/officeDocument/2006/math">
@@ -12223,7 +12220,7 @@
             </p:txBody>
           </p:sp>
         </mc:Choice>
-        <mc:Fallback>
+        <mc:Fallback xmlns="">
           <p:sp>
             <p:nvSpPr>
               <p:cNvPr id="3" name="Content Placeholder 2"/>
@@ -19678,8 +19675,8 @@
           </a:p>
         </p:txBody>
       </p:sp>
-      <mc:AlternateContent xmlns:mc="http://schemas.openxmlformats.org/markup-compatibility/2006">
-        <mc:Choice xmlns:a14="http://schemas.microsoft.com/office/drawing/2010/main" Requires="a14">
+      <mc:AlternateContent xmlns:mc="http://schemas.openxmlformats.org/markup-compatibility/2006" xmlns:a14="http://schemas.microsoft.com/office/drawing/2010/main">
+        <mc:Choice Requires="a14">
           <p:sp>
             <p:nvSpPr>
               <p:cNvPr id="3" name="Content Placeholder 2"/>
@@ -20547,7 +20544,6 @@
                   <a:rPr lang="en-US" dirty="0" smtClean="0"/>
                   <a:t>Alternating optimization</a:t>
                 </a:r>
-                <a:endParaRPr lang="en-US" dirty="0" smtClean="0"/>
               </a:p>
               <a:p>
                 <a:pPr lvl="1"/>
@@ -20563,7 +20559,7 @@
             </p:txBody>
           </p:sp>
         </mc:Choice>
-        <mc:Fallback>
+        <mc:Fallback xmlns="">
           <p:sp>
             <p:nvSpPr>
               <p:cNvPr id="3" name="Content Placeholder 2"/>
@@ -20653,8 +20649,8 @@
           </a:p>
         </p:txBody>
       </p:sp>
-      <mc:AlternateContent xmlns:mc="http://schemas.openxmlformats.org/markup-compatibility/2006">
-        <mc:Choice xmlns:a14="http://schemas.microsoft.com/office/drawing/2010/main" Requires="a14">
+      <mc:AlternateContent xmlns:mc="http://schemas.openxmlformats.org/markup-compatibility/2006" xmlns:a14="http://schemas.microsoft.com/office/drawing/2010/main">
+        <mc:Choice Requires="a14">
           <p:sp>
             <p:nvSpPr>
               <p:cNvPr id="3" name="Content Placeholder 2"/>
@@ -21254,7 +21250,7 @@
             </p:txBody>
           </p:sp>
         </mc:Choice>
-        <mc:Fallback>
+        <mc:Fallback xmlns="">
           <p:sp>
             <p:nvSpPr>
               <p:cNvPr id="3" name="Content Placeholder 2"/>
@@ -21344,8 +21340,8 @@
           </a:p>
         </p:txBody>
       </p:sp>
-      <mc:AlternateContent xmlns:mc="http://schemas.openxmlformats.org/markup-compatibility/2006">
-        <mc:Choice xmlns:a14="http://schemas.microsoft.com/office/drawing/2010/main" Requires="a14">
+      <mc:AlternateContent xmlns:mc="http://schemas.openxmlformats.org/markup-compatibility/2006" xmlns:a14="http://schemas.microsoft.com/office/drawing/2010/main">
+        <mc:Choice Requires="a14">
           <p:sp>
             <p:nvSpPr>
               <p:cNvPr id="3" name="Content Placeholder 2"/>
@@ -22278,7 +22274,7 @@
             </p:txBody>
           </p:sp>
         </mc:Choice>
-        <mc:Fallback>
+        <mc:Fallback xmlns="">
           <p:sp>
             <p:nvSpPr>
               <p:cNvPr id="3" name="Content Placeholder 2"/>
@@ -22364,8 +22360,8 @@
           </a:p>
         </p:txBody>
       </p:sp>
-      <mc:AlternateContent xmlns:mc="http://schemas.openxmlformats.org/markup-compatibility/2006">
-        <mc:Choice xmlns:a14="http://schemas.microsoft.com/office/drawing/2010/main" Requires="a14">
+      <mc:AlternateContent xmlns:mc="http://schemas.openxmlformats.org/markup-compatibility/2006" xmlns:a14="http://schemas.microsoft.com/office/drawing/2010/main">
+        <mc:Choice Requires="a14">
           <p:sp>
             <p:nvSpPr>
               <p:cNvPr id="3" name="Content Placeholder 2"/>
@@ -22498,7 +22494,7 @@
             </p:txBody>
           </p:sp>
         </mc:Choice>
-        <mc:Fallback>
+        <mc:Fallback xmlns="">
           <p:sp>
             <p:nvSpPr>
               <p:cNvPr id="3" name="Content Placeholder 2"/>
@@ -22585,8 +22581,8 @@
           </a:p>
         </p:txBody>
       </p:sp>
-      <mc:AlternateContent xmlns:mc="http://schemas.openxmlformats.org/markup-compatibility/2006">
-        <mc:Choice xmlns:a14="http://schemas.microsoft.com/office/drawing/2010/main" Requires="a14">
+      <mc:AlternateContent xmlns:mc="http://schemas.openxmlformats.org/markup-compatibility/2006" xmlns:a14="http://schemas.microsoft.com/office/drawing/2010/main">
+        <mc:Choice Requires="a14">
           <p:sp>
             <p:nvSpPr>
               <p:cNvPr id="3" name="Content Placeholder 2"/>
@@ -22985,7 +22981,7 @@
             </p:txBody>
           </p:sp>
         </mc:Choice>
-        <mc:Fallback>
+        <mc:Fallback xmlns="">
           <p:sp>
             <p:nvSpPr>
               <p:cNvPr id="3" name="Content Placeholder 2"/>
@@ -23075,8 +23071,8 @@
           </a:p>
         </p:txBody>
       </p:sp>
-      <mc:AlternateContent xmlns:mc="http://schemas.openxmlformats.org/markup-compatibility/2006">
-        <mc:Choice xmlns:a14="http://schemas.microsoft.com/office/drawing/2010/main" Requires="a14">
+      <mc:AlternateContent xmlns:mc="http://schemas.openxmlformats.org/markup-compatibility/2006" xmlns:a14="http://schemas.microsoft.com/office/drawing/2010/main">
+        <mc:Choice Requires="a14">
           <p:sp>
             <p:nvSpPr>
               <p:cNvPr id="3" name="Content Placeholder 2"/>
@@ -24258,11 +24254,7 @@
                 </a14:m>
                 <a:r>
                   <a:rPr lang="en-US" dirty="0"/>
-                  <a:t> </a:t>
-                </a:r>
-                <a:r>
-                  <a:rPr lang="en-US" dirty="0"/>
-                  <a:t> = </a:t>
+                  <a:t>  = </a:t>
                 </a:r>
                 <a14:m>
                   <m:oMath xmlns:m="http://schemas.openxmlformats.org/officeDocument/2006/math">
@@ -25761,7 +25753,7 @@
             </p:txBody>
           </p:sp>
         </mc:Choice>
-        <mc:Fallback>
+        <mc:Fallback xmlns="">
           <p:sp>
             <p:nvSpPr>
               <p:cNvPr id="3" name="Content Placeholder 2"/>
@@ -25955,8 +25947,8 @@
           </a:p>
         </p:txBody>
       </p:sp>
-      <mc:AlternateContent xmlns:mc="http://schemas.openxmlformats.org/markup-compatibility/2006">
-        <mc:Choice xmlns:a14="http://schemas.microsoft.com/office/drawing/2010/main" Requires="a14">
+      <mc:AlternateContent xmlns:mc="http://schemas.openxmlformats.org/markup-compatibility/2006" xmlns:a14="http://schemas.microsoft.com/office/drawing/2010/main">
+        <mc:Choice Requires="a14">
           <p:sp>
             <p:nvSpPr>
               <p:cNvPr id="3" name="Content Placeholder 2"/>
@@ -26078,7 +26070,7 @@
             </p:txBody>
           </p:sp>
         </mc:Choice>
-        <mc:Fallback>
+        <mc:Fallback xmlns="">
           <p:sp>
             <p:nvSpPr>
               <p:cNvPr id="3" name="Content Placeholder 2"/>
@@ -26326,6 +26318,186 @@
 </file>
 
 <file path=ppt/slides/slide30.xml><?xml version="1.0" encoding="utf-8"?>
+<p:sld xmlns:a="http://schemas.openxmlformats.org/drawingml/2006/main" xmlns:r="http://schemas.openxmlformats.org/officeDocument/2006/relationships" xmlns:p="http://schemas.openxmlformats.org/presentationml/2006/main">
+  <p:cSld>
+    <p:spTree>
+      <p:nvGrpSpPr>
+        <p:cNvPr id="1" name=""/>
+        <p:cNvGrpSpPr/>
+        <p:nvPr/>
+      </p:nvGrpSpPr>
+      <p:grpSpPr>
+        <a:xfrm>
+          <a:off x="0" y="0"/>
+          <a:ext cx="0" cy="0"/>
+          <a:chOff x="0" y="0"/>
+          <a:chExt cx="0" cy="0"/>
+        </a:xfrm>
+      </p:grpSpPr>
+      <p:sp>
+        <p:nvSpPr>
+          <p:cNvPr id="2" name="Title 1"/>
+          <p:cNvSpPr>
+            <a:spLocks noGrp="1"/>
+          </p:cNvSpPr>
+          <p:nvPr>
+            <p:ph type="title"/>
+          </p:nvPr>
+        </p:nvSpPr>
+        <p:spPr/>
+        <p:txBody>
+          <a:bodyPr/>
+          <a:lstStyle/>
+          <a:p>
+            <a:r>
+              <a:rPr lang="en-US" dirty="0" smtClean="0"/>
+              <a:t>References</a:t>
+            </a:r>
+            <a:endParaRPr lang="en-US" dirty="0"/>
+          </a:p>
+        </p:txBody>
+      </p:sp>
+      <p:sp>
+        <p:nvSpPr>
+          <p:cNvPr id="3" name="Content Placeholder 2"/>
+          <p:cNvSpPr>
+            <a:spLocks noGrp="1"/>
+          </p:cNvSpPr>
+          <p:nvPr>
+            <p:ph idx="1"/>
+          </p:nvPr>
+        </p:nvSpPr>
+        <p:spPr/>
+        <p:txBody>
+          <a:bodyPr/>
+          <a:lstStyle/>
+          <a:p>
+            <a:r>
+              <a:rPr lang="en-US" dirty="0" smtClean="0"/>
+              <a:t>Prof. Piyush Rai sir slides</a:t>
+            </a:r>
+          </a:p>
+          <a:p>
+            <a:r>
+              <a:rPr lang="en-US" dirty="0"/>
+              <a:t>Practical Bayesian Optimization of Machine Learning Algorithms </a:t>
+            </a:r>
+            <a:r>
+              <a:rPr lang="en-US" dirty="0" smtClean="0"/>
+              <a:t>(</a:t>
+            </a:r>
+            <a:r>
+              <a:rPr lang="en-US" dirty="0"/>
+              <a:t>Jasper </a:t>
+            </a:r>
+            <a:r>
+              <a:rPr lang="en-US" dirty="0" err="1"/>
+              <a:t>Snoek</a:t>
+            </a:r>
+            <a:r>
+              <a:rPr lang="en-US" dirty="0"/>
+              <a:t> </a:t>
+            </a:r>
+            <a:r>
+              <a:rPr lang="en-US" dirty="0" smtClean="0"/>
+              <a:t>Hugo </a:t>
+            </a:r>
+            <a:r>
+              <a:rPr lang="en-US" dirty="0"/>
+              <a:t>Larochelle </a:t>
+            </a:r>
+            <a:r>
+              <a:rPr lang="en-US" dirty="0" smtClean="0"/>
+              <a:t>Ryan </a:t>
+            </a:r>
+            <a:r>
+              <a:rPr lang="en-US" dirty="0"/>
+              <a:t>P. Adams </a:t>
+            </a:r>
+            <a:r>
+              <a:rPr lang="en-US" dirty="0" smtClean="0"/>
+              <a:t>)</a:t>
+            </a:r>
+          </a:p>
+          <a:p>
+            <a:r>
+              <a:rPr lang="en-US" dirty="0"/>
+              <a:t>Multi-Task Bayesian Optimization </a:t>
+            </a:r>
+            <a:r>
+              <a:rPr lang="en-US" dirty="0" smtClean="0"/>
+              <a:t>(</a:t>
+            </a:r>
+            <a:r>
+              <a:rPr lang="en-US" dirty="0"/>
+              <a:t>Kevin </a:t>
+            </a:r>
+            <a:r>
+              <a:rPr lang="en-US" dirty="0" err="1"/>
+              <a:t>Swersky</a:t>
+            </a:r>
+            <a:r>
+              <a:rPr lang="en-US" dirty="0"/>
+              <a:t> </a:t>
+            </a:r>
+            <a:r>
+              <a:rPr lang="en-US" dirty="0" smtClean="0"/>
+              <a:t>, </a:t>
+            </a:r>
+            <a:r>
+              <a:rPr lang="en-US" dirty="0"/>
+              <a:t>Jasper </a:t>
+            </a:r>
+            <a:r>
+              <a:rPr lang="en-US" dirty="0" err="1" smtClean="0"/>
+              <a:t>Snoek</a:t>
+            </a:r>
+            <a:r>
+              <a:rPr lang="en-US" dirty="0" smtClean="0"/>
+              <a:t> , </a:t>
+            </a:r>
+            <a:r>
+              <a:rPr lang="en-US" dirty="0"/>
+              <a:t>Ryan P. Adams </a:t>
+            </a:r>
+            <a:r>
+              <a:rPr lang="en-US" dirty="0" smtClean="0"/>
+              <a:t>)</a:t>
+            </a:r>
+          </a:p>
+          <a:p>
+            <a:r>
+              <a:rPr lang="en-US" dirty="0"/>
+              <a:t>Scalable Bayesian Optimization Using Deep Neural Networks </a:t>
+            </a:r>
+            <a:endParaRPr lang="en-US" dirty="0"/>
+          </a:p>
+          <a:p>
+            <a:r>
+              <a:rPr lang="en-US" dirty="0"/>
+              <a:t>Bayesian Optimization with Robust Bayesian Neural Networks </a:t>
+            </a:r>
+            <a:endParaRPr lang="en-US" dirty="0"/>
+          </a:p>
+          <a:p>
+            <a:endParaRPr lang="en-US" dirty="0"/>
+          </a:p>
+        </p:txBody>
+      </p:sp>
+    </p:spTree>
+    <p:extLst>
+      <p:ext uri="{BB962C8B-B14F-4D97-AF65-F5344CB8AC3E}">
+        <p14:creationId xmlns:p14="http://schemas.microsoft.com/office/powerpoint/2010/main" val="1371811455"/>
+      </p:ext>
+    </p:extLst>
+  </p:cSld>
+  <p:clrMapOvr>
+    <a:masterClrMapping/>
+  </p:clrMapOvr>
+</p:sld>
+</file>
+
+<file path=ppt/slides/slide31.xml><?xml version="1.0" encoding="utf-8"?>
 <p:sld xmlns:a="http://schemas.openxmlformats.org/drawingml/2006/main" xmlns:r="http://schemas.openxmlformats.org/officeDocument/2006/relationships" xmlns:p="http://schemas.openxmlformats.org/presentationml/2006/main">
   <p:cSld>
     <p:spTree>
